--- a/Presentazione.pptx
+++ b/Presentazione.pptx
@@ -4,12 +4,23 @@
   <p:sldMasterIdLst>
     <p:sldMasterId id="2147483660" r:id="rId1"/>
   </p:sldMasterIdLst>
+  <p:notesMasterIdLst>
+    <p:notesMasterId r:id="rId15"/>
+  </p:notesMasterIdLst>
   <p:sldIdLst>
     <p:sldId id="257" r:id="rId2"/>
     <p:sldId id="260" r:id="rId3"/>
     <p:sldId id="261" r:id="rId4"/>
     <p:sldId id="262" r:id="rId5"/>
     <p:sldId id="259" r:id="rId6"/>
+    <p:sldId id="263" r:id="rId7"/>
+    <p:sldId id="264" r:id="rId8"/>
+    <p:sldId id="265" r:id="rId9"/>
+    <p:sldId id="270" r:id="rId10"/>
+    <p:sldId id="266" r:id="rId11"/>
+    <p:sldId id="267" r:id="rId12"/>
+    <p:sldId id="268" r:id="rId13"/>
+    <p:sldId id="269" r:id="rId14"/>
   </p:sldIdLst>
   <p:sldSz cx="12192000" cy="6858000"/>
   <p:notesSz cx="6858000" cy="9144000"/>
@@ -128,6 +139,355 @@
 </p:cmAuthorLst>
 </file>
 
+<file path=ppt/notesMasters/notesMaster1.xml><?xml version="1.0" encoding="utf-8"?>
+<p:notesMaster xmlns:a="http://schemas.openxmlformats.org/drawingml/2006/main" xmlns:r="http://schemas.openxmlformats.org/officeDocument/2006/relationships" xmlns:p="http://schemas.openxmlformats.org/presentationml/2006/main">
+  <p:cSld>
+    <p:bg>
+      <p:bgRef idx="1001">
+        <a:schemeClr val="bg1"/>
+      </p:bgRef>
+    </p:bg>
+    <p:spTree>
+      <p:nvGrpSpPr>
+        <p:cNvPr id="1" name=""/>
+        <p:cNvGrpSpPr/>
+        <p:nvPr/>
+      </p:nvGrpSpPr>
+      <p:grpSpPr>
+        <a:xfrm>
+          <a:off x="0" y="0"/>
+          <a:ext cx="0" cy="0"/>
+          <a:chOff x="0" y="0"/>
+          <a:chExt cx="0" cy="0"/>
+        </a:xfrm>
+      </p:grpSpPr>
+      <p:sp>
+        <p:nvSpPr>
+          <p:cNvPr id="2" name="Segnaposto intestazione 1"/>
+          <p:cNvSpPr>
+            <a:spLocks noGrp="1"/>
+          </p:cNvSpPr>
+          <p:nvPr>
+            <p:ph type="hdr" sz="quarter"/>
+          </p:nvPr>
+        </p:nvSpPr>
+        <p:spPr>
+          <a:xfrm>
+            <a:off x="0" y="0"/>
+            <a:ext cx="2971800" cy="458788"/>
+          </a:xfrm>
+          <a:prstGeom prst="rect">
+            <a:avLst/>
+          </a:prstGeom>
+        </p:spPr>
+        <p:txBody>
+          <a:bodyPr vert="horz" lIns="91440" tIns="45720" rIns="91440" bIns="45720" rtlCol="0"/>
+          <a:lstStyle>
+            <a:lvl1pPr algn="l">
+              <a:defRPr sz="1200"/>
+            </a:lvl1pPr>
+          </a:lstStyle>
+          <a:p>
+            <a:endParaRPr lang="it-IT"/>
+          </a:p>
+        </p:txBody>
+      </p:sp>
+      <p:sp>
+        <p:nvSpPr>
+          <p:cNvPr id="3" name="Segnaposto data 2"/>
+          <p:cNvSpPr>
+            <a:spLocks noGrp="1"/>
+          </p:cNvSpPr>
+          <p:nvPr>
+            <p:ph type="dt" idx="1"/>
+          </p:nvPr>
+        </p:nvSpPr>
+        <p:spPr>
+          <a:xfrm>
+            <a:off x="3884613" y="0"/>
+            <a:ext cx="2971800" cy="458788"/>
+          </a:xfrm>
+          <a:prstGeom prst="rect">
+            <a:avLst/>
+          </a:prstGeom>
+        </p:spPr>
+        <p:txBody>
+          <a:bodyPr vert="horz" lIns="91440" tIns="45720" rIns="91440" bIns="45720" rtlCol="0"/>
+          <a:lstStyle>
+            <a:lvl1pPr algn="r">
+              <a:defRPr sz="1200"/>
+            </a:lvl1pPr>
+          </a:lstStyle>
+          <a:p>
+            <a:fld id="{D62E0E92-620B-48BA-B70C-9AD2F1AE0B02}" type="datetimeFigureOut">
+              <a:rPr lang="it-IT" smtClean="0"/>
+              <a:t>11/11/2021</a:t>
+            </a:fld>
+            <a:endParaRPr lang="it-IT"/>
+          </a:p>
+        </p:txBody>
+      </p:sp>
+      <p:sp>
+        <p:nvSpPr>
+          <p:cNvPr id="4" name="Segnaposto immagine diapositiva 3"/>
+          <p:cNvSpPr>
+            <a:spLocks noGrp="1" noRot="1" noChangeAspect="1"/>
+          </p:cNvSpPr>
+          <p:nvPr>
+            <p:ph type="sldImg" idx="2"/>
+          </p:nvPr>
+        </p:nvSpPr>
+        <p:spPr>
+          <a:xfrm>
+            <a:off x="685800" y="1143000"/>
+            <a:ext cx="5486400" cy="3086100"/>
+          </a:xfrm>
+          <a:prstGeom prst="rect">
+            <a:avLst/>
+          </a:prstGeom>
+          <a:noFill/>
+          <a:ln w="12700">
+            <a:solidFill>
+              <a:prstClr val="black"/>
+            </a:solidFill>
+          </a:ln>
+        </p:spPr>
+        <p:txBody>
+          <a:bodyPr vert="horz" lIns="91440" tIns="45720" rIns="91440" bIns="45720" rtlCol="0" anchor="ctr"/>
+          <a:lstStyle/>
+          <a:p>
+            <a:endParaRPr lang="it-IT"/>
+          </a:p>
+        </p:txBody>
+      </p:sp>
+      <p:sp>
+        <p:nvSpPr>
+          <p:cNvPr id="5" name="Segnaposto note 4"/>
+          <p:cNvSpPr>
+            <a:spLocks noGrp="1"/>
+          </p:cNvSpPr>
+          <p:nvPr>
+            <p:ph type="body" sz="quarter" idx="3"/>
+          </p:nvPr>
+        </p:nvSpPr>
+        <p:spPr>
+          <a:xfrm>
+            <a:off x="685800" y="4400550"/>
+            <a:ext cx="5486400" cy="3600450"/>
+          </a:xfrm>
+          <a:prstGeom prst="rect">
+            <a:avLst/>
+          </a:prstGeom>
+        </p:spPr>
+        <p:txBody>
+          <a:bodyPr vert="horz" lIns="91440" tIns="45720" rIns="91440" bIns="45720" rtlCol="0"/>
+          <a:lstStyle/>
+          <a:p>
+            <a:pPr lvl="0"/>
+            <a:r>
+              <a:rPr lang="it-IT"/>
+              <a:t>Fare clic per modificare gli stili del testo dello schema</a:t>
+            </a:r>
+          </a:p>
+          <a:p>
+            <a:pPr lvl="1"/>
+            <a:r>
+              <a:rPr lang="it-IT"/>
+              <a:t>Secondo livello</a:t>
+            </a:r>
+          </a:p>
+          <a:p>
+            <a:pPr lvl="2"/>
+            <a:r>
+              <a:rPr lang="it-IT"/>
+              <a:t>Terzo livello</a:t>
+            </a:r>
+          </a:p>
+          <a:p>
+            <a:pPr lvl="3"/>
+            <a:r>
+              <a:rPr lang="it-IT"/>
+              <a:t>Quarto livello</a:t>
+            </a:r>
+          </a:p>
+          <a:p>
+            <a:pPr lvl="4"/>
+            <a:r>
+              <a:rPr lang="it-IT"/>
+              <a:t>Quinto livello</a:t>
+            </a:r>
+          </a:p>
+        </p:txBody>
+      </p:sp>
+      <p:sp>
+        <p:nvSpPr>
+          <p:cNvPr id="6" name="Segnaposto piè di pagina 5"/>
+          <p:cNvSpPr>
+            <a:spLocks noGrp="1"/>
+          </p:cNvSpPr>
+          <p:nvPr>
+            <p:ph type="ftr" sz="quarter" idx="4"/>
+          </p:nvPr>
+        </p:nvSpPr>
+        <p:spPr>
+          <a:xfrm>
+            <a:off x="0" y="8685213"/>
+            <a:ext cx="2971800" cy="458787"/>
+          </a:xfrm>
+          <a:prstGeom prst="rect">
+            <a:avLst/>
+          </a:prstGeom>
+        </p:spPr>
+        <p:txBody>
+          <a:bodyPr vert="horz" lIns="91440" tIns="45720" rIns="91440" bIns="45720" rtlCol="0" anchor="b"/>
+          <a:lstStyle>
+            <a:lvl1pPr algn="l">
+              <a:defRPr sz="1200"/>
+            </a:lvl1pPr>
+          </a:lstStyle>
+          <a:p>
+            <a:endParaRPr lang="it-IT"/>
+          </a:p>
+        </p:txBody>
+      </p:sp>
+      <p:sp>
+        <p:nvSpPr>
+          <p:cNvPr id="7" name="Segnaposto numero diapositiva 6"/>
+          <p:cNvSpPr>
+            <a:spLocks noGrp="1"/>
+          </p:cNvSpPr>
+          <p:nvPr>
+            <p:ph type="sldNum" sz="quarter" idx="5"/>
+          </p:nvPr>
+        </p:nvSpPr>
+        <p:spPr>
+          <a:xfrm>
+            <a:off x="3884613" y="8685213"/>
+            <a:ext cx="2971800" cy="458787"/>
+          </a:xfrm>
+          <a:prstGeom prst="rect">
+            <a:avLst/>
+          </a:prstGeom>
+        </p:spPr>
+        <p:txBody>
+          <a:bodyPr vert="horz" lIns="91440" tIns="45720" rIns="91440" bIns="45720" rtlCol="0" anchor="b"/>
+          <a:lstStyle>
+            <a:lvl1pPr algn="r">
+              <a:defRPr sz="1200"/>
+            </a:lvl1pPr>
+          </a:lstStyle>
+          <a:p>
+            <a:fld id="{576CE702-1816-4CE7-808A-4115E5969168}" type="slidenum">
+              <a:rPr lang="it-IT" smtClean="0"/>
+              <a:t>‹N›</a:t>
+            </a:fld>
+            <a:endParaRPr lang="it-IT"/>
+          </a:p>
+        </p:txBody>
+      </p:sp>
+    </p:spTree>
+    <p:extLst>
+      <p:ext uri="{BB962C8B-B14F-4D97-AF65-F5344CB8AC3E}">
+        <p14:creationId xmlns:p14="http://schemas.microsoft.com/office/powerpoint/2010/main" val="3530713947"/>
+      </p:ext>
+    </p:extLst>
+  </p:cSld>
+  <p:clrMap bg1="lt1" tx1="dk1" bg2="lt2" tx2="dk2" accent1="accent1" accent2="accent2" accent3="accent3" accent4="accent4" accent5="accent5" accent6="accent6" hlink="hlink" folHlink="folHlink"/>
+  <p:notesStyle>
+    <a:lvl1pPr marL="0" algn="l" defTabSz="914400" rtl="0" eaLnBrk="1" latinLnBrk="0" hangingPunct="1">
+      <a:defRPr sz="1200" kern="1200">
+        <a:solidFill>
+          <a:schemeClr val="tx1"/>
+        </a:solidFill>
+        <a:latin typeface="+mn-lt"/>
+        <a:ea typeface="+mn-ea"/>
+        <a:cs typeface="+mn-cs"/>
+      </a:defRPr>
+    </a:lvl1pPr>
+    <a:lvl2pPr marL="457200" algn="l" defTabSz="914400" rtl="0" eaLnBrk="1" latinLnBrk="0" hangingPunct="1">
+      <a:defRPr sz="1200" kern="1200">
+        <a:solidFill>
+          <a:schemeClr val="tx1"/>
+        </a:solidFill>
+        <a:latin typeface="+mn-lt"/>
+        <a:ea typeface="+mn-ea"/>
+        <a:cs typeface="+mn-cs"/>
+      </a:defRPr>
+    </a:lvl2pPr>
+    <a:lvl3pPr marL="914400" algn="l" defTabSz="914400" rtl="0" eaLnBrk="1" latinLnBrk="0" hangingPunct="1">
+      <a:defRPr sz="1200" kern="1200">
+        <a:solidFill>
+          <a:schemeClr val="tx1"/>
+        </a:solidFill>
+        <a:latin typeface="+mn-lt"/>
+        <a:ea typeface="+mn-ea"/>
+        <a:cs typeface="+mn-cs"/>
+      </a:defRPr>
+    </a:lvl3pPr>
+    <a:lvl4pPr marL="1371600" algn="l" defTabSz="914400" rtl="0" eaLnBrk="1" latinLnBrk="0" hangingPunct="1">
+      <a:defRPr sz="1200" kern="1200">
+        <a:solidFill>
+          <a:schemeClr val="tx1"/>
+        </a:solidFill>
+        <a:latin typeface="+mn-lt"/>
+        <a:ea typeface="+mn-ea"/>
+        <a:cs typeface="+mn-cs"/>
+      </a:defRPr>
+    </a:lvl4pPr>
+    <a:lvl5pPr marL="1828800" algn="l" defTabSz="914400" rtl="0" eaLnBrk="1" latinLnBrk="0" hangingPunct="1">
+      <a:defRPr sz="1200" kern="1200">
+        <a:solidFill>
+          <a:schemeClr val="tx1"/>
+        </a:solidFill>
+        <a:latin typeface="+mn-lt"/>
+        <a:ea typeface="+mn-ea"/>
+        <a:cs typeface="+mn-cs"/>
+      </a:defRPr>
+    </a:lvl5pPr>
+    <a:lvl6pPr marL="2286000" algn="l" defTabSz="914400" rtl="0" eaLnBrk="1" latinLnBrk="0" hangingPunct="1">
+      <a:defRPr sz="1200" kern="1200">
+        <a:solidFill>
+          <a:schemeClr val="tx1"/>
+        </a:solidFill>
+        <a:latin typeface="+mn-lt"/>
+        <a:ea typeface="+mn-ea"/>
+        <a:cs typeface="+mn-cs"/>
+      </a:defRPr>
+    </a:lvl6pPr>
+    <a:lvl7pPr marL="2743200" algn="l" defTabSz="914400" rtl="0" eaLnBrk="1" latinLnBrk="0" hangingPunct="1">
+      <a:defRPr sz="1200" kern="1200">
+        <a:solidFill>
+          <a:schemeClr val="tx1"/>
+        </a:solidFill>
+        <a:latin typeface="+mn-lt"/>
+        <a:ea typeface="+mn-ea"/>
+        <a:cs typeface="+mn-cs"/>
+      </a:defRPr>
+    </a:lvl7pPr>
+    <a:lvl8pPr marL="3200400" algn="l" defTabSz="914400" rtl="0" eaLnBrk="1" latinLnBrk="0" hangingPunct="1">
+      <a:defRPr sz="1200" kern="1200">
+        <a:solidFill>
+          <a:schemeClr val="tx1"/>
+        </a:solidFill>
+        <a:latin typeface="+mn-lt"/>
+        <a:ea typeface="+mn-ea"/>
+        <a:cs typeface="+mn-cs"/>
+      </a:defRPr>
+    </a:lvl8pPr>
+    <a:lvl9pPr marL="3657600" algn="l" defTabSz="914400" rtl="0" eaLnBrk="1" latinLnBrk="0" hangingPunct="1">
+      <a:defRPr sz="1200" kern="1200">
+        <a:solidFill>
+          <a:schemeClr val="tx1"/>
+        </a:solidFill>
+        <a:latin typeface="+mn-lt"/>
+        <a:ea typeface="+mn-ea"/>
+        <a:cs typeface="+mn-cs"/>
+      </a:defRPr>
+    </a:lvl9pPr>
+  </p:notesStyle>
+</p:notesMaster>
+</file>
+
 <file path=ppt/slideLayouts/slideLayout1.xml><?xml version="1.0" encoding="utf-8"?>
 <p:sldLayout xmlns:a="http://schemas.openxmlformats.org/drawingml/2006/main" xmlns:r="http://schemas.openxmlformats.org/officeDocument/2006/relationships" xmlns:p="http://schemas.openxmlformats.org/presentationml/2006/main" type="title" preserve="1">
   <p:cSld name="Title Slide">
@@ -275,9 +635,9 @@
           <a:bodyPr anchor="b" anchorCtr="0"/>
           <a:lstStyle/>
           <a:p>
-            <a:fld id="{F4D57BDD-E64A-4D27-8978-82FFCA18A12C}" type="datetimeFigureOut">
-              <a:rPr lang="en-US" smtClean="0"/>
-              <a:t>11/7/2021</a:t>
+            <a:fld id="{99327CAC-D07F-4375-87D3-274161A65017}" type="datetime1">
+              <a:rPr lang="it-IT" smtClean="0"/>
+              <a:t>11/11/2021</a:t>
             </a:fld>
             <a:endParaRPr lang="en-US"/>
           </a:p>
@@ -304,7 +664,10 @@
           <a:bodyPr/>
           <a:lstStyle/>
           <a:p>
-            <a:endParaRPr lang="en-US"/>
+            <a:r>
+              <a:rPr lang="en-US"/>
+              <a:t>Francesco Luzzi</a:t>
+            </a:r>
           </a:p>
         </p:txBody>
       </p:sp>
@@ -484,9 +847,9 @@
           <a:bodyPr/>
           <a:lstStyle/>
           <a:p>
-            <a:fld id="{F4D57BDD-E64A-4D27-8978-82FFCA18A12C}" type="datetimeFigureOut">
-              <a:rPr lang="en-US" smtClean="0"/>
-              <a:t>11/7/2021</a:t>
+            <a:fld id="{51AC3528-80E1-40F5-8488-35F0BAB45D0E}" type="datetime1">
+              <a:rPr lang="it-IT" smtClean="0"/>
+              <a:t>11/11/2021</a:t>
             </a:fld>
             <a:endParaRPr lang="en-US"/>
           </a:p>
@@ -513,7 +876,10 @@
           <a:bodyPr/>
           <a:lstStyle/>
           <a:p>
-            <a:endParaRPr lang="en-US"/>
+            <a:r>
+              <a:rPr lang="en-US"/>
+              <a:t>Francesco Luzzi</a:t>
+            </a:r>
           </a:p>
         </p:txBody>
       </p:sp>
@@ -692,9 +1058,9 @@
           <a:bodyPr/>
           <a:lstStyle/>
           <a:p>
-            <a:fld id="{F4D57BDD-E64A-4D27-8978-82FFCA18A12C}" type="datetimeFigureOut">
-              <a:rPr lang="en-US" smtClean="0"/>
-              <a:t>11/7/2021</a:t>
+            <a:fld id="{999C57C1-E281-4B39-A555-1C7F2E300E57}" type="datetime1">
+              <a:rPr lang="it-IT" smtClean="0"/>
+              <a:t>11/11/2021</a:t>
             </a:fld>
             <a:endParaRPr lang="en-US"/>
           </a:p>
@@ -721,7 +1087,10 @@
           <a:bodyPr/>
           <a:lstStyle/>
           <a:p>
-            <a:endParaRPr lang="en-US"/>
+            <a:r>
+              <a:rPr lang="en-US"/>
+              <a:t>Francesco Luzzi</a:t>
+            </a:r>
           </a:p>
         </p:txBody>
       </p:sp>
@@ -890,9 +1259,9 @@
           <a:bodyPr/>
           <a:lstStyle/>
           <a:p>
-            <a:fld id="{F4D57BDD-E64A-4D27-8978-82FFCA18A12C}" type="datetimeFigureOut">
-              <a:rPr lang="en-US" smtClean="0"/>
-              <a:t>11/7/2021</a:t>
+            <a:fld id="{96195510-5B22-4857-83F8-196A83FBB0FB}" type="datetime1">
+              <a:rPr lang="it-IT" smtClean="0"/>
+              <a:t>11/11/2021</a:t>
             </a:fld>
             <a:endParaRPr lang="en-US"/>
           </a:p>
@@ -919,7 +1288,10 @@
           <a:bodyPr/>
           <a:lstStyle/>
           <a:p>
-            <a:endParaRPr lang="en-US"/>
+            <a:r>
+              <a:rPr lang="en-US"/>
+              <a:t>Francesco Luzzi</a:t>
+            </a:r>
           </a:p>
         </p:txBody>
       </p:sp>
@@ -1166,9 +1538,9 @@
           <a:bodyPr/>
           <a:lstStyle/>
           <a:p>
-            <a:fld id="{F4D57BDD-E64A-4D27-8978-82FFCA18A12C}" type="datetimeFigureOut">
-              <a:rPr lang="en-US" smtClean="0"/>
-              <a:t>11/7/2021</a:t>
+            <a:fld id="{78209844-9054-44E2-88A2-9A387D6F4287}" type="datetime1">
+              <a:rPr lang="it-IT" smtClean="0"/>
+              <a:t>11/11/2021</a:t>
             </a:fld>
             <a:endParaRPr lang="en-US"/>
           </a:p>
@@ -1195,7 +1567,10 @@
           <a:bodyPr/>
           <a:lstStyle/>
           <a:p>
-            <a:endParaRPr lang="en-US"/>
+            <a:r>
+              <a:rPr lang="en-US"/>
+              <a:t>Francesco Luzzi</a:t>
+            </a:r>
           </a:p>
         </p:txBody>
       </p:sp>
@@ -1438,9 +1813,9 @@
           <a:bodyPr/>
           <a:lstStyle/>
           <a:p>
-            <a:fld id="{F4D57BDD-E64A-4D27-8978-82FFCA18A12C}" type="datetimeFigureOut">
-              <a:rPr lang="en-US" smtClean="0"/>
-              <a:t>11/7/2021</a:t>
+            <a:fld id="{C5BF11B8-AC7D-4793-8EA8-2BED87C88F46}" type="datetime1">
+              <a:rPr lang="it-IT" smtClean="0"/>
+              <a:t>11/11/2021</a:t>
             </a:fld>
             <a:endParaRPr lang="en-US"/>
           </a:p>
@@ -1467,6 +1842,10 @@
           <a:bodyPr/>
           <a:lstStyle/>
           <a:p>
+            <a:r>
+              <a:rPr lang="en-US"/>
+              <a:t>Francesco Luzzi</a:t>
+            </a:r>
             <a:endParaRPr lang="en-US" dirty="0"/>
           </a:p>
         </p:txBody>
@@ -1852,9 +2231,9 @@
           <a:bodyPr/>
           <a:lstStyle/>
           <a:p>
-            <a:fld id="{F4D57BDD-E64A-4D27-8978-82FFCA18A12C}" type="datetimeFigureOut">
-              <a:rPr lang="en-US" smtClean="0"/>
-              <a:t>11/7/2021</a:t>
+            <a:fld id="{0D8D95D6-2200-4E54-9E4C-6F5B3A84886A}" type="datetime1">
+              <a:rPr lang="it-IT" smtClean="0"/>
+              <a:t>11/11/2021</a:t>
             </a:fld>
             <a:endParaRPr lang="en-US"/>
           </a:p>
@@ -1881,7 +2260,10 @@
           <a:bodyPr/>
           <a:lstStyle/>
           <a:p>
-            <a:endParaRPr lang="en-US"/>
+            <a:r>
+              <a:rPr lang="en-US"/>
+              <a:t>Francesco Luzzi</a:t>
+            </a:r>
           </a:p>
         </p:txBody>
       </p:sp>
@@ -1999,9 +2381,9 @@
           <a:bodyPr/>
           <a:lstStyle/>
           <a:p>
-            <a:fld id="{F4D57BDD-E64A-4D27-8978-82FFCA18A12C}" type="datetimeFigureOut">
-              <a:rPr lang="en-US" smtClean="0"/>
-              <a:t>11/7/2021</a:t>
+            <a:fld id="{868694B6-E987-4B97-AD9A-D39CF7EFD086}" type="datetime1">
+              <a:rPr lang="it-IT" smtClean="0"/>
+              <a:t>11/11/2021</a:t>
             </a:fld>
             <a:endParaRPr lang="en-US"/>
           </a:p>
@@ -2028,7 +2410,10 @@
           <a:bodyPr/>
           <a:lstStyle/>
           <a:p>
-            <a:endParaRPr lang="en-US"/>
+            <a:r>
+              <a:rPr lang="en-US"/>
+              <a:t>Francesco Luzzi</a:t>
+            </a:r>
           </a:p>
         </p:txBody>
       </p:sp>
@@ -2112,9 +2497,9 @@
           <a:bodyPr/>
           <a:lstStyle/>
           <a:p>
-            <a:fld id="{F4D57BDD-E64A-4D27-8978-82FFCA18A12C}" type="datetimeFigureOut">
-              <a:rPr lang="en-US" smtClean="0"/>
-              <a:t>11/7/2021</a:t>
+            <a:fld id="{045A6181-2606-4AA7-989B-FE6B921ADE57}" type="datetime1">
+              <a:rPr lang="it-IT" smtClean="0"/>
+              <a:t>11/11/2021</a:t>
             </a:fld>
             <a:endParaRPr lang="en-US"/>
           </a:p>
@@ -2141,7 +2526,10 @@
           <a:bodyPr/>
           <a:lstStyle/>
           <a:p>
-            <a:endParaRPr lang="en-US"/>
+            <a:r>
+              <a:rPr lang="en-US"/>
+              <a:t>Francesco Luzzi</a:t>
+            </a:r>
           </a:p>
         </p:txBody>
       </p:sp>
@@ -2424,9 +2812,9 @@
           <a:bodyPr/>
           <a:lstStyle/>
           <a:p>
-            <a:fld id="{F4D57BDD-E64A-4D27-8978-82FFCA18A12C}" type="datetimeFigureOut">
-              <a:rPr lang="en-US" smtClean="0"/>
-              <a:t>11/7/2021</a:t>
+            <a:fld id="{159002DC-5226-43C0-B7F7-F36643C6C226}" type="datetime1">
+              <a:rPr lang="it-IT" smtClean="0"/>
+              <a:t>11/11/2021</a:t>
             </a:fld>
             <a:endParaRPr lang="en-US"/>
           </a:p>
@@ -2453,7 +2841,10 @@
           <a:bodyPr/>
           <a:lstStyle/>
           <a:p>
-            <a:endParaRPr lang="en-US"/>
+            <a:r>
+              <a:rPr lang="en-US"/>
+              <a:t>Francesco Luzzi</a:t>
+            </a:r>
           </a:p>
         </p:txBody>
       </p:sp>
@@ -2715,9 +3106,9 @@
           <a:bodyPr/>
           <a:lstStyle/>
           <a:p>
-            <a:fld id="{F4D57BDD-E64A-4D27-8978-82FFCA18A12C}" type="datetimeFigureOut">
-              <a:rPr lang="en-US" smtClean="0"/>
-              <a:t>11/7/2021</a:t>
+            <a:fld id="{536DD7B1-67C3-470E-AB26-E97772E8B11C}" type="datetime1">
+              <a:rPr lang="it-IT" smtClean="0"/>
+              <a:t>11/11/2021</a:t>
             </a:fld>
             <a:endParaRPr lang="en-US"/>
           </a:p>
@@ -2744,7 +3135,10 @@
           <a:bodyPr/>
           <a:lstStyle/>
           <a:p>
-            <a:endParaRPr lang="en-US"/>
+            <a:r>
+              <a:rPr lang="en-US"/>
+              <a:t>Francesco Luzzi</a:t>
+            </a:r>
           </a:p>
         </p:txBody>
       </p:sp>
@@ -2956,10 +3350,9 @@
             </a:lvl1pPr>
           </a:lstStyle>
           <a:p>
-            <a:fld id="{F4D57BDD-E64A-4D27-8978-82FFCA18A12C}" type="datetimeFigureOut">
-              <a:rPr lang="en-US" smtClean="0"/>
-              <a:pPr/>
-              <a:t>11/7/2021</a:t>
+            <a:fld id="{A31D3A21-AE62-40E6-929E-02B5E55AC6C2}" type="datetime1">
+              <a:rPr lang="it-IT" smtClean="0"/>
+              <a:t>11/11/2021</a:t>
             </a:fld>
             <a:endParaRPr lang="en-US" dirty="0"/>
           </a:p>
@@ -3002,6 +3395,10 @@
             </a:lvl1pPr>
           </a:lstStyle>
           <a:p>
+            <a:r>
+              <a:rPr lang="en-US"/>
+              <a:t>Francesco Luzzi</a:t>
+            </a:r>
             <a:endParaRPr lang="en-US" dirty="0"/>
           </a:p>
         </p:txBody>
@@ -3074,6 +3471,7 @@
     <p:sldLayoutId id="2147483670" r:id="rId10"/>
     <p:sldLayoutId id="2147483671" r:id="rId11"/>
   </p:sldLayoutIdLst>
+  <p:hf hdr="0"/>
   <p:txStyles>
     <p:titleStyle>
       <a:lvl1pPr algn="l" defTabSz="914400" rtl="0" eaLnBrk="1" latinLnBrk="0" hangingPunct="1">
@@ -3517,10 +3915,2036 @@
           </a:p>
         </p:txBody>
       </p:sp>
+      <p:sp>
+        <p:nvSpPr>
+          <p:cNvPr id="4" name="Segnaposto data 3">
+            <a:extLst>
+              <a:ext uri="{FF2B5EF4-FFF2-40B4-BE49-F238E27FC236}">
+                <a16:creationId xmlns:a16="http://schemas.microsoft.com/office/drawing/2014/main" id="{544D5E7B-A61A-47B4-B6C2-8471D785E5B9}"/>
+              </a:ext>
+            </a:extLst>
+          </p:cNvPr>
+          <p:cNvSpPr>
+            <a:spLocks noGrp="1"/>
+          </p:cNvSpPr>
+          <p:nvPr>
+            <p:ph type="dt" sz="half" idx="10"/>
+          </p:nvPr>
+        </p:nvSpPr>
+        <p:spPr/>
+        <p:txBody>
+          <a:bodyPr/>
+          <a:lstStyle/>
+          <a:p>
+            <a:fld id="{008DE197-ECA9-4A18-B8F0-70B4B45B1EAE}" type="datetime1">
+              <a:rPr lang="it-IT" smtClean="0"/>
+              <a:t>11/11/2021</a:t>
+            </a:fld>
+            <a:endParaRPr lang="en-US"/>
+          </a:p>
+        </p:txBody>
+      </p:sp>
+      <p:sp>
+        <p:nvSpPr>
+          <p:cNvPr id="5" name="Segnaposto piè di pagina 4">
+            <a:extLst>
+              <a:ext uri="{FF2B5EF4-FFF2-40B4-BE49-F238E27FC236}">
+                <a16:creationId xmlns:a16="http://schemas.microsoft.com/office/drawing/2014/main" id="{D645FE79-7DCF-4E31-8D0A-8FB18D57A4B4}"/>
+              </a:ext>
+            </a:extLst>
+          </p:cNvPr>
+          <p:cNvSpPr>
+            <a:spLocks noGrp="1"/>
+          </p:cNvSpPr>
+          <p:nvPr>
+            <p:ph type="ftr" sz="quarter" idx="11"/>
+          </p:nvPr>
+        </p:nvSpPr>
+        <p:spPr>
+          <a:xfrm>
+            <a:off x="6858000" y="6271994"/>
+            <a:ext cx="4572000" cy="365125"/>
+          </a:xfrm>
+        </p:spPr>
+        <p:txBody>
+          <a:bodyPr/>
+          <a:lstStyle/>
+          <a:p>
+            <a:r>
+              <a:rPr lang="en-US" dirty="0"/>
+              <a:t>Francesco </a:t>
+            </a:r>
+            <a:r>
+              <a:rPr lang="en-US" dirty="0" err="1"/>
+              <a:t>Luzzi</a:t>
+            </a:r>
+            <a:endParaRPr lang="en-US" dirty="0"/>
+          </a:p>
+        </p:txBody>
+      </p:sp>
+      <p:sp>
+        <p:nvSpPr>
+          <p:cNvPr id="6" name="Segnaposto numero diapositiva 5">
+            <a:extLst>
+              <a:ext uri="{FF2B5EF4-FFF2-40B4-BE49-F238E27FC236}">
+                <a16:creationId xmlns:a16="http://schemas.microsoft.com/office/drawing/2014/main" id="{51D29FB4-E703-4A55-A0A4-21E0710FBCCE}"/>
+              </a:ext>
+            </a:extLst>
+          </p:cNvPr>
+          <p:cNvSpPr>
+            <a:spLocks noGrp="1"/>
+          </p:cNvSpPr>
+          <p:nvPr>
+            <p:ph type="sldNum" sz="quarter" idx="12"/>
+          </p:nvPr>
+        </p:nvSpPr>
+        <p:spPr/>
+        <p:txBody>
+          <a:bodyPr/>
+          <a:lstStyle/>
+          <a:p>
+            <a:fld id="{D643A852-0206-46AC-B0EB-645612933129}" type="slidenum">
+              <a:rPr lang="en-US" smtClean="0"/>
+              <a:t>1</a:t>
+            </a:fld>
+            <a:endParaRPr lang="en-US" dirty="0"/>
+          </a:p>
+        </p:txBody>
+      </p:sp>
     </p:spTree>
     <p:extLst>
       <p:ext uri="{BB962C8B-B14F-4D97-AF65-F5344CB8AC3E}">
         <p14:creationId xmlns:p14="http://schemas.microsoft.com/office/powerpoint/2010/main" val="3806168177"/>
+      </p:ext>
+    </p:extLst>
+  </p:cSld>
+  <p:clrMapOvr>
+    <a:masterClrMapping/>
+  </p:clrMapOvr>
+</p:sld>
+</file>
+
+<file path=ppt/slides/slide10.xml><?xml version="1.0" encoding="utf-8"?>
+<p:sld xmlns:a="http://schemas.openxmlformats.org/drawingml/2006/main" xmlns:r="http://schemas.openxmlformats.org/officeDocument/2006/relationships" xmlns:p="http://schemas.openxmlformats.org/presentationml/2006/main">
+  <p:cSld>
+    <p:bg>
+      <p:bgPr>
+        <a:gradFill>
+          <a:gsLst>
+            <a:gs pos="18000">
+              <a:schemeClr val="bg1"/>
+            </a:gs>
+            <a:gs pos="88000">
+              <a:srgbClr val="2F5596"/>
+            </a:gs>
+            <a:gs pos="65000">
+              <a:srgbClr val="325AA0"/>
+            </a:gs>
+            <a:gs pos="48000">
+              <a:schemeClr val="accent1">
+                <a:lumMod val="65000"/>
+              </a:schemeClr>
+            </a:gs>
+          </a:gsLst>
+          <a:lin ang="0" scaled="0"/>
+        </a:gradFill>
+        <a:effectLst/>
+      </p:bgPr>
+    </p:bg>
+    <p:spTree>
+      <p:nvGrpSpPr>
+        <p:cNvPr id="1" name=""/>
+        <p:cNvGrpSpPr/>
+        <p:nvPr/>
+      </p:nvGrpSpPr>
+      <p:grpSpPr>
+        <a:xfrm>
+          <a:off x="0" y="0"/>
+          <a:ext cx="0" cy="0"/>
+          <a:chOff x="0" y="0"/>
+          <a:chExt cx="0" cy="0"/>
+        </a:xfrm>
+      </p:grpSpPr>
+      <p:sp>
+        <p:nvSpPr>
+          <p:cNvPr id="2" name="Titolo 1">
+            <a:extLst>
+              <a:ext uri="{FF2B5EF4-FFF2-40B4-BE49-F238E27FC236}">
+                <a16:creationId xmlns:a16="http://schemas.microsoft.com/office/drawing/2014/main" id="{DE0E11C5-A0B6-420D-B720-3FF84BFCB0C6}"/>
+              </a:ext>
+            </a:extLst>
+          </p:cNvPr>
+          <p:cNvSpPr>
+            <a:spLocks noGrp="1"/>
+          </p:cNvSpPr>
+          <p:nvPr>
+            <p:ph type="ctrTitle"/>
+          </p:nvPr>
+        </p:nvSpPr>
+        <p:spPr>
+          <a:xfrm>
+            <a:off x="761998" y="69056"/>
+            <a:ext cx="10668000" cy="1985963"/>
+          </a:xfrm>
+        </p:spPr>
+        <p:txBody>
+          <a:bodyPr anchor="ctr">
+            <a:normAutofit/>
+          </a:bodyPr>
+          <a:lstStyle/>
+          <a:p>
+            <a:pPr algn="l"/>
+            <a:r>
+              <a:rPr lang="it-IT" sz="4800" dirty="0">
+                <a:solidFill>
+                  <a:srgbClr val="FFFFFF"/>
+                </a:solidFill>
+              </a:rPr>
+              <a:t>Problemi e risoluzioni</a:t>
+            </a:r>
+          </a:p>
+        </p:txBody>
+      </p:sp>
+      <p:sp>
+        <p:nvSpPr>
+          <p:cNvPr id="4" name="Sottotitolo 3">
+            <a:extLst>
+              <a:ext uri="{FF2B5EF4-FFF2-40B4-BE49-F238E27FC236}">
+                <a16:creationId xmlns:a16="http://schemas.microsoft.com/office/drawing/2014/main" id="{6FC57A8E-D198-43CF-ACD7-853D2631E55A}"/>
+              </a:ext>
+            </a:extLst>
+          </p:cNvPr>
+          <p:cNvSpPr>
+            <a:spLocks noGrp="1"/>
+          </p:cNvSpPr>
+          <p:nvPr>
+            <p:ph type="subTitle" idx="1"/>
+          </p:nvPr>
+        </p:nvSpPr>
+        <p:spPr>
+          <a:xfrm>
+            <a:off x="761998" y="1540573"/>
+            <a:ext cx="10667998" cy="1386608"/>
+          </a:xfrm>
+        </p:spPr>
+        <p:txBody>
+          <a:bodyPr>
+            <a:normAutofit lnSpcReduction="10000"/>
+          </a:bodyPr>
+          <a:lstStyle/>
+          <a:p>
+            <a:pPr algn="l"/>
+            <a:r>
+              <a:rPr lang="it-IT" dirty="0"/>
+              <a:t>Output con chiari errori e soluzione nel </a:t>
+            </a:r>
+            <a:r>
+              <a:rPr lang="it-IT" dirty="0" err="1"/>
+              <a:t>tweaking</a:t>
+            </a:r>
+            <a:r>
+              <a:rPr lang="it-IT" dirty="0"/>
+              <a:t> del </a:t>
+            </a:r>
+            <a:r>
+              <a:rPr lang="it-IT" dirty="0" err="1"/>
+              <a:t>threshold</a:t>
+            </a:r>
+            <a:r>
+              <a:rPr lang="it-IT" dirty="0"/>
+              <a:t> di rilevazione dei </a:t>
+            </a:r>
+            <a:r>
+              <a:rPr lang="it-IT" dirty="0" err="1"/>
+              <a:t>keypoints</a:t>
+            </a:r>
+            <a:r>
+              <a:rPr lang="it-IT" dirty="0"/>
+              <a:t>.</a:t>
+            </a:r>
+            <a:br>
+              <a:rPr lang="it-IT" dirty="0"/>
+            </a:br>
+            <a:r>
+              <a:rPr lang="it-IT" dirty="0"/>
+              <a:t>Bisogna trovare un middle ground e cercare l’output miglio per la questo tipo di applicazione.</a:t>
+            </a:r>
+          </a:p>
+          <a:p>
+            <a:pPr algn="l"/>
+            <a:endParaRPr lang="it-IT" dirty="0"/>
+          </a:p>
+        </p:txBody>
+      </p:sp>
+      <p:sp>
+        <p:nvSpPr>
+          <p:cNvPr id="3" name="Segnaposto data 2">
+            <a:extLst>
+              <a:ext uri="{FF2B5EF4-FFF2-40B4-BE49-F238E27FC236}">
+                <a16:creationId xmlns:a16="http://schemas.microsoft.com/office/drawing/2014/main" id="{68B53254-B06A-4E5D-A0AC-20FA14607D9A}"/>
+              </a:ext>
+            </a:extLst>
+          </p:cNvPr>
+          <p:cNvSpPr>
+            <a:spLocks noGrp="1"/>
+          </p:cNvSpPr>
+          <p:nvPr>
+            <p:ph type="dt" sz="half" idx="10"/>
+          </p:nvPr>
+        </p:nvSpPr>
+        <p:spPr/>
+        <p:txBody>
+          <a:bodyPr/>
+          <a:lstStyle/>
+          <a:p>
+            <a:pPr marL="0" marR="0" lvl="0" indent="0" algn="l" defTabSz="914400" rtl="0" eaLnBrk="1" fontAlgn="auto" latinLnBrk="0" hangingPunct="1">
+              <a:lnSpc>
+                <a:spcPct val="100000"/>
+              </a:lnSpc>
+              <a:spcBef>
+                <a:spcPts val="0"/>
+              </a:spcBef>
+              <a:spcAft>
+                <a:spcPts val="0"/>
+              </a:spcAft>
+              <a:buClrTx/>
+              <a:buSzTx/>
+              <a:buFontTx/>
+              <a:buNone/>
+              <a:tabLst/>
+              <a:defRPr/>
+            </a:pPr>
+            <a:fld id="{EACE4ECE-4589-4666-B199-0F3643ABD5A2}" type="datetime1">
+              <a:rPr kumimoji="0" lang="it-IT" sz="900" b="0" i="0" u="none" strike="noStrike" kern="1200" cap="none" spc="0" normalizeH="0" baseline="0" noProof="0" smtClean="0">
+                <a:ln>
+                  <a:noFill/>
+                </a:ln>
+                <a:solidFill>
+                  <a:srgbClr val="FFFFFF"/>
+                </a:solidFill>
+                <a:effectLst/>
+                <a:uLnTx/>
+                <a:uFillTx/>
+                <a:latin typeface="Verdana Pro"/>
+                <a:ea typeface="+mn-ea"/>
+                <a:cs typeface="+mn-cs"/>
+              </a:rPr>
+              <a:pPr marL="0" marR="0" lvl="0" indent="0" algn="l" defTabSz="914400" rtl="0" eaLnBrk="1" fontAlgn="auto" latinLnBrk="0" hangingPunct="1">
+                <a:lnSpc>
+                  <a:spcPct val="100000"/>
+                </a:lnSpc>
+                <a:spcBef>
+                  <a:spcPts val="0"/>
+                </a:spcBef>
+                <a:spcAft>
+                  <a:spcPts val="0"/>
+                </a:spcAft>
+                <a:buClrTx/>
+                <a:buSzTx/>
+                <a:buFontTx/>
+                <a:buNone/>
+                <a:tabLst/>
+                <a:defRPr/>
+              </a:pPr>
+              <a:t>11/11/2021</a:t>
+            </a:fld>
+            <a:endParaRPr kumimoji="0" lang="en-US" sz="900" b="0" i="0" u="none" strike="noStrike" kern="1200" cap="none" spc="0" normalizeH="0" baseline="0" noProof="0">
+              <a:ln>
+                <a:noFill/>
+              </a:ln>
+              <a:solidFill>
+                <a:srgbClr val="FFFFFF"/>
+              </a:solidFill>
+              <a:effectLst/>
+              <a:uLnTx/>
+              <a:uFillTx/>
+              <a:latin typeface="Verdana Pro"/>
+              <a:ea typeface="+mn-ea"/>
+              <a:cs typeface="+mn-cs"/>
+            </a:endParaRPr>
+          </a:p>
+        </p:txBody>
+      </p:sp>
+      <p:sp>
+        <p:nvSpPr>
+          <p:cNvPr id="8" name="Segnaposto piè di pagina 7">
+            <a:extLst>
+              <a:ext uri="{FF2B5EF4-FFF2-40B4-BE49-F238E27FC236}">
+                <a16:creationId xmlns:a16="http://schemas.microsoft.com/office/drawing/2014/main" id="{EC513CA3-1C08-4096-8C1C-E18FA3BE14B3}"/>
+              </a:ext>
+            </a:extLst>
+          </p:cNvPr>
+          <p:cNvSpPr>
+            <a:spLocks noGrp="1"/>
+          </p:cNvSpPr>
+          <p:nvPr>
+            <p:ph type="ftr" sz="quarter" idx="11"/>
+          </p:nvPr>
+        </p:nvSpPr>
+        <p:spPr>
+          <a:xfrm>
+            <a:off x="6858000" y="6273843"/>
+            <a:ext cx="4572000" cy="365125"/>
+          </a:xfrm>
+        </p:spPr>
+        <p:txBody>
+          <a:bodyPr/>
+          <a:lstStyle/>
+          <a:p>
+            <a:pPr marL="0" marR="0" lvl="0" indent="0" algn="r" defTabSz="914400" rtl="0" eaLnBrk="1" fontAlgn="auto" latinLnBrk="0" hangingPunct="1">
+              <a:lnSpc>
+                <a:spcPct val="100000"/>
+              </a:lnSpc>
+              <a:spcBef>
+                <a:spcPts val="0"/>
+              </a:spcBef>
+              <a:spcAft>
+                <a:spcPts val="0"/>
+              </a:spcAft>
+              <a:buClrTx/>
+              <a:buSzTx/>
+              <a:buFontTx/>
+              <a:buNone/>
+              <a:tabLst/>
+              <a:defRPr/>
+            </a:pPr>
+            <a:r>
+              <a:rPr kumimoji="0" lang="en-US" sz="800" b="0" i="0" u="none" strike="noStrike" kern="1200" cap="none" spc="0" normalizeH="0" baseline="0" noProof="0" dirty="0">
+                <a:ln>
+                  <a:noFill/>
+                </a:ln>
+                <a:solidFill>
+                  <a:srgbClr val="FFFFFF"/>
+                </a:solidFill>
+                <a:effectLst/>
+                <a:uLnTx/>
+                <a:uFillTx/>
+                <a:latin typeface="Verdana Pro"/>
+                <a:ea typeface="+mn-ea"/>
+                <a:cs typeface="+mn-cs"/>
+              </a:rPr>
+              <a:t>Francesco </a:t>
+            </a:r>
+            <a:r>
+              <a:rPr kumimoji="0" lang="en-US" sz="800" b="0" i="0" u="none" strike="noStrike" kern="1200" cap="none" spc="0" normalizeH="0" baseline="0" noProof="0" dirty="0" err="1">
+                <a:ln>
+                  <a:noFill/>
+                </a:ln>
+                <a:solidFill>
+                  <a:srgbClr val="FFFFFF"/>
+                </a:solidFill>
+                <a:effectLst/>
+                <a:uLnTx/>
+                <a:uFillTx/>
+                <a:latin typeface="Verdana Pro"/>
+                <a:ea typeface="+mn-ea"/>
+                <a:cs typeface="+mn-cs"/>
+              </a:rPr>
+              <a:t>Luzzi</a:t>
+            </a:r>
+            <a:endParaRPr kumimoji="0" lang="en-US" sz="800" b="0" i="0" u="none" strike="noStrike" kern="1200" cap="none" spc="0" normalizeH="0" baseline="0" noProof="0" dirty="0">
+              <a:ln>
+                <a:noFill/>
+              </a:ln>
+              <a:solidFill>
+                <a:srgbClr val="FFFFFF"/>
+              </a:solidFill>
+              <a:effectLst/>
+              <a:uLnTx/>
+              <a:uFillTx/>
+              <a:latin typeface="Verdana Pro"/>
+              <a:ea typeface="+mn-ea"/>
+              <a:cs typeface="+mn-cs"/>
+            </a:endParaRPr>
+          </a:p>
+        </p:txBody>
+      </p:sp>
+      <p:sp>
+        <p:nvSpPr>
+          <p:cNvPr id="9" name="Segnaposto numero diapositiva 8">
+            <a:extLst>
+              <a:ext uri="{FF2B5EF4-FFF2-40B4-BE49-F238E27FC236}">
+                <a16:creationId xmlns:a16="http://schemas.microsoft.com/office/drawing/2014/main" id="{42A947FD-5B34-48F5-AD8B-31B0CEC1F2F0}"/>
+              </a:ext>
+            </a:extLst>
+          </p:cNvPr>
+          <p:cNvSpPr>
+            <a:spLocks noGrp="1"/>
+          </p:cNvSpPr>
+          <p:nvPr>
+            <p:ph type="sldNum" sz="quarter" idx="12"/>
+          </p:nvPr>
+        </p:nvSpPr>
+        <p:spPr/>
+        <p:txBody>
+          <a:bodyPr/>
+          <a:lstStyle/>
+          <a:p>
+            <a:pPr marL="0" marR="0" lvl="0" indent="0" algn="r" defTabSz="914400" rtl="0" eaLnBrk="1" fontAlgn="auto" latinLnBrk="0" hangingPunct="1">
+              <a:lnSpc>
+                <a:spcPct val="100000"/>
+              </a:lnSpc>
+              <a:spcBef>
+                <a:spcPts val="0"/>
+              </a:spcBef>
+              <a:spcAft>
+                <a:spcPts val="0"/>
+              </a:spcAft>
+              <a:buClrTx/>
+              <a:buSzTx/>
+              <a:buFontTx/>
+              <a:buNone/>
+              <a:tabLst/>
+              <a:defRPr/>
+            </a:pPr>
+            <a:fld id="{D643A852-0206-46AC-B0EB-645612933129}" type="slidenum">
+              <a:rPr kumimoji="0" lang="en-US" sz="3600" b="0" i="0" u="none" strike="noStrike" kern="1200" cap="none" spc="0" normalizeH="0" baseline="0" noProof="0" smtClean="0">
+                <a:ln>
+                  <a:noFill/>
+                </a:ln>
+                <a:solidFill>
+                  <a:srgbClr val="FFFFFF"/>
+                </a:solidFill>
+                <a:effectLst/>
+                <a:uLnTx/>
+                <a:uFillTx/>
+                <a:latin typeface="Verdana Pro Cond SemiBold"/>
+                <a:ea typeface="+mn-ea"/>
+                <a:cs typeface="+mn-cs"/>
+              </a:rPr>
+              <a:pPr marL="0" marR="0" lvl="0" indent="0" algn="r" defTabSz="914400" rtl="0" eaLnBrk="1" fontAlgn="auto" latinLnBrk="0" hangingPunct="1">
+                <a:lnSpc>
+                  <a:spcPct val="100000"/>
+                </a:lnSpc>
+                <a:spcBef>
+                  <a:spcPts val="0"/>
+                </a:spcBef>
+                <a:spcAft>
+                  <a:spcPts val="0"/>
+                </a:spcAft>
+                <a:buClrTx/>
+                <a:buSzTx/>
+                <a:buFontTx/>
+                <a:buNone/>
+                <a:tabLst/>
+                <a:defRPr/>
+              </a:pPr>
+              <a:t>10</a:t>
+            </a:fld>
+            <a:endParaRPr kumimoji="0" lang="en-US" sz="3600" b="0" i="0" u="none" strike="noStrike" kern="1200" cap="none" spc="0" normalizeH="0" baseline="0" noProof="0" dirty="0">
+              <a:ln>
+                <a:noFill/>
+              </a:ln>
+              <a:solidFill>
+                <a:srgbClr val="FFFFFF"/>
+              </a:solidFill>
+              <a:effectLst/>
+              <a:uLnTx/>
+              <a:uFillTx/>
+              <a:latin typeface="Verdana Pro Cond SemiBold"/>
+              <a:ea typeface="+mn-ea"/>
+              <a:cs typeface="+mn-cs"/>
+            </a:endParaRPr>
+          </a:p>
+        </p:txBody>
+      </p:sp>
+      <p:pic>
+        <p:nvPicPr>
+          <p:cNvPr id="6" name="Immagine 5" descr="Immagine che contiene pavimento, interni, edificio, piastrellato&#10;&#10;Descrizione generata automaticamente">
+            <a:extLst>
+              <a:ext uri="{FF2B5EF4-FFF2-40B4-BE49-F238E27FC236}">
+                <a16:creationId xmlns:a16="http://schemas.microsoft.com/office/drawing/2014/main" id="{2D95CB95-3D9A-4A88-91A5-562C5A96206F}"/>
+              </a:ext>
+            </a:extLst>
+          </p:cNvPr>
+          <p:cNvPicPr>
+            <a:picLocks noChangeAspect="1"/>
+          </p:cNvPicPr>
+          <p:nvPr/>
+        </p:nvPicPr>
+        <p:blipFill>
+          <a:blip r:embed="rId2">
+            <a:extLst>
+              <a:ext uri="{28A0092B-C50C-407E-A947-70E740481C1C}">
+                <a14:useLocalDpi xmlns:a14="http://schemas.microsoft.com/office/drawing/2010/main" val="0"/>
+              </a:ext>
+            </a:extLst>
+          </a:blip>
+          <a:stretch>
+            <a:fillRect/>
+          </a:stretch>
+        </p:blipFill>
+        <p:spPr>
+          <a:xfrm>
+            <a:off x="5889819" y="3204180"/>
+            <a:ext cx="4995331" cy="2809874"/>
+          </a:xfrm>
+          <a:prstGeom prst="rect">
+            <a:avLst/>
+          </a:prstGeom>
+        </p:spPr>
+      </p:pic>
+      <p:pic>
+        <p:nvPicPr>
+          <p:cNvPr id="10" name="Immagine 9" descr="Immagine che contiene pavimento, interni&#10;&#10;Descrizione generata automaticamente">
+            <a:extLst>
+              <a:ext uri="{FF2B5EF4-FFF2-40B4-BE49-F238E27FC236}">
+                <a16:creationId xmlns:a16="http://schemas.microsoft.com/office/drawing/2014/main" id="{FEF3473D-2895-43FF-8D87-BA6DEF6B03DA}"/>
+              </a:ext>
+            </a:extLst>
+          </p:cNvPr>
+          <p:cNvPicPr>
+            <a:picLocks noChangeAspect="1"/>
+          </p:cNvPicPr>
+          <p:nvPr/>
+        </p:nvPicPr>
+        <p:blipFill>
+          <a:blip r:embed="rId3">
+            <a:extLst>
+              <a:ext uri="{28A0092B-C50C-407E-A947-70E740481C1C}">
+                <a14:useLocalDpi xmlns:a14="http://schemas.microsoft.com/office/drawing/2010/main" val="0"/>
+              </a:ext>
+            </a:extLst>
+          </a:blip>
+          <a:stretch>
+            <a:fillRect/>
+          </a:stretch>
+        </p:blipFill>
+        <p:spPr>
+          <a:xfrm>
+            <a:off x="466688" y="3204180"/>
+            <a:ext cx="4995333" cy="2809875"/>
+          </a:xfrm>
+          <a:prstGeom prst="rect">
+            <a:avLst/>
+          </a:prstGeom>
+        </p:spPr>
+      </p:pic>
+      <p:sp>
+        <p:nvSpPr>
+          <p:cNvPr id="11" name="CasellaDiTesto 10">
+            <a:extLst>
+              <a:ext uri="{FF2B5EF4-FFF2-40B4-BE49-F238E27FC236}">
+                <a16:creationId xmlns:a16="http://schemas.microsoft.com/office/drawing/2014/main" id="{47A8F592-05DB-4916-9B49-53604B91E311}"/>
+              </a:ext>
+            </a:extLst>
+          </p:cNvPr>
+          <p:cNvSpPr txBox="1"/>
+          <p:nvPr/>
+        </p:nvSpPr>
+        <p:spPr>
+          <a:xfrm>
+            <a:off x="6311424" y="6135343"/>
+            <a:ext cx="1911302" cy="276999"/>
+          </a:xfrm>
+          <a:prstGeom prst="rect">
+            <a:avLst/>
+          </a:prstGeom>
+          <a:noFill/>
+        </p:spPr>
+        <p:txBody>
+          <a:bodyPr wrap="square" rtlCol="0">
+            <a:spAutoFit/>
+          </a:bodyPr>
+          <a:lstStyle/>
+          <a:p>
+            <a:r>
+              <a:rPr lang="it-IT" sz="1200" dirty="0" err="1"/>
+              <a:t>Threshold</a:t>
+            </a:r>
+            <a:r>
+              <a:rPr lang="it-IT" sz="1200" dirty="0"/>
+              <a:t> 0.1</a:t>
+            </a:r>
+          </a:p>
+        </p:txBody>
+      </p:sp>
+      <p:sp>
+        <p:nvSpPr>
+          <p:cNvPr id="12" name="CasellaDiTesto 11">
+            <a:extLst>
+              <a:ext uri="{FF2B5EF4-FFF2-40B4-BE49-F238E27FC236}">
+                <a16:creationId xmlns:a16="http://schemas.microsoft.com/office/drawing/2014/main" id="{34ABC565-A0A8-4FA3-83DC-C38E5C0DCD88}"/>
+              </a:ext>
+            </a:extLst>
+          </p:cNvPr>
+          <p:cNvSpPr txBox="1"/>
+          <p:nvPr/>
+        </p:nvSpPr>
+        <p:spPr>
+          <a:xfrm>
+            <a:off x="674916" y="6014055"/>
+            <a:ext cx="1911302" cy="276999"/>
+          </a:xfrm>
+          <a:prstGeom prst="rect">
+            <a:avLst/>
+          </a:prstGeom>
+          <a:noFill/>
+        </p:spPr>
+        <p:txBody>
+          <a:bodyPr wrap="square" rtlCol="0">
+            <a:spAutoFit/>
+          </a:bodyPr>
+          <a:lstStyle/>
+          <a:p>
+            <a:r>
+              <a:rPr lang="it-IT" sz="1200" dirty="0" err="1"/>
+              <a:t>Threshold</a:t>
+            </a:r>
+            <a:r>
+              <a:rPr lang="it-IT" sz="1200" dirty="0"/>
+              <a:t> 0.3</a:t>
+            </a:r>
+          </a:p>
+        </p:txBody>
+      </p:sp>
+    </p:spTree>
+    <p:extLst>
+      <p:ext uri="{BB962C8B-B14F-4D97-AF65-F5344CB8AC3E}">
+        <p14:creationId xmlns:p14="http://schemas.microsoft.com/office/powerpoint/2010/main" val="2472688724"/>
+      </p:ext>
+    </p:extLst>
+  </p:cSld>
+  <p:clrMapOvr>
+    <a:masterClrMapping/>
+  </p:clrMapOvr>
+</p:sld>
+</file>
+
+<file path=ppt/slides/slide11.xml><?xml version="1.0" encoding="utf-8"?>
+<p:sld xmlns:a="http://schemas.openxmlformats.org/drawingml/2006/main" xmlns:r="http://schemas.openxmlformats.org/officeDocument/2006/relationships" xmlns:p="http://schemas.openxmlformats.org/presentationml/2006/main">
+  <p:cSld>
+    <p:bg>
+      <p:bgPr>
+        <a:gradFill>
+          <a:gsLst>
+            <a:gs pos="18000">
+              <a:schemeClr val="bg1"/>
+            </a:gs>
+            <a:gs pos="88000">
+              <a:srgbClr val="2F5596"/>
+            </a:gs>
+            <a:gs pos="65000">
+              <a:srgbClr val="325AA0"/>
+            </a:gs>
+            <a:gs pos="48000">
+              <a:schemeClr val="accent1">
+                <a:lumMod val="65000"/>
+              </a:schemeClr>
+            </a:gs>
+          </a:gsLst>
+          <a:lin ang="0" scaled="0"/>
+        </a:gradFill>
+        <a:effectLst/>
+      </p:bgPr>
+    </p:bg>
+    <p:spTree>
+      <p:nvGrpSpPr>
+        <p:cNvPr id="1" name=""/>
+        <p:cNvGrpSpPr/>
+        <p:nvPr/>
+      </p:nvGrpSpPr>
+      <p:grpSpPr>
+        <a:xfrm>
+          <a:off x="0" y="0"/>
+          <a:ext cx="0" cy="0"/>
+          <a:chOff x="0" y="0"/>
+          <a:chExt cx="0" cy="0"/>
+        </a:xfrm>
+      </p:grpSpPr>
+      <p:sp>
+        <p:nvSpPr>
+          <p:cNvPr id="2" name="Titolo 1">
+            <a:extLst>
+              <a:ext uri="{FF2B5EF4-FFF2-40B4-BE49-F238E27FC236}">
+                <a16:creationId xmlns:a16="http://schemas.microsoft.com/office/drawing/2014/main" id="{DE0E11C5-A0B6-420D-B720-3FF84BFCB0C6}"/>
+              </a:ext>
+            </a:extLst>
+          </p:cNvPr>
+          <p:cNvSpPr>
+            <a:spLocks noGrp="1"/>
+          </p:cNvSpPr>
+          <p:nvPr>
+            <p:ph type="ctrTitle"/>
+          </p:nvPr>
+        </p:nvSpPr>
+        <p:spPr>
+          <a:xfrm>
+            <a:off x="761998" y="69056"/>
+            <a:ext cx="10668000" cy="1985963"/>
+          </a:xfrm>
+        </p:spPr>
+        <p:txBody>
+          <a:bodyPr anchor="ctr">
+            <a:normAutofit/>
+          </a:bodyPr>
+          <a:lstStyle/>
+          <a:p>
+            <a:pPr algn="l"/>
+            <a:r>
+              <a:rPr lang="it-IT" sz="4800" dirty="0">
+                <a:solidFill>
+                  <a:srgbClr val="FFFFFF"/>
+                </a:solidFill>
+              </a:rPr>
+              <a:t>Output dopo lo studio del </a:t>
+            </a:r>
+            <a:r>
+              <a:rPr lang="it-IT" sz="4800" dirty="0" err="1">
+                <a:solidFill>
+                  <a:srgbClr val="FFFFFF"/>
+                </a:solidFill>
+              </a:rPr>
+              <a:t>threshold</a:t>
+            </a:r>
+            <a:endParaRPr lang="it-IT" sz="4800" dirty="0">
+              <a:solidFill>
+                <a:srgbClr val="FFFFFF"/>
+              </a:solidFill>
+            </a:endParaRPr>
+          </a:p>
+        </p:txBody>
+      </p:sp>
+      <p:sp>
+        <p:nvSpPr>
+          <p:cNvPr id="4" name="Sottotitolo 3">
+            <a:extLst>
+              <a:ext uri="{FF2B5EF4-FFF2-40B4-BE49-F238E27FC236}">
+                <a16:creationId xmlns:a16="http://schemas.microsoft.com/office/drawing/2014/main" id="{6FC57A8E-D198-43CF-ACD7-853D2631E55A}"/>
+              </a:ext>
+            </a:extLst>
+          </p:cNvPr>
+          <p:cNvSpPr>
+            <a:spLocks noGrp="1"/>
+          </p:cNvSpPr>
+          <p:nvPr>
+            <p:ph type="subTitle" idx="1"/>
+          </p:nvPr>
+        </p:nvSpPr>
+        <p:spPr>
+          <a:xfrm>
+            <a:off x="761998" y="1540573"/>
+            <a:ext cx="10667998" cy="1275779"/>
+          </a:xfrm>
+        </p:spPr>
+        <p:txBody>
+          <a:bodyPr/>
+          <a:lstStyle/>
+          <a:p>
+            <a:pPr algn="l"/>
+            <a:r>
+              <a:rPr lang="it-IT" dirty="0"/>
+              <a:t>Dopo l’analisi dell’impatto del </a:t>
+            </a:r>
+            <a:r>
+              <a:rPr lang="it-IT" dirty="0" err="1"/>
+              <a:t>threshold</a:t>
+            </a:r>
+            <a:r>
+              <a:rPr lang="it-IT" dirty="0"/>
+              <a:t> sull’output, </a:t>
+            </a:r>
+            <a:r>
+              <a:rPr lang="it-IT" dirty="0" err="1"/>
+              <a:t>theshold</a:t>
+            </a:r>
+            <a:r>
+              <a:rPr lang="it-IT" dirty="0"/>
+              <a:t>=0,18</a:t>
+            </a:r>
+          </a:p>
+        </p:txBody>
+      </p:sp>
+      <p:pic>
+        <p:nvPicPr>
+          <p:cNvPr id="5" name="Immagine 4" descr="Immagine che contiene testo&#10;&#10;Descrizione generata automaticamente">
+            <a:extLst>
+              <a:ext uri="{FF2B5EF4-FFF2-40B4-BE49-F238E27FC236}">
+                <a16:creationId xmlns:a16="http://schemas.microsoft.com/office/drawing/2014/main" id="{FD7DD103-0B6D-4542-BD4D-358FE22D7776}"/>
+              </a:ext>
+            </a:extLst>
+          </p:cNvPr>
+          <p:cNvPicPr>
+            <a:picLocks noChangeAspect="1"/>
+          </p:cNvPicPr>
+          <p:nvPr/>
+        </p:nvPicPr>
+        <p:blipFill>
+          <a:blip r:embed="rId2">
+            <a:extLst>
+              <a:ext uri="{28A0092B-C50C-407E-A947-70E740481C1C}">
+                <a14:useLocalDpi xmlns:a14="http://schemas.microsoft.com/office/drawing/2010/main" val="0"/>
+              </a:ext>
+            </a:extLst>
+          </a:blip>
+          <a:stretch>
+            <a:fillRect/>
+          </a:stretch>
+        </p:blipFill>
+        <p:spPr>
+          <a:xfrm>
+            <a:off x="465573" y="2982991"/>
+            <a:ext cx="5002579" cy="3243860"/>
+          </a:xfrm>
+          <a:prstGeom prst="rect">
+            <a:avLst/>
+          </a:prstGeom>
+        </p:spPr>
+      </p:pic>
+      <p:sp>
+        <p:nvSpPr>
+          <p:cNvPr id="6" name="Freccia a destra 5">
+            <a:extLst>
+              <a:ext uri="{FF2B5EF4-FFF2-40B4-BE49-F238E27FC236}">
+                <a16:creationId xmlns:a16="http://schemas.microsoft.com/office/drawing/2014/main" id="{E1FA45EF-4144-417A-BB47-D69CC36C9FAF}"/>
+              </a:ext>
+            </a:extLst>
+          </p:cNvPr>
+          <p:cNvSpPr/>
+          <p:nvPr/>
+        </p:nvSpPr>
+        <p:spPr>
+          <a:xfrm>
+            <a:off x="5518622" y="4179362"/>
+            <a:ext cx="1318161" cy="498764"/>
+          </a:xfrm>
+          <a:prstGeom prst="rightArrow">
+            <a:avLst/>
+          </a:prstGeom>
+          <a:ln/>
+        </p:spPr>
+        <p:style>
+          <a:lnRef idx="2">
+            <a:schemeClr val="accent3"/>
+          </a:lnRef>
+          <a:fillRef idx="1">
+            <a:schemeClr val="lt1"/>
+          </a:fillRef>
+          <a:effectRef idx="0">
+            <a:schemeClr val="accent3"/>
+          </a:effectRef>
+          <a:fontRef idx="minor">
+            <a:schemeClr val="dk1"/>
+          </a:fontRef>
+        </p:style>
+        <p:txBody>
+          <a:bodyPr rtlCol="0" anchor="ctr"/>
+          <a:lstStyle/>
+          <a:p>
+            <a:pPr marL="0" marR="0" lvl="0" indent="0" algn="ctr" defTabSz="914400" rtl="0" eaLnBrk="1" fontAlgn="auto" latinLnBrk="0" hangingPunct="1">
+              <a:lnSpc>
+                <a:spcPct val="100000"/>
+              </a:lnSpc>
+              <a:spcBef>
+                <a:spcPts val="0"/>
+              </a:spcBef>
+              <a:spcAft>
+                <a:spcPts val="0"/>
+              </a:spcAft>
+              <a:buClrTx/>
+              <a:buSzTx/>
+              <a:buFontTx/>
+              <a:buNone/>
+              <a:tabLst/>
+              <a:defRPr/>
+            </a:pPr>
+            <a:endParaRPr kumimoji="0" lang="it-IT" sz="1800" b="0" i="0" u="none" strike="noStrike" kern="1200" cap="none" spc="0" normalizeH="0" baseline="0" noProof="0">
+              <a:ln>
+                <a:noFill/>
+              </a:ln>
+              <a:solidFill>
+                <a:srgbClr val="000000"/>
+              </a:solidFill>
+              <a:effectLst/>
+              <a:uLnTx/>
+              <a:uFillTx/>
+              <a:latin typeface="Verdana Pro"/>
+              <a:ea typeface="+mn-ea"/>
+              <a:cs typeface="+mn-cs"/>
+            </a:endParaRPr>
+          </a:p>
+        </p:txBody>
+      </p:sp>
+      <p:pic>
+        <p:nvPicPr>
+          <p:cNvPr id="7" name="Immagine 6">
+            <a:extLst>
+              <a:ext uri="{FF2B5EF4-FFF2-40B4-BE49-F238E27FC236}">
+                <a16:creationId xmlns:a16="http://schemas.microsoft.com/office/drawing/2014/main" id="{4C2ACE04-0801-46BE-B077-285B032EAB4B}"/>
+              </a:ext>
+            </a:extLst>
+          </p:cNvPr>
+          <p:cNvPicPr>
+            <a:picLocks noChangeAspect="1"/>
+          </p:cNvPicPr>
+          <p:nvPr/>
+        </p:nvPicPr>
+        <p:blipFill>
+          <a:blip r:embed="rId3">
+            <a:extLst>
+              <a:ext uri="{28A0092B-C50C-407E-A947-70E740481C1C}">
+                <a14:useLocalDpi xmlns:a14="http://schemas.microsoft.com/office/drawing/2010/main" val="0"/>
+              </a:ext>
+            </a:extLst>
+          </a:blip>
+          <a:srcRect/>
+          <a:stretch/>
+        </p:blipFill>
+        <p:spPr>
+          <a:xfrm>
+            <a:off x="6937723" y="2982991"/>
+            <a:ext cx="5002579" cy="3243859"/>
+          </a:xfrm>
+          <a:prstGeom prst="rect">
+            <a:avLst/>
+          </a:prstGeom>
+        </p:spPr>
+      </p:pic>
+      <p:sp>
+        <p:nvSpPr>
+          <p:cNvPr id="3" name="Segnaposto data 2">
+            <a:extLst>
+              <a:ext uri="{FF2B5EF4-FFF2-40B4-BE49-F238E27FC236}">
+                <a16:creationId xmlns:a16="http://schemas.microsoft.com/office/drawing/2014/main" id="{68B53254-B06A-4E5D-A0AC-20FA14607D9A}"/>
+              </a:ext>
+            </a:extLst>
+          </p:cNvPr>
+          <p:cNvSpPr>
+            <a:spLocks noGrp="1"/>
+          </p:cNvSpPr>
+          <p:nvPr>
+            <p:ph type="dt" sz="half" idx="10"/>
+          </p:nvPr>
+        </p:nvSpPr>
+        <p:spPr/>
+        <p:txBody>
+          <a:bodyPr/>
+          <a:lstStyle/>
+          <a:p>
+            <a:pPr marL="0" marR="0" lvl="0" indent="0" algn="l" defTabSz="914400" rtl="0" eaLnBrk="1" fontAlgn="auto" latinLnBrk="0" hangingPunct="1">
+              <a:lnSpc>
+                <a:spcPct val="100000"/>
+              </a:lnSpc>
+              <a:spcBef>
+                <a:spcPts val="0"/>
+              </a:spcBef>
+              <a:spcAft>
+                <a:spcPts val="0"/>
+              </a:spcAft>
+              <a:buClrTx/>
+              <a:buSzTx/>
+              <a:buFontTx/>
+              <a:buNone/>
+              <a:tabLst/>
+              <a:defRPr/>
+            </a:pPr>
+            <a:fld id="{EACE4ECE-4589-4666-B199-0F3643ABD5A2}" type="datetime1">
+              <a:rPr kumimoji="0" lang="it-IT" sz="900" b="0" i="0" u="none" strike="noStrike" kern="1200" cap="none" spc="0" normalizeH="0" baseline="0" noProof="0" smtClean="0">
+                <a:ln>
+                  <a:noFill/>
+                </a:ln>
+                <a:solidFill>
+                  <a:srgbClr val="FFFFFF"/>
+                </a:solidFill>
+                <a:effectLst/>
+                <a:uLnTx/>
+                <a:uFillTx/>
+                <a:latin typeface="Verdana Pro"/>
+                <a:ea typeface="+mn-ea"/>
+                <a:cs typeface="+mn-cs"/>
+              </a:rPr>
+              <a:pPr marL="0" marR="0" lvl="0" indent="0" algn="l" defTabSz="914400" rtl="0" eaLnBrk="1" fontAlgn="auto" latinLnBrk="0" hangingPunct="1">
+                <a:lnSpc>
+                  <a:spcPct val="100000"/>
+                </a:lnSpc>
+                <a:spcBef>
+                  <a:spcPts val="0"/>
+                </a:spcBef>
+                <a:spcAft>
+                  <a:spcPts val="0"/>
+                </a:spcAft>
+                <a:buClrTx/>
+                <a:buSzTx/>
+                <a:buFontTx/>
+                <a:buNone/>
+                <a:tabLst/>
+                <a:defRPr/>
+              </a:pPr>
+              <a:t>11/11/2021</a:t>
+            </a:fld>
+            <a:endParaRPr kumimoji="0" lang="en-US" sz="900" b="0" i="0" u="none" strike="noStrike" kern="1200" cap="none" spc="0" normalizeH="0" baseline="0" noProof="0">
+              <a:ln>
+                <a:noFill/>
+              </a:ln>
+              <a:solidFill>
+                <a:srgbClr val="FFFFFF"/>
+              </a:solidFill>
+              <a:effectLst/>
+              <a:uLnTx/>
+              <a:uFillTx/>
+              <a:latin typeface="Verdana Pro"/>
+              <a:ea typeface="+mn-ea"/>
+              <a:cs typeface="+mn-cs"/>
+            </a:endParaRPr>
+          </a:p>
+        </p:txBody>
+      </p:sp>
+      <p:sp>
+        <p:nvSpPr>
+          <p:cNvPr id="8" name="Segnaposto piè di pagina 7">
+            <a:extLst>
+              <a:ext uri="{FF2B5EF4-FFF2-40B4-BE49-F238E27FC236}">
+                <a16:creationId xmlns:a16="http://schemas.microsoft.com/office/drawing/2014/main" id="{EC513CA3-1C08-4096-8C1C-E18FA3BE14B3}"/>
+              </a:ext>
+            </a:extLst>
+          </p:cNvPr>
+          <p:cNvSpPr>
+            <a:spLocks noGrp="1"/>
+          </p:cNvSpPr>
+          <p:nvPr>
+            <p:ph type="ftr" sz="quarter" idx="11"/>
+          </p:nvPr>
+        </p:nvSpPr>
+        <p:spPr>
+          <a:xfrm>
+            <a:off x="6858000" y="6273843"/>
+            <a:ext cx="4572000" cy="365125"/>
+          </a:xfrm>
+        </p:spPr>
+        <p:txBody>
+          <a:bodyPr/>
+          <a:lstStyle/>
+          <a:p>
+            <a:pPr marL="0" marR="0" lvl="0" indent="0" algn="r" defTabSz="914400" rtl="0" eaLnBrk="1" fontAlgn="auto" latinLnBrk="0" hangingPunct="1">
+              <a:lnSpc>
+                <a:spcPct val="100000"/>
+              </a:lnSpc>
+              <a:spcBef>
+                <a:spcPts val="0"/>
+              </a:spcBef>
+              <a:spcAft>
+                <a:spcPts val="0"/>
+              </a:spcAft>
+              <a:buClrTx/>
+              <a:buSzTx/>
+              <a:buFontTx/>
+              <a:buNone/>
+              <a:tabLst/>
+              <a:defRPr/>
+            </a:pPr>
+            <a:r>
+              <a:rPr kumimoji="0" lang="en-US" sz="800" b="0" i="0" u="none" strike="noStrike" kern="1200" cap="none" spc="0" normalizeH="0" baseline="0" noProof="0" dirty="0">
+                <a:ln>
+                  <a:noFill/>
+                </a:ln>
+                <a:solidFill>
+                  <a:srgbClr val="FFFFFF"/>
+                </a:solidFill>
+                <a:effectLst/>
+                <a:uLnTx/>
+                <a:uFillTx/>
+                <a:latin typeface="Verdana Pro"/>
+                <a:ea typeface="+mn-ea"/>
+                <a:cs typeface="+mn-cs"/>
+              </a:rPr>
+              <a:t>Francesco </a:t>
+            </a:r>
+            <a:r>
+              <a:rPr kumimoji="0" lang="en-US" sz="800" b="0" i="0" u="none" strike="noStrike" kern="1200" cap="none" spc="0" normalizeH="0" baseline="0" noProof="0" dirty="0" err="1">
+                <a:ln>
+                  <a:noFill/>
+                </a:ln>
+                <a:solidFill>
+                  <a:srgbClr val="FFFFFF"/>
+                </a:solidFill>
+                <a:effectLst/>
+                <a:uLnTx/>
+                <a:uFillTx/>
+                <a:latin typeface="Verdana Pro"/>
+                <a:ea typeface="+mn-ea"/>
+                <a:cs typeface="+mn-cs"/>
+              </a:rPr>
+              <a:t>Luzzi</a:t>
+            </a:r>
+            <a:endParaRPr kumimoji="0" lang="en-US" sz="800" b="0" i="0" u="none" strike="noStrike" kern="1200" cap="none" spc="0" normalizeH="0" baseline="0" noProof="0" dirty="0">
+              <a:ln>
+                <a:noFill/>
+              </a:ln>
+              <a:solidFill>
+                <a:srgbClr val="FFFFFF"/>
+              </a:solidFill>
+              <a:effectLst/>
+              <a:uLnTx/>
+              <a:uFillTx/>
+              <a:latin typeface="Verdana Pro"/>
+              <a:ea typeface="+mn-ea"/>
+              <a:cs typeface="+mn-cs"/>
+            </a:endParaRPr>
+          </a:p>
+        </p:txBody>
+      </p:sp>
+      <p:sp>
+        <p:nvSpPr>
+          <p:cNvPr id="9" name="Segnaposto numero diapositiva 8">
+            <a:extLst>
+              <a:ext uri="{FF2B5EF4-FFF2-40B4-BE49-F238E27FC236}">
+                <a16:creationId xmlns:a16="http://schemas.microsoft.com/office/drawing/2014/main" id="{42A947FD-5B34-48F5-AD8B-31B0CEC1F2F0}"/>
+              </a:ext>
+            </a:extLst>
+          </p:cNvPr>
+          <p:cNvSpPr>
+            <a:spLocks noGrp="1"/>
+          </p:cNvSpPr>
+          <p:nvPr>
+            <p:ph type="sldNum" sz="quarter" idx="12"/>
+          </p:nvPr>
+        </p:nvSpPr>
+        <p:spPr/>
+        <p:txBody>
+          <a:bodyPr/>
+          <a:lstStyle/>
+          <a:p>
+            <a:pPr marL="0" marR="0" lvl="0" indent="0" algn="r" defTabSz="914400" rtl="0" eaLnBrk="1" fontAlgn="auto" latinLnBrk="0" hangingPunct="1">
+              <a:lnSpc>
+                <a:spcPct val="100000"/>
+              </a:lnSpc>
+              <a:spcBef>
+                <a:spcPts val="0"/>
+              </a:spcBef>
+              <a:spcAft>
+                <a:spcPts val="0"/>
+              </a:spcAft>
+              <a:buClrTx/>
+              <a:buSzTx/>
+              <a:buFontTx/>
+              <a:buNone/>
+              <a:tabLst/>
+              <a:defRPr/>
+            </a:pPr>
+            <a:fld id="{D643A852-0206-46AC-B0EB-645612933129}" type="slidenum">
+              <a:rPr kumimoji="0" lang="en-US" sz="3600" b="0" i="0" u="none" strike="noStrike" kern="1200" cap="none" spc="0" normalizeH="0" baseline="0" noProof="0" smtClean="0">
+                <a:ln>
+                  <a:noFill/>
+                </a:ln>
+                <a:solidFill>
+                  <a:srgbClr val="FFFFFF"/>
+                </a:solidFill>
+                <a:effectLst/>
+                <a:uLnTx/>
+                <a:uFillTx/>
+                <a:latin typeface="Verdana Pro Cond SemiBold"/>
+                <a:ea typeface="+mn-ea"/>
+                <a:cs typeface="+mn-cs"/>
+              </a:rPr>
+              <a:pPr marL="0" marR="0" lvl="0" indent="0" algn="r" defTabSz="914400" rtl="0" eaLnBrk="1" fontAlgn="auto" latinLnBrk="0" hangingPunct="1">
+                <a:lnSpc>
+                  <a:spcPct val="100000"/>
+                </a:lnSpc>
+                <a:spcBef>
+                  <a:spcPts val="0"/>
+                </a:spcBef>
+                <a:spcAft>
+                  <a:spcPts val="0"/>
+                </a:spcAft>
+                <a:buClrTx/>
+                <a:buSzTx/>
+                <a:buFontTx/>
+                <a:buNone/>
+                <a:tabLst/>
+                <a:defRPr/>
+              </a:pPr>
+              <a:t>11</a:t>
+            </a:fld>
+            <a:endParaRPr kumimoji="0" lang="en-US" sz="3600" b="0" i="0" u="none" strike="noStrike" kern="1200" cap="none" spc="0" normalizeH="0" baseline="0" noProof="0" dirty="0">
+              <a:ln>
+                <a:noFill/>
+              </a:ln>
+              <a:solidFill>
+                <a:srgbClr val="FFFFFF"/>
+              </a:solidFill>
+              <a:effectLst/>
+              <a:uLnTx/>
+              <a:uFillTx/>
+              <a:latin typeface="Verdana Pro Cond SemiBold"/>
+              <a:ea typeface="+mn-ea"/>
+              <a:cs typeface="+mn-cs"/>
+            </a:endParaRPr>
+          </a:p>
+        </p:txBody>
+      </p:sp>
+    </p:spTree>
+    <p:extLst>
+      <p:ext uri="{BB962C8B-B14F-4D97-AF65-F5344CB8AC3E}">
+        <p14:creationId xmlns:p14="http://schemas.microsoft.com/office/powerpoint/2010/main" val="3453398335"/>
+      </p:ext>
+    </p:extLst>
+  </p:cSld>
+  <p:clrMapOvr>
+    <a:masterClrMapping/>
+  </p:clrMapOvr>
+</p:sld>
+</file>
+
+<file path=ppt/slides/slide12.xml><?xml version="1.0" encoding="utf-8"?>
+<p:sld xmlns:a="http://schemas.openxmlformats.org/drawingml/2006/main" xmlns:r="http://schemas.openxmlformats.org/officeDocument/2006/relationships" xmlns:p="http://schemas.openxmlformats.org/presentationml/2006/main">
+  <p:cSld>
+    <p:bg>
+      <p:bgPr>
+        <a:gradFill>
+          <a:gsLst>
+            <a:gs pos="18000">
+              <a:schemeClr val="bg1"/>
+            </a:gs>
+            <a:gs pos="88000">
+              <a:srgbClr val="2F5596"/>
+            </a:gs>
+            <a:gs pos="65000">
+              <a:srgbClr val="325AA0"/>
+            </a:gs>
+            <a:gs pos="48000">
+              <a:schemeClr val="accent1">
+                <a:lumMod val="65000"/>
+              </a:schemeClr>
+            </a:gs>
+          </a:gsLst>
+          <a:lin ang="0" scaled="0"/>
+        </a:gradFill>
+        <a:effectLst/>
+      </p:bgPr>
+    </p:bg>
+    <p:spTree>
+      <p:nvGrpSpPr>
+        <p:cNvPr id="1" name=""/>
+        <p:cNvGrpSpPr/>
+        <p:nvPr/>
+      </p:nvGrpSpPr>
+      <p:grpSpPr>
+        <a:xfrm>
+          <a:off x="0" y="0"/>
+          <a:ext cx="0" cy="0"/>
+          <a:chOff x="0" y="0"/>
+          <a:chExt cx="0" cy="0"/>
+        </a:xfrm>
+      </p:grpSpPr>
+      <p:sp>
+        <p:nvSpPr>
+          <p:cNvPr id="2" name="Titolo 1">
+            <a:extLst>
+              <a:ext uri="{FF2B5EF4-FFF2-40B4-BE49-F238E27FC236}">
+                <a16:creationId xmlns:a16="http://schemas.microsoft.com/office/drawing/2014/main" id="{DE0E11C5-A0B6-420D-B720-3FF84BFCB0C6}"/>
+              </a:ext>
+            </a:extLst>
+          </p:cNvPr>
+          <p:cNvSpPr>
+            <a:spLocks noGrp="1"/>
+          </p:cNvSpPr>
+          <p:nvPr>
+            <p:ph type="ctrTitle"/>
+          </p:nvPr>
+        </p:nvSpPr>
+        <p:spPr>
+          <a:xfrm>
+            <a:off x="761998" y="69056"/>
+            <a:ext cx="10668000" cy="1985963"/>
+          </a:xfrm>
+        </p:spPr>
+        <p:txBody>
+          <a:bodyPr anchor="ctr">
+            <a:normAutofit/>
+          </a:bodyPr>
+          <a:lstStyle/>
+          <a:p>
+            <a:pPr algn="l"/>
+            <a:r>
+              <a:rPr lang="it-IT" sz="4800" dirty="0">
+                <a:solidFill>
+                  <a:srgbClr val="FFFFFF"/>
+                </a:solidFill>
+              </a:rPr>
+              <a:t>Conclusione e possibili utilizzi</a:t>
+            </a:r>
+          </a:p>
+        </p:txBody>
+      </p:sp>
+      <p:sp>
+        <p:nvSpPr>
+          <p:cNvPr id="4" name="Sottotitolo 3">
+            <a:extLst>
+              <a:ext uri="{FF2B5EF4-FFF2-40B4-BE49-F238E27FC236}">
+                <a16:creationId xmlns:a16="http://schemas.microsoft.com/office/drawing/2014/main" id="{6FC57A8E-D198-43CF-ACD7-853D2631E55A}"/>
+              </a:ext>
+            </a:extLst>
+          </p:cNvPr>
+          <p:cNvSpPr>
+            <a:spLocks noGrp="1"/>
+          </p:cNvSpPr>
+          <p:nvPr>
+            <p:ph type="subTitle" idx="1"/>
+          </p:nvPr>
+        </p:nvSpPr>
+        <p:spPr>
+          <a:xfrm>
+            <a:off x="761998" y="2991421"/>
+            <a:ext cx="10667998" cy="2555939"/>
+          </a:xfrm>
+        </p:spPr>
+        <p:txBody>
+          <a:bodyPr/>
+          <a:lstStyle/>
+          <a:p>
+            <a:pPr algn="l"/>
+            <a:r>
+              <a:rPr lang="it-IT" dirty="0"/>
+              <a:t>Conclusioni su questa applicazione e possibili utilizzi che questa potrebbe avere nel mercato.</a:t>
+            </a:r>
+          </a:p>
+          <a:p>
+            <a:pPr algn="l"/>
+            <a:endParaRPr lang="it-IT" dirty="0"/>
+          </a:p>
+        </p:txBody>
+      </p:sp>
+      <p:sp>
+        <p:nvSpPr>
+          <p:cNvPr id="3" name="Segnaposto data 2">
+            <a:extLst>
+              <a:ext uri="{FF2B5EF4-FFF2-40B4-BE49-F238E27FC236}">
+                <a16:creationId xmlns:a16="http://schemas.microsoft.com/office/drawing/2014/main" id="{68B53254-B06A-4E5D-A0AC-20FA14607D9A}"/>
+              </a:ext>
+            </a:extLst>
+          </p:cNvPr>
+          <p:cNvSpPr>
+            <a:spLocks noGrp="1"/>
+          </p:cNvSpPr>
+          <p:nvPr>
+            <p:ph type="dt" sz="half" idx="10"/>
+          </p:nvPr>
+        </p:nvSpPr>
+        <p:spPr/>
+        <p:txBody>
+          <a:bodyPr/>
+          <a:lstStyle/>
+          <a:p>
+            <a:pPr marL="0" marR="0" lvl="0" indent="0" algn="l" defTabSz="914400" rtl="0" eaLnBrk="1" fontAlgn="auto" latinLnBrk="0" hangingPunct="1">
+              <a:lnSpc>
+                <a:spcPct val="100000"/>
+              </a:lnSpc>
+              <a:spcBef>
+                <a:spcPts val="0"/>
+              </a:spcBef>
+              <a:spcAft>
+                <a:spcPts val="0"/>
+              </a:spcAft>
+              <a:buClrTx/>
+              <a:buSzTx/>
+              <a:buFontTx/>
+              <a:buNone/>
+              <a:tabLst/>
+              <a:defRPr/>
+            </a:pPr>
+            <a:fld id="{EACE4ECE-4589-4666-B199-0F3643ABD5A2}" type="datetime1">
+              <a:rPr kumimoji="0" lang="it-IT" sz="900" b="0" i="0" u="none" strike="noStrike" kern="1200" cap="none" spc="0" normalizeH="0" baseline="0" noProof="0" smtClean="0">
+                <a:ln>
+                  <a:noFill/>
+                </a:ln>
+                <a:solidFill>
+                  <a:srgbClr val="FFFFFF"/>
+                </a:solidFill>
+                <a:effectLst/>
+                <a:uLnTx/>
+                <a:uFillTx/>
+                <a:latin typeface="Verdana Pro"/>
+                <a:ea typeface="+mn-ea"/>
+                <a:cs typeface="+mn-cs"/>
+              </a:rPr>
+              <a:pPr marL="0" marR="0" lvl="0" indent="0" algn="l" defTabSz="914400" rtl="0" eaLnBrk="1" fontAlgn="auto" latinLnBrk="0" hangingPunct="1">
+                <a:lnSpc>
+                  <a:spcPct val="100000"/>
+                </a:lnSpc>
+                <a:spcBef>
+                  <a:spcPts val="0"/>
+                </a:spcBef>
+                <a:spcAft>
+                  <a:spcPts val="0"/>
+                </a:spcAft>
+                <a:buClrTx/>
+                <a:buSzTx/>
+                <a:buFontTx/>
+                <a:buNone/>
+                <a:tabLst/>
+                <a:defRPr/>
+              </a:pPr>
+              <a:t>11/11/2021</a:t>
+            </a:fld>
+            <a:endParaRPr kumimoji="0" lang="en-US" sz="900" b="0" i="0" u="none" strike="noStrike" kern="1200" cap="none" spc="0" normalizeH="0" baseline="0" noProof="0">
+              <a:ln>
+                <a:noFill/>
+              </a:ln>
+              <a:solidFill>
+                <a:srgbClr val="FFFFFF"/>
+              </a:solidFill>
+              <a:effectLst/>
+              <a:uLnTx/>
+              <a:uFillTx/>
+              <a:latin typeface="Verdana Pro"/>
+              <a:ea typeface="+mn-ea"/>
+              <a:cs typeface="+mn-cs"/>
+            </a:endParaRPr>
+          </a:p>
+        </p:txBody>
+      </p:sp>
+      <p:sp>
+        <p:nvSpPr>
+          <p:cNvPr id="8" name="Segnaposto piè di pagina 7">
+            <a:extLst>
+              <a:ext uri="{FF2B5EF4-FFF2-40B4-BE49-F238E27FC236}">
+                <a16:creationId xmlns:a16="http://schemas.microsoft.com/office/drawing/2014/main" id="{EC513CA3-1C08-4096-8C1C-E18FA3BE14B3}"/>
+              </a:ext>
+            </a:extLst>
+          </p:cNvPr>
+          <p:cNvSpPr>
+            <a:spLocks noGrp="1"/>
+          </p:cNvSpPr>
+          <p:nvPr>
+            <p:ph type="ftr" sz="quarter" idx="11"/>
+          </p:nvPr>
+        </p:nvSpPr>
+        <p:spPr>
+          <a:xfrm>
+            <a:off x="6858000" y="6273843"/>
+            <a:ext cx="4572000" cy="365125"/>
+          </a:xfrm>
+        </p:spPr>
+        <p:txBody>
+          <a:bodyPr/>
+          <a:lstStyle/>
+          <a:p>
+            <a:pPr marL="0" marR="0" lvl="0" indent="0" algn="r" defTabSz="914400" rtl="0" eaLnBrk="1" fontAlgn="auto" latinLnBrk="0" hangingPunct="1">
+              <a:lnSpc>
+                <a:spcPct val="100000"/>
+              </a:lnSpc>
+              <a:spcBef>
+                <a:spcPts val="0"/>
+              </a:spcBef>
+              <a:spcAft>
+                <a:spcPts val="0"/>
+              </a:spcAft>
+              <a:buClrTx/>
+              <a:buSzTx/>
+              <a:buFontTx/>
+              <a:buNone/>
+              <a:tabLst/>
+              <a:defRPr/>
+            </a:pPr>
+            <a:r>
+              <a:rPr kumimoji="0" lang="en-US" sz="800" b="0" i="0" u="none" strike="noStrike" kern="1200" cap="none" spc="0" normalizeH="0" baseline="0" noProof="0" dirty="0">
+                <a:ln>
+                  <a:noFill/>
+                </a:ln>
+                <a:solidFill>
+                  <a:srgbClr val="FFFFFF"/>
+                </a:solidFill>
+                <a:effectLst/>
+                <a:uLnTx/>
+                <a:uFillTx/>
+                <a:latin typeface="Verdana Pro"/>
+                <a:ea typeface="+mn-ea"/>
+                <a:cs typeface="+mn-cs"/>
+              </a:rPr>
+              <a:t>Francesco </a:t>
+            </a:r>
+            <a:r>
+              <a:rPr kumimoji="0" lang="en-US" sz="800" b="0" i="0" u="none" strike="noStrike" kern="1200" cap="none" spc="0" normalizeH="0" baseline="0" noProof="0" dirty="0" err="1">
+                <a:ln>
+                  <a:noFill/>
+                </a:ln>
+                <a:solidFill>
+                  <a:srgbClr val="FFFFFF"/>
+                </a:solidFill>
+                <a:effectLst/>
+                <a:uLnTx/>
+                <a:uFillTx/>
+                <a:latin typeface="Verdana Pro"/>
+                <a:ea typeface="+mn-ea"/>
+                <a:cs typeface="+mn-cs"/>
+              </a:rPr>
+              <a:t>Luzzi</a:t>
+            </a:r>
+            <a:endParaRPr kumimoji="0" lang="en-US" sz="800" b="0" i="0" u="none" strike="noStrike" kern="1200" cap="none" spc="0" normalizeH="0" baseline="0" noProof="0" dirty="0">
+              <a:ln>
+                <a:noFill/>
+              </a:ln>
+              <a:solidFill>
+                <a:srgbClr val="FFFFFF"/>
+              </a:solidFill>
+              <a:effectLst/>
+              <a:uLnTx/>
+              <a:uFillTx/>
+              <a:latin typeface="Verdana Pro"/>
+              <a:ea typeface="+mn-ea"/>
+              <a:cs typeface="+mn-cs"/>
+            </a:endParaRPr>
+          </a:p>
+        </p:txBody>
+      </p:sp>
+      <p:sp>
+        <p:nvSpPr>
+          <p:cNvPr id="9" name="Segnaposto numero diapositiva 8">
+            <a:extLst>
+              <a:ext uri="{FF2B5EF4-FFF2-40B4-BE49-F238E27FC236}">
+                <a16:creationId xmlns:a16="http://schemas.microsoft.com/office/drawing/2014/main" id="{42A947FD-5B34-48F5-AD8B-31B0CEC1F2F0}"/>
+              </a:ext>
+            </a:extLst>
+          </p:cNvPr>
+          <p:cNvSpPr>
+            <a:spLocks noGrp="1"/>
+          </p:cNvSpPr>
+          <p:nvPr>
+            <p:ph type="sldNum" sz="quarter" idx="12"/>
+          </p:nvPr>
+        </p:nvSpPr>
+        <p:spPr/>
+        <p:txBody>
+          <a:bodyPr/>
+          <a:lstStyle/>
+          <a:p>
+            <a:pPr marL="0" marR="0" lvl="0" indent="0" algn="r" defTabSz="914400" rtl="0" eaLnBrk="1" fontAlgn="auto" latinLnBrk="0" hangingPunct="1">
+              <a:lnSpc>
+                <a:spcPct val="100000"/>
+              </a:lnSpc>
+              <a:spcBef>
+                <a:spcPts val="0"/>
+              </a:spcBef>
+              <a:spcAft>
+                <a:spcPts val="0"/>
+              </a:spcAft>
+              <a:buClrTx/>
+              <a:buSzTx/>
+              <a:buFontTx/>
+              <a:buNone/>
+              <a:tabLst/>
+              <a:defRPr/>
+            </a:pPr>
+            <a:fld id="{D643A852-0206-46AC-B0EB-645612933129}" type="slidenum">
+              <a:rPr kumimoji="0" lang="en-US" sz="3600" b="0" i="0" u="none" strike="noStrike" kern="1200" cap="none" spc="0" normalizeH="0" baseline="0" noProof="0" smtClean="0">
+                <a:ln>
+                  <a:noFill/>
+                </a:ln>
+                <a:solidFill>
+                  <a:srgbClr val="FFFFFF"/>
+                </a:solidFill>
+                <a:effectLst/>
+                <a:uLnTx/>
+                <a:uFillTx/>
+                <a:latin typeface="Verdana Pro Cond SemiBold"/>
+                <a:ea typeface="+mn-ea"/>
+                <a:cs typeface="+mn-cs"/>
+              </a:rPr>
+              <a:pPr marL="0" marR="0" lvl="0" indent="0" algn="r" defTabSz="914400" rtl="0" eaLnBrk="1" fontAlgn="auto" latinLnBrk="0" hangingPunct="1">
+                <a:lnSpc>
+                  <a:spcPct val="100000"/>
+                </a:lnSpc>
+                <a:spcBef>
+                  <a:spcPts val="0"/>
+                </a:spcBef>
+                <a:spcAft>
+                  <a:spcPts val="0"/>
+                </a:spcAft>
+                <a:buClrTx/>
+                <a:buSzTx/>
+                <a:buFontTx/>
+                <a:buNone/>
+                <a:tabLst/>
+                <a:defRPr/>
+              </a:pPr>
+              <a:t>12</a:t>
+            </a:fld>
+            <a:endParaRPr kumimoji="0" lang="en-US" sz="3600" b="0" i="0" u="none" strike="noStrike" kern="1200" cap="none" spc="0" normalizeH="0" baseline="0" noProof="0" dirty="0">
+              <a:ln>
+                <a:noFill/>
+              </a:ln>
+              <a:solidFill>
+                <a:srgbClr val="FFFFFF"/>
+              </a:solidFill>
+              <a:effectLst/>
+              <a:uLnTx/>
+              <a:uFillTx/>
+              <a:latin typeface="Verdana Pro Cond SemiBold"/>
+              <a:ea typeface="+mn-ea"/>
+              <a:cs typeface="+mn-cs"/>
+            </a:endParaRPr>
+          </a:p>
+        </p:txBody>
+      </p:sp>
+    </p:spTree>
+    <p:extLst>
+      <p:ext uri="{BB962C8B-B14F-4D97-AF65-F5344CB8AC3E}">
+        <p14:creationId xmlns:p14="http://schemas.microsoft.com/office/powerpoint/2010/main" val="3917740635"/>
+      </p:ext>
+    </p:extLst>
+  </p:cSld>
+  <p:clrMapOvr>
+    <a:masterClrMapping/>
+  </p:clrMapOvr>
+</p:sld>
+</file>
+
+<file path=ppt/slides/slide13.xml><?xml version="1.0" encoding="utf-8"?>
+<p:sld xmlns:a="http://schemas.openxmlformats.org/drawingml/2006/main" xmlns:r="http://schemas.openxmlformats.org/officeDocument/2006/relationships" xmlns:p="http://schemas.openxmlformats.org/presentationml/2006/main">
+  <p:cSld>
+    <p:bg>
+      <p:bgPr>
+        <a:gradFill>
+          <a:gsLst>
+            <a:gs pos="18000">
+              <a:schemeClr val="bg1"/>
+            </a:gs>
+            <a:gs pos="88000">
+              <a:srgbClr val="2F5596"/>
+            </a:gs>
+            <a:gs pos="65000">
+              <a:srgbClr val="325AA0"/>
+            </a:gs>
+            <a:gs pos="48000">
+              <a:schemeClr val="accent1">
+                <a:lumMod val="65000"/>
+              </a:schemeClr>
+            </a:gs>
+          </a:gsLst>
+          <a:lin ang="0" scaled="0"/>
+        </a:gradFill>
+        <a:effectLst/>
+      </p:bgPr>
+    </p:bg>
+    <p:spTree>
+      <p:nvGrpSpPr>
+        <p:cNvPr id="1" name=""/>
+        <p:cNvGrpSpPr/>
+        <p:nvPr/>
+      </p:nvGrpSpPr>
+      <p:grpSpPr>
+        <a:xfrm>
+          <a:off x="0" y="0"/>
+          <a:ext cx="0" cy="0"/>
+          <a:chOff x="0" y="0"/>
+          <a:chExt cx="0" cy="0"/>
+        </a:xfrm>
+      </p:grpSpPr>
+      <p:sp>
+        <p:nvSpPr>
+          <p:cNvPr id="2" name="Titolo 1">
+            <a:extLst>
+              <a:ext uri="{FF2B5EF4-FFF2-40B4-BE49-F238E27FC236}">
+                <a16:creationId xmlns:a16="http://schemas.microsoft.com/office/drawing/2014/main" id="{DE0E11C5-A0B6-420D-B720-3FF84BFCB0C6}"/>
+              </a:ext>
+            </a:extLst>
+          </p:cNvPr>
+          <p:cNvSpPr>
+            <a:spLocks noGrp="1"/>
+          </p:cNvSpPr>
+          <p:nvPr>
+            <p:ph type="ctrTitle"/>
+          </p:nvPr>
+        </p:nvSpPr>
+        <p:spPr>
+          <a:xfrm>
+            <a:off x="762000" y="2092928"/>
+            <a:ext cx="10668000" cy="1985963"/>
+          </a:xfrm>
+        </p:spPr>
+        <p:txBody>
+          <a:bodyPr anchor="ctr">
+            <a:normAutofit/>
+          </a:bodyPr>
+          <a:lstStyle/>
+          <a:p>
+            <a:r>
+              <a:rPr lang="it-IT" sz="4800" dirty="0">
+                <a:solidFill>
+                  <a:srgbClr val="FFFFFF"/>
+                </a:solidFill>
+              </a:rPr>
+              <a:t>GRAZIE DELL’ATTENZIONE</a:t>
+            </a:r>
+          </a:p>
+        </p:txBody>
+      </p:sp>
+      <p:sp>
+        <p:nvSpPr>
+          <p:cNvPr id="3" name="Segnaposto data 2">
+            <a:extLst>
+              <a:ext uri="{FF2B5EF4-FFF2-40B4-BE49-F238E27FC236}">
+                <a16:creationId xmlns:a16="http://schemas.microsoft.com/office/drawing/2014/main" id="{68B53254-B06A-4E5D-A0AC-20FA14607D9A}"/>
+              </a:ext>
+            </a:extLst>
+          </p:cNvPr>
+          <p:cNvSpPr>
+            <a:spLocks noGrp="1"/>
+          </p:cNvSpPr>
+          <p:nvPr>
+            <p:ph type="dt" sz="half" idx="10"/>
+          </p:nvPr>
+        </p:nvSpPr>
+        <p:spPr/>
+        <p:txBody>
+          <a:bodyPr/>
+          <a:lstStyle/>
+          <a:p>
+            <a:pPr marL="0" marR="0" lvl="0" indent="0" algn="l" defTabSz="914400" rtl="0" eaLnBrk="1" fontAlgn="auto" latinLnBrk="0" hangingPunct="1">
+              <a:lnSpc>
+                <a:spcPct val="100000"/>
+              </a:lnSpc>
+              <a:spcBef>
+                <a:spcPts val="0"/>
+              </a:spcBef>
+              <a:spcAft>
+                <a:spcPts val="0"/>
+              </a:spcAft>
+              <a:buClrTx/>
+              <a:buSzTx/>
+              <a:buFontTx/>
+              <a:buNone/>
+              <a:tabLst/>
+              <a:defRPr/>
+            </a:pPr>
+            <a:fld id="{EACE4ECE-4589-4666-B199-0F3643ABD5A2}" type="datetime1">
+              <a:rPr kumimoji="0" lang="it-IT" sz="900" b="0" i="0" u="none" strike="noStrike" kern="1200" cap="none" spc="0" normalizeH="0" baseline="0" noProof="0" smtClean="0">
+                <a:ln>
+                  <a:noFill/>
+                </a:ln>
+                <a:solidFill>
+                  <a:srgbClr val="FFFFFF"/>
+                </a:solidFill>
+                <a:effectLst/>
+                <a:uLnTx/>
+                <a:uFillTx/>
+                <a:latin typeface="Verdana Pro"/>
+                <a:ea typeface="+mn-ea"/>
+                <a:cs typeface="+mn-cs"/>
+              </a:rPr>
+              <a:pPr marL="0" marR="0" lvl="0" indent="0" algn="l" defTabSz="914400" rtl="0" eaLnBrk="1" fontAlgn="auto" latinLnBrk="0" hangingPunct="1">
+                <a:lnSpc>
+                  <a:spcPct val="100000"/>
+                </a:lnSpc>
+                <a:spcBef>
+                  <a:spcPts val="0"/>
+                </a:spcBef>
+                <a:spcAft>
+                  <a:spcPts val="0"/>
+                </a:spcAft>
+                <a:buClrTx/>
+                <a:buSzTx/>
+                <a:buFontTx/>
+                <a:buNone/>
+                <a:tabLst/>
+                <a:defRPr/>
+              </a:pPr>
+              <a:t>11/11/2021</a:t>
+            </a:fld>
+            <a:endParaRPr kumimoji="0" lang="en-US" sz="900" b="0" i="0" u="none" strike="noStrike" kern="1200" cap="none" spc="0" normalizeH="0" baseline="0" noProof="0">
+              <a:ln>
+                <a:noFill/>
+              </a:ln>
+              <a:solidFill>
+                <a:srgbClr val="FFFFFF"/>
+              </a:solidFill>
+              <a:effectLst/>
+              <a:uLnTx/>
+              <a:uFillTx/>
+              <a:latin typeface="Verdana Pro"/>
+              <a:ea typeface="+mn-ea"/>
+              <a:cs typeface="+mn-cs"/>
+            </a:endParaRPr>
+          </a:p>
+        </p:txBody>
+      </p:sp>
+      <p:sp>
+        <p:nvSpPr>
+          <p:cNvPr id="8" name="Segnaposto piè di pagina 7">
+            <a:extLst>
+              <a:ext uri="{FF2B5EF4-FFF2-40B4-BE49-F238E27FC236}">
+                <a16:creationId xmlns:a16="http://schemas.microsoft.com/office/drawing/2014/main" id="{EC513CA3-1C08-4096-8C1C-E18FA3BE14B3}"/>
+              </a:ext>
+            </a:extLst>
+          </p:cNvPr>
+          <p:cNvSpPr>
+            <a:spLocks noGrp="1"/>
+          </p:cNvSpPr>
+          <p:nvPr>
+            <p:ph type="ftr" sz="quarter" idx="11"/>
+          </p:nvPr>
+        </p:nvSpPr>
+        <p:spPr>
+          <a:xfrm>
+            <a:off x="6858000" y="6273843"/>
+            <a:ext cx="4572000" cy="365125"/>
+          </a:xfrm>
+        </p:spPr>
+        <p:txBody>
+          <a:bodyPr/>
+          <a:lstStyle/>
+          <a:p>
+            <a:pPr marL="0" marR="0" lvl="0" indent="0" algn="r" defTabSz="914400" rtl="0" eaLnBrk="1" fontAlgn="auto" latinLnBrk="0" hangingPunct="1">
+              <a:lnSpc>
+                <a:spcPct val="100000"/>
+              </a:lnSpc>
+              <a:spcBef>
+                <a:spcPts val="0"/>
+              </a:spcBef>
+              <a:spcAft>
+                <a:spcPts val="0"/>
+              </a:spcAft>
+              <a:buClrTx/>
+              <a:buSzTx/>
+              <a:buFontTx/>
+              <a:buNone/>
+              <a:tabLst/>
+              <a:defRPr/>
+            </a:pPr>
+            <a:r>
+              <a:rPr kumimoji="0" lang="en-US" sz="800" b="0" i="0" u="none" strike="noStrike" kern="1200" cap="none" spc="0" normalizeH="0" baseline="0" noProof="0" dirty="0">
+                <a:ln>
+                  <a:noFill/>
+                </a:ln>
+                <a:solidFill>
+                  <a:srgbClr val="FFFFFF"/>
+                </a:solidFill>
+                <a:effectLst/>
+                <a:uLnTx/>
+                <a:uFillTx/>
+                <a:latin typeface="Verdana Pro"/>
+                <a:ea typeface="+mn-ea"/>
+                <a:cs typeface="+mn-cs"/>
+              </a:rPr>
+              <a:t>Francesco </a:t>
+            </a:r>
+            <a:r>
+              <a:rPr kumimoji="0" lang="en-US" sz="800" b="0" i="0" u="none" strike="noStrike" kern="1200" cap="none" spc="0" normalizeH="0" baseline="0" noProof="0" dirty="0" err="1">
+                <a:ln>
+                  <a:noFill/>
+                </a:ln>
+                <a:solidFill>
+                  <a:srgbClr val="FFFFFF"/>
+                </a:solidFill>
+                <a:effectLst/>
+                <a:uLnTx/>
+                <a:uFillTx/>
+                <a:latin typeface="Verdana Pro"/>
+                <a:ea typeface="+mn-ea"/>
+                <a:cs typeface="+mn-cs"/>
+              </a:rPr>
+              <a:t>Luzzi</a:t>
+            </a:r>
+            <a:endParaRPr kumimoji="0" lang="en-US" sz="800" b="0" i="0" u="none" strike="noStrike" kern="1200" cap="none" spc="0" normalizeH="0" baseline="0" noProof="0" dirty="0">
+              <a:ln>
+                <a:noFill/>
+              </a:ln>
+              <a:solidFill>
+                <a:srgbClr val="FFFFFF"/>
+              </a:solidFill>
+              <a:effectLst/>
+              <a:uLnTx/>
+              <a:uFillTx/>
+              <a:latin typeface="Verdana Pro"/>
+              <a:ea typeface="+mn-ea"/>
+              <a:cs typeface="+mn-cs"/>
+            </a:endParaRPr>
+          </a:p>
+        </p:txBody>
+      </p:sp>
+      <p:sp>
+        <p:nvSpPr>
+          <p:cNvPr id="9" name="Segnaposto numero diapositiva 8">
+            <a:extLst>
+              <a:ext uri="{FF2B5EF4-FFF2-40B4-BE49-F238E27FC236}">
+                <a16:creationId xmlns:a16="http://schemas.microsoft.com/office/drawing/2014/main" id="{42A947FD-5B34-48F5-AD8B-31B0CEC1F2F0}"/>
+              </a:ext>
+            </a:extLst>
+          </p:cNvPr>
+          <p:cNvSpPr>
+            <a:spLocks noGrp="1"/>
+          </p:cNvSpPr>
+          <p:nvPr>
+            <p:ph type="sldNum" sz="quarter" idx="12"/>
+          </p:nvPr>
+        </p:nvSpPr>
+        <p:spPr/>
+        <p:txBody>
+          <a:bodyPr/>
+          <a:lstStyle/>
+          <a:p>
+            <a:pPr marL="0" marR="0" lvl="0" indent="0" algn="r" defTabSz="914400" rtl="0" eaLnBrk="1" fontAlgn="auto" latinLnBrk="0" hangingPunct="1">
+              <a:lnSpc>
+                <a:spcPct val="100000"/>
+              </a:lnSpc>
+              <a:spcBef>
+                <a:spcPts val="0"/>
+              </a:spcBef>
+              <a:spcAft>
+                <a:spcPts val="0"/>
+              </a:spcAft>
+              <a:buClrTx/>
+              <a:buSzTx/>
+              <a:buFontTx/>
+              <a:buNone/>
+              <a:tabLst/>
+              <a:defRPr/>
+            </a:pPr>
+            <a:fld id="{D643A852-0206-46AC-B0EB-645612933129}" type="slidenum">
+              <a:rPr kumimoji="0" lang="en-US" sz="3600" b="0" i="0" u="none" strike="noStrike" kern="1200" cap="none" spc="0" normalizeH="0" baseline="0" noProof="0" smtClean="0">
+                <a:ln>
+                  <a:noFill/>
+                </a:ln>
+                <a:solidFill>
+                  <a:srgbClr val="FFFFFF"/>
+                </a:solidFill>
+                <a:effectLst/>
+                <a:uLnTx/>
+                <a:uFillTx/>
+                <a:latin typeface="Verdana Pro Cond SemiBold"/>
+                <a:ea typeface="+mn-ea"/>
+                <a:cs typeface="+mn-cs"/>
+              </a:rPr>
+              <a:pPr marL="0" marR="0" lvl="0" indent="0" algn="r" defTabSz="914400" rtl="0" eaLnBrk="1" fontAlgn="auto" latinLnBrk="0" hangingPunct="1">
+                <a:lnSpc>
+                  <a:spcPct val="100000"/>
+                </a:lnSpc>
+                <a:spcBef>
+                  <a:spcPts val="0"/>
+                </a:spcBef>
+                <a:spcAft>
+                  <a:spcPts val="0"/>
+                </a:spcAft>
+                <a:buClrTx/>
+                <a:buSzTx/>
+                <a:buFontTx/>
+                <a:buNone/>
+                <a:tabLst/>
+                <a:defRPr/>
+              </a:pPr>
+              <a:t>13</a:t>
+            </a:fld>
+            <a:endParaRPr kumimoji="0" lang="en-US" sz="3600" b="0" i="0" u="none" strike="noStrike" kern="1200" cap="none" spc="0" normalizeH="0" baseline="0" noProof="0" dirty="0">
+              <a:ln>
+                <a:noFill/>
+              </a:ln>
+              <a:solidFill>
+                <a:srgbClr val="FFFFFF"/>
+              </a:solidFill>
+              <a:effectLst/>
+              <a:uLnTx/>
+              <a:uFillTx/>
+              <a:latin typeface="Verdana Pro Cond SemiBold"/>
+              <a:ea typeface="+mn-ea"/>
+              <a:cs typeface="+mn-cs"/>
+            </a:endParaRPr>
+          </a:p>
+        </p:txBody>
+      </p:sp>
+    </p:spTree>
+    <p:extLst>
+      <p:ext uri="{BB962C8B-B14F-4D97-AF65-F5344CB8AC3E}">
+        <p14:creationId xmlns:p14="http://schemas.microsoft.com/office/powerpoint/2010/main" val="2724508427"/>
       </p:ext>
     </p:extLst>
   </p:cSld>
@@ -3630,142 +6054,142 @@
         <p:spPr>
           <a:xfrm>
             <a:off x="761998" y="1540573"/>
-            <a:ext cx="10667998" cy="1275779"/>
+            <a:ext cx="10667998" cy="3007043"/>
           </a:xfrm>
         </p:spPr>
         <p:txBody>
-          <a:bodyPr/>
+          <a:bodyPr>
+            <a:normAutofit/>
+          </a:bodyPr>
           <a:lstStyle/>
           <a:p>
             <a:pPr algn="l"/>
             <a:r>
               <a:rPr lang="it-IT" dirty="0"/>
-              <a:t>Creare un’applicazione che trovando la posa delle persone che oscurerà i volti per questioni di privacy</a:t>
+              <a:t>Creare un’applicazione che trovando la posa delle persone che oscurerà i volti per questioni di privacy.</a:t>
             </a:r>
           </a:p>
           <a:p>
             <a:pPr algn="l"/>
             <a:endParaRPr lang="it-IT" dirty="0"/>
           </a:p>
-        </p:txBody>
-      </p:sp>
-      <p:pic>
-        <p:nvPicPr>
-          <p:cNvPr id="5" name="Immagine 4" descr="Immagine che contiene testo&#10;&#10;Descrizione generata automaticamente">
-            <a:extLst>
-              <a:ext uri="{FF2B5EF4-FFF2-40B4-BE49-F238E27FC236}">
-                <a16:creationId xmlns:a16="http://schemas.microsoft.com/office/drawing/2014/main" id="{FD7DD103-0B6D-4542-BD4D-358FE22D7776}"/>
-              </a:ext>
-            </a:extLst>
-          </p:cNvPr>
-          <p:cNvPicPr>
-            <a:picLocks noChangeAspect="1"/>
-          </p:cNvPicPr>
-          <p:nvPr/>
-        </p:nvPicPr>
-        <p:blipFill>
-          <a:blip r:embed="rId2">
-            <a:extLst>
-              <a:ext uri="{28A0092B-C50C-407E-A947-70E740481C1C}">
-                <a14:useLocalDpi xmlns:a14="http://schemas.microsoft.com/office/drawing/2010/main" val="0"/>
-              </a:ext>
-            </a:extLst>
-          </a:blip>
-          <a:stretch>
-            <a:fillRect/>
-          </a:stretch>
-        </p:blipFill>
+          <a:p>
+            <a:pPr algn="l"/>
+            <a:r>
+              <a:rPr lang="it-IT" dirty="0"/>
+              <a:t>Motivazione di questo problema (</a:t>
+            </a:r>
+            <a:r>
+              <a:rPr lang="it-IT" dirty="0" err="1"/>
+              <a:t>googleMaps</a:t>
+            </a:r>
+            <a:r>
+              <a:rPr lang="it-IT" dirty="0"/>
+              <a:t>, NN per la guida autonoma…)</a:t>
+            </a:r>
+          </a:p>
+          <a:p>
+            <a:pPr algn="l"/>
+            <a:endParaRPr lang="it-IT" dirty="0"/>
+          </a:p>
+        </p:txBody>
+      </p:sp>
+      <p:sp>
+        <p:nvSpPr>
+          <p:cNvPr id="3" name="Segnaposto data 2">
+            <a:extLst>
+              <a:ext uri="{FF2B5EF4-FFF2-40B4-BE49-F238E27FC236}">
+                <a16:creationId xmlns:a16="http://schemas.microsoft.com/office/drawing/2014/main" id="{68B53254-B06A-4E5D-A0AC-20FA14607D9A}"/>
+              </a:ext>
+            </a:extLst>
+          </p:cNvPr>
+          <p:cNvSpPr>
+            <a:spLocks noGrp="1"/>
+          </p:cNvSpPr>
+          <p:nvPr>
+            <p:ph type="dt" sz="half" idx="10"/>
+          </p:nvPr>
+        </p:nvSpPr>
+        <p:spPr/>
+        <p:txBody>
+          <a:bodyPr/>
+          <a:lstStyle/>
+          <a:p>
+            <a:fld id="{EACE4ECE-4589-4666-B199-0F3643ABD5A2}" type="datetime1">
+              <a:rPr lang="it-IT" smtClean="0"/>
+              <a:t>11/11/2021</a:t>
+            </a:fld>
+            <a:endParaRPr lang="en-US"/>
+          </a:p>
+        </p:txBody>
+      </p:sp>
+      <p:sp>
+        <p:nvSpPr>
+          <p:cNvPr id="8" name="Segnaposto piè di pagina 7">
+            <a:extLst>
+              <a:ext uri="{FF2B5EF4-FFF2-40B4-BE49-F238E27FC236}">
+                <a16:creationId xmlns:a16="http://schemas.microsoft.com/office/drawing/2014/main" id="{EC513CA3-1C08-4096-8C1C-E18FA3BE14B3}"/>
+              </a:ext>
+            </a:extLst>
+          </p:cNvPr>
+          <p:cNvSpPr>
+            <a:spLocks noGrp="1"/>
+          </p:cNvSpPr>
+          <p:nvPr>
+            <p:ph type="ftr" sz="quarter" idx="11"/>
+          </p:nvPr>
+        </p:nvSpPr>
         <p:spPr>
           <a:xfrm>
-            <a:off x="446772" y="2982991"/>
-            <a:ext cx="5002579" cy="3243860"/>
+            <a:off x="6858000" y="6273843"/>
+            <a:ext cx="4572000" cy="365125"/>
           </a:xfrm>
-          <a:prstGeom prst="rect">
-            <a:avLst/>
-          </a:prstGeom>
         </p:spPr>
-      </p:pic>
-      <p:sp>
-        <p:nvSpPr>
-          <p:cNvPr id="6" name="Freccia a destra 5">
-            <a:extLst>
-              <a:ext uri="{FF2B5EF4-FFF2-40B4-BE49-F238E27FC236}">
-                <a16:creationId xmlns:a16="http://schemas.microsoft.com/office/drawing/2014/main" id="{E1FA45EF-4144-417A-BB47-D69CC36C9FAF}"/>
-              </a:ext>
-            </a:extLst>
-          </p:cNvPr>
-          <p:cNvSpPr/>
-          <p:nvPr/>
-        </p:nvSpPr>
-        <p:spPr>
-          <a:xfrm>
-            <a:off x="5518622" y="4179362"/>
-            <a:ext cx="1318161" cy="498764"/>
-          </a:xfrm>
-          <a:prstGeom prst="rightArrow">
-            <a:avLst/>
-          </a:prstGeom>
-          <a:ln/>
-        </p:spPr>
-        <p:style>
-          <a:lnRef idx="2">
-            <a:schemeClr val="accent3"/>
-          </a:lnRef>
-          <a:fillRef idx="1">
-            <a:schemeClr val="lt1"/>
-          </a:fillRef>
-          <a:effectRef idx="0">
-            <a:schemeClr val="accent3"/>
-          </a:effectRef>
-          <a:fontRef idx="minor">
-            <a:schemeClr val="dk1"/>
-          </a:fontRef>
-        </p:style>
-        <p:txBody>
-          <a:bodyPr rtlCol="0" anchor="ctr"/>
-          <a:lstStyle/>
-          <a:p>
-            <a:pPr algn="ctr"/>
-            <a:endParaRPr lang="it-IT"/>
-          </a:p>
-        </p:txBody>
-      </p:sp>
-      <p:pic>
-        <p:nvPicPr>
-          <p:cNvPr id="7" name="Immagine 6" descr="Immagine che contiene persona, colorato&#10;&#10;Descrizione generata automaticamente">
-            <a:extLst>
-              <a:ext uri="{FF2B5EF4-FFF2-40B4-BE49-F238E27FC236}">
-                <a16:creationId xmlns:a16="http://schemas.microsoft.com/office/drawing/2014/main" id="{4C2ACE04-0801-46BE-B077-285B032EAB4B}"/>
-              </a:ext>
-            </a:extLst>
-          </p:cNvPr>
-          <p:cNvPicPr>
-            <a:picLocks noChangeAspect="1"/>
-          </p:cNvPicPr>
-          <p:nvPr/>
-        </p:nvPicPr>
-        <p:blipFill>
-          <a:blip r:embed="rId3">
-            <a:extLst>
-              <a:ext uri="{28A0092B-C50C-407E-A947-70E740481C1C}">
-                <a14:useLocalDpi xmlns:a14="http://schemas.microsoft.com/office/drawing/2010/main" val="0"/>
-              </a:ext>
-            </a:extLst>
-          </a:blip>
-          <a:stretch>
-            <a:fillRect/>
-          </a:stretch>
-        </p:blipFill>
-        <p:spPr>
-          <a:xfrm>
-            <a:off x="6937723" y="2982991"/>
-            <a:ext cx="5002579" cy="3243860"/>
-          </a:xfrm>
-          <a:prstGeom prst="rect">
-            <a:avLst/>
-          </a:prstGeom>
-        </p:spPr>
-      </p:pic>
+        <p:txBody>
+          <a:bodyPr/>
+          <a:lstStyle/>
+          <a:p>
+            <a:r>
+              <a:rPr lang="en-US" dirty="0"/>
+              <a:t>Francesco </a:t>
+            </a:r>
+            <a:r>
+              <a:rPr lang="en-US" dirty="0" err="1"/>
+              <a:t>Luzzi</a:t>
+            </a:r>
+            <a:endParaRPr lang="en-US" dirty="0"/>
+          </a:p>
+        </p:txBody>
+      </p:sp>
+      <p:sp>
+        <p:nvSpPr>
+          <p:cNvPr id="9" name="Segnaposto numero diapositiva 8">
+            <a:extLst>
+              <a:ext uri="{FF2B5EF4-FFF2-40B4-BE49-F238E27FC236}">
+                <a16:creationId xmlns:a16="http://schemas.microsoft.com/office/drawing/2014/main" id="{42A947FD-5B34-48F5-AD8B-31B0CEC1F2F0}"/>
+              </a:ext>
+            </a:extLst>
+          </p:cNvPr>
+          <p:cNvSpPr>
+            <a:spLocks noGrp="1"/>
+          </p:cNvSpPr>
+          <p:nvPr>
+            <p:ph type="sldNum" sz="quarter" idx="12"/>
+          </p:nvPr>
+        </p:nvSpPr>
+        <p:spPr/>
+        <p:txBody>
+          <a:bodyPr/>
+          <a:lstStyle/>
+          <a:p>
+            <a:fld id="{D643A852-0206-46AC-B0EB-645612933129}" type="slidenum">
+              <a:rPr lang="en-US" smtClean="0"/>
+              <a:t>2</a:t>
+            </a:fld>
+            <a:endParaRPr lang="en-US" dirty="0"/>
+          </a:p>
+        </p:txBody>
+      </p:sp>
     </p:spTree>
     <p:extLst>
       <p:ext uri="{BB962C8B-B14F-4D97-AF65-F5344CB8AC3E}">
@@ -3893,7 +6317,7 @@
             </a:pPr>
             <a:r>
               <a:rPr lang="it-IT" sz="2400" dirty="0"/>
-              <a:t>Stimare la posa di una o più persone presenti in un’immagine:</a:t>
+              <a:t>I passi per stimare la posa di una o più persone presenti in un’immagine sono:</a:t>
             </a:r>
           </a:p>
           <a:p>
@@ -3958,6 +6382,102 @@
               <a:t>,</a:t>
             </a:r>
             <a:endParaRPr lang="it-IT" sz="2400" dirty="0"/>
+          </a:p>
+        </p:txBody>
+      </p:sp>
+      <p:sp>
+        <p:nvSpPr>
+          <p:cNvPr id="3" name="Segnaposto data 2">
+            <a:extLst>
+              <a:ext uri="{FF2B5EF4-FFF2-40B4-BE49-F238E27FC236}">
+                <a16:creationId xmlns:a16="http://schemas.microsoft.com/office/drawing/2014/main" id="{E6DB8C11-130A-4C27-9696-D4AE6E5D2292}"/>
+              </a:ext>
+            </a:extLst>
+          </p:cNvPr>
+          <p:cNvSpPr>
+            <a:spLocks noGrp="1"/>
+          </p:cNvSpPr>
+          <p:nvPr>
+            <p:ph type="dt" sz="half" idx="10"/>
+          </p:nvPr>
+        </p:nvSpPr>
+        <p:spPr/>
+        <p:txBody>
+          <a:bodyPr/>
+          <a:lstStyle/>
+          <a:p>
+            <a:fld id="{5997E0D3-1F6C-4EF7-9F59-B91FC5FC725C}" type="datetime1">
+              <a:rPr lang="it-IT" smtClean="0"/>
+              <a:t>11/11/2021</a:t>
+            </a:fld>
+            <a:endParaRPr lang="en-US"/>
+          </a:p>
+        </p:txBody>
+      </p:sp>
+      <p:sp>
+        <p:nvSpPr>
+          <p:cNvPr id="5" name="Segnaposto piè di pagina 4">
+            <a:extLst>
+              <a:ext uri="{FF2B5EF4-FFF2-40B4-BE49-F238E27FC236}">
+                <a16:creationId xmlns:a16="http://schemas.microsoft.com/office/drawing/2014/main" id="{C23237D2-D9E8-4B54-B0E4-9B98CE7DE421}"/>
+              </a:ext>
+            </a:extLst>
+          </p:cNvPr>
+          <p:cNvSpPr>
+            <a:spLocks noGrp="1"/>
+          </p:cNvSpPr>
+          <p:nvPr>
+            <p:ph type="ftr" sz="quarter" idx="11"/>
+          </p:nvPr>
+        </p:nvSpPr>
+        <p:spPr>
+          <a:xfrm>
+            <a:off x="6858000" y="6273843"/>
+            <a:ext cx="4572000" cy="365125"/>
+          </a:xfrm>
+        </p:spPr>
+        <p:txBody>
+          <a:bodyPr/>
+          <a:lstStyle/>
+          <a:p>
+            <a:r>
+              <a:rPr lang="en-US" dirty="0"/>
+              <a:t>Francesco </a:t>
+            </a:r>
+            <a:r>
+              <a:rPr lang="en-US" dirty="0" err="1"/>
+              <a:t>Luzzi</a:t>
+            </a:r>
+            <a:endParaRPr lang="en-US" dirty="0"/>
+          </a:p>
+        </p:txBody>
+      </p:sp>
+      <p:sp>
+        <p:nvSpPr>
+          <p:cNvPr id="6" name="Segnaposto numero diapositiva 5">
+            <a:extLst>
+              <a:ext uri="{FF2B5EF4-FFF2-40B4-BE49-F238E27FC236}">
+                <a16:creationId xmlns:a16="http://schemas.microsoft.com/office/drawing/2014/main" id="{73D63FE8-1BF0-4F66-A5F8-12F3C59B303F}"/>
+              </a:ext>
+            </a:extLst>
+          </p:cNvPr>
+          <p:cNvSpPr>
+            <a:spLocks noGrp="1"/>
+          </p:cNvSpPr>
+          <p:nvPr>
+            <p:ph type="sldNum" sz="quarter" idx="12"/>
+          </p:nvPr>
+        </p:nvSpPr>
+        <p:spPr/>
+        <p:txBody>
+          <a:bodyPr/>
+          <a:lstStyle/>
+          <a:p>
+            <a:fld id="{D643A852-0206-46AC-B0EB-645612933129}" type="slidenum">
+              <a:rPr lang="en-US" smtClean="0"/>
+              <a:t>3</a:t>
+            </a:fld>
+            <a:endParaRPr lang="en-US"/>
           </a:p>
         </p:txBody>
       </p:sp>
@@ -4050,7 +6570,7 @@
                   <a:srgbClr val="FFFFFF"/>
                 </a:solidFill>
               </a:rPr>
-              <a:t>L’applicazione</a:t>
+              <a:t>Strumenti principali utilizzati</a:t>
             </a:r>
           </a:p>
         </p:txBody>
@@ -4406,6 +6926,97 @@
           </a:extLst>
         </p:spPr>
       </p:pic>
+      <p:sp>
+        <p:nvSpPr>
+          <p:cNvPr id="3" name="Segnaposto data 2">
+            <a:extLst>
+              <a:ext uri="{FF2B5EF4-FFF2-40B4-BE49-F238E27FC236}">
+                <a16:creationId xmlns:a16="http://schemas.microsoft.com/office/drawing/2014/main" id="{5A022719-3B1E-4BB6-8933-F1FE79852BC1}"/>
+              </a:ext>
+            </a:extLst>
+          </p:cNvPr>
+          <p:cNvSpPr>
+            <a:spLocks noGrp="1"/>
+          </p:cNvSpPr>
+          <p:nvPr>
+            <p:ph type="dt" sz="half" idx="10"/>
+          </p:nvPr>
+        </p:nvSpPr>
+        <p:spPr/>
+        <p:txBody>
+          <a:bodyPr/>
+          <a:lstStyle/>
+          <a:p>
+            <a:fld id="{2A5B21BD-8DF6-414C-96B9-8D34CEEC0A3D}" type="datetime1">
+              <a:rPr lang="it-IT" smtClean="0"/>
+              <a:t>11/11/2021</a:t>
+            </a:fld>
+            <a:endParaRPr lang="en-US"/>
+          </a:p>
+        </p:txBody>
+      </p:sp>
+      <p:sp>
+        <p:nvSpPr>
+          <p:cNvPr id="6" name="Segnaposto piè di pagina 5">
+            <a:extLst>
+              <a:ext uri="{FF2B5EF4-FFF2-40B4-BE49-F238E27FC236}">
+                <a16:creationId xmlns:a16="http://schemas.microsoft.com/office/drawing/2014/main" id="{010075EF-3567-4826-B012-2AA0747B6DB1}"/>
+              </a:ext>
+            </a:extLst>
+          </p:cNvPr>
+          <p:cNvSpPr>
+            <a:spLocks noGrp="1"/>
+          </p:cNvSpPr>
+          <p:nvPr>
+            <p:ph type="ftr" sz="quarter" idx="11"/>
+          </p:nvPr>
+        </p:nvSpPr>
+        <p:spPr>
+          <a:xfrm>
+            <a:off x="6858000" y="6273843"/>
+            <a:ext cx="4572000" cy="365125"/>
+          </a:xfrm>
+        </p:spPr>
+        <p:txBody>
+          <a:bodyPr/>
+          <a:lstStyle/>
+          <a:p>
+            <a:r>
+              <a:rPr lang="en-US"/>
+              <a:t>Francesco Luzzi</a:t>
+            </a:r>
+          </a:p>
+        </p:txBody>
+      </p:sp>
+      <p:sp>
+        <p:nvSpPr>
+          <p:cNvPr id="7" name="Segnaposto numero diapositiva 6">
+            <a:extLst>
+              <a:ext uri="{FF2B5EF4-FFF2-40B4-BE49-F238E27FC236}">
+                <a16:creationId xmlns:a16="http://schemas.microsoft.com/office/drawing/2014/main" id="{C5CCB517-AC1D-4900-8CFF-94943C7DAF2C}"/>
+              </a:ext>
+            </a:extLst>
+          </p:cNvPr>
+          <p:cNvSpPr>
+            <a:spLocks noGrp="1"/>
+          </p:cNvSpPr>
+          <p:nvPr>
+            <p:ph type="sldNum" sz="quarter" idx="12"/>
+          </p:nvPr>
+        </p:nvSpPr>
+        <p:spPr/>
+        <p:txBody>
+          <a:bodyPr/>
+          <a:lstStyle/>
+          <a:p>
+            <a:fld id="{D643A852-0206-46AC-B0EB-645612933129}" type="slidenum">
+              <a:rPr lang="en-US" smtClean="0"/>
+              <a:t>4</a:t>
+            </a:fld>
+            <a:endParaRPr lang="en-US"/>
+          </a:p>
+        </p:txBody>
+      </p:sp>
     </p:spTree>
     <p:extLst>
       <p:ext uri="{BB962C8B-B14F-4D97-AF65-F5344CB8AC3E}">
@@ -4478,40 +7089,34 @@
         </p:nvSpPr>
         <p:spPr>
           <a:xfrm>
-            <a:off x="247325" y="531639"/>
-            <a:ext cx="6701244" cy="2449267"/>
+            <a:off x="556084" y="766719"/>
+            <a:ext cx="10594846" cy="814746"/>
           </a:xfrm>
         </p:spPr>
         <p:txBody>
           <a:bodyPr>
-            <a:normAutofit fontScale="90000"/>
+            <a:normAutofit/>
           </a:bodyPr>
           <a:lstStyle/>
           <a:p>
             <a:pPr algn="l"/>
             <a:r>
-              <a:rPr lang="it-IT" dirty="0"/>
-              <a:t>Modello pose:</a:t>
-            </a:r>
-            <a:br>
-              <a:rPr lang="it-IT" dirty="0"/>
-            </a:br>
-            <a:br>
-              <a:rPr lang="it-IT" dirty="0"/>
-            </a:br>
-            <a:r>
-              <a:rPr lang="it-IT" sz="5300" dirty="0" err="1"/>
+              <a:rPr lang="it-IT" sz="4000" dirty="0"/>
+              <a:t>Modello pose: </a:t>
+            </a:r>
+            <a:r>
+              <a:rPr lang="it-IT" sz="3600" dirty="0" err="1"/>
               <a:t>Mpi</a:t>
             </a:r>
             <a:r>
-              <a:rPr lang="it-IT" sz="5300" dirty="0"/>
+              <a:rPr lang="it-IT" sz="3600" dirty="0"/>
               <a:t> Human </a:t>
             </a:r>
             <a:r>
-              <a:rPr lang="it-IT" sz="5300" dirty="0" err="1"/>
+              <a:rPr lang="it-IT" sz="3600" dirty="0" err="1"/>
               <a:t>PoseModel</a:t>
             </a:r>
-            <a:endParaRPr lang="it-IT" dirty="0"/>
+            <a:endParaRPr lang="it-IT" sz="4000" dirty="0"/>
           </a:p>
         </p:txBody>
       </p:sp>
@@ -4543,8 +7148,140 @@
         </p:blipFill>
         <p:spPr>
           <a:xfrm>
-            <a:off x="7331165" y="531639"/>
-            <a:ext cx="4358682" cy="5794722"/>
+            <a:off x="1346007" y="2087854"/>
+            <a:ext cx="3412745" cy="4537130"/>
+          </a:xfrm>
+          <a:prstGeom prst="rect">
+            <a:avLst/>
+          </a:prstGeom>
+        </p:spPr>
+      </p:pic>
+      <p:sp>
+        <p:nvSpPr>
+          <p:cNvPr id="2" name="Segnaposto data 1">
+            <a:extLst>
+              <a:ext uri="{FF2B5EF4-FFF2-40B4-BE49-F238E27FC236}">
+                <a16:creationId xmlns:a16="http://schemas.microsoft.com/office/drawing/2014/main" id="{101F3AF3-2EB9-4225-9616-8410331D339E}"/>
+              </a:ext>
+            </a:extLst>
+          </p:cNvPr>
+          <p:cNvSpPr>
+            <a:spLocks noGrp="1"/>
+          </p:cNvSpPr>
+          <p:nvPr>
+            <p:ph type="dt" sz="half" idx="10"/>
+          </p:nvPr>
+        </p:nvSpPr>
+        <p:spPr/>
+        <p:txBody>
+          <a:bodyPr/>
+          <a:lstStyle/>
+          <a:p>
+            <a:fld id="{E2B9554C-F726-43B4-AA11-83BC98311E77}" type="datetime1">
+              <a:rPr lang="it-IT" smtClean="0"/>
+              <a:t>11/11/2021</a:t>
+            </a:fld>
+            <a:endParaRPr lang="en-US"/>
+          </a:p>
+        </p:txBody>
+      </p:sp>
+      <p:sp>
+        <p:nvSpPr>
+          <p:cNvPr id="3" name="Segnaposto piè di pagina 2">
+            <a:extLst>
+              <a:ext uri="{FF2B5EF4-FFF2-40B4-BE49-F238E27FC236}">
+                <a16:creationId xmlns:a16="http://schemas.microsoft.com/office/drawing/2014/main" id="{7769C638-CF70-447A-AA80-9901DE1588A5}"/>
+              </a:ext>
+            </a:extLst>
+          </p:cNvPr>
+          <p:cNvSpPr>
+            <a:spLocks noGrp="1"/>
+          </p:cNvSpPr>
+          <p:nvPr>
+            <p:ph type="ftr" sz="quarter" idx="11"/>
+          </p:nvPr>
+        </p:nvSpPr>
+        <p:spPr>
+          <a:xfrm>
+            <a:off x="6834248" y="6273843"/>
+            <a:ext cx="4572000" cy="365125"/>
+          </a:xfrm>
+        </p:spPr>
+        <p:txBody>
+          <a:bodyPr/>
+          <a:lstStyle/>
+          <a:p>
+            <a:r>
+              <a:rPr lang="en-US" dirty="0"/>
+              <a:t>Francesco </a:t>
+            </a:r>
+            <a:r>
+              <a:rPr lang="en-US" dirty="0" err="1"/>
+              <a:t>Luzzi</a:t>
+            </a:r>
+            <a:endParaRPr lang="en-US" dirty="0"/>
+          </a:p>
+        </p:txBody>
+      </p:sp>
+      <p:sp>
+        <p:nvSpPr>
+          <p:cNvPr id="4" name="Segnaposto numero diapositiva 3">
+            <a:extLst>
+              <a:ext uri="{FF2B5EF4-FFF2-40B4-BE49-F238E27FC236}">
+                <a16:creationId xmlns:a16="http://schemas.microsoft.com/office/drawing/2014/main" id="{CAC34330-01A6-410A-9140-4E13A244C533}"/>
+              </a:ext>
+            </a:extLst>
+          </p:cNvPr>
+          <p:cNvSpPr>
+            <a:spLocks noGrp="1"/>
+          </p:cNvSpPr>
+          <p:nvPr>
+            <p:ph type="sldNum" sz="quarter" idx="12"/>
+          </p:nvPr>
+        </p:nvSpPr>
+        <p:spPr/>
+        <p:txBody>
+          <a:bodyPr/>
+          <a:lstStyle/>
+          <a:p>
+            <a:fld id="{D643A852-0206-46AC-B0EB-645612933129}" type="slidenum">
+              <a:rPr lang="en-US" smtClean="0"/>
+              <a:t>5</a:t>
+            </a:fld>
+            <a:endParaRPr lang="en-US" dirty="0"/>
+          </a:p>
+        </p:txBody>
+      </p:sp>
+      <p:pic>
+        <p:nvPicPr>
+          <p:cNvPr id="7" name="Immagine 6">
+            <a:extLst>
+              <a:ext uri="{FF2B5EF4-FFF2-40B4-BE49-F238E27FC236}">
+                <a16:creationId xmlns:a16="http://schemas.microsoft.com/office/drawing/2014/main" id="{9D6BFA18-9703-4747-B99C-AE9765053AEA}"/>
+              </a:ext>
+            </a:extLst>
+          </p:cNvPr>
+          <p:cNvPicPr>
+            <a:picLocks noChangeAspect="1"/>
+          </p:cNvPicPr>
+          <p:nvPr/>
+        </p:nvPicPr>
+        <p:blipFill>
+          <a:blip r:embed="rId3">
+            <a:extLst>
+              <a:ext uri="{28A0092B-C50C-407E-A947-70E740481C1C}">
+                <a14:useLocalDpi xmlns:a14="http://schemas.microsoft.com/office/drawing/2010/main" val="0"/>
+              </a:ext>
+            </a:extLst>
+          </a:blip>
+          <a:stretch>
+            <a:fillRect/>
+          </a:stretch>
+        </p:blipFill>
+        <p:spPr>
+          <a:xfrm>
+            <a:off x="6096000" y="2087854"/>
+            <a:ext cx="3412745" cy="4537130"/>
           </a:xfrm>
           <a:prstGeom prst="rect">
             <a:avLst/>
@@ -4555,6 +7292,2220 @@
     <p:extLst>
       <p:ext uri="{BB962C8B-B14F-4D97-AF65-F5344CB8AC3E}">
         <p14:creationId xmlns:p14="http://schemas.microsoft.com/office/powerpoint/2010/main" val="1199356954"/>
+      </p:ext>
+    </p:extLst>
+  </p:cSld>
+  <p:clrMapOvr>
+    <a:masterClrMapping/>
+  </p:clrMapOvr>
+</p:sld>
+</file>
+
+<file path=ppt/slides/slide6.xml><?xml version="1.0" encoding="utf-8"?>
+<p:sld xmlns:a="http://schemas.openxmlformats.org/drawingml/2006/main" xmlns:r="http://schemas.openxmlformats.org/officeDocument/2006/relationships" xmlns:p="http://schemas.openxmlformats.org/presentationml/2006/main">
+  <p:cSld>
+    <p:bg>
+      <p:bgPr>
+        <a:gradFill>
+          <a:gsLst>
+            <a:gs pos="18000">
+              <a:schemeClr val="bg1"/>
+            </a:gs>
+            <a:gs pos="88000">
+              <a:srgbClr val="2F5596"/>
+            </a:gs>
+            <a:gs pos="65000">
+              <a:srgbClr val="325AA0"/>
+            </a:gs>
+            <a:gs pos="48000">
+              <a:schemeClr val="accent1">
+                <a:lumMod val="65000"/>
+              </a:schemeClr>
+            </a:gs>
+          </a:gsLst>
+          <a:lin ang="0" scaled="0"/>
+        </a:gradFill>
+        <a:effectLst/>
+      </p:bgPr>
+    </p:bg>
+    <p:spTree>
+      <p:nvGrpSpPr>
+        <p:cNvPr id="1" name=""/>
+        <p:cNvGrpSpPr/>
+        <p:nvPr/>
+      </p:nvGrpSpPr>
+      <p:grpSpPr>
+        <a:xfrm>
+          <a:off x="0" y="0"/>
+          <a:ext cx="0" cy="0"/>
+          <a:chOff x="0" y="0"/>
+          <a:chExt cx="0" cy="0"/>
+        </a:xfrm>
+      </p:grpSpPr>
+      <p:sp>
+        <p:nvSpPr>
+          <p:cNvPr id="5" name="Titolo 4">
+            <a:extLst>
+              <a:ext uri="{FF2B5EF4-FFF2-40B4-BE49-F238E27FC236}">
+                <a16:creationId xmlns:a16="http://schemas.microsoft.com/office/drawing/2014/main" id="{A9173638-E18F-4E36-A184-A772E02A9237}"/>
+              </a:ext>
+            </a:extLst>
+          </p:cNvPr>
+          <p:cNvSpPr>
+            <a:spLocks noGrp="1"/>
+          </p:cNvSpPr>
+          <p:nvPr>
+            <p:ph type="ctrTitle"/>
+          </p:nvPr>
+        </p:nvSpPr>
+        <p:spPr>
+          <a:xfrm>
+            <a:off x="556084" y="766719"/>
+            <a:ext cx="10594846" cy="814746"/>
+          </a:xfrm>
+        </p:spPr>
+        <p:txBody>
+          <a:bodyPr>
+            <a:normAutofit/>
+          </a:bodyPr>
+          <a:lstStyle/>
+          <a:p>
+            <a:pPr algn="l"/>
+            <a:r>
+              <a:rPr lang="it-IT" sz="4000" dirty="0"/>
+              <a:t>Concetti fondamentali: </a:t>
+            </a:r>
+            <a:r>
+              <a:rPr lang="it-IT" sz="4000" dirty="0" err="1"/>
+              <a:t>keypoints</a:t>
+            </a:r>
+            <a:endParaRPr lang="it-IT" sz="4000" dirty="0"/>
+          </a:p>
+        </p:txBody>
+      </p:sp>
+      <p:sp>
+        <p:nvSpPr>
+          <p:cNvPr id="2" name="Segnaposto data 1">
+            <a:extLst>
+              <a:ext uri="{FF2B5EF4-FFF2-40B4-BE49-F238E27FC236}">
+                <a16:creationId xmlns:a16="http://schemas.microsoft.com/office/drawing/2014/main" id="{101F3AF3-2EB9-4225-9616-8410331D339E}"/>
+              </a:ext>
+            </a:extLst>
+          </p:cNvPr>
+          <p:cNvSpPr>
+            <a:spLocks noGrp="1"/>
+          </p:cNvSpPr>
+          <p:nvPr>
+            <p:ph type="dt" sz="half" idx="10"/>
+          </p:nvPr>
+        </p:nvSpPr>
+        <p:spPr/>
+        <p:txBody>
+          <a:bodyPr/>
+          <a:lstStyle/>
+          <a:p>
+            <a:pPr marL="0" marR="0" lvl="0" indent="0" algn="l" defTabSz="914400" rtl="0" eaLnBrk="1" fontAlgn="auto" latinLnBrk="0" hangingPunct="1">
+              <a:lnSpc>
+                <a:spcPct val="100000"/>
+              </a:lnSpc>
+              <a:spcBef>
+                <a:spcPts val="0"/>
+              </a:spcBef>
+              <a:spcAft>
+                <a:spcPts val="0"/>
+              </a:spcAft>
+              <a:buClrTx/>
+              <a:buSzTx/>
+              <a:buFontTx/>
+              <a:buNone/>
+              <a:tabLst/>
+              <a:defRPr/>
+            </a:pPr>
+            <a:fld id="{E2B9554C-F726-43B4-AA11-83BC98311E77}" type="datetime1">
+              <a:rPr kumimoji="0" lang="it-IT" sz="900" b="0" i="0" u="none" strike="noStrike" kern="1200" cap="none" spc="0" normalizeH="0" baseline="0" noProof="0" smtClean="0">
+                <a:ln>
+                  <a:noFill/>
+                </a:ln>
+                <a:solidFill>
+                  <a:srgbClr val="FFFFFF"/>
+                </a:solidFill>
+                <a:effectLst/>
+                <a:uLnTx/>
+                <a:uFillTx/>
+                <a:latin typeface="Verdana Pro"/>
+                <a:ea typeface="+mn-ea"/>
+                <a:cs typeface="+mn-cs"/>
+              </a:rPr>
+              <a:pPr marL="0" marR="0" lvl="0" indent="0" algn="l" defTabSz="914400" rtl="0" eaLnBrk="1" fontAlgn="auto" latinLnBrk="0" hangingPunct="1">
+                <a:lnSpc>
+                  <a:spcPct val="100000"/>
+                </a:lnSpc>
+                <a:spcBef>
+                  <a:spcPts val="0"/>
+                </a:spcBef>
+                <a:spcAft>
+                  <a:spcPts val="0"/>
+                </a:spcAft>
+                <a:buClrTx/>
+                <a:buSzTx/>
+                <a:buFontTx/>
+                <a:buNone/>
+                <a:tabLst/>
+                <a:defRPr/>
+              </a:pPr>
+              <a:t>11/11/2021</a:t>
+            </a:fld>
+            <a:endParaRPr kumimoji="0" lang="en-US" sz="900" b="0" i="0" u="none" strike="noStrike" kern="1200" cap="none" spc="0" normalizeH="0" baseline="0" noProof="0">
+              <a:ln>
+                <a:noFill/>
+              </a:ln>
+              <a:solidFill>
+                <a:srgbClr val="FFFFFF"/>
+              </a:solidFill>
+              <a:effectLst/>
+              <a:uLnTx/>
+              <a:uFillTx/>
+              <a:latin typeface="Verdana Pro"/>
+              <a:ea typeface="+mn-ea"/>
+              <a:cs typeface="+mn-cs"/>
+            </a:endParaRPr>
+          </a:p>
+        </p:txBody>
+      </p:sp>
+      <p:sp>
+        <p:nvSpPr>
+          <p:cNvPr id="3" name="Segnaposto piè di pagina 2">
+            <a:extLst>
+              <a:ext uri="{FF2B5EF4-FFF2-40B4-BE49-F238E27FC236}">
+                <a16:creationId xmlns:a16="http://schemas.microsoft.com/office/drawing/2014/main" id="{7769C638-CF70-447A-AA80-9901DE1588A5}"/>
+              </a:ext>
+            </a:extLst>
+          </p:cNvPr>
+          <p:cNvSpPr>
+            <a:spLocks noGrp="1"/>
+          </p:cNvSpPr>
+          <p:nvPr>
+            <p:ph type="ftr" sz="quarter" idx="11"/>
+          </p:nvPr>
+        </p:nvSpPr>
+        <p:spPr>
+          <a:xfrm>
+            <a:off x="6834248" y="6273843"/>
+            <a:ext cx="4572000" cy="365125"/>
+          </a:xfrm>
+        </p:spPr>
+        <p:txBody>
+          <a:bodyPr/>
+          <a:lstStyle/>
+          <a:p>
+            <a:pPr marL="0" marR="0" lvl="0" indent="0" algn="r" defTabSz="914400" rtl="0" eaLnBrk="1" fontAlgn="auto" latinLnBrk="0" hangingPunct="1">
+              <a:lnSpc>
+                <a:spcPct val="100000"/>
+              </a:lnSpc>
+              <a:spcBef>
+                <a:spcPts val="0"/>
+              </a:spcBef>
+              <a:spcAft>
+                <a:spcPts val="0"/>
+              </a:spcAft>
+              <a:buClrTx/>
+              <a:buSzTx/>
+              <a:buFontTx/>
+              <a:buNone/>
+              <a:tabLst/>
+              <a:defRPr/>
+            </a:pPr>
+            <a:r>
+              <a:rPr kumimoji="0" lang="en-US" sz="800" b="0" i="0" u="none" strike="noStrike" kern="1200" cap="none" spc="0" normalizeH="0" baseline="0" noProof="0" dirty="0">
+                <a:ln>
+                  <a:noFill/>
+                </a:ln>
+                <a:solidFill>
+                  <a:srgbClr val="FFFFFF"/>
+                </a:solidFill>
+                <a:effectLst/>
+                <a:uLnTx/>
+                <a:uFillTx/>
+                <a:latin typeface="Verdana Pro"/>
+                <a:ea typeface="+mn-ea"/>
+                <a:cs typeface="+mn-cs"/>
+              </a:rPr>
+              <a:t>Francesco </a:t>
+            </a:r>
+            <a:r>
+              <a:rPr kumimoji="0" lang="en-US" sz="800" b="0" i="0" u="none" strike="noStrike" kern="1200" cap="none" spc="0" normalizeH="0" baseline="0" noProof="0" dirty="0" err="1">
+                <a:ln>
+                  <a:noFill/>
+                </a:ln>
+                <a:solidFill>
+                  <a:srgbClr val="FFFFFF"/>
+                </a:solidFill>
+                <a:effectLst/>
+                <a:uLnTx/>
+                <a:uFillTx/>
+                <a:latin typeface="Verdana Pro"/>
+                <a:ea typeface="+mn-ea"/>
+                <a:cs typeface="+mn-cs"/>
+              </a:rPr>
+              <a:t>Luzzi</a:t>
+            </a:r>
+            <a:endParaRPr kumimoji="0" lang="en-US" sz="800" b="0" i="0" u="none" strike="noStrike" kern="1200" cap="none" spc="0" normalizeH="0" baseline="0" noProof="0" dirty="0">
+              <a:ln>
+                <a:noFill/>
+              </a:ln>
+              <a:solidFill>
+                <a:srgbClr val="FFFFFF"/>
+              </a:solidFill>
+              <a:effectLst/>
+              <a:uLnTx/>
+              <a:uFillTx/>
+              <a:latin typeface="Verdana Pro"/>
+              <a:ea typeface="+mn-ea"/>
+              <a:cs typeface="+mn-cs"/>
+            </a:endParaRPr>
+          </a:p>
+        </p:txBody>
+      </p:sp>
+      <p:sp>
+        <p:nvSpPr>
+          <p:cNvPr id="4" name="Segnaposto numero diapositiva 3">
+            <a:extLst>
+              <a:ext uri="{FF2B5EF4-FFF2-40B4-BE49-F238E27FC236}">
+                <a16:creationId xmlns:a16="http://schemas.microsoft.com/office/drawing/2014/main" id="{CAC34330-01A6-410A-9140-4E13A244C533}"/>
+              </a:ext>
+            </a:extLst>
+          </p:cNvPr>
+          <p:cNvSpPr>
+            <a:spLocks noGrp="1"/>
+          </p:cNvSpPr>
+          <p:nvPr>
+            <p:ph type="sldNum" sz="quarter" idx="12"/>
+          </p:nvPr>
+        </p:nvSpPr>
+        <p:spPr/>
+        <p:txBody>
+          <a:bodyPr/>
+          <a:lstStyle/>
+          <a:p>
+            <a:pPr marL="0" marR="0" lvl="0" indent="0" algn="r" defTabSz="914400" rtl="0" eaLnBrk="1" fontAlgn="auto" latinLnBrk="0" hangingPunct="1">
+              <a:lnSpc>
+                <a:spcPct val="100000"/>
+              </a:lnSpc>
+              <a:spcBef>
+                <a:spcPts val="0"/>
+              </a:spcBef>
+              <a:spcAft>
+                <a:spcPts val="0"/>
+              </a:spcAft>
+              <a:buClrTx/>
+              <a:buSzTx/>
+              <a:buFontTx/>
+              <a:buNone/>
+              <a:tabLst/>
+              <a:defRPr/>
+            </a:pPr>
+            <a:fld id="{D643A852-0206-46AC-B0EB-645612933129}" type="slidenum">
+              <a:rPr kumimoji="0" lang="en-US" sz="3600" b="0" i="0" u="none" strike="noStrike" kern="1200" cap="none" spc="0" normalizeH="0" baseline="0" noProof="0" smtClean="0">
+                <a:ln>
+                  <a:noFill/>
+                </a:ln>
+                <a:solidFill>
+                  <a:srgbClr val="FFFFFF"/>
+                </a:solidFill>
+                <a:effectLst/>
+                <a:uLnTx/>
+                <a:uFillTx/>
+                <a:latin typeface="Verdana Pro Cond SemiBold"/>
+                <a:ea typeface="+mn-ea"/>
+                <a:cs typeface="+mn-cs"/>
+              </a:rPr>
+              <a:pPr marL="0" marR="0" lvl="0" indent="0" algn="r" defTabSz="914400" rtl="0" eaLnBrk="1" fontAlgn="auto" latinLnBrk="0" hangingPunct="1">
+                <a:lnSpc>
+                  <a:spcPct val="100000"/>
+                </a:lnSpc>
+                <a:spcBef>
+                  <a:spcPts val="0"/>
+                </a:spcBef>
+                <a:spcAft>
+                  <a:spcPts val="0"/>
+                </a:spcAft>
+                <a:buClrTx/>
+                <a:buSzTx/>
+                <a:buFontTx/>
+                <a:buNone/>
+                <a:tabLst/>
+                <a:defRPr/>
+              </a:pPr>
+              <a:t>6</a:t>
+            </a:fld>
+            <a:endParaRPr kumimoji="0" lang="en-US" sz="3600" b="0" i="0" u="none" strike="noStrike" kern="1200" cap="none" spc="0" normalizeH="0" baseline="0" noProof="0" dirty="0">
+              <a:ln>
+                <a:noFill/>
+              </a:ln>
+              <a:solidFill>
+                <a:srgbClr val="FFFFFF"/>
+              </a:solidFill>
+              <a:effectLst/>
+              <a:uLnTx/>
+              <a:uFillTx/>
+              <a:latin typeface="Verdana Pro Cond SemiBold"/>
+              <a:ea typeface="+mn-ea"/>
+              <a:cs typeface="+mn-cs"/>
+            </a:endParaRPr>
+          </a:p>
+        </p:txBody>
+      </p:sp>
+      <p:pic>
+        <p:nvPicPr>
+          <p:cNvPr id="8" name="Immagine 7">
+            <a:extLst>
+              <a:ext uri="{FF2B5EF4-FFF2-40B4-BE49-F238E27FC236}">
+                <a16:creationId xmlns:a16="http://schemas.microsoft.com/office/drawing/2014/main" id="{C2086CA8-7480-4A2C-9DC9-3C59D0352DDE}"/>
+              </a:ext>
+            </a:extLst>
+          </p:cNvPr>
+          <p:cNvPicPr>
+            <a:picLocks noChangeAspect="1"/>
+          </p:cNvPicPr>
+          <p:nvPr/>
+        </p:nvPicPr>
+        <p:blipFill>
+          <a:blip r:embed="rId2">
+            <a:extLst>
+              <a:ext uri="{28A0092B-C50C-407E-A947-70E740481C1C}">
+                <a14:useLocalDpi xmlns:a14="http://schemas.microsoft.com/office/drawing/2010/main" val="0"/>
+              </a:ext>
+            </a:extLst>
+          </a:blip>
+          <a:stretch>
+            <a:fillRect/>
+          </a:stretch>
+        </p:blipFill>
+        <p:spPr>
+          <a:xfrm>
+            <a:off x="6339886" y="1867100"/>
+            <a:ext cx="4572000" cy="4121107"/>
+          </a:xfrm>
+          <a:prstGeom prst="rect">
+            <a:avLst/>
+          </a:prstGeom>
+        </p:spPr>
+      </p:pic>
+      <p:sp>
+        <p:nvSpPr>
+          <p:cNvPr id="12" name="Segnaposto contenuto 3">
+            <a:extLst>
+              <a:ext uri="{FF2B5EF4-FFF2-40B4-BE49-F238E27FC236}">
+                <a16:creationId xmlns:a16="http://schemas.microsoft.com/office/drawing/2014/main" id="{F5CD0C0F-2914-458C-937B-5028FC0B8E3A}"/>
+              </a:ext>
+            </a:extLst>
+          </p:cNvPr>
+          <p:cNvSpPr txBox="1">
+            <a:spLocks/>
+          </p:cNvSpPr>
+          <p:nvPr/>
+        </p:nvSpPr>
+        <p:spPr>
+          <a:xfrm>
+            <a:off x="762000" y="2153717"/>
+            <a:ext cx="5090115" cy="3547872"/>
+          </a:xfrm>
+          <a:prstGeom prst="rect">
+            <a:avLst/>
+          </a:prstGeom>
+        </p:spPr>
+        <p:txBody>
+          <a:bodyPr vert="horz" lIns="91440" tIns="45720" rIns="91440" bIns="45720" rtlCol="0">
+            <a:normAutofit/>
+          </a:bodyPr>
+          <a:lstStyle>
+            <a:lvl1pPr marL="0" indent="0" algn="ctr" defTabSz="914400" rtl="0" eaLnBrk="1" latinLnBrk="0" hangingPunct="1">
+              <a:lnSpc>
+                <a:spcPct val="90000"/>
+              </a:lnSpc>
+              <a:spcBef>
+                <a:spcPts val="1000"/>
+              </a:spcBef>
+              <a:buFont typeface="Arial" panose="020B0604020202020204" pitchFamily="34" charset="0"/>
+              <a:buNone/>
+              <a:defRPr sz="2400" kern="1200">
+                <a:solidFill>
+                  <a:schemeClr val="tx1"/>
+                </a:solidFill>
+                <a:latin typeface="+mn-lt"/>
+                <a:ea typeface="+mn-ea"/>
+                <a:cs typeface="+mn-cs"/>
+              </a:defRPr>
+            </a:lvl1pPr>
+            <a:lvl2pPr marL="457200" indent="0" algn="ctr" defTabSz="914400" rtl="0" eaLnBrk="1" latinLnBrk="0" hangingPunct="1">
+              <a:lnSpc>
+                <a:spcPct val="90000"/>
+              </a:lnSpc>
+              <a:spcBef>
+                <a:spcPts val="500"/>
+              </a:spcBef>
+              <a:buFont typeface="Arial" panose="020B0604020202020204" pitchFamily="34" charset="0"/>
+              <a:buNone/>
+              <a:defRPr sz="2000" kern="1200">
+                <a:solidFill>
+                  <a:schemeClr val="tx1"/>
+                </a:solidFill>
+                <a:latin typeface="+mn-lt"/>
+                <a:ea typeface="+mn-ea"/>
+                <a:cs typeface="+mn-cs"/>
+              </a:defRPr>
+            </a:lvl2pPr>
+            <a:lvl3pPr marL="914400" indent="0" algn="ctr" defTabSz="914400" rtl="0" eaLnBrk="1" latinLnBrk="0" hangingPunct="1">
+              <a:lnSpc>
+                <a:spcPct val="90000"/>
+              </a:lnSpc>
+              <a:spcBef>
+                <a:spcPts val="500"/>
+              </a:spcBef>
+              <a:buFont typeface="Arial" panose="020B0604020202020204" pitchFamily="34" charset="0"/>
+              <a:buNone/>
+              <a:defRPr sz="1800" kern="1200">
+                <a:solidFill>
+                  <a:schemeClr val="tx1"/>
+                </a:solidFill>
+                <a:latin typeface="+mn-lt"/>
+                <a:ea typeface="+mn-ea"/>
+                <a:cs typeface="+mn-cs"/>
+              </a:defRPr>
+            </a:lvl3pPr>
+            <a:lvl4pPr marL="1371600" indent="0" algn="ctr" defTabSz="914400" rtl="0" eaLnBrk="1" latinLnBrk="0" hangingPunct="1">
+              <a:lnSpc>
+                <a:spcPct val="90000"/>
+              </a:lnSpc>
+              <a:spcBef>
+                <a:spcPts val="500"/>
+              </a:spcBef>
+              <a:buFont typeface="Arial" panose="020B0604020202020204" pitchFamily="34" charset="0"/>
+              <a:buNone/>
+              <a:defRPr sz="1600" kern="1200">
+                <a:solidFill>
+                  <a:schemeClr val="tx1"/>
+                </a:solidFill>
+                <a:latin typeface="+mn-lt"/>
+                <a:ea typeface="+mn-ea"/>
+                <a:cs typeface="+mn-cs"/>
+              </a:defRPr>
+            </a:lvl4pPr>
+            <a:lvl5pPr marL="1828800" indent="0" algn="ctr" defTabSz="914400" rtl="0" eaLnBrk="1" latinLnBrk="0" hangingPunct="1">
+              <a:lnSpc>
+                <a:spcPct val="90000"/>
+              </a:lnSpc>
+              <a:spcBef>
+                <a:spcPts val="500"/>
+              </a:spcBef>
+              <a:buFont typeface="Arial" panose="020B0604020202020204" pitchFamily="34" charset="0"/>
+              <a:buNone/>
+              <a:defRPr sz="1600" kern="1200">
+                <a:solidFill>
+                  <a:schemeClr val="tx1"/>
+                </a:solidFill>
+                <a:latin typeface="+mn-lt"/>
+                <a:ea typeface="+mn-ea"/>
+                <a:cs typeface="+mn-cs"/>
+              </a:defRPr>
+            </a:lvl5pPr>
+            <a:lvl6pPr marL="2286000" indent="0" algn="ctr" defTabSz="914400" rtl="0" eaLnBrk="1" latinLnBrk="0" hangingPunct="1">
+              <a:lnSpc>
+                <a:spcPct val="90000"/>
+              </a:lnSpc>
+              <a:spcBef>
+                <a:spcPts val="500"/>
+              </a:spcBef>
+              <a:buFont typeface="Arial" panose="020B0604020202020204" pitchFamily="34" charset="0"/>
+              <a:buNone/>
+              <a:defRPr sz="1600" kern="1200">
+                <a:solidFill>
+                  <a:schemeClr val="tx1"/>
+                </a:solidFill>
+                <a:latin typeface="+mn-lt"/>
+                <a:ea typeface="+mn-ea"/>
+                <a:cs typeface="+mn-cs"/>
+              </a:defRPr>
+            </a:lvl6pPr>
+            <a:lvl7pPr marL="2743200" indent="0" algn="ctr" defTabSz="914400" rtl="0" eaLnBrk="1" latinLnBrk="0" hangingPunct="1">
+              <a:lnSpc>
+                <a:spcPct val="90000"/>
+              </a:lnSpc>
+              <a:spcBef>
+                <a:spcPts val="500"/>
+              </a:spcBef>
+              <a:buFont typeface="Arial" panose="020B0604020202020204" pitchFamily="34" charset="0"/>
+              <a:buNone/>
+              <a:defRPr sz="1600" kern="1200">
+                <a:solidFill>
+                  <a:schemeClr val="tx1"/>
+                </a:solidFill>
+                <a:latin typeface="+mn-lt"/>
+                <a:ea typeface="+mn-ea"/>
+                <a:cs typeface="+mn-cs"/>
+              </a:defRPr>
+            </a:lvl7pPr>
+            <a:lvl8pPr marL="3200400" indent="0" algn="ctr" defTabSz="914400" rtl="0" eaLnBrk="1" latinLnBrk="0" hangingPunct="1">
+              <a:lnSpc>
+                <a:spcPct val="90000"/>
+              </a:lnSpc>
+              <a:spcBef>
+                <a:spcPts val="500"/>
+              </a:spcBef>
+              <a:buFont typeface="Arial" panose="020B0604020202020204" pitchFamily="34" charset="0"/>
+              <a:buNone/>
+              <a:defRPr sz="1600" kern="1200">
+                <a:solidFill>
+                  <a:schemeClr val="tx1"/>
+                </a:solidFill>
+                <a:latin typeface="+mn-lt"/>
+                <a:ea typeface="+mn-ea"/>
+                <a:cs typeface="+mn-cs"/>
+              </a:defRPr>
+            </a:lvl8pPr>
+            <a:lvl9pPr marL="3657600" indent="0" algn="ctr" defTabSz="914400" rtl="0" eaLnBrk="1" latinLnBrk="0" hangingPunct="1">
+              <a:lnSpc>
+                <a:spcPct val="90000"/>
+              </a:lnSpc>
+              <a:spcBef>
+                <a:spcPts val="500"/>
+              </a:spcBef>
+              <a:buFont typeface="Arial" panose="020B0604020202020204" pitchFamily="34" charset="0"/>
+              <a:buNone/>
+              <a:defRPr sz="1600" kern="1200">
+                <a:solidFill>
+                  <a:schemeClr val="tx1"/>
+                </a:solidFill>
+                <a:latin typeface="+mn-lt"/>
+                <a:ea typeface="+mn-ea"/>
+                <a:cs typeface="+mn-cs"/>
+              </a:defRPr>
+            </a:lvl9pPr>
+          </a:lstStyle>
+          <a:p>
+            <a:r>
+              <a:rPr lang="it-IT" dirty="0"/>
+              <a:t>Spiegazione di cosa sono i </a:t>
+            </a:r>
+            <a:r>
+              <a:rPr lang="it-IT" dirty="0" err="1"/>
+              <a:t>keypoints</a:t>
+            </a:r>
+            <a:r>
+              <a:rPr lang="it-IT" dirty="0"/>
+              <a:t> e di come si trovano</a:t>
+            </a:r>
+          </a:p>
+        </p:txBody>
+      </p:sp>
+    </p:spTree>
+    <p:extLst>
+      <p:ext uri="{BB962C8B-B14F-4D97-AF65-F5344CB8AC3E}">
+        <p14:creationId xmlns:p14="http://schemas.microsoft.com/office/powerpoint/2010/main" val="2454474500"/>
+      </p:ext>
+    </p:extLst>
+  </p:cSld>
+  <p:clrMapOvr>
+    <a:masterClrMapping/>
+  </p:clrMapOvr>
+</p:sld>
+</file>
+
+<file path=ppt/slides/slide7.xml><?xml version="1.0" encoding="utf-8"?>
+<p:sld xmlns:a="http://schemas.openxmlformats.org/drawingml/2006/main" xmlns:r="http://schemas.openxmlformats.org/officeDocument/2006/relationships" xmlns:p="http://schemas.openxmlformats.org/presentationml/2006/main">
+  <p:cSld>
+    <p:bg>
+      <p:bgPr>
+        <a:gradFill>
+          <a:gsLst>
+            <a:gs pos="18000">
+              <a:schemeClr val="bg1"/>
+            </a:gs>
+            <a:gs pos="88000">
+              <a:srgbClr val="2F5596"/>
+            </a:gs>
+            <a:gs pos="65000">
+              <a:srgbClr val="325AA0"/>
+            </a:gs>
+            <a:gs pos="48000">
+              <a:schemeClr val="accent1">
+                <a:lumMod val="65000"/>
+              </a:schemeClr>
+            </a:gs>
+          </a:gsLst>
+          <a:lin ang="0" scaled="0"/>
+        </a:gradFill>
+        <a:effectLst/>
+      </p:bgPr>
+    </p:bg>
+    <p:spTree>
+      <p:nvGrpSpPr>
+        <p:cNvPr id="1" name=""/>
+        <p:cNvGrpSpPr/>
+        <p:nvPr/>
+      </p:nvGrpSpPr>
+      <p:grpSpPr>
+        <a:xfrm>
+          <a:off x="0" y="0"/>
+          <a:ext cx="0" cy="0"/>
+          <a:chOff x="0" y="0"/>
+          <a:chExt cx="0" cy="0"/>
+        </a:xfrm>
+      </p:grpSpPr>
+      <p:sp>
+        <p:nvSpPr>
+          <p:cNvPr id="5" name="Titolo 4">
+            <a:extLst>
+              <a:ext uri="{FF2B5EF4-FFF2-40B4-BE49-F238E27FC236}">
+                <a16:creationId xmlns:a16="http://schemas.microsoft.com/office/drawing/2014/main" id="{A9173638-E18F-4E36-A184-A772E02A9237}"/>
+              </a:ext>
+            </a:extLst>
+          </p:cNvPr>
+          <p:cNvSpPr>
+            <a:spLocks noGrp="1"/>
+          </p:cNvSpPr>
+          <p:nvPr>
+            <p:ph type="ctrTitle"/>
+          </p:nvPr>
+        </p:nvSpPr>
+        <p:spPr>
+          <a:xfrm>
+            <a:off x="556084" y="766719"/>
+            <a:ext cx="10594846" cy="814746"/>
+          </a:xfrm>
+        </p:spPr>
+        <p:txBody>
+          <a:bodyPr>
+            <a:normAutofit/>
+          </a:bodyPr>
+          <a:lstStyle/>
+          <a:p>
+            <a:pPr algn="l"/>
+            <a:r>
+              <a:rPr lang="it-IT" sz="4000" dirty="0"/>
+              <a:t>Concetti fondamentali: PAF (Part </a:t>
+            </a:r>
+            <a:r>
+              <a:rPr lang="it-IT" sz="4000" dirty="0" err="1"/>
+              <a:t>Affinity</a:t>
+            </a:r>
+            <a:r>
+              <a:rPr lang="it-IT" sz="4000" dirty="0"/>
+              <a:t>)</a:t>
+            </a:r>
+          </a:p>
+        </p:txBody>
+      </p:sp>
+      <p:sp>
+        <p:nvSpPr>
+          <p:cNvPr id="2" name="Segnaposto data 1">
+            <a:extLst>
+              <a:ext uri="{FF2B5EF4-FFF2-40B4-BE49-F238E27FC236}">
+                <a16:creationId xmlns:a16="http://schemas.microsoft.com/office/drawing/2014/main" id="{101F3AF3-2EB9-4225-9616-8410331D339E}"/>
+              </a:ext>
+            </a:extLst>
+          </p:cNvPr>
+          <p:cNvSpPr>
+            <a:spLocks noGrp="1"/>
+          </p:cNvSpPr>
+          <p:nvPr>
+            <p:ph type="dt" sz="half" idx="10"/>
+          </p:nvPr>
+        </p:nvSpPr>
+        <p:spPr/>
+        <p:txBody>
+          <a:bodyPr/>
+          <a:lstStyle/>
+          <a:p>
+            <a:pPr marL="0" marR="0" lvl="0" indent="0" algn="l" defTabSz="914400" rtl="0" eaLnBrk="1" fontAlgn="auto" latinLnBrk="0" hangingPunct="1">
+              <a:lnSpc>
+                <a:spcPct val="100000"/>
+              </a:lnSpc>
+              <a:spcBef>
+                <a:spcPts val="0"/>
+              </a:spcBef>
+              <a:spcAft>
+                <a:spcPts val="0"/>
+              </a:spcAft>
+              <a:buClrTx/>
+              <a:buSzTx/>
+              <a:buFontTx/>
+              <a:buNone/>
+              <a:tabLst/>
+              <a:defRPr/>
+            </a:pPr>
+            <a:fld id="{E2B9554C-F726-43B4-AA11-83BC98311E77}" type="datetime1">
+              <a:rPr kumimoji="0" lang="it-IT" sz="900" b="0" i="0" u="none" strike="noStrike" kern="1200" cap="none" spc="0" normalizeH="0" baseline="0" noProof="0" smtClean="0">
+                <a:ln>
+                  <a:noFill/>
+                </a:ln>
+                <a:solidFill>
+                  <a:srgbClr val="FFFFFF"/>
+                </a:solidFill>
+                <a:effectLst/>
+                <a:uLnTx/>
+                <a:uFillTx/>
+                <a:latin typeface="Verdana Pro"/>
+                <a:ea typeface="+mn-ea"/>
+                <a:cs typeface="+mn-cs"/>
+              </a:rPr>
+              <a:pPr marL="0" marR="0" lvl="0" indent="0" algn="l" defTabSz="914400" rtl="0" eaLnBrk="1" fontAlgn="auto" latinLnBrk="0" hangingPunct="1">
+                <a:lnSpc>
+                  <a:spcPct val="100000"/>
+                </a:lnSpc>
+                <a:spcBef>
+                  <a:spcPts val="0"/>
+                </a:spcBef>
+                <a:spcAft>
+                  <a:spcPts val="0"/>
+                </a:spcAft>
+                <a:buClrTx/>
+                <a:buSzTx/>
+                <a:buFontTx/>
+                <a:buNone/>
+                <a:tabLst/>
+                <a:defRPr/>
+              </a:pPr>
+              <a:t>11/11/2021</a:t>
+            </a:fld>
+            <a:endParaRPr kumimoji="0" lang="en-US" sz="900" b="0" i="0" u="none" strike="noStrike" kern="1200" cap="none" spc="0" normalizeH="0" baseline="0" noProof="0">
+              <a:ln>
+                <a:noFill/>
+              </a:ln>
+              <a:solidFill>
+                <a:srgbClr val="FFFFFF"/>
+              </a:solidFill>
+              <a:effectLst/>
+              <a:uLnTx/>
+              <a:uFillTx/>
+              <a:latin typeface="Verdana Pro"/>
+              <a:ea typeface="+mn-ea"/>
+              <a:cs typeface="+mn-cs"/>
+            </a:endParaRPr>
+          </a:p>
+        </p:txBody>
+      </p:sp>
+      <p:sp>
+        <p:nvSpPr>
+          <p:cNvPr id="3" name="Segnaposto piè di pagina 2">
+            <a:extLst>
+              <a:ext uri="{FF2B5EF4-FFF2-40B4-BE49-F238E27FC236}">
+                <a16:creationId xmlns:a16="http://schemas.microsoft.com/office/drawing/2014/main" id="{7769C638-CF70-447A-AA80-9901DE1588A5}"/>
+              </a:ext>
+            </a:extLst>
+          </p:cNvPr>
+          <p:cNvSpPr>
+            <a:spLocks noGrp="1"/>
+          </p:cNvSpPr>
+          <p:nvPr>
+            <p:ph type="ftr" sz="quarter" idx="11"/>
+          </p:nvPr>
+        </p:nvSpPr>
+        <p:spPr>
+          <a:xfrm>
+            <a:off x="6834248" y="6273843"/>
+            <a:ext cx="4572000" cy="365125"/>
+          </a:xfrm>
+        </p:spPr>
+        <p:txBody>
+          <a:bodyPr/>
+          <a:lstStyle/>
+          <a:p>
+            <a:pPr marL="0" marR="0" lvl="0" indent="0" algn="r" defTabSz="914400" rtl="0" eaLnBrk="1" fontAlgn="auto" latinLnBrk="0" hangingPunct="1">
+              <a:lnSpc>
+                <a:spcPct val="100000"/>
+              </a:lnSpc>
+              <a:spcBef>
+                <a:spcPts val="0"/>
+              </a:spcBef>
+              <a:spcAft>
+                <a:spcPts val="0"/>
+              </a:spcAft>
+              <a:buClrTx/>
+              <a:buSzTx/>
+              <a:buFontTx/>
+              <a:buNone/>
+              <a:tabLst/>
+              <a:defRPr/>
+            </a:pPr>
+            <a:r>
+              <a:rPr kumimoji="0" lang="en-US" sz="800" b="0" i="0" u="none" strike="noStrike" kern="1200" cap="none" spc="0" normalizeH="0" baseline="0" noProof="0" dirty="0">
+                <a:ln>
+                  <a:noFill/>
+                </a:ln>
+                <a:solidFill>
+                  <a:srgbClr val="FFFFFF"/>
+                </a:solidFill>
+                <a:effectLst/>
+                <a:uLnTx/>
+                <a:uFillTx/>
+                <a:latin typeface="Verdana Pro"/>
+                <a:ea typeface="+mn-ea"/>
+                <a:cs typeface="+mn-cs"/>
+              </a:rPr>
+              <a:t>Francesco </a:t>
+            </a:r>
+            <a:r>
+              <a:rPr kumimoji="0" lang="en-US" sz="800" b="0" i="0" u="none" strike="noStrike" kern="1200" cap="none" spc="0" normalizeH="0" baseline="0" noProof="0" dirty="0" err="1">
+                <a:ln>
+                  <a:noFill/>
+                </a:ln>
+                <a:solidFill>
+                  <a:srgbClr val="FFFFFF"/>
+                </a:solidFill>
+                <a:effectLst/>
+                <a:uLnTx/>
+                <a:uFillTx/>
+                <a:latin typeface="Verdana Pro"/>
+                <a:ea typeface="+mn-ea"/>
+                <a:cs typeface="+mn-cs"/>
+              </a:rPr>
+              <a:t>Luzzi</a:t>
+            </a:r>
+            <a:endParaRPr kumimoji="0" lang="en-US" sz="800" b="0" i="0" u="none" strike="noStrike" kern="1200" cap="none" spc="0" normalizeH="0" baseline="0" noProof="0" dirty="0">
+              <a:ln>
+                <a:noFill/>
+              </a:ln>
+              <a:solidFill>
+                <a:srgbClr val="FFFFFF"/>
+              </a:solidFill>
+              <a:effectLst/>
+              <a:uLnTx/>
+              <a:uFillTx/>
+              <a:latin typeface="Verdana Pro"/>
+              <a:ea typeface="+mn-ea"/>
+              <a:cs typeface="+mn-cs"/>
+            </a:endParaRPr>
+          </a:p>
+        </p:txBody>
+      </p:sp>
+      <p:sp>
+        <p:nvSpPr>
+          <p:cNvPr id="4" name="Segnaposto numero diapositiva 3">
+            <a:extLst>
+              <a:ext uri="{FF2B5EF4-FFF2-40B4-BE49-F238E27FC236}">
+                <a16:creationId xmlns:a16="http://schemas.microsoft.com/office/drawing/2014/main" id="{CAC34330-01A6-410A-9140-4E13A244C533}"/>
+              </a:ext>
+            </a:extLst>
+          </p:cNvPr>
+          <p:cNvSpPr>
+            <a:spLocks noGrp="1"/>
+          </p:cNvSpPr>
+          <p:nvPr>
+            <p:ph type="sldNum" sz="quarter" idx="12"/>
+          </p:nvPr>
+        </p:nvSpPr>
+        <p:spPr/>
+        <p:txBody>
+          <a:bodyPr/>
+          <a:lstStyle/>
+          <a:p>
+            <a:pPr marL="0" marR="0" lvl="0" indent="0" algn="r" defTabSz="914400" rtl="0" eaLnBrk="1" fontAlgn="auto" latinLnBrk="0" hangingPunct="1">
+              <a:lnSpc>
+                <a:spcPct val="100000"/>
+              </a:lnSpc>
+              <a:spcBef>
+                <a:spcPts val="0"/>
+              </a:spcBef>
+              <a:spcAft>
+                <a:spcPts val="0"/>
+              </a:spcAft>
+              <a:buClrTx/>
+              <a:buSzTx/>
+              <a:buFontTx/>
+              <a:buNone/>
+              <a:tabLst/>
+              <a:defRPr/>
+            </a:pPr>
+            <a:fld id="{D643A852-0206-46AC-B0EB-645612933129}" type="slidenum">
+              <a:rPr kumimoji="0" lang="en-US" sz="3600" b="0" i="0" u="none" strike="noStrike" kern="1200" cap="none" spc="0" normalizeH="0" baseline="0" noProof="0" smtClean="0">
+                <a:ln>
+                  <a:noFill/>
+                </a:ln>
+                <a:solidFill>
+                  <a:srgbClr val="FFFFFF"/>
+                </a:solidFill>
+                <a:effectLst/>
+                <a:uLnTx/>
+                <a:uFillTx/>
+                <a:latin typeface="Verdana Pro Cond SemiBold"/>
+                <a:ea typeface="+mn-ea"/>
+                <a:cs typeface="+mn-cs"/>
+              </a:rPr>
+              <a:pPr marL="0" marR="0" lvl="0" indent="0" algn="r" defTabSz="914400" rtl="0" eaLnBrk="1" fontAlgn="auto" latinLnBrk="0" hangingPunct="1">
+                <a:lnSpc>
+                  <a:spcPct val="100000"/>
+                </a:lnSpc>
+                <a:spcBef>
+                  <a:spcPts val="0"/>
+                </a:spcBef>
+                <a:spcAft>
+                  <a:spcPts val="0"/>
+                </a:spcAft>
+                <a:buClrTx/>
+                <a:buSzTx/>
+                <a:buFontTx/>
+                <a:buNone/>
+                <a:tabLst/>
+                <a:defRPr/>
+              </a:pPr>
+              <a:t>7</a:t>
+            </a:fld>
+            <a:endParaRPr kumimoji="0" lang="en-US" sz="3600" b="0" i="0" u="none" strike="noStrike" kern="1200" cap="none" spc="0" normalizeH="0" baseline="0" noProof="0" dirty="0">
+              <a:ln>
+                <a:noFill/>
+              </a:ln>
+              <a:solidFill>
+                <a:srgbClr val="FFFFFF"/>
+              </a:solidFill>
+              <a:effectLst/>
+              <a:uLnTx/>
+              <a:uFillTx/>
+              <a:latin typeface="Verdana Pro Cond SemiBold"/>
+              <a:ea typeface="+mn-ea"/>
+              <a:cs typeface="+mn-cs"/>
+            </a:endParaRPr>
+          </a:p>
+        </p:txBody>
+      </p:sp>
+      <p:sp>
+        <p:nvSpPr>
+          <p:cNvPr id="12" name="Segnaposto contenuto 3">
+            <a:extLst>
+              <a:ext uri="{FF2B5EF4-FFF2-40B4-BE49-F238E27FC236}">
+                <a16:creationId xmlns:a16="http://schemas.microsoft.com/office/drawing/2014/main" id="{F5CD0C0F-2914-458C-937B-5028FC0B8E3A}"/>
+              </a:ext>
+            </a:extLst>
+          </p:cNvPr>
+          <p:cNvSpPr txBox="1">
+            <a:spLocks/>
+          </p:cNvSpPr>
+          <p:nvPr/>
+        </p:nvSpPr>
+        <p:spPr>
+          <a:xfrm>
+            <a:off x="762000" y="2153717"/>
+            <a:ext cx="5090115" cy="3547872"/>
+          </a:xfrm>
+          <a:prstGeom prst="rect">
+            <a:avLst/>
+          </a:prstGeom>
+        </p:spPr>
+        <p:txBody>
+          <a:bodyPr vert="horz" lIns="91440" tIns="45720" rIns="91440" bIns="45720" rtlCol="0">
+            <a:normAutofit/>
+          </a:bodyPr>
+          <a:lstStyle>
+            <a:lvl1pPr marL="0" indent="0" algn="ctr" defTabSz="914400" rtl="0" eaLnBrk="1" latinLnBrk="0" hangingPunct="1">
+              <a:lnSpc>
+                <a:spcPct val="90000"/>
+              </a:lnSpc>
+              <a:spcBef>
+                <a:spcPts val="1000"/>
+              </a:spcBef>
+              <a:buFont typeface="Arial" panose="020B0604020202020204" pitchFamily="34" charset="0"/>
+              <a:buNone/>
+              <a:defRPr sz="2400" kern="1200">
+                <a:solidFill>
+                  <a:schemeClr val="tx1"/>
+                </a:solidFill>
+                <a:latin typeface="+mn-lt"/>
+                <a:ea typeface="+mn-ea"/>
+                <a:cs typeface="+mn-cs"/>
+              </a:defRPr>
+            </a:lvl1pPr>
+            <a:lvl2pPr marL="457200" indent="0" algn="ctr" defTabSz="914400" rtl="0" eaLnBrk="1" latinLnBrk="0" hangingPunct="1">
+              <a:lnSpc>
+                <a:spcPct val="90000"/>
+              </a:lnSpc>
+              <a:spcBef>
+                <a:spcPts val="500"/>
+              </a:spcBef>
+              <a:buFont typeface="Arial" panose="020B0604020202020204" pitchFamily="34" charset="0"/>
+              <a:buNone/>
+              <a:defRPr sz="2000" kern="1200">
+                <a:solidFill>
+                  <a:schemeClr val="tx1"/>
+                </a:solidFill>
+                <a:latin typeface="+mn-lt"/>
+                <a:ea typeface="+mn-ea"/>
+                <a:cs typeface="+mn-cs"/>
+              </a:defRPr>
+            </a:lvl2pPr>
+            <a:lvl3pPr marL="914400" indent="0" algn="ctr" defTabSz="914400" rtl="0" eaLnBrk="1" latinLnBrk="0" hangingPunct="1">
+              <a:lnSpc>
+                <a:spcPct val="90000"/>
+              </a:lnSpc>
+              <a:spcBef>
+                <a:spcPts val="500"/>
+              </a:spcBef>
+              <a:buFont typeface="Arial" panose="020B0604020202020204" pitchFamily="34" charset="0"/>
+              <a:buNone/>
+              <a:defRPr sz="1800" kern="1200">
+                <a:solidFill>
+                  <a:schemeClr val="tx1"/>
+                </a:solidFill>
+                <a:latin typeface="+mn-lt"/>
+                <a:ea typeface="+mn-ea"/>
+                <a:cs typeface="+mn-cs"/>
+              </a:defRPr>
+            </a:lvl3pPr>
+            <a:lvl4pPr marL="1371600" indent="0" algn="ctr" defTabSz="914400" rtl="0" eaLnBrk="1" latinLnBrk="0" hangingPunct="1">
+              <a:lnSpc>
+                <a:spcPct val="90000"/>
+              </a:lnSpc>
+              <a:spcBef>
+                <a:spcPts val="500"/>
+              </a:spcBef>
+              <a:buFont typeface="Arial" panose="020B0604020202020204" pitchFamily="34" charset="0"/>
+              <a:buNone/>
+              <a:defRPr sz="1600" kern="1200">
+                <a:solidFill>
+                  <a:schemeClr val="tx1"/>
+                </a:solidFill>
+                <a:latin typeface="+mn-lt"/>
+                <a:ea typeface="+mn-ea"/>
+                <a:cs typeface="+mn-cs"/>
+              </a:defRPr>
+            </a:lvl4pPr>
+            <a:lvl5pPr marL="1828800" indent="0" algn="ctr" defTabSz="914400" rtl="0" eaLnBrk="1" latinLnBrk="0" hangingPunct="1">
+              <a:lnSpc>
+                <a:spcPct val="90000"/>
+              </a:lnSpc>
+              <a:spcBef>
+                <a:spcPts val="500"/>
+              </a:spcBef>
+              <a:buFont typeface="Arial" panose="020B0604020202020204" pitchFamily="34" charset="0"/>
+              <a:buNone/>
+              <a:defRPr sz="1600" kern="1200">
+                <a:solidFill>
+                  <a:schemeClr val="tx1"/>
+                </a:solidFill>
+                <a:latin typeface="+mn-lt"/>
+                <a:ea typeface="+mn-ea"/>
+                <a:cs typeface="+mn-cs"/>
+              </a:defRPr>
+            </a:lvl5pPr>
+            <a:lvl6pPr marL="2286000" indent="0" algn="ctr" defTabSz="914400" rtl="0" eaLnBrk="1" latinLnBrk="0" hangingPunct="1">
+              <a:lnSpc>
+                <a:spcPct val="90000"/>
+              </a:lnSpc>
+              <a:spcBef>
+                <a:spcPts val="500"/>
+              </a:spcBef>
+              <a:buFont typeface="Arial" panose="020B0604020202020204" pitchFamily="34" charset="0"/>
+              <a:buNone/>
+              <a:defRPr sz="1600" kern="1200">
+                <a:solidFill>
+                  <a:schemeClr val="tx1"/>
+                </a:solidFill>
+                <a:latin typeface="+mn-lt"/>
+                <a:ea typeface="+mn-ea"/>
+                <a:cs typeface="+mn-cs"/>
+              </a:defRPr>
+            </a:lvl6pPr>
+            <a:lvl7pPr marL="2743200" indent="0" algn="ctr" defTabSz="914400" rtl="0" eaLnBrk="1" latinLnBrk="0" hangingPunct="1">
+              <a:lnSpc>
+                <a:spcPct val="90000"/>
+              </a:lnSpc>
+              <a:spcBef>
+                <a:spcPts val="500"/>
+              </a:spcBef>
+              <a:buFont typeface="Arial" panose="020B0604020202020204" pitchFamily="34" charset="0"/>
+              <a:buNone/>
+              <a:defRPr sz="1600" kern="1200">
+                <a:solidFill>
+                  <a:schemeClr val="tx1"/>
+                </a:solidFill>
+                <a:latin typeface="+mn-lt"/>
+                <a:ea typeface="+mn-ea"/>
+                <a:cs typeface="+mn-cs"/>
+              </a:defRPr>
+            </a:lvl7pPr>
+            <a:lvl8pPr marL="3200400" indent="0" algn="ctr" defTabSz="914400" rtl="0" eaLnBrk="1" latinLnBrk="0" hangingPunct="1">
+              <a:lnSpc>
+                <a:spcPct val="90000"/>
+              </a:lnSpc>
+              <a:spcBef>
+                <a:spcPts val="500"/>
+              </a:spcBef>
+              <a:buFont typeface="Arial" panose="020B0604020202020204" pitchFamily="34" charset="0"/>
+              <a:buNone/>
+              <a:defRPr sz="1600" kern="1200">
+                <a:solidFill>
+                  <a:schemeClr val="tx1"/>
+                </a:solidFill>
+                <a:latin typeface="+mn-lt"/>
+                <a:ea typeface="+mn-ea"/>
+                <a:cs typeface="+mn-cs"/>
+              </a:defRPr>
+            </a:lvl8pPr>
+            <a:lvl9pPr marL="3657600" indent="0" algn="ctr" defTabSz="914400" rtl="0" eaLnBrk="1" latinLnBrk="0" hangingPunct="1">
+              <a:lnSpc>
+                <a:spcPct val="90000"/>
+              </a:lnSpc>
+              <a:spcBef>
+                <a:spcPts val="500"/>
+              </a:spcBef>
+              <a:buFont typeface="Arial" panose="020B0604020202020204" pitchFamily="34" charset="0"/>
+              <a:buNone/>
+              <a:defRPr sz="1600" kern="1200">
+                <a:solidFill>
+                  <a:schemeClr val="tx1"/>
+                </a:solidFill>
+                <a:latin typeface="+mn-lt"/>
+                <a:ea typeface="+mn-ea"/>
+                <a:cs typeface="+mn-cs"/>
+              </a:defRPr>
+            </a:lvl9pPr>
+          </a:lstStyle>
+          <a:p>
+            <a:pPr marL="0" marR="0" lvl="0" indent="0" algn="ctr" defTabSz="914400" rtl="0" eaLnBrk="1" fontAlgn="auto" latinLnBrk="0" hangingPunct="1">
+              <a:lnSpc>
+                <a:spcPct val="90000"/>
+              </a:lnSpc>
+              <a:spcBef>
+                <a:spcPts val="1000"/>
+              </a:spcBef>
+              <a:spcAft>
+                <a:spcPts val="0"/>
+              </a:spcAft>
+              <a:buClrTx/>
+              <a:buSzTx/>
+              <a:buFont typeface="Arial" panose="020B0604020202020204" pitchFamily="34" charset="0"/>
+              <a:buNone/>
+              <a:tabLst/>
+              <a:defRPr/>
+            </a:pPr>
+            <a:r>
+              <a:rPr kumimoji="0" lang="it-IT" sz="2400" b="0" i="0" u="none" strike="noStrike" kern="1200" cap="none" spc="0" normalizeH="0" baseline="0" noProof="0" dirty="0">
+                <a:ln>
+                  <a:noFill/>
+                </a:ln>
+                <a:solidFill>
+                  <a:srgbClr val="FFFFFF"/>
+                </a:solidFill>
+                <a:effectLst/>
+                <a:uLnTx/>
+                <a:uFillTx/>
+                <a:latin typeface="Verdana Pro"/>
+                <a:ea typeface="+mn-ea"/>
+                <a:cs typeface="+mn-cs"/>
+              </a:rPr>
+              <a:t>Spiegazione di cosa sono i PAF e qual è il loro utilizzo.</a:t>
+            </a:r>
+          </a:p>
+        </p:txBody>
+      </p:sp>
+      <p:pic>
+        <p:nvPicPr>
+          <p:cNvPr id="7" name="Immagine 6" descr="Immagine che contiene persona, esterni, gruppo, persone&#10;&#10;Descrizione generata automaticamente">
+            <a:extLst>
+              <a:ext uri="{FF2B5EF4-FFF2-40B4-BE49-F238E27FC236}">
+                <a16:creationId xmlns:a16="http://schemas.microsoft.com/office/drawing/2014/main" id="{000CA944-EBEF-4D55-BFA8-97B4E5CB4C5B}"/>
+              </a:ext>
+            </a:extLst>
+          </p:cNvPr>
+          <p:cNvPicPr>
+            <a:picLocks noChangeAspect="1"/>
+          </p:cNvPicPr>
+          <p:nvPr/>
+        </p:nvPicPr>
+        <p:blipFill>
+          <a:blip r:embed="rId2">
+            <a:extLst>
+              <a:ext uri="{28A0092B-C50C-407E-A947-70E740481C1C}">
+                <a14:useLocalDpi xmlns:a14="http://schemas.microsoft.com/office/drawing/2010/main" val="0"/>
+              </a:ext>
+            </a:extLst>
+          </a:blip>
+          <a:stretch>
+            <a:fillRect/>
+          </a:stretch>
+        </p:blipFill>
+        <p:spPr>
+          <a:xfrm>
+            <a:off x="6096000" y="1946590"/>
+            <a:ext cx="5720595" cy="3694210"/>
+          </a:xfrm>
+          <a:prstGeom prst="rect">
+            <a:avLst/>
+          </a:prstGeom>
+        </p:spPr>
+      </p:pic>
+    </p:spTree>
+    <p:extLst>
+      <p:ext uri="{BB962C8B-B14F-4D97-AF65-F5344CB8AC3E}">
+        <p14:creationId xmlns:p14="http://schemas.microsoft.com/office/powerpoint/2010/main" val="78088837"/>
+      </p:ext>
+    </p:extLst>
+  </p:cSld>
+  <p:clrMapOvr>
+    <a:masterClrMapping/>
+  </p:clrMapOvr>
+</p:sld>
+</file>
+
+<file path=ppt/slides/slide8.xml><?xml version="1.0" encoding="utf-8"?>
+<p:sld xmlns:a="http://schemas.openxmlformats.org/drawingml/2006/main" xmlns:r="http://schemas.openxmlformats.org/officeDocument/2006/relationships" xmlns:p="http://schemas.openxmlformats.org/presentationml/2006/main">
+  <p:cSld>
+    <p:bg>
+      <p:bgPr>
+        <a:gradFill>
+          <a:gsLst>
+            <a:gs pos="18000">
+              <a:schemeClr val="bg1"/>
+            </a:gs>
+            <a:gs pos="88000">
+              <a:srgbClr val="2F5596"/>
+            </a:gs>
+            <a:gs pos="65000">
+              <a:srgbClr val="325AA0"/>
+            </a:gs>
+            <a:gs pos="48000">
+              <a:schemeClr val="accent1">
+                <a:lumMod val="65000"/>
+              </a:schemeClr>
+            </a:gs>
+          </a:gsLst>
+          <a:lin ang="0" scaled="0"/>
+        </a:gradFill>
+        <a:effectLst/>
+      </p:bgPr>
+    </p:bg>
+    <p:spTree>
+      <p:nvGrpSpPr>
+        <p:cNvPr id="1" name=""/>
+        <p:cNvGrpSpPr/>
+        <p:nvPr/>
+      </p:nvGrpSpPr>
+      <p:grpSpPr>
+        <a:xfrm>
+          <a:off x="0" y="0"/>
+          <a:ext cx="0" cy="0"/>
+          <a:chOff x="0" y="0"/>
+          <a:chExt cx="0" cy="0"/>
+        </a:xfrm>
+      </p:grpSpPr>
+      <p:sp>
+        <p:nvSpPr>
+          <p:cNvPr id="2" name="Titolo 1">
+            <a:extLst>
+              <a:ext uri="{FF2B5EF4-FFF2-40B4-BE49-F238E27FC236}">
+                <a16:creationId xmlns:a16="http://schemas.microsoft.com/office/drawing/2014/main" id="{DE0E11C5-A0B6-420D-B720-3FF84BFCB0C6}"/>
+              </a:ext>
+            </a:extLst>
+          </p:cNvPr>
+          <p:cNvSpPr>
+            <a:spLocks noGrp="1"/>
+          </p:cNvSpPr>
+          <p:nvPr>
+            <p:ph type="ctrTitle"/>
+          </p:nvPr>
+        </p:nvSpPr>
+        <p:spPr>
+          <a:xfrm>
+            <a:off x="762000" y="401594"/>
+            <a:ext cx="10668000" cy="1985963"/>
+          </a:xfrm>
+        </p:spPr>
+        <p:txBody>
+          <a:bodyPr anchor="ctr">
+            <a:normAutofit/>
+          </a:bodyPr>
+          <a:lstStyle/>
+          <a:p>
+            <a:pPr algn="l"/>
+            <a:r>
+              <a:rPr lang="it-IT" sz="4800" dirty="0">
+                <a:solidFill>
+                  <a:srgbClr val="FFFFFF"/>
+                </a:solidFill>
+              </a:rPr>
+              <a:t>Immagini utilizzate come input dell’applicazione</a:t>
+            </a:r>
+          </a:p>
+        </p:txBody>
+      </p:sp>
+      <p:pic>
+        <p:nvPicPr>
+          <p:cNvPr id="5" name="Immagine 4" descr="Immagine che contiene testo&#10;&#10;Descrizione generata automaticamente">
+            <a:extLst>
+              <a:ext uri="{FF2B5EF4-FFF2-40B4-BE49-F238E27FC236}">
+                <a16:creationId xmlns:a16="http://schemas.microsoft.com/office/drawing/2014/main" id="{FD7DD103-0B6D-4542-BD4D-358FE22D7776}"/>
+              </a:ext>
+            </a:extLst>
+          </p:cNvPr>
+          <p:cNvPicPr>
+            <a:picLocks noChangeAspect="1"/>
+          </p:cNvPicPr>
+          <p:nvPr/>
+        </p:nvPicPr>
+        <p:blipFill>
+          <a:blip r:embed="rId2">
+            <a:extLst>
+              <a:ext uri="{28A0092B-C50C-407E-A947-70E740481C1C}">
+                <a14:useLocalDpi xmlns:a14="http://schemas.microsoft.com/office/drawing/2010/main" val="0"/>
+              </a:ext>
+            </a:extLst>
+          </a:blip>
+          <a:stretch>
+            <a:fillRect/>
+          </a:stretch>
+        </p:blipFill>
+        <p:spPr>
+          <a:xfrm>
+            <a:off x="583479" y="2501974"/>
+            <a:ext cx="3907576" cy="2533819"/>
+          </a:xfrm>
+          <a:prstGeom prst="rect">
+            <a:avLst/>
+          </a:prstGeom>
+        </p:spPr>
+      </p:pic>
+      <p:sp>
+        <p:nvSpPr>
+          <p:cNvPr id="3" name="Segnaposto data 2">
+            <a:extLst>
+              <a:ext uri="{FF2B5EF4-FFF2-40B4-BE49-F238E27FC236}">
+                <a16:creationId xmlns:a16="http://schemas.microsoft.com/office/drawing/2014/main" id="{68B53254-B06A-4E5D-A0AC-20FA14607D9A}"/>
+              </a:ext>
+            </a:extLst>
+          </p:cNvPr>
+          <p:cNvSpPr>
+            <a:spLocks noGrp="1"/>
+          </p:cNvSpPr>
+          <p:nvPr>
+            <p:ph type="dt" sz="half" idx="10"/>
+          </p:nvPr>
+        </p:nvSpPr>
+        <p:spPr/>
+        <p:txBody>
+          <a:bodyPr/>
+          <a:lstStyle/>
+          <a:p>
+            <a:pPr marL="0" marR="0" lvl="0" indent="0" algn="l" defTabSz="914400" rtl="0" eaLnBrk="1" fontAlgn="auto" latinLnBrk="0" hangingPunct="1">
+              <a:lnSpc>
+                <a:spcPct val="100000"/>
+              </a:lnSpc>
+              <a:spcBef>
+                <a:spcPts val="0"/>
+              </a:spcBef>
+              <a:spcAft>
+                <a:spcPts val="0"/>
+              </a:spcAft>
+              <a:buClrTx/>
+              <a:buSzTx/>
+              <a:buFontTx/>
+              <a:buNone/>
+              <a:tabLst/>
+              <a:defRPr/>
+            </a:pPr>
+            <a:fld id="{EACE4ECE-4589-4666-B199-0F3643ABD5A2}" type="datetime1">
+              <a:rPr kumimoji="0" lang="it-IT" sz="900" b="0" i="0" u="none" strike="noStrike" kern="1200" cap="none" spc="0" normalizeH="0" baseline="0" noProof="0" smtClean="0">
+                <a:ln>
+                  <a:noFill/>
+                </a:ln>
+                <a:solidFill>
+                  <a:srgbClr val="FFFFFF"/>
+                </a:solidFill>
+                <a:effectLst/>
+                <a:uLnTx/>
+                <a:uFillTx/>
+                <a:latin typeface="Verdana Pro"/>
+                <a:ea typeface="+mn-ea"/>
+                <a:cs typeface="+mn-cs"/>
+              </a:rPr>
+              <a:pPr marL="0" marR="0" lvl="0" indent="0" algn="l" defTabSz="914400" rtl="0" eaLnBrk="1" fontAlgn="auto" latinLnBrk="0" hangingPunct="1">
+                <a:lnSpc>
+                  <a:spcPct val="100000"/>
+                </a:lnSpc>
+                <a:spcBef>
+                  <a:spcPts val="0"/>
+                </a:spcBef>
+                <a:spcAft>
+                  <a:spcPts val="0"/>
+                </a:spcAft>
+                <a:buClrTx/>
+                <a:buSzTx/>
+                <a:buFontTx/>
+                <a:buNone/>
+                <a:tabLst/>
+                <a:defRPr/>
+              </a:pPr>
+              <a:t>11/11/2021</a:t>
+            </a:fld>
+            <a:endParaRPr kumimoji="0" lang="en-US" sz="900" b="0" i="0" u="none" strike="noStrike" kern="1200" cap="none" spc="0" normalizeH="0" baseline="0" noProof="0">
+              <a:ln>
+                <a:noFill/>
+              </a:ln>
+              <a:solidFill>
+                <a:srgbClr val="FFFFFF"/>
+              </a:solidFill>
+              <a:effectLst/>
+              <a:uLnTx/>
+              <a:uFillTx/>
+              <a:latin typeface="Verdana Pro"/>
+              <a:ea typeface="+mn-ea"/>
+              <a:cs typeface="+mn-cs"/>
+            </a:endParaRPr>
+          </a:p>
+        </p:txBody>
+      </p:sp>
+      <p:sp>
+        <p:nvSpPr>
+          <p:cNvPr id="8" name="Segnaposto piè di pagina 7">
+            <a:extLst>
+              <a:ext uri="{FF2B5EF4-FFF2-40B4-BE49-F238E27FC236}">
+                <a16:creationId xmlns:a16="http://schemas.microsoft.com/office/drawing/2014/main" id="{EC513CA3-1C08-4096-8C1C-E18FA3BE14B3}"/>
+              </a:ext>
+            </a:extLst>
+          </p:cNvPr>
+          <p:cNvSpPr>
+            <a:spLocks noGrp="1"/>
+          </p:cNvSpPr>
+          <p:nvPr>
+            <p:ph type="ftr" sz="quarter" idx="11"/>
+          </p:nvPr>
+        </p:nvSpPr>
+        <p:spPr>
+          <a:xfrm>
+            <a:off x="6858000" y="6273843"/>
+            <a:ext cx="4572000" cy="365125"/>
+          </a:xfrm>
+        </p:spPr>
+        <p:txBody>
+          <a:bodyPr/>
+          <a:lstStyle/>
+          <a:p>
+            <a:pPr marL="0" marR="0" lvl="0" indent="0" algn="r" defTabSz="914400" rtl="0" eaLnBrk="1" fontAlgn="auto" latinLnBrk="0" hangingPunct="1">
+              <a:lnSpc>
+                <a:spcPct val="100000"/>
+              </a:lnSpc>
+              <a:spcBef>
+                <a:spcPts val="0"/>
+              </a:spcBef>
+              <a:spcAft>
+                <a:spcPts val="0"/>
+              </a:spcAft>
+              <a:buClrTx/>
+              <a:buSzTx/>
+              <a:buFontTx/>
+              <a:buNone/>
+              <a:tabLst/>
+              <a:defRPr/>
+            </a:pPr>
+            <a:r>
+              <a:rPr kumimoji="0" lang="en-US" sz="800" b="0" i="0" u="none" strike="noStrike" kern="1200" cap="none" spc="0" normalizeH="0" baseline="0" noProof="0">
+                <a:ln>
+                  <a:noFill/>
+                </a:ln>
+                <a:solidFill>
+                  <a:srgbClr val="FFFFFF"/>
+                </a:solidFill>
+                <a:effectLst/>
+                <a:uLnTx/>
+                <a:uFillTx/>
+                <a:latin typeface="Verdana Pro"/>
+                <a:ea typeface="+mn-ea"/>
+                <a:cs typeface="+mn-cs"/>
+              </a:rPr>
+              <a:t>Francesco Luzzi</a:t>
+            </a:r>
+            <a:endParaRPr kumimoji="0" lang="en-US" sz="800" b="0" i="0" u="none" strike="noStrike" kern="1200" cap="none" spc="0" normalizeH="0" baseline="0" noProof="0" dirty="0">
+              <a:ln>
+                <a:noFill/>
+              </a:ln>
+              <a:solidFill>
+                <a:srgbClr val="FFFFFF"/>
+              </a:solidFill>
+              <a:effectLst/>
+              <a:uLnTx/>
+              <a:uFillTx/>
+              <a:latin typeface="Verdana Pro"/>
+              <a:ea typeface="+mn-ea"/>
+              <a:cs typeface="+mn-cs"/>
+            </a:endParaRPr>
+          </a:p>
+        </p:txBody>
+      </p:sp>
+      <p:sp>
+        <p:nvSpPr>
+          <p:cNvPr id="9" name="Segnaposto numero diapositiva 8">
+            <a:extLst>
+              <a:ext uri="{FF2B5EF4-FFF2-40B4-BE49-F238E27FC236}">
+                <a16:creationId xmlns:a16="http://schemas.microsoft.com/office/drawing/2014/main" id="{42A947FD-5B34-48F5-AD8B-31B0CEC1F2F0}"/>
+              </a:ext>
+            </a:extLst>
+          </p:cNvPr>
+          <p:cNvSpPr>
+            <a:spLocks noGrp="1"/>
+          </p:cNvSpPr>
+          <p:nvPr>
+            <p:ph type="sldNum" sz="quarter" idx="12"/>
+          </p:nvPr>
+        </p:nvSpPr>
+        <p:spPr/>
+        <p:txBody>
+          <a:bodyPr/>
+          <a:lstStyle/>
+          <a:p>
+            <a:pPr marL="0" marR="0" lvl="0" indent="0" algn="r" defTabSz="914400" rtl="0" eaLnBrk="1" fontAlgn="auto" latinLnBrk="0" hangingPunct="1">
+              <a:lnSpc>
+                <a:spcPct val="100000"/>
+              </a:lnSpc>
+              <a:spcBef>
+                <a:spcPts val="0"/>
+              </a:spcBef>
+              <a:spcAft>
+                <a:spcPts val="0"/>
+              </a:spcAft>
+              <a:buClrTx/>
+              <a:buSzTx/>
+              <a:buFontTx/>
+              <a:buNone/>
+              <a:tabLst/>
+              <a:defRPr/>
+            </a:pPr>
+            <a:fld id="{D643A852-0206-46AC-B0EB-645612933129}" type="slidenum">
+              <a:rPr kumimoji="0" lang="en-US" sz="3600" b="0" i="0" u="none" strike="noStrike" kern="1200" cap="none" spc="0" normalizeH="0" baseline="0" noProof="0" smtClean="0">
+                <a:ln>
+                  <a:noFill/>
+                </a:ln>
+                <a:solidFill>
+                  <a:srgbClr val="FFFFFF"/>
+                </a:solidFill>
+                <a:effectLst/>
+                <a:uLnTx/>
+                <a:uFillTx/>
+                <a:latin typeface="Verdana Pro Cond SemiBold"/>
+                <a:ea typeface="+mn-ea"/>
+                <a:cs typeface="+mn-cs"/>
+              </a:rPr>
+              <a:pPr marL="0" marR="0" lvl="0" indent="0" algn="r" defTabSz="914400" rtl="0" eaLnBrk="1" fontAlgn="auto" latinLnBrk="0" hangingPunct="1">
+                <a:lnSpc>
+                  <a:spcPct val="100000"/>
+                </a:lnSpc>
+                <a:spcBef>
+                  <a:spcPts val="0"/>
+                </a:spcBef>
+                <a:spcAft>
+                  <a:spcPts val="0"/>
+                </a:spcAft>
+                <a:buClrTx/>
+                <a:buSzTx/>
+                <a:buFontTx/>
+                <a:buNone/>
+                <a:tabLst/>
+                <a:defRPr/>
+              </a:pPr>
+              <a:t>8</a:t>
+            </a:fld>
+            <a:endParaRPr kumimoji="0" lang="en-US" sz="3600" b="0" i="0" u="none" strike="noStrike" kern="1200" cap="none" spc="0" normalizeH="0" baseline="0" noProof="0" dirty="0">
+              <a:ln>
+                <a:noFill/>
+              </a:ln>
+              <a:solidFill>
+                <a:srgbClr val="FFFFFF"/>
+              </a:solidFill>
+              <a:effectLst/>
+              <a:uLnTx/>
+              <a:uFillTx/>
+              <a:latin typeface="Verdana Pro Cond SemiBold"/>
+              <a:ea typeface="+mn-ea"/>
+              <a:cs typeface="+mn-cs"/>
+            </a:endParaRPr>
+          </a:p>
+        </p:txBody>
+      </p:sp>
+      <p:pic>
+        <p:nvPicPr>
+          <p:cNvPr id="13" name="Immagine 12" descr="Immagine che contiene pavimento, interni, edificio, piastrellato&#10;&#10;Descrizione generata automaticamente">
+            <a:extLst>
+              <a:ext uri="{FF2B5EF4-FFF2-40B4-BE49-F238E27FC236}">
+                <a16:creationId xmlns:a16="http://schemas.microsoft.com/office/drawing/2014/main" id="{BB458D45-B894-4B58-AE52-F98B701245DB}"/>
+              </a:ext>
+            </a:extLst>
+          </p:cNvPr>
+          <p:cNvPicPr>
+            <a:picLocks noChangeAspect="1"/>
+          </p:cNvPicPr>
+          <p:nvPr/>
+        </p:nvPicPr>
+        <p:blipFill>
+          <a:blip r:embed="rId3">
+            <a:extLst>
+              <a:ext uri="{28A0092B-C50C-407E-A947-70E740481C1C}">
+                <a14:useLocalDpi xmlns:a14="http://schemas.microsoft.com/office/drawing/2010/main" val="0"/>
+              </a:ext>
+            </a:extLst>
+          </a:blip>
+          <a:stretch>
+            <a:fillRect/>
+          </a:stretch>
+        </p:blipFill>
+        <p:spPr>
+          <a:xfrm>
+            <a:off x="4852412" y="4152562"/>
+            <a:ext cx="4572000" cy="2571750"/>
+          </a:xfrm>
+          <a:prstGeom prst="rect">
+            <a:avLst/>
+          </a:prstGeom>
+        </p:spPr>
+      </p:pic>
+      <p:pic>
+        <p:nvPicPr>
+          <p:cNvPr id="15" name="Immagine 14" descr="Immagine che contiene pavimento, interni, piastrellato&#10;&#10;Descrizione generata automaticamente">
+            <a:extLst>
+              <a:ext uri="{FF2B5EF4-FFF2-40B4-BE49-F238E27FC236}">
+                <a16:creationId xmlns:a16="http://schemas.microsoft.com/office/drawing/2014/main" id="{4108920B-2521-4810-B5CE-A5EA9286B02C}"/>
+              </a:ext>
+            </a:extLst>
+          </p:cNvPr>
+          <p:cNvPicPr>
+            <a:picLocks noChangeAspect="1"/>
+          </p:cNvPicPr>
+          <p:nvPr/>
+        </p:nvPicPr>
+        <p:blipFill>
+          <a:blip r:embed="rId4">
+            <a:extLst>
+              <a:ext uri="{28A0092B-C50C-407E-A947-70E740481C1C}">
+                <a14:useLocalDpi xmlns:a14="http://schemas.microsoft.com/office/drawing/2010/main" val="0"/>
+              </a:ext>
+            </a:extLst>
+          </a:blip>
+          <a:stretch>
+            <a:fillRect/>
+          </a:stretch>
+        </p:blipFill>
+        <p:spPr>
+          <a:xfrm>
+            <a:off x="5879969" y="1523872"/>
+            <a:ext cx="4504567" cy="2533819"/>
+          </a:xfrm>
+          <a:prstGeom prst="rect">
+            <a:avLst/>
+          </a:prstGeom>
+        </p:spPr>
+      </p:pic>
+    </p:spTree>
+    <p:extLst>
+      <p:ext uri="{BB962C8B-B14F-4D97-AF65-F5344CB8AC3E}">
+        <p14:creationId xmlns:p14="http://schemas.microsoft.com/office/powerpoint/2010/main" val="2402883723"/>
+      </p:ext>
+    </p:extLst>
+  </p:cSld>
+  <p:clrMapOvr>
+    <a:masterClrMapping/>
+  </p:clrMapOvr>
+</p:sld>
+</file>
+
+<file path=ppt/slides/slide9.xml><?xml version="1.0" encoding="utf-8"?>
+<p:sld xmlns:a="http://schemas.openxmlformats.org/drawingml/2006/main" xmlns:r="http://schemas.openxmlformats.org/officeDocument/2006/relationships" xmlns:p="http://schemas.openxmlformats.org/presentationml/2006/main">
+  <p:cSld>
+    <p:bg>
+      <p:bgPr>
+        <a:gradFill>
+          <a:gsLst>
+            <a:gs pos="18000">
+              <a:schemeClr val="bg1"/>
+            </a:gs>
+            <a:gs pos="88000">
+              <a:srgbClr val="2F5596"/>
+            </a:gs>
+            <a:gs pos="65000">
+              <a:srgbClr val="325AA0"/>
+            </a:gs>
+            <a:gs pos="48000">
+              <a:schemeClr val="accent1">
+                <a:lumMod val="65000"/>
+              </a:schemeClr>
+            </a:gs>
+          </a:gsLst>
+          <a:lin ang="0" scaled="0"/>
+        </a:gradFill>
+        <a:effectLst/>
+      </p:bgPr>
+    </p:bg>
+    <p:spTree>
+      <p:nvGrpSpPr>
+        <p:cNvPr id="1" name=""/>
+        <p:cNvGrpSpPr/>
+        <p:nvPr/>
+      </p:nvGrpSpPr>
+      <p:grpSpPr>
+        <a:xfrm>
+          <a:off x="0" y="0"/>
+          <a:ext cx="0" cy="0"/>
+          <a:chOff x="0" y="0"/>
+          <a:chExt cx="0" cy="0"/>
+        </a:xfrm>
+      </p:grpSpPr>
+      <p:sp>
+        <p:nvSpPr>
+          <p:cNvPr id="2" name="Titolo 1">
+            <a:extLst>
+              <a:ext uri="{FF2B5EF4-FFF2-40B4-BE49-F238E27FC236}">
+                <a16:creationId xmlns:a16="http://schemas.microsoft.com/office/drawing/2014/main" id="{DE0E11C5-A0B6-420D-B720-3FF84BFCB0C6}"/>
+              </a:ext>
+            </a:extLst>
+          </p:cNvPr>
+          <p:cNvSpPr>
+            <a:spLocks noGrp="1"/>
+          </p:cNvSpPr>
+          <p:nvPr>
+            <p:ph type="ctrTitle"/>
+          </p:nvPr>
+        </p:nvSpPr>
+        <p:spPr>
+          <a:xfrm>
+            <a:off x="761998" y="69056"/>
+            <a:ext cx="10668000" cy="1985963"/>
+          </a:xfrm>
+        </p:spPr>
+        <p:txBody>
+          <a:bodyPr anchor="ctr">
+            <a:normAutofit/>
+          </a:bodyPr>
+          <a:lstStyle/>
+          <a:p>
+            <a:pPr algn="l"/>
+            <a:r>
+              <a:rPr lang="it-IT" sz="4800" dirty="0">
+                <a:solidFill>
+                  <a:srgbClr val="FFFFFF"/>
+                </a:solidFill>
+              </a:rPr>
+              <a:t>Primo approccio e primi output</a:t>
+            </a:r>
+          </a:p>
+        </p:txBody>
+      </p:sp>
+      <p:sp>
+        <p:nvSpPr>
+          <p:cNvPr id="4" name="Sottotitolo 3">
+            <a:extLst>
+              <a:ext uri="{FF2B5EF4-FFF2-40B4-BE49-F238E27FC236}">
+                <a16:creationId xmlns:a16="http://schemas.microsoft.com/office/drawing/2014/main" id="{6FC57A8E-D198-43CF-ACD7-853D2631E55A}"/>
+              </a:ext>
+            </a:extLst>
+          </p:cNvPr>
+          <p:cNvSpPr>
+            <a:spLocks noGrp="1"/>
+          </p:cNvSpPr>
+          <p:nvPr>
+            <p:ph type="subTitle" idx="1"/>
+          </p:nvPr>
+        </p:nvSpPr>
+        <p:spPr>
+          <a:xfrm>
+            <a:off x="761998" y="1540573"/>
+            <a:ext cx="10667998" cy="1275779"/>
+          </a:xfrm>
+        </p:spPr>
+        <p:txBody>
+          <a:bodyPr/>
+          <a:lstStyle/>
+          <a:p>
+            <a:pPr algn="l"/>
+            <a:r>
+              <a:rPr lang="it-IT" dirty="0"/>
+              <a:t>Creare un’applicazione che trovando la posa delle persone che oscurerà i volti per questioni di privacy</a:t>
+            </a:r>
+          </a:p>
+          <a:p>
+            <a:pPr algn="l"/>
+            <a:endParaRPr lang="it-IT" dirty="0"/>
+          </a:p>
+        </p:txBody>
+      </p:sp>
+      <p:sp>
+        <p:nvSpPr>
+          <p:cNvPr id="3" name="Segnaposto data 2">
+            <a:extLst>
+              <a:ext uri="{FF2B5EF4-FFF2-40B4-BE49-F238E27FC236}">
+                <a16:creationId xmlns:a16="http://schemas.microsoft.com/office/drawing/2014/main" id="{68B53254-B06A-4E5D-A0AC-20FA14607D9A}"/>
+              </a:ext>
+            </a:extLst>
+          </p:cNvPr>
+          <p:cNvSpPr>
+            <a:spLocks noGrp="1"/>
+          </p:cNvSpPr>
+          <p:nvPr>
+            <p:ph type="dt" sz="half" idx="10"/>
+          </p:nvPr>
+        </p:nvSpPr>
+        <p:spPr/>
+        <p:txBody>
+          <a:bodyPr/>
+          <a:lstStyle/>
+          <a:p>
+            <a:pPr marL="0" marR="0" lvl="0" indent="0" algn="l" defTabSz="914400" rtl="0" eaLnBrk="1" fontAlgn="auto" latinLnBrk="0" hangingPunct="1">
+              <a:lnSpc>
+                <a:spcPct val="100000"/>
+              </a:lnSpc>
+              <a:spcBef>
+                <a:spcPts val="0"/>
+              </a:spcBef>
+              <a:spcAft>
+                <a:spcPts val="0"/>
+              </a:spcAft>
+              <a:buClrTx/>
+              <a:buSzTx/>
+              <a:buFontTx/>
+              <a:buNone/>
+              <a:tabLst/>
+              <a:defRPr/>
+            </a:pPr>
+            <a:fld id="{EACE4ECE-4589-4666-B199-0F3643ABD5A2}" type="datetime1">
+              <a:rPr kumimoji="0" lang="it-IT" sz="900" b="0" i="0" u="none" strike="noStrike" kern="1200" cap="none" spc="0" normalizeH="0" baseline="0" noProof="0" smtClean="0">
+                <a:ln>
+                  <a:noFill/>
+                </a:ln>
+                <a:solidFill>
+                  <a:srgbClr val="FFFFFF"/>
+                </a:solidFill>
+                <a:effectLst/>
+                <a:uLnTx/>
+                <a:uFillTx/>
+                <a:latin typeface="Verdana Pro"/>
+                <a:ea typeface="+mn-ea"/>
+                <a:cs typeface="+mn-cs"/>
+              </a:rPr>
+              <a:pPr marL="0" marR="0" lvl="0" indent="0" algn="l" defTabSz="914400" rtl="0" eaLnBrk="1" fontAlgn="auto" latinLnBrk="0" hangingPunct="1">
+                <a:lnSpc>
+                  <a:spcPct val="100000"/>
+                </a:lnSpc>
+                <a:spcBef>
+                  <a:spcPts val="0"/>
+                </a:spcBef>
+                <a:spcAft>
+                  <a:spcPts val="0"/>
+                </a:spcAft>
+                <a:buClrTx/>
+                <a:buSzTx/>
+                <a:buFontTx/>
+                <a:buNone/>
+                <a:tabLst/>
+                <a:defRPr/>
+              </a:pPr>
+              <a:t>11/11/2021</a:t>
+            </a:fld>
+            <a:endParaRPr kumimoji="0" lang="en-US" sz="900" b="0" i="0" u="none" strike="noStrike" kern="1200" cap="none" spc="0" normalizeH="0" baseline="0" noProof="0">
+              <a:ln>
+                <a:noFill/>
+              </a:ln>
+              <a:solidFill>
+                <a:srgbClr val="FFFFFF"/>
+              </a:solidFill>
+              <a:effectLst/>
+              <a:uLnTx/>
+              <a:uFillTx/>
+              <a:latin typeface="Verdana Pro"/>
+              <a:ea typeface="+mn-ea"/>
+              <a:cs typeface="+mn-cs"/>
+            </a:endParaRPr>
+          </a:p>
+        </p:txBody>
+      </p:sp>
+      <p:sp>
+        <p:nvSpPr>
+          <p:cNvPr id="8" name="Segnaposto piè di pagina 7">
+            <a:extLst>
+              <a:ext uri="{FF2B5EF4-FFF2-40B4-BE49-F238E27FC236}">
+                <a16:creationId xmlns:a16="http://schemas.microsoft.com/office/drawing/2014/main" id="{EC513CA3-1C08-4096-8C1C-E18FA3BE14B3}"/>
+              </a:ext>
+            </a:extLst>
+          </p:cNvPr>
+          <p:cNvSpPr>
+            <a:spLocks noGrp="1"/>
+          </p:cNvSpPr>
+          <p:nvPr>
+            <p:ph type="ftr" sz="quarter" idx="11"/>
+          </p:nvPr>
+        </p:nvSpPr>
+        <p:spPr>
+          <a:xfrm>
+            <a:off x="6858000" y="6273843"/>
+            <a:ext cx="4572000" cy="365125"/>
+          </a:xfrm>
+        </p:spPr>
+        <p:txBody>
+          <a:bodyPr/>
+          <a:lstStyle/>
+          <a:p>
+            <a:pPr marL="0" marR="0" lvl="0" indent="0" algn="r" defTabSz="914400" rtl="0" eaLnBrk="1" fontAlgn="auto" latinLnBrk="0" hangingPunct="1">
+              <a:lnSpc>
+                <a:spcPct val="100000"/>
+              </a:lnSpc>
+              <a:spcBef>
+                <a:spcPts val="0"/>
+              </a:spcBef>
+              <a:spcAft>
+                <a:spcPts val="0"/>
+              </a:spcAft>
+              <a:buClrTx/>
+              <a:buSzTx/>
+              <a:buFontTx/>
+              <a:buNone/>
+              <a:tabLst/>
+              <a:defRPr/>
+            </a:pPr>
+            <a:r>
+              <a:rPr kumimoji="0" lang="en-US" sz="800" b="0" i="0" u="none" strike="noStrike" kern="1200" cap="none" spc="0" normalizeH="0" baseline="0" noProof="0" dirty="0">
+                <a:ln>
+                  <a:noFill/>
+                </a:ln>
+                <a:solidFill>
+                  <a:srgbClr val="FFFFFF"/>
+                </a:solidFill>
+                <a:effectLst/>
+                <a:uLnTx/>
+                <a:uFillTx/>
+                <a:latin typeface="Verdana Pro"/>
+                <a:ea typeface="+mn-ea"/>
+                <a:cs typeface="+mn-cs"/>
+              </a:rPr>
+              <a:t>Francesco </a:t>
+            </a:r>
+            <a:r>
+              <a:rPr kumimoji="0" lang="en-US" sz="800" b="0" i="0" u="none" strike="noStrike" kern="1200" cap="none" spc="0" normalizeH="0" baseline="0" noProof="0" dirty="0" err="1">
+                <a:ln>
+                  <a:noFill/>
+                </a:ln>
+                <a:solidFill>
+                  <a:srgbClr val="FFFFFF"/>
+                </a:solidFill>
+                <a:effectLst/>
+                <a:uLnTx/>
+                <a:uFillTx/>
+                <a:latin typeface="Verdana Pro"/>
+                <a:ea typeface="+mn-ea"/>
+                <a:cs typeface="+mn-cs"/>
+              </a:rPr>
+              <a:t>Luzzi</a:t>
+            </a:r>
+            <a:endParaRPr kumimoji="0" lang="en-US" sz="800" b="0" i="0" u="none" strike="noStrike" kern="1200" cap="none" spc="0" normalizeH="0" baseline="0" noProof="0" dirty="0">
+              <a:ln>
+                <a:noFill/>
+              </a:ln>
+              <a:solidFill>
+                <a:srgbClr val="FFFFFF"/>
+              </a:solidFill>
+              <a:effectLst/>
+              <a:uLnTx/>
+              <a:uFillTx/>
+              <a:latin typeface="Verdana Pro"/>
+              <a:ea typeface="+mn-ea"/>
+              <a:cs typeface="+mn-cs"/>
+            </a:endParaRPr>
+          </a:p>
+        </p:txBody>
+      </p:sp>
+      <p:sp>
+        <p:nvSpPr>
+          <p:cNvPr id="9" name="Segnaposto numero diapositiva 8">
+            <a:extLst>
+              <a:ext uri="{FF2B5EF4-FFF2-40B4-BE49-F238E27FC236}">
+                <a16:creationId xmlns:a16="http://schemas.microsoft.com/office/drawing/2014/main" id="{42A947FD-5B34-48F5-AD8B-31B0CEC1F2F0}"/>
+              </a:ext>
+            </a:extLst>
+          </p:cNvPr>
+          <p:cNvSpPr>
+            <a:spLocks noGrp="1"/>
+          </p:cNvSpPr>
+          <p:nvPr>
+            <p:ph type="sldNum" sz="quarter" idx="12"/>
+          </p:nvPr>
+        </p:nvSpPr>
+        <p:spPr/>
+        <p:txBody>
+          <a:bodyPr/>
+          <a:lstStyle/>
+          <a:p>
+            <a:pPr marL="0" marR="0" lvl="0" indent="0" algn="r" defTabSz="914400" rtl="0" eaLnBrk="1" fontAlgn="auto" latinLnBrk="0" hangingPunct="1">
+              <a:lnSpc>
+                <a:spcPct val="100000"/>
+              </a:lnSpc>
+              <a:spcBef>
+                <a:spcPts val="0"/>
+              </a:spcBef>
+              <a:spcAft>
+                <a:spcPts val="0"/>
+              </a:spcAft>
+              <a:buClrTx/>
+              <a:buSzTx/>
+              <a:buFontTx/>
+              <a:buNone/>
+              <a:tabLst/>
+              <a:defRPr/>
+            </a:pPr>
+            <a:fld id="{D643A852-0206-46AC-B0EB-645612933129}" type="slidenum">
+              <a:rPr kumimoji="0" lang="en-US" sz="3600" b="0" i="0" u="none" strike="noStrike" kern="1200" cap="none" spc="0" normalizeH="0" baseline="0" noProof="0" smtClean="0">
+                <a:ln>
+                  <a:noFill/>
+                </a:ln>
+                <a:solidFill>
+                  <a:srgbClr val="FFFFFF"/>
+                </a:solidFill>
+                <a:effectLst/>
+                <a:uLnTx/>
+                <a:uFillTx/>
+                <a:latin typeface="Verdana Pro Cond SemiBold"/>
+                <a:ea typeface="+mn-ea"/>
+                <a:cs typeface="+mn-cs"/>
+              </a:rPr>
+              <a:pPr marL="0" marR="0" lvl="0" indent="0" algn="r" defTabSz="914400" rtl="0" eaLnBrk="1" fontAlgn="auto" latinLnBrk="0" hangingPunct="1">
+                <a:lnSpc>
+                  <a:spcPct val="100000"/>
+                </a:lnSpc>
+                <a:spcBef>
+                  <a:spcPts val="0"/>
+                </a:spcBef>
+                <a:spcAft>
+                  <a:spcPts val="0"/>
+                </a:spcAft>
+                <a:buClrTx/>
+                <a:buSzTx/>
+                <a:buFontTx/>
+                <a:buNone/>
+                <a:tabLst/>
+                <a:defRPr/>
+              </a:pPr>
+              <a:t>9</a:t>
+            </a:fld>
+            <a:endParaRPr kumimoji="0" lang="en-US" sz="3600" b="0" i="0" u="none" strike="noStrike" kern="1200" cap="none" spc="0" normalizeH="0" baseline="0" noProof="0" dirty="0">
+              <a:ln>
+                <a:noFill/>
+              </a:ln>
+              <a:solidFill>
+                <a:srgbClr val="FFFFFF"/>
+              </a:solidFill>
+              <a:effectLst/>
+              <a:uLnTx/>
+              <a:uFillTx/>
+              <a:latin typeface="Verdana Pro Cond SemiBold"/>
+              <a:ea typeface="+mn-ea"/>
+              <a:cs typeface="+mn-cs"/>
+            </a:endParaRPr>
+          </a:p>
+        </p:txBody>
+      </p:sp>
+      <p:pic>
+        <p:nvPicPr>
+          <p:cNvPr id="10" name="Immagine 9" descr="Immagine che contiene pavimento, interni, edificio, piastrellato&#10;&#10;Descrizione generata automaticamente">
+            <a:extLst>
+              <a:ext uri="{FF2B5EF4-FFF2-40B4-BE49-F238E27FC236}">
+                <a16:creationId xmlns:a16="http://schemas.microsoft.com/office/drawing/2014/main" id="{58B3E37D-26A1-469C-B0E8-CAACDB1EE89C}"/>
+              </a:ext>
+            </a:extLst>
+          </p:cNvPr>
+          <p:cNvPicPr>
+            <a:picLocks noChangeAspect="1"/>
+          </p:cNvPicPr>
+          <p:nvPr/>
+        </p:nvPicPr>
+        <p:blipFill>
+          <a:blip r:embed="rId2">
+            <a:extLst>
+              <a:ext uri="{28A0092B-C50C-407E-A947-70E740481C1C}">
+                <a14:useLocalDpi xmlns:a14="http://schemas.microsoft.com/office/drawing/2010/main" val="0"/>
+              </a:ext>
+            </a:extLst>
+          </a:blip>
+          <a:stretch>
+            <a:fillRect/>
+          </a:stretch>
+        </p:blipFill>
+        <p:spPr>
+          <a:xfrm>
+            <a:off x="6993465" y="2250338"/>
+            <a:ext cx="4572001" cy="2571751"/>
+          </a:xfrm>
+          <a:prstGeom prst="rect">
+            <a:avLst/>
+          </a:prstGeom>
+        </p:spPr>
+      </p:pic>
+      <p:pic>
+        <p:nvPicPr>
+          <p:cNvPr id="11" name="Immagine 10" descr="Immagine che contiene pavimento, interni&#10;&#10;Descrizione generata automaticamente">
+            <a:extLst>
+              <a:ext uri="{FF2B5EF4-FFF2-40B4-BE49-F238E27FC236}">
+                <a16:creationId xmlns:a16="http://schemas.microsoft.com/office/drawing/2014/main" id="{E2140D2D-DEBA-4F41-AB9D-577CAB83314A}"/>
+              </a:ext>
+            </a:extLst>
+          </p:cNvPr>
+          <p:cNvPicPr>
+            <a:picLocks noChangeAspect="1"/>
+          </p:cNvPicPr>
+          <p:nvPr/>
+        </p:nvPicPr>
+        <p:blipFill>
+          <a:blip r:embed="rId3">
+            <a:extLst>
+              <a:ext uri="{28A0092B-C50C-407E-A947-70E740481C1C}">
+                <a14:useLocalDpi xmlns:a14="http://schemas.microsoft.com/office/drawing/2010/main" val="0"/>
+              </a:ext>
+            </a:extLst>
+          </a:blip>
+          <a:stretch>
+            <a:fillRect/>
+          </a:stretch>
+        </p:blipFill>
+        <p:spPr>
+          <a:xfrm>
+            <a:off x="3365499" y="4060914"/>
+            <a:ext cx="4572001" cy="2571750"/>
+          </a:xfrm>
+          <a:prstGeom prst="rect">
+            <a:avLst/>
+          </a:prstGeom>
+        </p:spPr>
+      </p:pic>
+      <p:pic>
+        <p:nvPicPr>
+          <p:cNvPr id="12" name="Immagine 11" descr="Immagine che contiene persona, colorato&#10;&#10;Descrizione generata automaticamente">
+            <a:extLst>
+              <a:ext uri="{FF2B5EF4-FFF2-40B4-BE49-F238E27FC236}">
+                <a16:creationId xmlns:a16="http://schemas.microsoft.com/office/drawing/2014/main" id="{016F30CC-A77D-4B45-B386-31C0F1A4472E}"/>
+              </a:ext>
+            </a:extLst>
+          </p:cNvPr>
+          <p:cNvPicPr>
+            <a:picLocks noChangeAspect="1"/>
+          </p:cNvPicPr>
+          <p:nvPr/>
+        </p:nvPicPr>
+        <p:blipFill>
+          <a:blip r:embed="rId4">
+            <a:extLst>
+              <a:ext uri="{28A0092B-C50C-407E-A947-70E740481C1C}">
+                <a14:useLocalDpi xmlns:a14="http://schemas.microsoft.com/office/drawing/2010/main" val="0"/>
+              </a:ext>
+            </a:extLst>
+          </a:blip>
+          <a:stretch>
+            <a:fillRect/>
+          </a:stretch>
+        </p:blipFill>
+        <p:spPr>
+          <a:xfrm>
+            <a:off x="262467" y="2387557"/>
+            <a:ext cx="4047066" cy="2624269"/>
+          </a:xfrm>
+          <a:prstGeom prst="rect">
+            <a:avLst/>
+          </a:prstGeom>
+        </p:spPr>
+      </p:pic>
+    </p:spTree>
+    <p:extLst>
+      <p:ext uri="{BB962C8B-B14F-4D97-AF65-F5344CB8AC3E}">
+        <p14:creationId xmlns:p14="http://schemas.microsoft.com/office/powerpoint/2010/main" val="4288181561"/>
       </p:ext>
     </p:extLst>
   </p:cSld>
@@ -4763,4 +9714,299 @@
     </a:ext>
   </a:extLst>
 </a:theme>
+</file>
+
+<file path=ppt/theme/theme2.xml><?xml version="1.0" encoding="utf-8"?>
+<a:theme xmlns:a="http://schemas.openxmlformats.org/drawingml/2006/main" name="Tema di Office">
+  <a:themeElements>
+    <a:clrScheme name="Office">
+      <a:dk1>
+        <a:sysClr val="windowText" lastClr="000000"/>
+      </a:dk1>
+      <a:lt1>
+        <a:sysClr val="window" lastClr="FFFFFF"/>
+      </a:lt1>
+      <a:dk2>
+        <a:srgbClr val="44546A"/>
+      </a:dk2>
+      <a:lt2>
+        <a:srgbClr val="E7E6E6"/>
+      </a:lt2>
+      <a:accent1>
+        <a:srgbClr val="4472C4"/>
+      </a:accent1>
+      <a:accent2>
+        <a:srgbClr val="ED7D31"/>
+      </a:accent2>
+      <a:accent3>
+        <a:srgbClr val="A5A5A5"/>
+      </a:accent3>
+      <a:accent4>
+        <a:srgbClr val="FFC000"/>
+      </a:accent4>
+      <a:accent5>
+        <a:srgbClr val="5B9BD5"/>
+      </a:accent5>
+      <a:accent6>
+        <a:srgbClr val="70AD47"/>
+      </a:accent6>
+      <a:hlink>
+        <a:srgbClr val="0563C1"/>
+      </a:hlink>
+      <a:folHlink>
+        <a:srgbClr val="954F72"/>
+      </a:folHlink>
+    </a:clrScheme>
+    <a:fontScheme name="Office">
+      <a:majorFont>
+        <a:latin typeface="Calibri Light" panose="020F0302020204030204"/>
+        <a:ea typeface=""/>
+        <a:cs typeface=""/>
+        <a:font script="Jpan" typeface="游ゴシック Light"/>
+        <a:font script="Hang" typeface="맑은 고딕"/>
+        <a:font script="Hans" typeface="等线 Light"/>
+        <a:font script="Hant" typeface="新細明體"/>
+        <a:font script="Arab" typeface="Times New Roman"/>
+        <a:font script="Hebr" typeface="Times New Roman"/>
+        <a:font script="Thai" typeface="Angsana New"/>
+        <a:font script="Ethi" typeface="Nyala"/>
+        <a:font script="Beng" typeface="Vrinda"/>
+        <a:font script="Gujr" typeface="Shruti"/>
+        <a:font script="Khmr" typeface="MoolBoran"/>
+        <a:font script="Knda" typeface="Tunga"/>
+        <a:font script="Guru" typeface="Raavi"/>
+        <a:font script="Cans" typeface="Euphemia"/>
+        <a:font script="Cher" typeface="Plantagenet Cherokee"/>
+        <a:font script="Yiii" typeface="Microsoft Yi Baiti"/>
+        <a:font script="Tibt" typeface="Microsoft Himalaya"/>
+        <a:font script="Thaa" typeface="MV Boli"/>
+        <a:font script="Deva" typeface="Mangal"/>
+        <a:font script="Telu" typeface="Gautami"/>
+        <a:font script="Taml" typeface="Latha"/>
+        <a:font script="Syrc" typeface="Estrangelo Edessa"/>
+        <a:font script="Orya" typeface="Kalinga"/>
+        <a:font script="Mlym" typeface="Kartika"/>
+        <a:font script="Laoo" typeface="DokChampa"/>
+        <a:font script="Sinh" typeface="Iskoola Pota"/>
+        <a:font script="Mong" typeface="Mongolian Baiti"/>
+        <a:font script="Viet" typeface="Times New Roman"/>
+        <a:font script="Uigh" typeface="Microsoft Uighur"/>
+        <a:font script="Geor" typeface="Sylfaen"/>
+        <a:font script="Armn" typeface="Arial"/>
+        <a:font script="Bugi" typeface="Leelawadee UI"/>
+        <a:font script="Bopo" typeface="Microsoft JhengHei"/>
+        <a:font script="Java" typeface="Javanese Text"/>
+        <a:font script="Lisu" typeface="Segoe UI"/>
+        <a:font script="Mymr" typeface="Myanmar Text"/>
+        <a:font script="Nkoo" typeface="Ebrima"/>
+        <a:font script="Olck" typeface="Nirmala UI"/>
+        <a:font script="Osma" typeface="Ebrima"/>
+        <a:font script="Phag" typeface="Phagspa"/>
+        <a:font script="Syrn" typeface="Estrangelo Edessa"/>
+        <a:font script="Syrj" typeface="Estrangelo Edessa"/>
+        <a:font script="Syre" typeface="Estrangelo Edessa"/>
+        <a:font script="Sora" typeface="Nirmala UI"/>
+        <a:font script="Tale" typeface="Microsoft Tai Le"/>
+        <a:font script="Talu" typeface="Microsoft New Tai Lue"/>
+        <a:font script="Tfng" typeface="Ebrima"/>
+      </a:majorFont>
+      <a:minorFont>
+        <a:latin typeface="Calibri" panose="020F0502020204030204"/>
+        <a:ea typeface=""/>
+        <a:cs typeface=""/>
+        <a:font script="Jpan" typeface="游ゴシック"/>
+        <a:font script="Hang" typeface="맑은 고딕"/>
+        <a:font script="Hans" typeface="等线"/>
+        <a:font script="Hant" typeface="新細明體"/>
+        <a:font script="Arab" typeface="Arial"/>
+        <a:font script="Hebr" typeface="Arial"/>
+        <a:font script="Thai" typeface="Cordia New"/>
+        <a:font script="Ethi" typeface="Nyala"/>
+        <a:font script="Beng" typeface="Vrinda"/>
+        <a:font script="Gujr" typeface="Shruti"/>
+        <a:font script="Khmr" typeface="DaunPenh"/>
+        <a:font script="Knda" typeface="Tunga"/>
+        <a:font script="Guru" typeface="Raavi"/>
+        <a:font script="Cans" typeface="Euphemia"/>
+        <a:font script="Cher" typeface="Plantagenet Cherokee"/>
+        <a:font script="Yiii" typeface="Microsoft Yi Baiti"/>
+        <a:font script="Tibt" typeface="Microsoft Himalaya"/>
+        <a:font script="Thaa" typeface="MV Boli"/>
+        <a:font script="Deva" typeface="Mangal"/>
+        <a:font script="Telu" typeface="Gautami"/>
+        <a:font script="Taml" typeface="Latha"/>
+        <a:font script="Syrc" typeface="Estrangelo Edessa"/>
+        <a:font script="Orya" typeface="Kalinga"/>
+        <a:font script="Mlym" typeface="Kartika"/>
+        <a:font script="Laoo" typeface="DokChampa"/>
+        <a:font script="Sinh" typeface="Iskoola Pota"/>
+        <a:font script="Mong" typeface="Mongolian Baiti"/>
+        <a:font script="Viet" typeface="Arial"/>
+        <a:font script="Uigh" typeface="Microsoft Uighur"/>
+        <a:font script="Geor" typeface="Sylfaen"/>
+        <a:font script="Armn" typeface="Arial"/>
+        <a:font script="Bugi" typeface="Leelawadee UI"/>
+        <a:font script="Bopo" typeface="Microsoft JhengHei"/>
+        <a:font script="Java" typeface="Javanese Text"/>
+        <a:font script="Lisu" typeface="Segoe UI"/>
+        <a:font script="Mymr" typeface="Myanmar Text"/>
+        <a:font script="Nkoo" typeface="Ebrima"/>
+        <a:font script="Olck" typeface="Nirmala UI"/>
+        <a:font script="Osma" typeface="Ebrima"/>
+        <a:font script="Phag" typeface="Phagspa"/>
+        <a:font script="Syrn" typeface="Estrangelo Edessa"/>
+        <a:font script="Syrj" typeface="Estrangelo Edessa"/>
+        <a:font script="Syre" typeface="Estrangelo Edessa"/>
+        <a:font script="Sora" typeface="Nirmala UI"/>
+        <a:font script="Tale" typeface="Microsoft Tai Le"/>
+        <a:font script="Talu" typeface="Microsoft New Tai Lue"/>
+        <a:font script="Tfng" typeface="Ebrima"/>
+      </a:minorFont>
+    </a:fontScheme>
+    <a:fmtScheme name="Office">
+      <a:fillStyleLst>
+        <a:solidFill>
+          <a:schemeClr val="phClr"/>
+        </a:solidFill>
+        <a:gradFill rotWithShape="1">
+          <a:gsLst>
+            <a:gs pos="0">
+              <a:schemeClr val="phClr">
+                <a:lumMod val="110000"/>
+                <a:satMod val="105000"/>
+                <a:tint val="67000"/>
+              </a:schemeClr>
+            </a:gs>
+            <a:gs pos="50000">
+              <a:schemeClr val="phClr">
+                <a:lumMod val="105000"/>
+                <a:satMod val="103000"/>
+                <a:tint val="73000"/>
+              </a:schemeClr>
+            </a:gs>
+            <a:gs pos="100000">
+              <a:schemeClr val="phClr">
+                <a:lumMod val="105000"/>
+                <a:satMod val="109000"/>
+                <a:tint val="81000"/>
+              </a:schemeClr>
+            </a:gs>
+          </a:gsLst>
+          <a:lin ang="5400000" scaled="0"/>
+        </a:gradFill>
+        <a:gradFill rotWithShape="1">
+          <a:gsLst>
+            <a:gs pos="0">
+              <a:schemeClr val="phClr">
+                <a:satMod val="103000"/>
+                <a:lumMod val="102000"/>
+                <a:tint val="94000"/>
+              </a:schemeClr>
+            </a:gs>
+            <a:gs pos="50000">
+              <a:schemeClr val="phClr">
+                <a:satMod val="110000"/>
+                <a:lumMod val="100000"/>
+                <a:shade val="100000"/>
+              </a:schemeClr>
+            </a:gs>
+            <a:gs pos="100000">
+              <a:schemeClr val="phClr">
+                <a:lumMod val="99000"/>
+                <a:satMod val="120000"/>
+                <a:shade val="78000"/>
+              </a:schemeClr>
+            </a:gs>
+          </a:gsLst>
+          <a:lin ang="5400000" scaled="0"/>
+        </a:gradFill>
+      </a:fillStyleLst>
+      <a:lnStyleLst>
+        <a:ln w="6350" cap="flat" cmpd="sng" algn="ctr">
+          <a:solidFill>
+            <a:schemeClr val="phClr"/>
+          </a:solidFill>
+          <a:prstDash val="solid"/>
+          <a:miter lim="800000"/>
+        </a:ln>
+        <a:ln w="12700" cap="flat" cmpd="sng" algn="ctr">
+          <a:solidFill>
+            <a:schemeClr val="phClr"/>
+          </a:solidFill>
+          <a:prstDash val="solid"/>
+          <a:miter lim="800000"/>
+        </a:ln>
+        <a:ln w="19050" cap="flat" cmpd="sng" algn="ctr">
+          <a:solidFill>
+            <a:schemeClr val="phClr"/>
+          </a:solidFill>
+          <a:prstDash val="solid"/>
+          <a:miter lim="800000"/>
+        </a:ln>
+      </a:lnStyleLst>
+      <a:effectStyleLst>
+        <a:effectStyle>
+          <a:effectLst/>
+        </a:effectStyle>
+        <a:effectStyle>
+          <a:effectLst/>
+        </a:effectStyle>
+        <a:effectStyle>
+          <a:effectLst>
+            <a:outerShdw blurRad="57150" dist="19050" dir="5400000" algn="ctr" rotWithShape="0">
+              <a:srgbClr val="000000">
+                <a:alpha val="63000"/>
+              </a:srgbClr>
+            </a:outerShdw>
+          </a:effectLst>
+        </a:effectStyle>
+      </a:effectStyleLst>
+      <a:bgFillStyleLst>
+        <a:solidFill>
+          <a:schemeClr val="phClr"/>
+        </a:solidFill>
+        <a:solidFill>
+          <a:schemeClr val="phClr">
+            <a:tint val="95000"/>
+            <a:satMod val="170000"/>
+          </a:schemeClr>
+        </a:solidFill>
+        <a:gradFill rotWithShape="1">
+          <a:gsLst>
+            <a:gs pos="0">
+              <a:schemeClr val="phClr">
+                <a:tint val="93000"/>
+                <a:satMod val="150000"/>
+                <a:shade val="98000"/>
+                <a:lumMod val="102000"/>
+              </a:schemeClr>
+            </a:gs>
+            <a:gs pos="50000">
+              <a:schemeClr val="phClr">
+                <a:tint val="98000"/>
+                <a:satMod val="130000"/>
+                <a:shade val="90000"/>
+                <a:lumMod val="103000"/>
+              </a:schemeClr>
+            </a:gs>
+            <a:gs pos="100000">
+              <a:schemeClr val="phClr">
+                <a:shade val="63000"/>
+                <a:satMod val="120000"/>
+              </a:schemeClr>
+            </a:gs>
+          </a:gsLst>
+          <a:lin ang="5400000" scaled="0"/>
+        </a:gradFill>
+      </a:bgFillStyleLst>
+    </a:fmtScheme>
+  </a:themeElements>
+  <a:objectDefaults/>
+  <a:extraClrSchemeLst/>
+  <a:extLst>
+    <a:ext uri="{05A4C25C-085E-4340-85A3-A5531E510DB2}">
+      <thm15:themeFamily xmlns:thm15="http://schemas.microsoft.com/office/thememl/2012/main" name="Office Theme" id="{62F939B6-93AF-4DB8-9C6B-D6C7DFDC589F}" vid="{4A3C46E8-61CC-4603-A589-7422A47A8E4A}"/>
+    </a:ext>
+  </a:extLst>
+</a:theme>
 </file>
--- a/Presentazione.pptx
+++ b/Presentazione.pptx
@@ -221,7 +221,7 @@
           <a:p>
             <a:fld id="{D62E0E92-620B-48BA-B70C-9AD2F1AE0B02}" type="datetimeFigureOut">
               <a:rPr lang="it-IT" smtClean="0"/>
-              <a:t>11/11/2021</a:t>
+              <a:t>13/11/2021</a:t>
             </a:fld>
             <a:endParaRPr lang="it-IT"/>
           </a:p>
@@ -637,7 +637,7 @@
           <a:p>
             <a:fld id="{99327CAC-D07F-4375-87D3-274161A65017}" type="datetime1">
               <a:rPr lang="it-IT" smtClean="0"/>
-              <a:t>11/11/2021</a:t>
+              <a:t>13/11/2021</a:t>
             </a:fld>
             <a:endParaRPr lang="en-US"/>
           </a:p>
@@ -849,7 +849,7 @@
           <a:p>
             <a:fld id="{51AC3528-80E1-40F5-8488-35F0BAB45D0E}" type="datetime1">
               <a:rPr lang="it-IT" smtClean="0"/>
-              <a:t>11/11/2021</a:t>
+              <a:t>13/11/2021</a:t>
             </a:fld>
             <a:endParaRPr lang="en-US"/>
           </a:p>
@@ -1060,7 +1060,7 @@
           <a:p>
             <a:fld id="{999C57C1-E281-4B39-A555-1C7F2E300E57}" type="datetime1">
               <a:rPr lang="it-IT" smtClean="0"/>
-              <a:t>11/11/2021</a:t>
+              <a:t>13/11/2021</a:t>
             </a:fld>
             <a:endParaRPr lang="en-US"/>
           </a:p>
@@ -1261,7 +1261,7 @@
           <a:p>
             <a:fld id="{96195510-5B22-4857-83F8-196A83FBB0FB}" type="datetime1">
               <a:rPr lang="it-IT" smtClean="0"/>
-              <a:t>11/11/2021</a:t>
+              <a:t>13/11/2021</a:t>
             </a:fld>
             <a:endParaRPr lang="en-US"/>
           </a:p>
@@ -1540,7 +1540,7 @@
           <a:p>
             <a:fld id="{78209844-9054-44E2-88A2-9A387D6F4287}" type="datetime1">
               <a:rPr lang="it-IT" smtClean="0"/>
-              <a:t>11/11/2021</a:t>
+              <a:t>13/11/2021</a:t>
             </a:fld>
             <a:endParaRPr lang="en-US"/>
           </a:p>
@@ -1815,7 +1815,7 @@
           <a:p>
             <a:fld id="{C5BF11B8-AC7D-4793-8EA8-2BED87C88F46}" type="datetime1">
               <a:rPr lang="it-IT" smtClean="0"/>
-              <a:t>11/11/2021</a:t>
+              <a:t>13/11/2021</a:t>
             </a:fld>
             <a:endParaRPr lang="en-US"/>
           </a:p>
@@ -2233,7 +2233,7 @@
           <a:p>
             <a:fld id="{0D8D95D6-2200-4E54-9E4C-6F5B3A84886A}" type="datetime1">
               <a:rPr lang="it-IT" smtClean="0"/>
-              <a:t>11/11/2021</a:t>
+              <a:t>13/11/2021</a:t>
             </a:fld>
             <a:endParaRPr lang="en-US"/>
           </a:p>
@@ -2383,7 +2383,7 @@
           <a:p>
             <a:fld id="{868694B6-E987-4B97-AD9A-D39CF7EFD086}" type="datetime1">
               <a:rPr lang="it-IT" smtClean="0"/>
-              <a:t>11/11/2021</a:t>
+              <a:t>13/11/2021</a:t>
             </a:fld>
             <a:endParaRPr lang="en-US"/>
           </a:p>
@@ -2499,7 +2499,7 @@
           <a:p>
             <a:fld id="{045A6181-2606-4AA7-989B-FE6B921ADE57}" type="datetime1">
               <a:rPr lang="it-IT" smtClean="0"/>
-              <a:t>11/11/2021</a:t>
+              <a:t>13/11/2021</a:t>
             </a:fld>
             <a:endParaRPr lang="en-US"/>
           </a:p>
@@ -2814,7 +2814,7 @@
           <a:p>
             <a:fld id="{159002DC-5226-43C0-B7F7-F36643C6C226}" type="datetime1">
               <a:rPr lang="it-IT" smtClean="0"/>
-              <a:t>11/11/2021</a:t>
+              <a:t>13/11/2021</a:t>
             </a:fld>
             <a:endParaRPr lang="en-US"/>
           </a:p>
@@ -3108,7 +3108,7 @@
           <a:p>
             <a:fld id="{536DD7B1-67C3-470E-AB26-E97772E8B11C}" type="datetime1">
               <a:rPr lang="it-IT" smtClean="0"/>
-              <a:t>11/11/2021</a:t>
+              <a:t>13/11/2021</a:t>
             </a:fld>
             <a:endParaRPr lang="en-US"/>
           </a:p>
@@ -3352,7 +3352,7 @@
           <a:p>
             <a:fld id="{A31D3A21-AE62-40E6-929E-02B5E55AC6C2}" type="datetime1">
               <a:rPr lang="it-IT" smtClean="0"/>
-              <a:t>11/11/2021</a:t>
+              <a:t>13/11/2021</a:t>
             </a:fld>
             <a:endParaRPr lang="en-US" dirty="0"/>
           </a:p>
@@ -3826,7 +3826,7 @@
           <a:p>
             <a:pPr algn="l"/>
             <a:r>
-              <a:rPr lang="it-IT" sz="4800" dirty="0">
+              <a:rPr lang="it-IT" sz="5400" dirty="0">
                 <a:solidFill>
                   <a:srgbClr val="FFFFFF"/>
                 </a:solidFill>
@@ -3840,14 +3840,11 @@
                 </a:solidFill>
               </a:rPr>
             </a:br>
-            <a:r>
-              <a:rPr lang="it-IT" sz="4800" dirty="0">
-                <a:solidFill>
-                  <a:srgbClr val="FFFFFF"/>
-                </a:solidFill>
-              </a:rPr>
-              <a:t>Privacy nel 21° secolo</a:t>
-            </a:r>
+            <a:endParaRPr lang="it-IT" sz="4800" dirty="0">
+              <a:solidFill>
+                <a:srgbClr val="FFFFFF"/>
+              </a:solidFill>
+            </a:endParaRPr>
           </a:p>
         </p:txBody>
       </p:sp>
@@ -3905,13 +3902,29 @@
           <a:p>
             <a:pPr algn="l"/>
             <a:r>
+              <a:rPr lang="it-IT">
+                <a:solidFill>
+                  <a:srgbClr val="FFFFFF"/>
+                </a:solidFill>
+              </a:rPr>
+              <a:t>Co-relatori</a:t>
+            </a:r>
+            <a:r>
               <a:rPr lang="it-IT" dirty="0">
                 <a:solidFill>
                   <a:srgbClr val="FFFFFF"/>
                 </a:solidFill>
               </a:rPr>
-              <a:t>Correlatore: Alessio Mingozzi</a:t>
-            </a:r>
+              <a:t>: Alessio Mingozzi, Filippo Aleotti, Matteo Poggi</a:t>
+            </a:r>
+          </a:p>
+          <a:p>
+            <a:pPr algn="l"/>
+            <a:endParaRPr lang="it-IT" dirty="0">
+              <a:solidFill>
+                <a:srgbClr val="FFFFFF"/>
+              </a:solidFill>
+            </a:endParaRPr>
           </a:p>
         </p:txBody>
       </p:sp>
@@ -3938,7 +3951,7 @@
           <a:p>
             <a:fld id="{008DE197-ECA9-4A18-B8F0-70B4B45B1EAE}" type="datetime1">
               <a:rPr lang="it-IT" smtClean="0"/>
-              <a:t>11/11/2021</a:t>
+              <a:t>13/11/2021</a:t>
             </a:fld>
             <a:endParaRPr lang="en-US"/>
           </a:p>
@@ -4246,7 +4259,7 @@
                 <a:tabLst/>
                 <a:defRPr/>
               </a:pPr>
-              <a:t>11/11/2021</a:t>
+              <a:t>13/11/2021</a:t>
             </a:fld>
             <a:endParaRPr kumimoji="0" lang="en-US" sz="900" b="0" i="0" u="none" strike="noStrike" kern="1200" cap="none" spc="0" normalizeH="0" baseline="0" noProof="0">
               <a:ln>
@@ -4970,7 +4983,7 @@
                 <a:tabLst/>
                 <a:defRPr/>
               </a:pPr>
-              <a:t>11/11/2021</a:t>
+              <a:t>13/11/2021</a:t>
             </a:fld>
             <a:endParaRPr kumimoji="0" lang="en-US" sz="900" b="0" i="0" u="none" strike="noStrike" kern="1200" cap="none" spc="0" normalizeH="0" baseline="0" noProof="0">
               <a:ln>
@@ -5374,7 +5387,7 @@
                 <a:tabLst/>
                 <a:defRPr/>
               </a:pPr>
-              <a:t>11/11/2021</a:t>
+              <a:t>13/11/2021</a:t>
             </a:fld>
             <a:endParaRPr kumimoji="0" lang="en-US" sz="900" b="0" i="0" u="none" strike="noStrike" kern="1200" cap="none" spc="0" normalizeH="0" baseline="0" noProof="0">
               <a:ln>
@@ -5739,7 +5752,7 @@
                 <a:tabLst/>
                 <a:defRPr/>
               </a:pPr>
-              <a:t>11/11/2021</a:t>
+              <a:t>13/11/2021</a:t>
             </a:fld>
             <a:endParaRPr kumimoji="0" lang="en-US" sz="900" b="0" i="0" u="none" strike="noStrike" kern="1200" cap="none" spc="0" normalizeH="0" baseline="0" noProof="0">
               <a:ln>
@@ -6117,7 +6130,7 @@
           <a:p>
             <a:fld id="{EACE4ECE-4589-4666-B199-0F3643ABD5A2}" type="datetime1">
               <a:rPr lang="it-IT" smtClean="0"/>
-              <a:t>11/11/2021</a:t>
+              <a:t>13/11/2021</a:t>
             </a:fld>
             <a:endParaRPr lang="en-US"/>
           </a:p>
@@ -6408,7 +6421,7 @@
           <a:p>
             <a:fld id="{5997E0D3-1F6C-4EF7-9F59-B91FC5FC725C}" type="datetime1">
               <a:rPr lang="it-IT" smtClean="0"/>
-              <a:t>11/11/2021</a:t>
+              <a:t>13/11/2021</a:t>
             </a:fld>
             <a:endParaRPr lang="en-US"/>
           </a:p>
@@ -6949,7 +6962,7 @@
           <a:p>
             <a:fld id="{2A5B21BD-8DF6-414C-96B9-8D34CEEC0A3D}" type="datetime1">
               <a:rPr lang="it-IT" smtClean="0"/>
-              <a:t>11/11/2021</a:t>
+              <a:t>13/11/2021</a:t>
             </a:fld>
             <a:endParaRPr lang="en-US"/>
           </a:p>
@@ -7179,7 +7192,7 @@
           <a:p>
             <a:fld id="{E2B9554C-F726-43B4-AA11-83BC98311E77}" type="datetime1">
               <a:rPr lang="it-IT" smtClean="0"/>
-              <a:t>11/11/2021</a:t>
+              <a:t>13/11/2021</a:t>
             </a:fld>
             <a:endParaRPr lang="en-US"/>
           </a:p>
@@ -7453,7 +7466,7 @@
                 <a:tabLst/>
                 <a:defRPr/>
               </a:pPr>
-              <a:t>11/11/2021</a:t>
+              <a:t>13/11/2021</a:t>
             </a:fld>
             <a:endParaRPr kumimoji="0" lang="en-US" sz="900" b="0" i="0" u="none" strike="noStrike" kern="1200" cap="none" spc="0" normalizeH="0" baseline="0" noProof="0">
               <a:ln>
@@ -8066,7 +8079,7 @@
                 <a:tabLst/>
                 <a:defRPr/>
               </a:pPr>
-              <a:t>11/11/2021</a:t>
+              <a:t>13/11/2021</a:t>
             </a:fld>
             <a:endParaRPr kumimoji="0" lang="en-US" sz="900" b="0" i="0" u="none" strike="noStrike" kern="1200" cap="none" spc="0" normalizeH="0" baseline="0" noProof="0">
               <a:ln>
@@ -8733,7 +8746,7 @@
                 <a:tabLst/>
                 <a:defRPr/>
               </a:pPr>
-              <a:t>11/11/2021</a:t>
+              <a:t>13/11/2021</a:t>
             </a:fld>
             <a:endParaRPr kumimoji="0" lang="en-US" sz="900" b="0" i="0" u="none" strike="noStrike" kern="1200" cap="none" spc="0" normalizeH="0" baseline="0" noProof="0">
               <a:ln>
@@ -9192,7 +9205,7 @@
                 <a:tabLst/>
                 <a:defRPr/>
               </a:pPr>
-              <a:t>11/11/2021</a:t>
+              <a:t>13/11/2021</a:t>
             </a:fld>
             <a:endParaRPr kumimoji="0" lang="en-US" sz="900" b="0" i="0" u="none" strike="noStrike" kern="1200" cap="none" spc="0" normalizeH="0" baseline="0" noProof="0">
               <a:ln>

--- a/Presentazione.pptx
+++ b/Presentazione.pptx
@@ -221,7 +221,7 @@
           <a:p>
             <a:fld id="{D62E0E92-620B-48BA-B70C-9AD2F1AE0B02}" type="datetimeFigureOut">
               <a:rPr lang="it-IT" smtClean="0"/>
-              <a:t>13/11/2021</a:t>
+              <a:t>16/11/2021</a:t>
             </a:fld>
             <a:endParaRPr lang="it-IT"/>
           </a:p>
@@ -637,7 +637,7 @@
           <a:p>
             <a:fld id="{99327CAC-D07F-4375-87D3-274161A65017}" type="datetime1">
               <a:rPr lang="it-IT" smtClean="0"/>
-              <a:t>13/11/2021</a:t>
+              <a:t>16/11/2021</a:t>
             </a:fld>
             <a:endParaRPr lang="en-US"/>
           </a:p>
@@ -849,7 +849,7 @@
           <a:p>
             <a:fld id="{51AC3528-80E1-40F5-8488-35F0BAB45D0E}" type="datetime1">
               <a:rPr lang="it-IT" smtClean="0"/>
-              <a:t>13/11/2021</a:t>
+              <a:t>16/11/2021</a:t>
             </a:fld>
             <a:endParaRPr lang="en-US"/>
           </a:p>
@@ -1060,7 +1060,7 @@
           <a:p>
             <a:fld id="{999C57C1-E281-4B39-A555-1C7F2E300E57}" type="datetime1">
               <a:rPr lang="it-IT" smtClean="0"/>
-              <a:t>13/11/2021</a:t>
+              <a:t>16/11/2021</a:t>
             </a:fld>
             <a:endParaRPr lang="en-US"/>
           </a:p>
@@ -1261,7 +1261,7 @@
           <a:p>
             <a:fld id="{96195510-5B22-4857-83F8-196A83FBB0FB}" type="datetime1">
               <a:rPr lang="it-IT" smtClean="0"/>
-              <a:t>13/11/2021</a:t>
+              <a:t>16/11/2021</a:t>
             </a:fld>
             <a:endParaRPr lang="en-US"/>
           </a:p>
@@ -1540,7 +1540,7 @@
           <a:p>
             <a:fld id="{78209844-9054-44E2-88A2-9A387D6F4287}" type="datetime1">
               <a:rPr lang="it-IT" smtClean="0"/>
-              <a:t>13/11/2021</a:t>
+              <a:t>16/11/2021</a:t>
             </a:fld>
             <a:endParaRPr lang="en-US"/>
           </a:p>
@@ -1815,7 +1815,7 @@
           <a:p>
             <a:fld id="{C5BF11B8-AC7D-4793-8EA8-2BED87C88F46}" type="datetime1">
               <a:rPr lang="it-IT" smtClean="0"/>
-              <a:t>13/11/2021</a:t>
+              <a:t>16/11/2021</a:t>
             </a:fld>
             <a:endParaRPr lang="en-US"/>
           </a:p>
@@ -2233,7 +2233,7 @@
           <a:p>
             <a:fld id="{0D8D95D6-2200-4E54-9E4C-6F5B3A84886A}" type="datetime1">
               <a:rPr lang="it-IT" smtClean="0"/>
-              <a:t>13/11/2021</a:t>
+              <a:t>16/11/2021</a:t>
             </a:fld>
             <a:endParaRPr lang="en-US"/>
           </a:p>
@@ -2383,7 +2383,7 @@
           <a:p>
             <a:fld id="{868694B6-E987-4B97-AD9A-D39CF7EFD086}" type="datetime1">
               <a:rPr lang="it-IT" smtClean="0"/>
-              <a:t>13/11/2021</a:t>
+              <a:t>16/11/2021</a:t>
             </a:fld>
             <a:endParaRPr lang="en-US"/>
           </a:p>
@@ -2499,7 +2499,7 @@
           <a:p>
             <a:fld id="{045A6181-2606-4AA7-989B-FE6B921ADE57}" type="datetime1">
               <a:rPr lang="it-IT" smtClean="0"/>
-              <a:t>13/11/2021</a:t>
+              <a:t>16/11/2021</a:t>
             </a:fld>
             <a:endParaRPr lang="en-US"/>
           </a:p>
@@ -2814,7 +2814,7 @@
           <a:p>
             <a:fld id="{159002DC-5226-43C0-B7F7-F36643C6C226}" type="datetime1">
               <a:rPr lang="it-IT" smtClean="0"/>
-              <a:t>13/11/2021</a:t>
+              <a:t>16/11/2021</a:t>
             </a:fld>
             <a:endParaRPr lang="en-US"/>
           </a:p>
@@ -3108,7 +3108,7 @@
           <a:p>
             <a:fld id="{536DD7B1-67C3-470E-AB26-E97772E8B11C}" type="datetime1">
               <a:rPr lang="it-IT" smtClean="0"/>
-              <a:t>13/11/2021</a:t>
+              <a:t>16/11/2021</a:t>
             </a:fld>
             <a:endParaRPr lang="en-US"/>
           </a:p>
@@ -3352,7 +3352,7 @@
           <a:p>
             <a:fld id="{A31D3A21-AE62-40E6-929E-02B5E55AC6C2}" type="datetime1">
               <a:rPr lang="it-IT" smtClean="0"/>
-              <a:t>13/11/2021</a:t>
+              <a:t>16/11/2021</a:t>
             </a:fld>
             <a:endParaRPr lang="en-US" dirty="0"/>
           </a:p>
@@ -3951,7 +3951,7 @@
           <a:p>
             <a:fld id="{008DE197-ECA9-4A18-B8F0-70B4B45B1EAE}" type="datetime1">
               <a:rPr lang="it-IT" smtClean="0"/>
-              <a:t>13/11/2021</a:t>
+              <a:t>16/11/2021</a:t>
             </a:fld>
             <a:endParaRPr lang="en-US"/>
           </a:p>
@@ -4136,51 +4136,58 @@
         </p:nvSpPr>
         <p:spPr>
           <a:xfrm>
-            <a:off x="761998" y="1540573"/>
-            <a:ext cx="10667998" cy="1386608"/>
+            <a:off x="761998" y="1540572"/>
+            <a:ext cx="10667998" cy="1499511"/>
           </a:xfrm>
         </p:spPr>
         <p:txBody>
           <a:bodyPr>
-            <a:normAutofit lnSpcReduction="10000"/>
+            <a:normAutofit/>
           </a:bodyPr>
           <a:lstStyle/>
           <a:p>
             <a:pPr algn="l"/>
             <a:r>
               <a:rPr lang="it-IT" dirty="0"/>
-              <a:t>Output con chiari errori e soluzione nel </a:t>
-            </a:r>
-            <a:r>
-              <a:rPr lang="it-IT" dirty="0" err="1"/>
-              <a:t>tweaking</a:t>
-            </a:r>
-            <a:r>
-              <a:rPr lang="it-IT" dirty="0"/>
-              <a:t> del </a:t>
-            </a:r>
-            <a:r>
-              <a:rPr lang="it-IT" dirty="0" err="1"/>
-              <a:t>threshold</a:t>
-            </a:r>
-            <a:r>
-              <a:rPr lang="it-IT" dirty="0"/>
-              <a:t> di rilevazione dei </a:t>
-            </a:r>
-            <a:r>
-              <a:rPr lang="it-IT" dirty="0" err="1"/>
-              <a:t>keypoints</a:t>
-            </a:r>
-            <a:r>
-              <a:rPr lang="it-IT" dirty="0"/>
-              <a:t>.</a:t>
+              <a:t>Output con chiari errori.</a:t>
             </a:r>
             <a:br>
               <a:rPr lang="it-IT" dirty="0"/>
             </a:br>
             <a:r>
               <a:rPr lang="it-IT" dirty="0"/>
-              <a:t>Bisogna trovare un middle ground e cercare l’output miglio per la questo tipo di applicazione.</a:t>
+              <a:t>La soluzione sta nel </a:t>
+            </a:r>
+            <a:r>
+              <a:rPr lang="it-IT" dirty="0" err="1"/>
+              <a:t>tweaking</a:t>
+            </a:r>
+            <a:r>
+              <a:rPr lang="it-IT" dirty="0"/>
+              <a:t> del </a:t>
+            </a:r>
+            <a:r>
+              <a:rPr lang="it-IT" dirty="0" err="1"/>
+              <a:t>threshold</a:t>
+            </a:r>
+            <a:r>
+              <a:rPr lang="it-IT" dirty="0"/>
+              <a:t> di rilevazione dei </a:t>
+            </a:r>
+            <a:r>
+              <a:rPr lang="it-IT" dirty="0" err="1"/>
+              <a:t>keypoints</a:t>
+            </a:r>
+            <a:r>
+              <a:rPr lang="it-IT" dirty="0"/>
+              <a:t>.</a:t>
+            </a:r>
+            <a:br>
+              <a:rPr lang="it-IT" dirty="0"/>
+            </a:br>
+            <a:r>
+              <a:rPr lang="it-IT" dirty="0"/>
+              <a:t>Middle ground tra falsi positivi e output corretto.</a:t>
             </a:r>
           </a:p>
           <a:p>
@@ -4259,7 +4266,7 @@
                 <a:tabLst/>
                 <a:defRPr/>
               </a:pPr>
-              <a:t>13/11/2021</a:t>
+              <a:t>16/11/2021</a:t>
             </a:fld>
             <a:endParaRPr kumimoji="0" lang="en-US" sz="900" b="0" i="0" u="none" strike="noStrike" kern="1200" cap="none" spc="0" normalizeH="0" baseline="0" noProof="0">
               <a:ln>
@@ -4489,8 +4496,8 @@
         </p:blipFill>
         <p:spPr>
           <a:xfrm>
-            <a:off x="5889819" y="3204180"/>
-            <a:ext cx="4995331" cy="2809874"/>
+            <a:off x="6095997" y="3204179"/>
+            <a:ext cx="4995333" cy="2809875"/>
           </a:xfrm>
           <a:prstGeom prst="rect">
             <a:avLst/>
@@ -4547,7 +4554,7 @@
         </p:nvSpPr>
         <p:spPr>
           <a:xfrm>
-            <a:off x="6311424" y="6135343"/>
+            <a:off x="6095997" y="6019850"/>
             <a:ext cx="1911302" cy="276999"/>
           </a:xfrm>
           <a:prstGeom prst="rect">
@@ -4567,7 +4574,7 @@
             </a:r>
             <a:r>
               <a:rPr lang="it-IT" sz="1200" dirty="0"/>
-              <a:t> 0.1</a:t>
+              <a:t>=0.1</a:t>
             </a:r>
           </a:p>
         </p:txBody>
@@ -4586,7 +4593,7 @@
         </p:nvSpPr>
         <p:spPr>
           <a:xfrm>
-            <a:off x="674916" y="6014055"/>
+            <a:off x="466688" y="6014054"/>
             <a:ext cx="1911302" cy="276999"/>
           </a:xfrm>
           <a:prstGeom prst="rect">
@@ -4606,7 +4613,7 @@
             </a:r>
             <a:r>
               <a:rPr lang="it-IT" sz="1200" dirty="0"/>
-              <a:t> 0.3</a:t>
+              <a:t>=0.3</a:t>
             </a:r>
           </a:p>
         </p:txBody>
@@ -4763,156 +4770,18 @@
             </a:r>
             <a:r>
               <a:rPr lang="it-IT" dirty="0"/>
-              <a:t>=0,18</a:t>
-            </a:r>
-          </a:p>
-        </p:txBody>
-      </p:sp>
-      <p:pic>
-        <p:nvPicPr>
-          <p:cNvPr id="5" name="Immagine 4" descr="Immagine che contiene testo&#10;&#10;Descrizione generata automaticamente">
-            <a:extLst>
-              <a:ext uri="{FF2B5EF4-FFF2-40B4-BE49-F238E27FC236}">
-                <a16:creationId xmlns:a16="http://schemas.microsoft.com/office/drawing/2014/main" id="{FD7DD103-0B6D-4542-BD4D-358FE22D7776}"/>
-              </a:ext>
-            </a:extLst>
-          </p:cNvPr>
-          <p:cNvPicPr>
-            <a:picLocks noChangeAspect="1"/>
-          </p:cNvPicPr>
-          <p:nvPr/>
-        </p:nvPicPr>
-        <p:blipFill>
-          <a:blip r:embed="rId2">
-            <a:extLst>
-              <a:ext uri="{28A0092B-C50C-407E-A947-70E740481C1C}">
-                <a14:useLocalDpi xmlns:a14="http://schemas.microsoft.com/office/drawing/2010/main" val="0"/>
-              </a:ext>
-            </a:extLst>
-          </a:blip>
-          <a:stretch>
-            <a:fillRect/>
-          </a:stretch>
-        </p:blipFill>
-        <p:spPr>
-          <a:xfrm>
-            <a:off x="465573" y="2982991"/>
-            <a:ext cx="5002579" cy="3243860"/>
-          </a:xfrm>
-          <a:prstGeom prst="rect">
-            <a:avLst/>
-          </a:prstGeom>
-        </p:spPr>
-      </p:pic>
-      <p:sp>
-        <p:nvSpPr>
-          <p:cNvPr id="6" name="Freccia a destra 5">
-            <a:extLst>
-              <a:ext uri="{FF2B5EF4-FFF2-40B4-BE49-F238E27FC236}">
-                <a16:creationId xmlns:a16="http://schemas.microsoft.com/office/drawing/2014/main" id="{E1FA45EF-4144-417A-BB47-D69CC36C9FAF}"/>
-              </a:ext>
-            </a:extLst>
-          </p:cNvPr>
-          <p:cNvSpPr/>
-          <p:nvPr/>
-        </p:nvSpPr>
-        <p:spPr>
-          <a:xfrm>
-            <a:off x="5518622" y="4179362"/>
-            <a:ext cx="1318161" cy="498764"/>
-          </a:xfrm>
-          <a:prstGeom prst="rightArrow">
-            <a:avLst/>
-          </a:prstGeom>
-          <a:ln/>
-        </p:spPr>
-        <p:style>
-          <a:lnRef idx="2">
-            <a:schemeClr val="accent3"/>
-          </a:lnRef>
-          <a:fillRef idx="1">
-            <a:schemeClr val="lt1"/>
-          </a:fillRef>
-          <a:effectRef idx="0">
-            <a:schemeClr val="accent3"/>
-          </a:effectRef>
-          <a:fontRef idx="minor">
-            <a:schemeClr val="dk1"/>
-          </a:fontRef>
-        </p:style>
-        <p:txBody>
-          <a:bodyPr rtlCol="0" anchor="ctr"/>
-          <a:lstStyle/>
-          <a:p>
-            <a:pPr marL="0" marR="0" lvl="0" indent="0" algn="ctr" defTabSz="914400" rtl="0" eaLnBrk="1" fontAlgn="auto" latinLnBrk="0" hangingPunct="1">
-              <a:lnSpc>
-                <a:spcPct val="100000"/>
-              </a:lnSpc>
-              <a:spcBef>
-                <a:spcPts val="0"/>
-              </a:spcBef>
-              <a:spcAft>
-                <a:spcPts val="0"/>
-              </a:spcAft>
-              <a:buClrTx/>
-              <a:buSzTx/>
-              <a:buFontTx/>
-              <a:buNone/>
-              <a:tabLst/>
-              <a:defRPr/>
-            </a:pPr>
-            <a:endParaRPr kumimoji="0" lang="it-IT" sz="1800" b="0" i="0" u="none" strike="noStrike" kern="1200" cap="none" spc="0" normalizeH="0" baseline="0" noProof="0">
-              <a:ln>
-                <a:noFill/>
-              </a:ln>
-              <a:solidFill>
-                <a:srgbClr val="000000"/>
-              </a:solidFill>
-              <a:effectLst/>
-              <a:uLnTx/>
-              <a:uFillTx/>
-              <a:latin typeface="Verdana Pro"/>
-              <a:ea typeface="+mn-ea"/>
-              <a:cs typeface="+mn-cs"/>
-            </a:endParaRPr>
-          </a:p>
-        </p:txBody>
-      </p:sp>
-      <p:pic>
-        <p:nvPicPr>
-          <p:cNvPr id="7" name="Immagine 6">
-            <a:extLst>
-              <a:ext uri="{FF2B5EF4-FFF2-40B4-BE49-F238E27FC236}">
-                <a16:creationId xmlns:a16="http://schemas.microsoft.com/office/drawing/2014/main" id="{4C2ACE04-0801-46BE-B077-285B032EAB4B}"/>
-              </a:ext>
-            </a:extLst>
-          </p:cNvPr>
-          <p:cNvPicPr>
-            <a:picLocks noChangeAspect="1"/>
-          </p:cNvPicPr>
-          <p:nvPr/>
-        </p:nvPicPr>
-        <p:blipFill>
-          <a:blip r:embed="rId3">
-            <a:extLst>
-              <a:ext uri="{28A0092B-C50C-407E-A947-70E740481C1C}">
-                <a14:useLocalDpi xmlns:a14="http://schemas.microsoft.com/office/drawing/2010/main" val="0"/>
-              </a:ext>
-            </a:extLst>
-          </a:blip>
-          <a:srcRect/>
-          <a:stretch/>
-        </p:blipFill>
-        <p:spPr>
-          <a:xfrm>
-            <a:off x="6937723" y="2982991"/>
-            <a:ext cx="5002579" cy="3243859"/>
-          </a:xfrm>
-          <a:prstGeom prst="rect">
-            <a:avLst/>
-          </a:prstGeom>
-        </p:spPr>
-      </p:pic>
+              <a:t>=0,18.</a:t>
+            </a:r>
+          </a:p>
+          <a:p>
+            <a:pPr algn="l"/>
+            <a:r>
+              <a:rPr lang="it-IT" dirty="0"/>
+              <a:t>Per mantenere la privacy, è stato preferito mantenere un maggior numero di falsi positivi.</a:t>
+            </a:r>
+          </a:p>
+        </p:txBody>
+      </p:sp>
       <p:sp>
         <p:nvSpPr>
           <p:cNvPr id="3" name="Segnaposto data 2">
@@ -4983,7 +4852,7 @@
                 <a:tabLst/>
                 <a:defRPr/>
               </a:pPr>
-              <a:t>13/11/2021</a:t>
+              <a:t>16/11/2021</a:t>
             </a:fld>
             <a:endParaRPr kumimoji="0" lang="en-US" sz="900" b="0" i="0" u="none" strike="noStrike" kern="1200" cap="none" spc="0" normalizeH="0" baseline="0" noProof="0">
               <a:ln>
@@ -5185,6 +5054,78 @@
           </a:p>
         </p:txBody>
       </p:sp>
+      <p:pic>
+        <p:nvPicPr>
+          <p:cNvPr id="13" name="Immagine 12" descr="Immagine che contiene pavimento, interni&#10;&#10;Descrizione generata automaticamente">
+            <a:extLst>
+              <a:ext uri="{FF2B5EF4-FFF2-40B4-BE49-F238E27FC236}">
+                <a16:creationId xmlns:a16="http://schemas.microsoft.com/office/drawing/2014/main" id="{0AC1C282-CE0D-4A94-B934-04F2ECA05013}"/>
+              </a:ext>
+            </a:extLst>
+          </p:cNvPr>
+          <p:cNvPicPr>
+            <a:picLocks noChangeAspect="1"/>
+          </p:cNvPicPr>
+          <p:nvPr/>
+        </p:nvPicPr>
+        <p:blipFill>
+          <a:blip r:embed="rId2">
+            <a:extLst>
+              <a:ext uri="{28A0092B-C50C-407E-A947-70E740481C1C}">
+                <a14:useLocalDpi xmlns:a14="http://schemas.microsoft.com/office/drawing/2010/main" val="0"/>
+              </a:ext>
+            </a:extLst>
+          </a:blip>
+          <a:stretch>
+            <a:fillRect/>
+          </a:stretch>
+        </p:blipFill>
+        <p:spPr>
+          <a:xfrm>
+            <a:off x="6832238" y="2926271"/>
+            <a:ext cx="4597758" cy="2586239"/>
+          </a:xfrm>
+          <a:prstGeom prst="rect">
+            <a:avLst/>
+          </a:prstGeom>
+        </p:spPr>
+      </p:pic>
+      <p:pic>
+        <p:nvPicPr>
+          <p:cNvPr id="11" name="Immagine 10" descr="Immagine che contiene pavimento, interni, edificio, piastrellato&#10;&#10;Descrizione generata automaticamente">
+            <a:extLst>
+              <a:ext uri="{FF2B5EF4-FFF2-40B4-BE49-F238E27FC236}">
+                <a16:creationId xmlns:a16="http://schemas.microsoft.com/office/drawing/2014/main" id="{48A9D838-F211-449A-B6E1-71370A55F99F}"/>
+              </a:ext>
+            </a:extLst>
+          </p:cNvPr>
+          <p:cNvPicPr>
+            <a:picLocks noChangeAspect="1"/>
+          </p:cNvPicPr>
+          <p:nvPr/>
+        </p:nvPicPr>
+        <p:blipFill>
+          <a:blip r:embed="rId3">
+            <a:extLst>
+              <a:ext uri="{28A0092B-C50C-407E-A947-70E740481C1C}">
+                <a14:useLocalDpi xmlns:a14="http://schemas.microsoft.com/office/drawing/2010/main" val="0"/>
+              </a:ext>
+            </a:extLst>
+          </a:blip>
+          <a:stretch>
+            <a:fillRect/>
+          </a:stretch>
+        </p:blipFill>
+        <p:spPr>
+          <a:xfrm>
+            <a:off x="762005" y="2926270"/>
+            <a:ext cx="4597758" cy="2586239"/>
+          </a:xfrm>
+          <a:prstGeom prst="rect">
+            <a:avLst/>
+          </a:prstGeom>
+        </p:spPr>
+      </p:pic>
     </p:spTree>
     <p:extLst>
       <p:ext uri="{BB962C8B-B14F-4D97-AF65-F5344CB8AC3E}">
@@ -5297,23 +5238,60 @@
         </p:nvSpPr>
         <p:spPr>
           <a:xfrm>
-            <a:off x="761998" y="2991421"/>
-            <a:ext cx="10667998" cy="2555939"/>
+            <a:off x="761998" y="1624519"/>
+            <a:ext cx="10667998" cy="3922841"/>
           </a:xfrm>
         </p:spPr>
         <p:txBody>
           <a:bodyPr/>
           <a:lstStyle/>
           <a:p>
-            <a:pPr algn="l"/>
+            <a:pPr marL="342900" indent="-342900" algn="l">
+              <a:buFontTx/>
+              <a:buChar char="-"/>
+            </a:pPr>
             <a:r>
               <a:rPr lang="it-IT" dirty="0"/>
-              <a:t>Conclusioni su questa applicazione e possibili utilizzi che questa potrebbe avere nel mercato.</a:t>
-            </a:r>
-          </a:p>
-          <a:p>
-            <a:pPr algn="l"/>
-            <a:endParaRPr lang="it-IT" dirty="0"/>
+              <a:t>Possibile utilizzo su sistemi mobili non in </a:t>
+            </a:r>
+            <a:r>
+              <a:rPr lang="it-IT" dirty="0" err="1"/>
+              <a:t>real</a:t>
+            </a:r>
+            <a:r>
+              <a:rPr lang="it-IT" dirty="0"/>
+              <a:t> time.</a:t>
+            </a:r>
+          </a:p>
+          <a:p>
+            <a:pPr marL="342900" indent="-342900" algn="l">
+              <a:buFontTx/>
+              <a:buChar char="-"/>
+            </a:pPr>
+            <a:r>
+              <a:rPr lang="it-IT" dirty="0"/>
+              <a:t>Possibile utilizzo nel post processing dei video.</a:t>
+            </a:r>
+          </a:p>
+          <a:p>
+            <a:pPr marL="342900" indent="-342900" algn="l">
+              <a:buFontTx/>
+              <a:buChar char="-"/>
+            </a:pPr>
+            <a:r>
+              <a:rPr lang="it-IT" dirty="0"/>
+              <a:t>Possibile ampliamento in ambito medico (studio dei movimenti corporei dei pazienti per diagnosi e ricerca).</a:t>
+            </a:r>
+          </a:p>
+          <a:p>
+            <a:pPr marL="342900" indent="-342900" algn="l">
+              <a:buFontTx/>
+              <a:buChar char="-"/>
+            </a:pPr>
+            <a:r>
+              <a:rPr lang="it-IT" dirty="0"/>
+              <a:t>Possibili migliorie si possono avere cambiando rete neurale o aumentando la potenza di calcolo della GPU.</a:t>
+            </a:r>
           </a:p>
         </p:txBody>
       </p:sp>
@@ -5387,7 +5365,7 @@
                 <a:tabLst/>
                 <a:defRPr/>
               </a:pPr>
-              <a:t>13/11/2021</a:t>
+              <a:t>16/11/2021</a:t>
             </a:fld>
             <a:endParaRPr kumimoji="0" lang="en-US" sz="900" b="0" i="0" u="none" strike="noStrike" kern="1200" cap="none" spc="0" normalizeH="0" baseline="0" noProof="0">
               <a:ln>
@@ -5752,7 +5730,7 @@
                 <a:tabLst/>
                 <a:defRPr/>
               </a:pPr>
-              <a:t>13/11/2021</a:t>
+              <a:t>16/11/2021</a:t>
             </a:fld>
             <a:endParaRPr kumimoji="0" lang="en-US" sz="900" b="0" i="0" u="none" strike="noStrike" kern="1200" cap="none" spc="0" normalizeH="0" baseline="0" noProof="0">
               <a:ln>
@@ -6066,8 +6044,8 @@
         </p:nvSpPr>
         <p:spPr>
           <a:xfrm>
-            <a:off x="761998" y="1540573"/>
-            <a:ext cx="10667998" cy="3007043"/>
+            <a:off x="761998" y="1540572"/>
+            <a:ext cx="10667998" cy="3939889"/>
           </a:xfrm>
         </p:spPr>
         <p:txBody>
@@ -6079,31 +6057,22 @@
             <a:pPr algn="l"/>
             <a:r>
               <a:rPr lang="it-IT" dirty="0"/>
-              <a:t>Creare un’applicazione che trovando la posa delle persone che oscurerà i volti per questioni di privacy.</a:t>
+              <a:t>-Applicazioni come navigatori o reti neurali per la guida autonoma si avvalgono di grandi quantità di immagini di strade e luoghi pubblici.</a:t>
             </a:r>
           </a:p>
           <a:p>
             <a:pPr algn="l"/>
-            <a:endParaRPr lang="it-IT" dirty="0"/>
+            <a:r>
+              <a:rPr lang="it-IT" dirty="0"/>
+              <a:t>-Il riconoscimento di persone all’interno di queste applicazioni può portare a sanzioni economiche e legali legate alla privacy.</a:t>
+            </a:r>
           </a:p>
           <a:p>
             <a:pPr algn="l"/>
             <a:r>
               <a:rPr lang="it-IT" dirty="0"/>
-              <a:t>Motivazione di questo problema (</a:t>
-            </a:r>
-            <a:r>
-              <a:rPr lang="it-IT" dirty="0" err="1"/>
-              <a:t>googleMaps</a:t>
-            </a:r>
-            <a:r>
-              <a:rPr lang="it-IT" dirty="0"/>
-              <a:t>, NN per la guida autonoma…)</a:t>
-            </a:r>
-          </a:p>
-          <a:p>
-            <a:pPr algn="l"/>
-            <a:endParaRPr lang="it-IT" dirty="0"/>
+              <a:t>-Per questi motivi è stata creata questa applicazione, che stima la posa delle persone, senza scoprirne l’identità, per poi coprirne il volto.</a:t>
+            </a:r>
           </a:p>
         </p:txBody>
       </p:sp>
@@ -6130,7 +6099,7 @@
           <a:p>
             <a:fld id="{EACE4ECE-4589-4666-B199-0F3643ABD5A2}" type="datetime1">
               <a:rPr lang="it-IT" smtClean="0"/>
-              <a:t>13/11/2021</a:t>
+              <a:t>16/11/2021</a:t>
             </a:fld>
             <a:endParaRPr lang="en-US"/>
           </a:p>
@@ -6342,59 +6311,20 @@
           <a:p>
             <a:r>
               <a:rPr lang="it-IT" sz="2400" dirty="0"/>
-              <a:t>Creazione di un blob dal frame (</a:t>
-            </a:r>
-            <a:r>
-              <a:rPr lang="it-IT" sz="2400" dirty="0" err="1"/>
-              <a:t>resizing</a:t>
-            </a:r>
+              <a:t>Creazione di un blob, che è un formato di dato, dal frame</a:t>
+            </a:r>
+          </a:p>
+          <a:p>
             <a:r>
               <a:rPr lang="it-IT" sz="2400" dirty="0"/>
-              <a:t>, scaling)</a:t>
+              <a:t>Si fa analizzare alla rete neurale il blob</a:t>
             </a:r>
           </a:p>
           <a:p>
             <a:r>
               <a:rPr lang="it-IT" sz="2400" dirty="0"/>
-              <a:t>Si fa analizzare alla </a:t>
-            </a:r>
-            <a:r>
-              <a:rPr lang="it-IT" sz="2400" dirty="0" err="1"/>
-              <a:t>dnn</a:t>
-            </a:r>
-            <a:r>
-              <a:rPr lang="it-IT" sz="2400" dirty="0"/>
-              <a:t> il blob</a:t>
-            </a:r>
-          </a:p>
-          <a:p>
-            <a:r>
-              <a:rPr lang="it-IT" sz="2400" dirty="0"/>
-              <a:t>Elaborazione output ricevuto dalla </a:t>
-            </a:r>
-            <a:r>
-              <a:rPr lang="it-IT" sz="2400" dirty="0" err="1"/>
-              <a:t>dnn</a:t>
-            </a:r>
-            <a:endParaRPr lang="it-IT" sz="2400" dirty="0"/>
-          </a:p>
-          <a:p>
-            <a:endParaRPr lang="it-IT" sz="2400" dirty="0"/>
-          </a:p>
-          <a:p>
-            <a:r>
-              <a:rPr lang="it-IT" sz="2000" dirty="0"/>
-              <a:t>, utilizzando il modello per la stima delle pose </a:t>
-            </a:r>
-            <a:r>
-              <a:rPr lang="it-IT" sz="2000" dirty="0" err="1"/>
-              <a:t>OpenPose</a:t>
-            </a:r>
-            <a:r>
-              <a:rPr lang="it-IT" sz="2000" dirty="0"/>
-              <a:t>,</a:t>
-            </a:r>
-            <a:endParaRPr lang="it-IT" sz="2400" dirty="0"/>
+              <a:t>Elaborazione output ricevuto dalla rete neurale</a:t>
+            </a:r>
           </a:p>
         </p:txBody>
       </p:sp>
@@ -6421,7 +6351,7 @@
           <a:p>
             <a:fld id="{5997E0D3-1F6C-4EF7-9F59-B91FC5FC725C}" type="datetime1">
               <a:rPr lang="it-IT" smtClean="0"/>
-              <a:t>13/11/2021</a:t>
+              <a:t>16/11/2021</a:t>
             </a:fld>
             <a:endParaRPr lang="en-US"/>
           </a:p>
@@ -6566,7 +6496,7 @@
         </p:nvSpPr>
         <p:spPr>
           <a:xfrm>
-            <a:off x="704088" y="829439"/>
+            <a:off x="646176" y="736178"/>
             <a:ext cx="10783824" cy="1263649"/>
           </a:xfrm>
         </p:spPr>
@@ -6962,7 +6892,7 @@
           <a:p>
             <a:fld id="{2A5B21BD-8DF6-414C-96B9-8D34CEEC0A3D}" type="datetime1">
               <a:rPr lang="it-IT" smtClean="0"/>
-              <a:t>13/11/2021</a:t>
+              <a:t>16/11/2021</a:t>
             </a:fld>
             <a:endParaRPr lang="en-US"/>
           </a:p>
@@ -7102,7 +7032,7 @@
         </p:nvSpPr>
         <p:spPr>
           <a:xfrm>
-            <a:off x="556084" y="766719"/>
+            <a:off x="538271" y="529213"/>
             <a:ext cx="10594846" cy="814746"/>
           </a:xfrm>
         </p:spPr>
@@ -7114,22 +7044,22 @@
           <a:p>
             <a:pPr algn="l"/>
             <a:r>
-              <a:rPr lang="it-IT" sz="4000" dirty="0"/>
+              <a:rPr lang="it-IT" sz="2800" dirty="0"/>
               <a:t>Modello pose: </a:t>
             </a:r>
             <a:r>
-              <a:rPr lang="it-IT" sz="3600" dirty="0" err="1"/>
+              <a:rPr lang="it-IT" sz="2800" dirty="0" err="1"/>
               <a:t>Mpi</a:t>
             </a:r>
             <a:r>
-              <a:rPr lang="it-IT" sz="3600" dirty="0"/>
+              <a:rPr lang="it-IT" sz="2800" dirty="0"/>
               <a:t> Human </a:t>
             </a:r>
             <a:r>
-              <a:rPr lang="it-IT" sz="3600" dirty="0" err="1"/>
+              <a:rPr lang="it-IT" sz="2800" dirty="0" err="1"/>
               <a:t>PoseModel</a:t>
             </a:r>
-            <a:endParaRPr lang="it-IT" sz="4000" dirty="0"/>
+            <a:endParaRPr lang="it-IT" sz="2800" dirty="0"/>
           </a:p>
         </p:txBody>
       </p:sp>
@@ -7161,8 +7091,8 @@
         </p:blipFill>
         <p:spPr>
           <a:xfrm>
-            <a:off x="1346007" y="2087854"/>
-            <a:ext cx="3412745" cy="4537130"/>
+            <a:off x="1013756" y="2087854"/>
+            <a:ext cx="2949349" cy="3921060"/>
           </a:xfrm>
           <a:prstGeom prst="rect">
             <a:avLst/>
@@ -7192,7 +7122,7 @@
           <a:p>
             <a:fld id="{E2B9554C-F726-43B4-AA11-83BC98311E77}" type="datetime1">
               <a:rPr lang="it-IT" smtClean="0"/>
-              <a:t>13/11/2021</a:t>
+              <a:t>16/11/2021</a:t>
             </a:fld>
             <a:endParaRPr lang="en-US"/>
           </a:p>
@@ -7279,7 +7209,7 @@
           </p:cNvPicPr>
           <p:nvPr/>
         </p:nvPicPr>
-        <p:blipFill>
+        <p:blipFill rotWithShape="1">
           <a:blip r:embed="rId3">
             <a:extLst>
               <a:ext uri="{28A0092B-C50C-407E-A947-70E740481C1C}">
@@ -7287,20 +7217,177 @@
               </a:ext>
             </a:extLst>
           </a:blip>
-          <a:stretch>
-            <a:fillRect/>
-          </a:stretch>
+          <a:srcRect t="4498"/>
+          <a:stretch/>
         </p:blipFill>
         <p:spPr>
           <a:xfrm>
-            <a:off x="6096000" y="2087854"/>
-            <a:ext cx="3412745" cy="4537130"/>
+            <a:off x="6559396" y="2087854"/>
+            <a:ext cx="2949349" cy="3921060"/>
           </a:xfrm>
           <a:prstGeom prst="rect">
             <a:avLst/>
           </a:prstGeom>
         </p:spPr>
       </p:pic>
+      <p:sp>
+        <p:nvSpPr>
+          <p:cNvPr id="8" name="Titolo 4">
+            <a:extLst>
+              <a:ext uri="{FF2B5EF4-FFF2-40B4-BE49-F238E27FC236}">
+                <a16:creationId xmlns:a16="http://schemas.microsoft.com/office/drawing/2014/main" id="{8B5BCE94-8534-4BCD-AEE7-BABFBA1654DB}"/>
+              </a:ext>
+            </a:extLst>
+          </p:cNvPr>
+          <p:cNvSpPr txBox="1">
+            <a:spLocks/>
+          </p:cNvSpPr>
+          <p:nvPr/>
+        </p:nvSpPr>
+        <p:spPr>
+          <a:xfrm>
+            <a:off x="538271" y="1064205"/>
+            <a:ext cx="10594846" cy="814746"/>
+          </a:xfrm>
+          <a:prstGeom prst="rect">
+            <a:avLst/>
+          </a:prstGeom>
+        </p:spPr>
+        <p:txBody>
+          <a:bodyPr vert="horz" lIns="91440" tIns="45720" rIns="91440" bIns="45720" rtlCol="0" anchor="b" anchorCtr="0">
+            <a:normAutofit/>
+          </a:bodyPr>
+          <a:lstStyle>
+            <a:lvl1pPr algn="ctr" defTabSz="914400" rtl="0" eaLnBrk="1" latinLnBrk="0" hangingPunct="1">
+              <a:lnSpc>
+                <a:spcPct val="90000"/>
+              </a:lnSpc>
+              <a:spcBef>
+                <a:spcPct val="0"/>
+              </a:spcBef>
+              <a:buNone/>
+              <a:defRPr sz="6000" kern="1200">
+                <a:solidFill>
+                  <a:schemeClr val="tx1"/>
+                </a:solidFill>
+                <a:latin typeface="+mj-lt"/>
+                <a:ea typeface="+mj-ea"/>
+                <a:cs typeface="+mj-cs"/>
+              </a:defRPr>
+            </a:lvl1pPr>
+          </a:lstStyle>
+          <a:p>
+            <a:pPr algn="l"/>
+            <a:r>
+              <a:rPr lang="it-IT" sz="1600" dirty="0">
+                <a:latin typeface="+mn-lt"/>
+              </a:rPr>
+              <a:t>Le immagini seguenti riportano il formato dell’output della rete neurale prodotta da </a:t>
+            </a:r>
+            <a:r>
+              <a:rPr lang="it-IT" sz="1600" dirty="0" err="1">
+                <a:latin typeface="+mn-lt"/>
+              </a:rPr>
+              <a:t>OpenPose</a:t>
+            </a:r>
+            <a:r>
+              <a:rPr lang="it-IT" sz="1600" dirty="0">
+                <a:latin typeface="+mn-lt"/>
+              </a:rPr>
+              <a:t>, MPI</a:t>
+            </a:r>
+          </a:p>
+        </p:txBody>
+      </p:sp>
+      <p:sp>
+        <p:nvSpPr>
+          <p:cNvPr id="9" name="CasellaDiTesto 8">
+            <a:extLst>
+              <a:ext uri="{FF2B5EF4-FFF2-40B4-BE49-F238E27FC236}">
+                <a16:creationId xmlns:a16="http://schemas.microsoft.com/office/drawing/2014/main" id="{278BEF74-EC8A-417C-9567-6C21EDB10F04}"/>
+              </a:ext>
+            </a:extLst>
+          </p:cNvPr>
+          <p:cNvSpPr txBox="1"/>
+          <p:nvPr/>
+        </p:nvSpPr>
+        <p:spPr>
+          <a:xfrm>
+            <a:off x="3963105" y="2176437"/>
+            <a:ext cx="2040943" cy="646331"/>
+          </a:xfrm>
+          <a:prstGeom prst="rect">
+            <a:avLst/>
+          </a:prstGeom>
+          <a:noFill/>
+        </p:spPr>
+        <p:txBody>
+          <a:bodyPr wrap="none" rtlCol="0">
+            <a:spAutoFit/>
+          </a:bodyPr>
+          <a:lstStyle/>
+          <a:p>
+            <a:r>
+              <a:rPr lang="it-IT" dirty="0"/>
+              <a:t>-formato output</a:t>
+            </a:r>
+            <a:br>
+              <a:rPr lang="it-IT" dirty="0"/>
+            </a:br>
+            <a:r>
+              <a:rPr lang="it-IT" dirty="0"/>
+              <a:t>dei </a:t>
+            </a:r>
+            <a:r>
+              <a:rPr lang="it-IT" dirty="0" err="1"/>
+              <a:t>keypoints</a:t>
+            </a:r>
+            <a:endParaRPr lang="it-IT" dirty="0"/>
+          </a:p>
+        </p:txBody>
+      </p:sp>
+      <p:sp>
+        <p:nvSpPr>
+          <p:cNvPr id="12" name="CasellaDiTesto 11">
+            <a:extLst>
+              <a:ext uri="{FF2B5EF4-FFF2-40B4-BE49-F238E27FC236}">
+                <a16:creationId xmlns:a16="http://schemas.microsoft.com/office/drawing/2014/main" id="{CB6B9DC9-7A8C-40D5-A43B-6DDC026F6E83}"/>
+              </a:ext>
+            </a:extLst>
+          </p:cNvPr>
+          <p:cNvSpPr txBox="1"/>
+          <p:nvPr/>
+        </p:nvSpPr>
+        <p:spPr>
+          <a:xfrm>
+            <a:off x="9515593" y="2211909"/>
+            <a:ext cx="2040943" cy="646331"/>
+          </a:xfrm>
+          <a:prstGeom prst="rect">
+            <a:avLst/>
+          </a:prstGeom>
+          <a:noFill/>
+        </p:spPr>
+        <p:txBody>
+          <a:bodyPr wrap="none" rtlCol="0">
+            <a:spAutoFit/>
+          </a:bodyPr>
+          <a:lstStyle/>
+          <a:p>
+            <a:r>
+              <a:rPr lang="it-IT" dirty="0"/>
+              <a:t>-formato output</a:t>
+            </a:r>
+            <a:br>
+              <a:rPr lang="it-IT" dirty="0"/>
+            </a:br>
+            <a:r>
+              <a:rPr lang="it-IT" dirty="0"/>
+              <a:t>dei PAF</a:t>
+            </a:r>
+          </a:p>
+        </p:txBody>
+      </p:sp>
     </p:spTree>
     <p:extLst>
       <p:ext uri="{BB962C8B-B14F-4D97-AF65-F5344CB8AC3E}">
@@ -7466,7 +7553,7 @@
                 <a:tabLst/>
                 <a:defRPr/>
               </a:pPr>
-              <a:t>13/11/2021</a:t>
+              <a:t>16/11/2021</a:t>
             </a:fld>
             <a:endParaRPr kumimoji="0" lang="en-US" sz="900" b="0" i="0" u="none" strike="noStrike" kern="1200" cap="none" spc="0" normalizeH="0" baseline="0" noProof="0">
               <a:ln>
@@ -7896,9 +7983,10 @@
             </a:lvl9pPr>
           </a:lstStyle>
           <a:p>
+            <a:pPr algn="l"/>
             <a:r>
               <a:rPr lang="it-IT" dirty="0"/>
-              <a:t>Spiegazione di cosa sono i </a:t>
+              <a:t>I </a:t>
             </a:r>
             <a:r>
               <a:rPr lang="it-IT" dirty="0" err="1"/>
@@ -7906,7 +7994,7 @@
             </a:r>
             <a:r>
               <a:rPr lang="it-IT" dirty="0"/>
-              <a:t> e di come si trovano</a:t>
+              <a:t> sono diversi punti identificati dalla rete neurale, come mostrato in precedenza, la cui identificazione è resa possibile grazie diverse mappe di probabilità restituite in output dalla rete neurale.</a:t>
             </a:r>
           </a:p>
         </p:txBody>
@@ -8079,7 +8167,7 @@
                 <a:tabLst/>
                 <a:defRPr/>
               </a:pPr>
-              <a:t>13/11/2021</a:t>
+              <a:t>16/11/2021</a:t>
             </a:fld>
             <a:endParaRPr kumimoji="0" lang="en-US" sz="900" b="0" i="0" u="none" strike="noStrike" kern="1200" cap="none" spc="0" normalizeH="0" baseline="0" noProof="0">
               <a:ln>
@@ -8473,39 +8561,41 @@
             </a:lvl9pPr>
           </a:lstStyle>
           <a:p>
-            <a:pPr marL="0" marR="0" lvl="0" indent="0" algn="ctr" defTabSz="914400" rtl="0" eaLnBrk="1" fontAlgn="auto" latinLnBrk="0" hangingPunct="1">
-              <a:lnSpc>
-                <a:spcPct val="90000"/>
-              </a:lnSpc>
-              <a:spcBef>
-                <a:spcPts val="1000"/>
-              </a:spcBef>
-              <a:spcAft>
-                <a:spcPts val="0"/>
-              </a:spcAft>
-              <a:buClrTx/>
-              <a:buSzTx/>
-              <a:buFont typeface="Arial" panose="020B0604020202020204" pitchFamily="34" charset="0"/>
-              <a:buNone/>
-              <a:tabLst/>
-              <a:defRPr/>
-            </a:pPr>
-            <a:r>
-              <a:rPr kumimoji="0" lang="it-IT" sz="2400" b="0" i="0" u="none" strike="noStrike" kern="1200" cap="none" spc="0" normalizeH="0" baseline="0" noProof="0" dirty="0">
-                <a:ln>
-                  <a:noFill/>
-                </a:ln>
-                <a:solidFill>
-                  <a:srgbClr val="FFFFFF"/>
-                </a:solidFill>
-                <a:effectLst/>
-                <a:uLnTx/>
-                <a:uFillTx/>
-                <a:latin typeface="Verdana Pro"/>
-                <a:ea typeface="+mn-ea"/>
-                <a:cs typeface="+mn-cs"/>
-              </a:rPr>
-              <a:t>Spiegazione di cosa sono i PAF e qual è il loro utilizzo.</a:t>
+            <a:pPr algn="l"/>
+            <a:r>
+              <a:rPr lang="it-IT" dirty="0"/>
+              <a:t>I PAF (Part </a:t>
+            </a:r>
+            <a:r>
+              <a:rPr lang="it-IT" dirty="0" err="1"/>
+              <a:t>Affinity</a:t>
+            </a:r>
+            <a:r>
+              <a:rPr lang="it-IT" dirty="0"/>
+              <a:t>) sono mappe di probabilità che codificano il grado di relazione tra diversi </a:t>
+            </a:r>
+            <a:r>
+              <a:rPr lang="it-IT" dirty="0" err="1"/>
+              <a:t>keypoints</a:t>
+            </a:r>
+            <a:r>
+              <a:rPr lang="it-IT" dirty="0"/>
+              <a:t>.</a:t>
+            </a:r>
+          </a:p>
+          <a:p>
+            <a:pPr algn="l"/>
+            <a:r>
+              <a:rPr lang="it-IT" dirty="0"/>
+              <a:t>Viene utilizzato per collegare correttamente diversi </a:t>
+            </a:r>
+            <a:r>
+              <a:rPr lang="it-IT" dirty="0" err="1"/>
+              <a:t>keypoint</a:t>
+            </a:r>
+            <a:r>
+              <a:rPr lang="it-IT" dirty="0"/>
+              <a:t> consecutivi.</a:t>
             </a:r>
           </a:p>
         </p:txBody>
@@ -8640,42 +8730,6 @@
           </a:p>
         </p:txBody>
       </p:sp>
-      <p:pic>
-        <p:nvPicPr>
-          <p:cNvPr id="5" name="Immagine 4" descr="Immagine che contiene testo&#10;&#10;Descrizione generata automaticamente">
-            <a:extLst>
-              <a:ext uri="{FF2B5EF4-FFF2-40B4-BE49-F238E27FC236}">
-                <a16:creationId xmlns:a16="http://schemas.microsoft.com/office/drawing/2014/main" id="{FD7DD103-0B6D-4542-BD4D-358FE22D7776}"/>
-              </a:ext>
-            </a:extLst>
-          </p:cNvPr>
-          <p:cNvPicPr>
-            <a:picLocks noChangeAspect="1"/>
-          </p:cNvPicPr>
-          <p:nvPr/>
-        </p:nvPicPr>
-        <p:blipFill>
-          <a:blip r:embed="rId2">
-            <a:extLst>
-              <a:ext uri="{28A0092B-C50C-407E-A947-70E740481C1C}">
-                <a14:useLocalDpi xmlns:a14="http://schemas.microsoft.com/office/drawing/2010/main" val="0"/>
-              </a:ext>
-            </a:extLst>
-          </a:blip>
-          <a:stretch>
-            <a:fillRect/>
-          </a:stretch>
-        </p:blipFill>
-        <p:spPr>
-          <a:xfrm>
-            <a:off x="583479" y="2501974"/>
-            <a:ext cx="3907576" cy="2533819"/>
-          </a:xfrm>
-          <a:prstGeom prst="rect">
-            <a:avLst/>
-          </a:prstGeom>
-        </p:spPr>
-      </p:pic>
       <p:sp>
         <p:nvSpPr>
           <p:cNvPr id="3" name="Segnaposto data 2">
@@ -8746,7 +8800,7 @@
                 <a:tabLst/>
                 <a:defRPr/>
               </a:pPr>
-              <a:t>13/11/2021</a:t>
+              <a:t>16/11/2021</a:t>
             </a:fld>
             <a:endParaRPr kumimoji="0" lang="en-US" sz="900" b="0" i="0" u="none" strike="noStrike" kern="1200" cap="none" spc="0" normalizeH="0" baseline="0" noProof="0">
               <a:ln>
@@ -8946,7 +9000,7 @@
           <p:nvPr/>
         </p:nvPicPr>
         <p:blipFill>
-          <a:blip r:embed="rId3">
+          <a:blip r:embed="rId2">
             <a:extLst>
               <a:ext uri="{28A0092B-C50C-407E-A947-70E740481C1C}">
                 <a14:useLocalDpi xmlns:a14="http://schemas.microsoft.com/office/drawing/2010/main" val="0"/>
@@ -8959,7 +9013,7 @@
         </p:blipFill>
         <p:spPr>
           <a:xfrm>
-            <a:off x="4852412" y="4152562"/>
+            <a:off x="7448230" y="3448198"/>
             <a:ext cx="4572000" cy="2571750"/>
           </a:xfrm>
           <a:prstGeom prst="rect">
@@ -8982,7 +9036,7 @@
           <p:nvPr/>
         </p:nvPicPr>
         <p:blipFill>
-          <a:blip r:embed="rId4">
+          <a:blip r:embed="rId3">
             <a:extLst>
               <a:ext uri="{28A0092B-C50C-407E-A947-70E740481C1C}">
                 <a14:useLocalDpi xmlns:a14="http://schemas.microsoft.com/office/drawing/2010/main" val="0"/>
@@ -8995,8 +9049,44 @@
         </p:blipFill>
         <p:spPr>
           <a:xfrm>
-            <a:off x="5879969" y="1523872"/>
+            <a:off x="3657386" y="2679383"/>
             <a:ext cx="4504567" cy="2533819"/>
+          </a:xfrm>
+          <a:prstGeom prst="rect">
+            <a:avLst/>
+          </a:prstGeom>
+        </p:spPr>
+      </p:pic>
+      <p:pic>
+        <p:nvPicPr>
+          <p:cNvPr id="5" name="Immagine 4" descr="Immagine che contiene testo&#10;&#10;Descrizione generata automaticamente">
+            <a:extLst>
+              <a:ext uri="{FF2B5EF4-FFF2-40B4-BE49-F238E27FC236}">
+                <a16:creationId xmlns:a16="http://schemas.microsoft.com/office/drawing/2014/main" id="{FD7DD103-0B6D-4542-BD4D-358FE22D7776}"/>
+              </a:ext>
+            </a:extLst>
+          </p:cNvPr>
+          <p:cNvPicPr>
+            <a:picLocks noChangeAspect="1"/>
+          </p:cNvPicPr>
+          <p:nvPr/>
+        </p:nvPicPr>
+        <p:blipFill>
+          <a:blip r:embed="rId4">
+            <a:extLst>
+              <a:ext uri="{28A0092B-C50C-407E-A947-70E740481C1C}">
+                <a14:useLocalDpi xmlns:a14="http://schemas.microsoft.com/office/drawing/2010/main" val="0"/>
+              </a:ext>
+            </a:extLst>
+          </a:blip>
+          <a:stretch>
+            <a:fillRect/>
+          </a:stretch>
+        </p:blipFill>
+        <p:spPr>
+          <a:xfrm>
+            <a:off x="332212" y="2200254"/>
+            <a:ext cx="3966072" cy="2571750"/>
           </a:xfrm>
           <a:prstGeom prst="rect">
             <a:avLst/>
@@ -9099,44 +9189,6 @@
       </p:sp>
       <p:sp>
         <p:nvSpPr>
-          <p:cNvPr id="4" name="Sottotitolo 3">
-            <a:extLst>
-              <a:ext uri="{FF2B5EF4-FFF2-40B4-BE49-F238E27FC236}">
-                <a16:creationId xmlns:a16="http://schemas.microsoft.com/office/drawing/2014/main" id="{6FC57A8E-D198-43CF-ACD7-853D2631E55A}"/>
-              </a:ext>
-            </a:extLst>
-          </p:cNvPr>
-          <p:cNvSpPr>
-            <a:spLocks noGrp="1"/>
-          </p:cNvSpPr>
-          <p:nvPr>
-            <p:ph type="subTitle" idx="1"/>
-          </p:nvPr>
-        </p:nvSpPr>
-        <p:spPr>
-          <a:xfrm>
-            <a:off x="761998" y="1540573"/>
-            <a:ext cx="10667998" cy="1275779"/>
-          </a:xfrm>
-        </p:spPr>
-        <p:txBody>
-          <a:bodyPr/>
-          <a:lstStyle/>
-          <a:p>
-            <a:pPr algn="l"/>
-            <a:r>
-              <a:rPr lang="it-IT" dirty="0"/>
-              <a:t>Creare un’applicazione che trovando la posa delle persone che oscurerà i volti per questioni di privacy</a:t>
-            </a:r>
-          </a:p>
-          <a:p>
-            <a:pPr algn="l"/>
-            <a:endParaRPr lang="it-IT" dirty="0"/>
-          </a:p>
-        </p:txBody>
-      </p:sp>
-      <p:sp>
-        <p:nvSpPr>
           <p:cNvPr id="3" name="Segnaposto data 2">
             <a:extLst>
               <a:ext uri="{FF2B5EF4-FFF2-40B4-BE49-F238E27FC236}">
@@ -9205,7 +9257,7 @@
                 <a:tabLst/>
                 <a:defRPr/>
               </a:pPr>
-              <a:t>13/11/2021</a:t>
+              <a:t>16/11/2021</a:t>
             </a:fld>
             <a:endParaRPr kumimoji="0" lang="en-US" sz="900" b="0" i="0" u="none" strike="noStrike" kern="1200" cap="none" spc="0" normalizeH="0" baseline="0" noProof="0">
               <a:ln>
@@ -9435,7 +9487,7 @@
         </p:blipFill>
         <p:spPr>
           <a:xfrm>
-            <a:off x="6993465" y="2250338"/>
+            <a:off x="7292218" y="3057942"/>
             <a:ext cx="4572001" cy="2571751"/>
           </a:xfrm>
           <a:prstGeom prst="rect">
@@ -9471,7 +9523,7 @@
         </p:blipFill>
         <p:spPr>
           <a:xfrm>
-            <a:off x="3365499" y="4060914"/>
+            <a:off x="3400303" y="2413793"/>
             <a:ext cx="4572001" cy="2571750"/>
           </a:xfrm>
           <a:prstGeom prst="rect">
@@ -9507,7 +9559,7 @@
         </p:blipFill>
         <p:spPr>
           <a:xfrm>
-            <a:off x="262467" y="2387557"/>
+            <a:off x="327781" y="1925050"/>
             <a:ext cx="4047066" cy="2624269"/>
           </a:xfrm>
           <a:prstGeom prst="rect">

--- a/Presentazione.pptx
+++ b/Presentazione.pptx
@@ -221,7 +221,7 @@
           <a:p>
             <a:fld id="{D62E0E92-620B-48BA-B70C-9AD2F1AE0B02}" type="datetimeFigureOut">
               <a:rPr lang="it-IT" smtClean="0"/>
-              <a:t>16/11/2021</a:t>
+              <a:t>21/11/2021</a:t>
             </a:fld>
             <a:endParaRPr lang="it-IT"/>
           </a:p>
@@ -637,7 +637,7 @@
           <a:p>
             <a:fld id="{99327CAC-D07F-4375-87D3-274161A65017}" type="datetime1">
               <a:rPr lang="it-IT" smtClean="0"/>
-              <a:t>16/11/2021</a:t>
+              <a:t>21/11/2021</a:t>
             </a:fld>
             <a:endParaRPr lang="en-US"/>
           </a:p>
@@ -849,7 +849,7 @@
           <a:p>
             <a:fld id="{51AC3528-80E1-40F5-8488-35F0BAB45D0E}" type="datetime1">
               <a:rPr lang="it-IT" smtClean="0"/>
-              <a:t>16/11/2021</a:t>
+              <a:t>21/11/2021</a:t>
             </a:fld>
             <a:endParaRPr lang="en-US"/>
           </a:p>
@@ -1060,7 +1060,7 @@
           <a:p>
             <a:fld id="{999C57C1-E281-4B39-A555-1C7F2E300E57}" type="datetime1">
               <a:rPr lang="it-IT" smtClean="0"/>
-              <a:t>16/11/2021</a:t>
+              <a:t>21/11/2021</a:t>
             </a:fld>
             <a:endParaRPr lang="en-US"/>
           </a:p>
@@ -1261,7 +1261,7 @@
           <a:p>
             <a:fld id="{96195510-5B22-4857-83F8-196A83FBB0FB}" type="datetime1">
               <a:rPr lang="it-IT" smtClean="0"/>
-              <a:t>16/11/2021</a:t>
+              <a:t>21/11/2021</a:t>
             </a:fld>
             <a:endParaRPr lang="en-US"/>
           </a:p>
@@ -1540,7 +1540,7 @@
           <a:p>
             <a:fld id="{78209844-9054-44E2-88A2-9A387D6F4287}" type="datetime1">
               <a:rPr lang="it-IT" smtClean="0"/>
-              <a:t>16/11/2021</a:t>
+              <a:t>21/11/2021</a:t>
             </a:fld>
             <a:endParaRPr lang="en-US"/>
           </a:p>
@@ -1815,7 +1815,7 @@
           <a:p>
             <a:fld id="{C5BF11B8-AC7D-4793-8EA8-2BED87C88F46}" type="datetime1">
               <a:rPr lang="it-IT" smtClean="0"/>
-              <a:t>16/11/2021</a:t>
+              <a:t>21/11/2021</a:t>
             </a:fld>
             <a:endParaRPr lang="en-US"/>
           </a:p>
@@ -2233,7 +2233,7 @@
           <a:p>
             <a:fld id="{0D8D95D6-2200-4E54-9E4C-6F5B3A84886A}" type="datetime1">
               <a:rPr lang="it-IT" smtClean="0"/>
-              <a:t>16/11/2021</a:t>
+              <a:t>21/11/2021</a:t>
             </a:fld>
             <a:endParaRPr lang="en-US"/>
           </a:p>
@@ -2383,7 +2383,7 @@
           <a:p>
             <a:fld id="{868694B6-E987-4B97-AD9A-D39CF7EFD086}" type="datetime1">
               <a:rPr lang="it-IT" smtClean="0"/>
-              <a:t>16/11/2021</a:t>
+              <a:t>21/11/2021</a:t>
             </a:fld>
             <a:endParaRPr lang="en-US"/>
           </a:p>
@@ -2499,7 +2499,7 @@
           <a:p>
             <a:fld id="{045A6181-2606-4AA7-989B-FE6B921ADE57}" type="datetime1">
               <a:rPr lang="it-IT" smtClean="0"/>
-              <a:t>16/11/2021</a:t>
+              <a:t>21/11/2021</a:t>
             </a:fld>
             <a:endParaRPr lang="en-US"/>
           </a:p>
@@ -2814,7 +2814,7 @@
           <a:p>
             <a:fld id="{159002DC-5226-43C0-B7F7-F36643C6C226}" type="datetime1">
               <a:rPr lang="it-IT" smtClean="0"/>
-              <a:t>16/11/2021</a:t>
+              <a:t>21/11/2021</a:t>
             </a:fld>
             <a:endParaRPr lang="en-US"/>
           </a:p>
@@ -3108,7 +3108,7 @@
           <a:p>
             <a:fld id="{536DD7B1-67C3-470E-AB26-E97772E8B11C}" type="datetime1">
               <a:rPr lang="it-IT" smtClean="0"/>
-              <a:t>16/11/2021</a:t>
+              <a:t>21/11/2021</a:t>
             </a:fld>
             <a:endParaRPr lang="en-US"/>
           </a:p>
@@ -3352,7 +3352,7 @@
           <a:p>
             <a:fld id="{A31D3A21-AE62-40E6-929E-02B5E55AC6C2}" type="datetime1">
               <a:rPr lang="it-IT" smtClean="0"/>
-              <a:t>16/11/2021</a:t>
+              <a:t>21/11/2021</a:t>
             </a:fld>
             <a:endParaRPr lang="en-US" dirty="0"/>
           </a:p>
@@ -3951,7 +3951,7 @@
           <a:p>
             <a:fld id="{008DE197-ECA9-4A18-B8F0-70B4B45B1EAE}" type="datetime1">
               <a:rPr lang="it-IT" smtClean="0"/>
-              <a:t>16/11/2021</a:t>
+              <a:t>21/11/2021</a:t>
             </a:fld>
             <a:endParaRPr lang="en-US"/>
           </a:p>
@@ -4113,7 +4113,7 @@
                   <a:srgbClr val="FFFFFF"/>
                 </a:solidFill>
               </a:rPr>
-              <a:t>Problemi e risoluzioni</a:t>
+              <a:t>Problemi e possibili risoluzioni</a:t>
             </a:r>
           </a:p>
         </p:txBody>
@@ -4149,7 +4149,7 @@
             <a:pPr algn="l"/>
             <a:r>
               <a:rPr lang="it-IT" dirty="0"/>
-              <a:t>Output con chiari errori.</a:t>
+              <a:t>I diversi output contengono chiari errori.</a:t>
             </a:r>
             <a:br>
               <a:rPr lang="it-IT" dirty="0"/>
@@ -4187,7 +4187,7 @@
             </a:br>
             <a:r>
               <a:rPr lang="it-IT" dirty="0"/>
-              <a:t>Middle ground tra falsi positivi e output corretto.</a:t>
+              <a:t>Trovare un middle ground tra falsi positivi e output corretto.</a:t>
             </a:r>
           </a:p>
           <a:p>
@@ -4266,7 +4266,7 @@
                 <a:tabLst/>
                 <a:defRPr/>
               </a:pPr>
-              <a:t>16/11/2021</a:t>
+              <a:t>21/11/2021</a:t>
             </a:fld>
             <a:endParaRPr kumimoji="0" lang="en-US" sz="900" b="0" i="0" u="none" strike="noStrike" kern="1200" cap="none" spc="0" normalizeH="0" baseline="0" noProof="0">
               <a:ln>
@@ -4744,11 +4744,13 @@
         <p:spPr>
           <a:xfrm>
             <a:off x="761998" y="1540573"/>
-            <a:ext cx="10667998" cy="1275779"/>
+            <a:ext cx="10667998" cy="1463884"/>
           </a:xfrm>
         </p:spPr>
         <p:txBody>
-          <a:bodyPr/>
+          <a:bodyPr>
+            <a:normAutofit lnSpcReduction="10000"/>
+          </a:bodyPr>
           <a:lstStyle/>
           <a:p>
             <a:pPr algn="l"/>
@@ -4762,15 +4764,7 @@
             </a:r>
             <a:r>
               <a:rPr lang="it-IT" dirty="0"/>
-              <a:t> sull’output, </a:t>
-            </a:r>
-            <a:r>
-              <a:rPr lang="it-IT" dirty="0" err="1"/>
-              <a:t>theshold</a:t>
-            </a:r>
-            <a:r>
-              <a:rPr lang="it-IT" dirty="0"/>
-              <a:t>=0,18.</a:t>
+              <a:t> sull’output, questo ha preso il valore di 0,186737.</a:t>
             </a:r>
           </a:p>
           <a:p>
@@ -4852,7 +4846,7 @@
                 <a:tabLst/>
                 <a:defRPr/>
               </a:pPr>
-              <a:t>16/11/2021</a:t>
+              <a:t>21/11/2021</a:t>
             </a:fld>
             <a:endParaRPr kumimoji="0" lang="en-US" sz="900" b="0" i="0" u="none" strike="noStrike" kern="1200" cap="none" spc="0" normalizeH="0" baseline="0" noProof="0">
               <a:ln>
@@ -5082,7 +5076,7 @@
         </p:blipFill>
         <p:spPr>
           <a:xfrm>
-            <a:off x="6832238" y="2926271"/>
+            <a:off x="6683797" y="3004457"/>
             <a:ext cx="4597758" cy="2586239"/>
           </a:xfrm>
           <a:prstGeom prst="rect">
@@ -5118,7 +5112,7 @@
         </p:blipFill>
         <p:spPr>
           <a:xfrm>
-            <a:off x="762005" y="2926270"/>
+            <a:off x="762005" y="3004457"/>
             <a:ext cx="4597758" cy="2586239"/>
           </a:xfrm>
           <a:prstGeom prst="rect">
@@ -5238,7 +5232,7 @@
         </p:nvSpPr>
         <p:spPr>
           <a:xfrm>
-            <a:off x="761998" y="1624519"/>
+            <a:off x="762000" y="2099532"/>
             <a:ext cx="10667998" cy="3922841"/>
           </a:xfrm>
         </p:spPr>
@@ -5252,7 +5246,7 @@
             </a:pPr>
             <a:r>
               <a:rPr lang="it-IT" dirty="0"/>
-              <a:t>Possibile utilizzo su sistemi mobili non in </a:t>
+              <a:t>Possibile utilizzo su sistemi semi-mobili non in </a:t>
             </a:r>
             <a:r>
               <a:rPr lang="it-IT" dirty="0" err="1"/>
@@ -5290,8 +5284,13 @@
             </a:pPr>
             <a:r>
               <a:rPr lang="it-IT" dirty="0"/>
-              <a:t>Possibili migliorie si possono avere cambiando rete neurale o aumentando la potenza di calcolo della GPU.</a:t>
-            </a:r>
+              <a:t>Possibili possono migliorare le prestazioni o cambiando rete neurale o aumentando la potenza di calcolo (sostituendo la GPU) o limitandosi alla rilevazione della posizione del volto, aprendo la possibilità di allenare una rete </a:t>
+            </a:r>
+            <a:r>
+              <a:rPr lang="it-IT"/>
+              <a:t>neurale apposita.</a:t>
+            </a:r>
+            <a:endParaRPr lang="it-IT" dirty="0"/>
           </a:p>
         </p:txBody>
       </p:sp>
@@ -5365,7 +5364,7 @@
                 <a:tabLst/>
                 <a:defRPr/>
               </a:pPr>
-              <a:t>16/11/2021</a:t>
+              <a:t>21/11/2021</a:t>
             </a:fld>
             <a:endParaRPr kumimoji="0" lang="en-US" sz="900" b="0" i="0" u="none" strike="noStrike" kern="1200" cap="none" spc="0" normalizeH="0" baseline="0" noProof="0">
               <a:ln>
@@ -5730,7 +5729,7 @@
                 <a:tabLst/>
                 <a:defRPr/>
               </a:pPr>
-              <a:t>16/11/2021</a:t>
+              <a:t>21/11/2021</a:t>
             </a:fld>
             <a:endParaRPr kumimoji="0" lang="en-US" sz="900" b="0" i="0" u="none" strike="noStrike" kern="1200" cap="none" spc="0" normalizeH="0" baseline="0" noProof="0">
               <a:ln>
@@ -6004,7 +6003,7 @@
         </p:nvSpPr>
         <p:spPr>
           <a:xfrm>
-            <a:off x="761998" y="69056"/>
+            <a:off x="761994" y="401594"/>
             <a:ext cx="10668000" cy="1985963"/>
           </a:xfrm>
         </p:spPr>
@@ -6044,7 +6043,7 @@
         </p:nvSpPr>
         <p:spPr>
           <a:xfrm>
-            <a:off x="761998" y="1540572"/>
+            <a:off x="761996" y="1937079"/>
             <a:ext cx="10667998" cy="3939889"/>
           </a:xfrm>
         </p:spPr>
@@ -6057,21 +6056,25 @@
             <a:pPr algn="l"/>
             <a:r>
               <a:rPr lang="it-IT" dirty="0"/>
-              <a:t>-Applicazioni come navigatori o reti neurali per la guida autonoma si avvalgono di grandi quantità di immagini di strade e luoghi pubblici.</a:t>
+              <a:t>Oggi giorno, navigatori e reti neurali studiate per la guida autonoma (es. Tesla o comma.ai) si avvalgono di grandi quantità di immagini stradali e luoghi pubblici.</a:t>
             </a:r>
           </a:p>
           <a:p>
             <a:pPr algn="l"/>
             <a:r>
               <a:rPr lang="it-IT" dirty="0"/>
-              <a:t>-Il riconoscimento di persone all’interno di queste applicazioni può portare a sanzioni economiche e legali legate alla privacy.</a:t>
+              <a:t>La presenza di persone all’interno dei frame utilizzati da queste applicazioni può portare a sanzioni economiche e legali legate alla privacy dei soggetti.</a:t>
             </a:r>
           </a:p>
           <a:p>
             <a:pPr algn="l"/>
+            <a:endParaRPr lang="it-IT" dirty="0"/>
+          </a:p>
+          <a:p>
+            <a:pPr algn="l"/>
             <a:r>
               <a:rPr lang="it-IT" dirty="0"/>
-              <a:t>-Per questi motivi è stata creata questa applicazione, che stima la posa delle persone, senza scoprirne l’identità, per poi coprirne il volto.</a:t>
+              <a:t>Per questi motivi è stata creata questa applicazione, che, stimando la posa delle persone, senza identificarle, ne copre poi in volto.</a:t>
             </a:r>
           </a:p>
         </p:txBody>
@@ -6099,7 +6102,7 @@
           <a:p>
             <a:fld id="{EACE4ECE-4589-4666-B199-0F3643ABD5A2}" type="datetime1">
               <a:rPr lang="it-IT" smtClean="0"/>
-              <a:t>16/11/2021</a:t>
+              <a:t>21/11/2021</a:t>
             </a:fld>
             <a:endParaRPr lang="en-US"/>
           </a:p>
@@ -6244,7 +6247,7 @@
         </p:nvSpPr>
         <p:spPr>
           <a:xfrm>
-            <a:off x="762000" y="914400"/>
+            <a:off x="762000" y="782594"/>
             <a:ext cx="9144000" cy="1263649"/>
           </a:xfrm>
         </p:spPr>
@@ -6284,7 +6287,7 @@
         </p:nvSpPr>
         <p:spPr>
           <a:xfrm>
-            <a:off x="762000" y="2548129"/>
+            <a:off x="762000" y="2178478"/>
             <a:ext cx="10668000" cy="3547872"/>
           </a:xfrm>
         </p:spPr>
@@ -6299,7 +6302,7 @@
             </a:pPr>
             <a:r>
               <a:rPr lang="it-IT" sz="2400" dirty="0"/>
-              <a:t>I passi per stimare la posa di una o più persone presenti in un’immagine sono:</a:t>
+              <a:t>I passi principali per stimare la posa di una o più persone presenti in un’immagine sono:</a:t>
             </a:r>
           </a:p>
           <a:p>
@@ -6311,19 +6314,25 @@
           <a:p>
             <a:r>
               <a:rPr lang="it-IT" sz="2400" dirty="0"/>
-              <a:t>Creazione di un blob, che è un formato di dato, dal frame</a:t>
+              <a:t>Creazione di un blob, formato di input per la rete neurale, dal frame</a:t>
             </a:r>
           </a:p>
           <a:p>
             <a:r>
               <a:rPr lang="it-IT" sz="2400" dirty="0"/>
-              <a:t>Si fa analizzare alla rete neurale il blob</a:t>
+              <a:t>Analisi del blob dalla rete neurale</a:t>
             </a:r>
           </a:p>
           <a:p>
             <a:r>
               <a:rPr lang="it-IT" sz="2400" dirty="0"/>
-              <a:t>Elaborazione output ricevuto dalla rete neurale</a:t>
+              <a:t>Elaborazione dell’output ricevuto dalla rete neurale</a:t>
+            </a:r>
+          </a:p>
+          <a:p>
+            <a:r>
+              <a:rPr lang="it-IT" sz="2400" dirty="0"/>
+              <a:t>Processing dell’immagine</a:t>
             </a:r>
           </a:p>
         </p:txBody>
@@ -6351,7 +6360,7 @@
           <a:p>
             <a:fld id="{5997E0D3-1F6C-4EF7-9F59-B91FC5FC725C}" type="datetime1">
               <a:rPr lang="it-IT" smtClean="0"/>
-              <a:t>16/11/2021</a:t>
+              <a:t>21/11/2021</a:t>
             </a:fld>
             <a:endParaRPr lang="en-US"/>
           </a:p>
@@ -6576,7 +6585,7 @@
         </p:nvSpPr>
         <p:spPr>
           <a:xfrm>
-            <a:off x="7266432" y="2548129"/>
+            <a:off x="8022336" y="2548129"/>
             <a:ext cx="3407664" cy="2316479"/>
           </a:xfrm>
           <a:prstGeom prst="rect">
@@ -6760,18 +6769,7 @@
               <a:rPr lang="it-IT" sz="2400" dirty="0" err="1"/>
               <a:t>OpenPose</a:t>
             </a:r>
-            <a:r>
-              <a:rPr lang="it-IT" sz="2400" dirty="0"/>
-              <a:t> </a:t>
-            </a:r>
-            <a:r>
-              <a:rPr lang="it-IT" sz="2400" dirty="0" err="1"/>
-              <a:t>Mpi</a:t>
-            </a:r>
-            <a:r>
-              <a:rPr lang="it-IT" sz="2400" dirty="0"/>
-              <a:t> DNN</a:t>
-            </a:r>
+            <a:endParaRPr lang="it-IT" sz="2400" dirty="0"/>
           </a:p>
         </p:txBody>
       </p:sp>
@@ -6892,7 +6890,7 @@
           <a:p>
             <a:fld id="{2A5B21BD-8DF6-414C-96B9-8D34CEEC0A3D}" type="datetime1">
               <a:rPr lang="it-IT" smtClean="0"/>
-              <a:t>16/11/2021</a:t>
+              <a:t>21/11/2021</a:t>
             </a:fld>
             <a:endParaRPr lang="en-US"/>
           </a:p>
@@ -7032,7 +7030,7 @@
         </p:nvSpPr>
         <p:spPr>
           <a:xfrm>
-            <a:off x="538271" y="529213"/>
+            <a:off x="706625" y="733271"/>
             <a:ext cx="10594846" cy="814746"/>
           </a:xfrm>
         </p:spPr>
@@ -7044,22 +7042,22 @@
           <a:p>
             <a:pPr algn="l"/>
             <a:r>
-              <a:rPr lang="it-IT" sz="2800" dirty="0"/>
+              <a:rPr lang="it-IT" sz="4800" dirty="0"/>
               <a:t>Modello pose: </a:t>
             </a:r>
             <a:r>
-              <a:rPr lang="it-IT" sz="2800" dirty="0" err="1"/>
+              <a:rPr lang="it-IT" sz="4800" dirty="0" err="1"/>
               <a:t>Mpi</a:t>
             </a:r>
             <a:r>
-              <a:rPr lang="it-IT" sz="2800" dirty="0"/>
+              <a:rPr lang="it-IT" sz="4800" dirty="0"/>
               <a:t> Human </a:t>
             </a:r>
             <a:r>
-              <a:rPr lang="it-IT" sz="2800" dirty="0" err="1"/>
+              <a:rPr lang="it-IT" sz="4800" dirty="0" err="1"/>
               <a:t>PoseModel</a:t>
             </a:r>
-            <a:endParaRPr lang="it-IT" sz="2800" dirty="0"/>
+            <a:endParaRPr lang="it-IT" sz="4800" dirty="0"/>
           </a:p>
         </p:txBody>
       </p:sp>
@@ -7091,7 +7089,7 @@
         </p:blipFill>
         <p:spPr>
           <a:xfrm>
-            <a:off x="1013756" y="2087854"/>
+            <a:off x="1013756" y="2325374"/>
             <a:ext cx="2949349" cy="3921060"/>
           </a:xfrm>
           <a:prstGeom prst="rect">
@@ -7122,7 +7120,7 @@
           <a:p>
             <a:fld id="{E2B9554C-F726-43B4-AA11-83BC98311E77}" type="datetime1">
               <a:rPr lang="it-IT" smtClean="0"/>
-              <a:t>16/11/2021</a:t>
+              <a:t>21/11/2021</a:t>
             </a:fld>
             <a:endParaRPr lang="en-US"/>
           </a:p>
@@ -7222,7 +7220,7 @@
         </p:blipFill>
         <p:spPr>
           <a:xfrm>
-            <a:off x="6559396" y="2087854"/>
+            <a:off x="6559396" y="2325374"/>
             <a:ext cx="2949349" cy="3921060"/>
           </a:xfrm>
           <a:prstGeom prst="rect">
@@ -7232,89 +7230,20 @@
       </p:pic>
       <p:sp>
         <p:nvSpPr>
-          <p:cNvPr id="8" name="Titolo 4">
-            <a:extLst>
-              <a:ext uri="{FF2B5EF4-FFF2-40B4-BE49-F238E27FC236}">
-                <a16:creationId xmlns:a16="http://schemas.microsoft.com/office/drawing/2014/main" id="{8B5BCE94-8534-4BCD-AEE7-BABFBA1654DB}"/>
-              </a:ext>
-            </a:extLst>
-          </p:cNvPr>
-          <p:cNvSpPr txBox="1">
-            <a:spLocks/>
-          </p:cNvSpPr>
+          <p:cNvPr id="9" name="CasellaDiTesto 8">
+            <a:extLst>
+              <a:ext uri="{FF2B5EF4-FFF2-40B4-BE49-F238E27FC236}">
+                <a16:creationId xmlns:a16="http://schemas.microsoft.com/office/drawing/2014/main" id="{278BEF74-EC8A-417C-9567-6C21EDB10F04}"/>
+              </a:ext>
+            </a:extLst>
+          </p:cNvPr>
+          <p:cNvSpPr txBox="1"/>
           <p:nvPr/>
         </p:nvSpPr>
         <p:spPr>
           <a:xfrm>
-            <a:off x="538271" y="1064205"/>
-            <a:ext cx="10594846" cy="814746"/>
-          </a:xfrm>
-          <a:prstGeom prst="rect">
-            <a:avLst/>
-          </a:prstGeom>
-        </p:spPr>
-        <p:txBody>
-          <a:bodyPr vert="horz" lIns="91440" tIns="45720" rIns="91440" bIns="45720" rtlCol="0" anchor="b" anchorCtr="0">
-            <a:normAutofit/>
-          </a:bodyPr>
-          <a:lstStyle>
-            <a:lvl1pPr algn="ctr" defTabSz="914400" rtl="0" eaLnBrk="1" latinLnBrk="0" hangingPunct="1">
-              <a:lnSpc>
-                <a:spcPct val="90000"/>
-              </a:lnSpc>
-              <a:spcBef>
-                <a:spcPct val="0"/>
-              </a:spcBef>
-              <a:buNone/>
-              <a:defRPr sz="6000" kern="1200">
-                <a:solidFill>
-                  <a:schemeClr val="tx1"/>
-                </a:solidFill>
-                <a:latin typeface="+mj-lt"/>
-                <a:ea typeface="+mj-ea"/>
-                <a:cs typeface="+mj-cs"/>
-              </a:defRPr>
-            </a:lvl1pPr>
-          </a:lstStyle>
-          <a:p>
-            <a:pPr algn="l"/>
-            <a:r>
-              <a:rPr lang="it-IT" sz="1600" dirty="0">
-                <a:latin typeface="+mn-lt"/>
-              </a:rPr>
-              <a:t>Le immagini seguenti riportano il formato dell’output della rete neurale prodotta da </a:t>
-            </a:r>
-            <a:r>
-              <a:rPr lang="it-IT" sz="1600" dirty="0" err="1">
-                <a:latin typeface="+mn-lt"/>
-              </a:rPr>
-              <a:t>OpenPose</a:t>
-            </a:r>
-            <a:r>
-              <a:rPr lang="it-IT" sz="1600" dirty="0">
-                <a:latin typeface="+mn-lt"/>
-              </a:rPr>
-              <a:t>, MPI</a:t>
-            </a:r>
-          </a:p>
-        </p:txBody>
-      </p:sp>
-      <p:sp>
-        <p:nvSpPr>
-          <p:cNvPr id="9" name="CasellaDiTesto 8">
-            <a:extLst>
-              <a:ext uri="{FF2B5EF4-FFF2-40B4-BE49-F238E27FC236}">
-                <a16:creationId xmlns:a16="http://schemas.microsoft.com/office/drawing/2014/main" id="{278BEF74-EC8A-417C-9567-6C21EDB10F04}"/>
-              </a:ext>
-            </a:extLst>
-          </p:cNvPr>
-          <p:cNvSpPr txBox="1"/>
-          <p:nvPr/>
-        </p:nvSpPr>
-        <p:spPr>
-          <a:xfrm>
-            <a:off x="3963105" y="2176437"/>
-            <a:ext cx="2040943" cy="646331"/>
+            <a:off x="3963105" y="2413957"/>
+            <a:ext cx="1510350" cy="861774"/>
           </a:xfrm>
           <a:prstGeom prst="rect">
             <a:avLst/>
@@ -7328,21 +7257,23 @@
           <a:lstStyle/>
           <a:p>
             <a:r>
-              <a:rPr lang="it-IT" dirty="0"/>
-              <a:t>-formato output</a:t>
+              <a:rPr lang="it-IT" sz="1600" i="1" dirty="0"/>
+              <a:t>formato output</a:t>
             </a:r>
             <a:br>
-              <a:rPr lang="it-IT" dirty="0"/>
+              <a:rPr lang="it-IT" sz="1600" i="1" dirty="0"/>
             </a:br>
             <a:r>
-              <a:rPr lang="it-IT" dirty="0"/>
-              <a:t>dei </a:t>
-            </a:r>
-            <a:r>
-              <a:rPr lang="it-IT" dirty="0" err="1"/>
+              <a:rPr lang="it-IT" sz="1600" i="1" dirty="0"/>
+              <a:t>degli index dei</a:t>
+            </a:r>
+          </a:p>
+          <a:p>
+            <a:r>
+              <a:rPr lang="it-IT" sz="1600" i="1" dirty="0" err="1"/>
               <a:t>keypoints</a:t>
             </a:r>
-            <a:endParaRPr lang="it-IT" dirty="0"/>
+            <a:endParaRPr lang="it-IT" sz="1600" i="1" dirty="0"/>
           </a:p>
         </p:txBody>
       </p:sp>
@@ -7360,8 +7291,8 @@
         </p:nvSpPr>
         <p:spPr>
           <a:xfrm>
-            <a:off x="9515593" y="2211909"/>
-            <a:ext cx="2040943" cy="646331"/>
+            <a:off x="9515593" y="2449429"/>
+            <a:ext cx="1550424" cy="861774"/>
           </a:xfrm>
           <a:prstGeom prst="rect">
             <a:avLst/>
@@ -7375,15 +7306,220 @@
           <a:lstStyle/>
           <a:p>
             <a:r>
+              <a:rPr lang="it-IT" sz="1600" i="1" dirty="0"/>
+              <a:t>formato output</a:t>
+            </a:r>
+            <a:br>
+              <a:rPr lang="it-IT" sz="1600" i="1" dirty="0"/>
+            </a:br>
+            <a:r>
+              <a:rPr lang="it-IT" sz="1600" i="1" dirty="0"/>
+              <a:t>degli index dei </a:t>
+            </a:r>
+          </a:p>
+          <a:p>
+            <a:r>
+              <a:rPr lang="it-IT" sz="1600" i="1" dirty="0"/>
+              <a:t>PAF</a:t>
+            </a:r>
+          </a:p>
+        </p:txBody>
+      </p:sp>
+      <p:sp>
+        <p:nvSpPr>
+          <p:cNvPr id="10" name="Segnaposto contenuto 3">
+            <a:extLst>
+              <a:ext uri="{FF2B5EF4-FFF2-40B4-BE49-F238E27FC236}">
+                <a16:creationId xmlns:a16="http://schemas.microsoft.com/office/drawing/2014/main" id="{E852456F-F35B-4070-A453-46F27830EE0A}"/>
+              </a:ext>
+            </a:extLst>
+          </p:cNvPr>
+          <p:cNvSpPr txBox="1">
+            <a:spLocks/>
+          </p:cNvSpPr>
+          <p:nvPr/>
+        </p:nvSpPr>
+        <p:spPr>
+          <a:xfrm>
+            <a:off x="403761" y="1733148"/>
+            <a:ext cx="10897710" cy="569735"/>
+          </a:xfrm>
+          <a:prstGeom prst="rect">
+            <a:avLst/>
+          </a:prstGeom>
+        </p:spPr>
+        <p:txBody>
+          <a:bodyPr vert="horz" lIns="91440" tIns="45720" rIns="91440" bIns="45720" rtlCol="0">
+            <a:normAutofit/>
+          </a:bodyPr>
+          <a:lstStyle>
+            <a:lvl1pPr marL="0" indent="0" algn="ctr" defTabSz="914400" rtl="0" eaLnBrk="1" latinLnBrk="0" hangingPunct="1">
+              <a:lnSpc>
+                <a:spcPct val="90000"/>
+              </a:lnSpc>
+              <a:spcBef>
+                <a:spcPts val="1000"/>
+              </a:spcBef>
+              <a:buFont typeface="Arial" panose="020B0604020202020204" pitchFamily="34" charset="0"/>
+              <a:buNone/>
+              <a:defRPr sz="2400" kern="1200">
+                <a:solidFill>
+                  <a:schemeClr val="tx1"/>
+                </a:solidFill>
+                <a:latin typeface="+mn-lt"/>
+                <a:ea typeface="+mn-ea"/>
+                <a:cs typeface="+mn-cs"/>
+              </a:defRPr>
+            </a:lvl1pPr>
+            <a:lvl2pPr marL="457200" indent="0" algn="ctr" defTabSz="914400" rtl="0" eaLnBrk="1" latinLnBrk="0" hangingPunct="1">
+              <a:lnSpc>
+                <a:spcPct val="90000"/>
+              </a:lnSpc>
+              <a:spcBef>
+                <a:spcPts val="500"/>
+              </a:spcBef>
+              <a:buFont typeface="Arial" panose="020B0604020202020204" pitchFamily="34" charset="0"/>
+              <a:buNone/>
+              <a:defRPr sz="2000" kern="1200">
+                <a:solidFill>
+                  <a:schemeClr val="tx1"/>
+                </a:solidFill>
+                <a:latin typeface="+mn-lt"/>
+                <a:ea typeface="+mn-ea"/>
+                <a:cs typeface="+mn-cs"/>
+              </a:defRPr>
+            </a:lvl2pPr>
+            <a:lvl3pPr marL="914400" indent="0" algn="ctr" defTabSz="914400" rtl="0" eaLnBrk="1" latinLnBrk="0" hangingPunct="1">
+              <a:lnSpc>
+                <a:spcPct val="90000"/>
+              </a:lnSpc>
+              <a:spcBef>
+                <a:spcPts val="500"/>
+              </a:spcBef>
+              <a:buFont typeface="Arial" panose="020B0604020202020204" pitchFamily="34" charset="0"/>
+              <a:buNone/>
+              <a:defRPr sz="1800" kern="1200">
+                <a:solidFill>
+                  <a:schemeClr val="tx1"/>
+                </a:solidFill>
+                <a:latin typeface="+mn-lt"/>
+                <a:ea typeface="+mn-ea"/>
+                <a:cs typeface="+mn-cs"/>
+              </a:defRPr>
+            </a:lvl3pPr>
+            <a:lvl4pPr marL="1371600" indent="0" algn="ctr" defTabSz="914400" rtl="0" eaLnBrk="1" latinLnBrk="0" hangingPunct="1">
+              <a:lnSpc>
+                <a:spcPct val="90000"/>
+              </a:lnSpc>
+              <a:spcBef>
+                <a:spcPts val="500"/>
+              </a:spcBef>
+              <a:buFont typeface="Arial" panose="020B0604020202020204" pitchFamily="34" charset="0"/>
+              <a:buNone/>
+              <a:defRPr sz="1600" kern="1200">
+                <a:solidFill>
+                  <a:schemeClr val="tx1"/>
+                </a:solidFill>
+                <a:latin typeface="+mn-lt"/>
+                <a:ea typeface="+mn-ea"/>
+                <a:cs typeface="+mn-cs"/>
+              </a:defRPr>
+            </a:lvl4pPr>
+            <a:lvl5pPr marL="1828800" indent="0" algn="ctr" defTabSz="914400" rtl="0" eaLnBrk="1" latinLnBrk="0" hangingPunct="1">
+              <a:lnSpc>
+                <a:spcPct val="90000"/>
+              </a:lnSpc>
+              <a:spcBef>
+                <a:spcPts val="500"/>
+              </a:spcBef>
+              <a:buFont typeface="Arial" panose="020B0604020202020204" pitchFamily="34" charset="0"/>
+              <a:buNone/>
+              <a:defRPr sz="1600" kern="1200">
+                <a:solidFill>
+                  <a:schemeClr val="tx1"/>
+                </a:solidFill>
+                <a:latin typeface="+mn-lt"/>
+                <a:ea typeface="+mn-ea"/>
+                <a:cs typeface="+mn-cs"/>
+              </a:defRPr>
+            </a:lvl5pPr>
+            <a:lvl6pPr marL="2286000" indent="0" algn="ctr" defTabSz="914400" rtl="0" eaLnBrk="1" latinLnBrk="0" hangingPunct="1">
+              <a:lnSpc>
+                <a:spcPct val="90000"/>
+              </a:lnSpc>
+              <a:spcBef>
+                <a:spcPts val="500"/>
+              </a:spcBef>
+              <a:buFont typeface="Arial" panose="020B0604020202020204" pitchFamily="34" charset="0"/>
+              <a:buNone/>
+              <a:defRPr sz="1600" kern="1200">
+                <a:solidFill>
+                  <a:schemeClr val="tx1"/>
+                </a:solidFill>
+                <a:latin typeface="+mn-lt"/>
+                <a:ea typeface="+mn-ea"/>
+                <a:cs typeface="+mn-cs"/>
+              </a:defRPr>
+            </a:lvl6pPr>
+            <a:lvl7pPr marL="2743200" indent="0" algn="ctr" defTabSz="914400" rtl="0" eaLnBrk="1" latinLnBrk="0" hangingPunct="1">
+              <a:lnSpc>
+                <a:spcPct val="90000"/>
+              </a:lnSpc>
+              <a:spcBef>
+                <a:spcPts val="500"/>
+              </a:spcBef>
+              <a:buFont typeface="Arial" panose="020B0604020202020204" pitchFamily="34" charset="0"/>
+              <a:buNone/>
+              <a:defRPr sz="1600" kern="1200">
+                <a:solidFill>
+                  <a:schemeClr val="tx1"/>
+                </a:solidFill>
+                <a:latin typeface="+mn-lt"/>
+                <a:ea typeface="+mn-ea"/>
+                <a:cs typeface="+mn-cs"/>
+              </a:defRPr>
+            </a:lvl7pPr>
+            <a:lvl8pPr marL="3200400" indent="0" algn="ctr" defTabSz="914400" rtl="0" eaLnBrk="1" latinLnBrk="0" hangingPunct="1">
+              <a:lnSpc>
+                <a:spcPct val="90000"/>
+              </a:lnSpc>
+              <a:spcBef>
+                <a:spcPts val="500"/>
+              </a:spcBef>
+              <a:buFont typeface="Arial" panose="020B0604020202020204" pitchFamily="34" charset="0"/>
+              <a:buNone/>
+              <a:defRPr sz="1600" kern="1200">
+                <a:solidFill>
+                  <a:schemeClr val="tx1"/>
+                </a:solidFill>
+                <a:latin typeface="+mn-lt"/>
+                <a:ea typeface="+mn-ea"/>
+                <a:cs typeface="+mn-cs"/>
+              </a:defRPr>
+            </a:lvl8pPr>
+            <a:lvl9pPr marL="3657600" indent="0" algn="ctr" defTabSz="914400" rtl="0" eaLnBrk="1" latinLnBrk="0" hangingPunct="1">
+              <a:lnSpc>
+                <a:spcPct val="90000"/>
+              </a:lnSpc>
+              <a:spcBef>
+                <a:spcPts val="500"/>
+              </a:spcBef>
+              <a:buFont typeface="Arial" panose="020B0604020202020204" pitchFamily="34" charset="0"/>
+              <a:buNone/>
+              <a:defRPr sz="1600" kern="1200">
+                <a:solidFill>
+                  <a:schemeClr val="tx1"/>
+                </a:solidFill>
+                <a:latin typeface="+mn-lt"/>
+                <a:ea typeface="+mn-ea"/>
+                <a:cs typeface="+mn-cs"/>
+              </a:defRPr>
+            </a:lvl9pPr>
+          </a:lstStyle>
+          <a:p>
+            <a:r>
               <a:rPr lang="it-IT" dirty="0"/>
-              <a:t>-formato output</a:t>
-            </a:r>
-            <a:br>
-              <a:rPr lang="it-IT" dirty="0"/>
-            </a:br>
-            <a:r>
-              <a:rPr lang="it-IT" dirty="0"/>
-              <a:t>dei PAF</a:t>
+              <a:t>La rete neurale selezionata presenta uno specifico formato di output:</a:t>
             </a:r>
           </a:p>
         </p:txBody>
@@ -7460,7 +7596,7 @@
         </p:nvSpPr>
         <p:spPr>
           <a:xfrm>
-            <a:off x="556084" y="766719"/>
+            <a:off x="762000" y="663441"/>
             <a:ext cx="10594846" cy="814746"/>
           </a:xfrm>
         </p:spPr>
@@ -7472,14 +7608,14 @@
           <a:p>
             <a:pPr algn="l"/>
             <a:r>
-              <a:rPr lang="it-IT" sz="4000" dirty="0"/>
+              <a:rPr lang="it-IT" sz="4800" dirty="0"/>
               <a:t>Concetti fondamentali: </a:t>
             </a:r>
             <a:r>
-              <a:rPr lang="it-IT" sz="4000" dirty="0" err="1"/>
+              <a:rPr lang="it-IT" sz="4800" dirty="0" err="1"/>
               <a:t>keypoints</a:t>
             </a:r>
-            <a:endParaRPr lang="it-IT" sz="4000" dirty="0"/>
+            <a:endParaRPr lang="it-IT" sz="4800" dirty="0"/>
           </a:p>
         </p:txBody>
       </p:sp>
@@ -7553,7 +7689,7 @@
                 <a:tabLst/>
                 <a:defRPr/>
               </a:pPr>
-              <a:t>16/11/2021</a:t>
+              <a:t>21/11/2021</a:t>
             </a:fld>
             <a:endParaRPr kumimoji="0" lang="en-US" sz="900" b="0" i="0" u="none" strike="noStrike" kern="1200" cap="none" spc="0" normalizeH="0" baseline="0" noProof="0">
               <a:ln>
@@ -7994,7 +8130,7 @@
             </a:r>
             <a:r>
               <a:rPr lang="it-IT" dirty="0"/>
-              <a:t> sono diversi punti identificati dalla rete neurale, come mostrato in precedenza, la cui identificazione è resa possibile grazie diverse mappe di probabilità restituite in output dalla rete neurale.</a:t>
+              <a:t> sono diversi punti del copro identificati dalla rete neurale, come mostrato in precedenza, la cui localizzazione è resa possibile grazie diverse mappe di probabilità restituite in output dalla rete neurale.</a:t>
             </a:r>
           </a:p>
         </p:txBody>
@@ -8071,28 +8207,20 @@
         </p:nvSpPr>
         <p:spPr>
           <a:xfrm>
-            <a:off x="556084" y="766719"/>
-            <a:ext cx="10594846" cy="814746"/>
+            <a:off x="762003" y="697120"/>
+            <a:ext cx="10594846" cy="782996"/>
           </a:xfrm>
         </p:spPr>
         <p:txBody>
           <a:bodyPr>
-            <a:normAutofit/>
+            <a:noAutofit/>
           </a:bodyPr>
           <a:lstStyle/>
           <a:p>
             <a:pPr algn="l"/>
             <a:r>
-              <a:rPr lang="it-IT" sz="4000" dirty="0"/>
-              <a:t>Concetti fondamentali: PAF (Part </a:t>
-            </a:r>
-            <a:r>
-              <a:rPr lang="it-IT" sz="4000" dirty="0" err="1"/>
-              <a:t>Affinity</a:t>
-            </a:r>
-            <a:r>
-              <a:rPr lang="it-IT" sz="4000" dirty="0"/>
-              <a:t>)</a:t>
+              <a:rPr lang="it-IT" sz="4800" dirty="0"/>
+              <a:t>Concetti fondamentali: PAF</a:t>
             </a:r>
           </a:p>
         </p:txBody>
@@ -8167,9 +8295,9 @@
                 <a:tabLst/>
                 <a:defRPr/>
               </a:pPr>
-              <a:t>16/11/2021</a:t>
+              <a:t>21/11/2021</a:t>
             </a:fld>
-            <a:endParaRPr kumimoji="0" lang="en-US" sz="900" b="0" i="0" u="none" strike="noStrike" kern="1200" cap="none" spc="0" normalizeH="0" baseline="0" noProof="0">
+            <a:endParaRPr kumimoji="0" lang="en-US" sz="900" b="0" i="0" u="none" strike="noStrike" kern="1200" cap="none" spc="0" normalizeH="0" baseline="0" noProof="0" dirty="0">
               <a:ln>
                 <a:noFill/>
               </a:ln>
@@ -8386,7 +8514,7 @@
         <p:spPr>
           <a:xfrm>
             <a:off x="762000" y="2153717"/>
-            <a:ext cx="5090115" cy="3547872"/>
+            <a:ext cx="5090115" cy="3694210"/>
           </a:xfrm>
           <a:prstGeom prst="rect">
             <a:avLst/>
@@ -8394,7 +8522,7 @@
         </p:spPr>
         <p:txBody>
           <a:bodyPr vert="horz" lIns="91440" tIns="45720" rIns="91440" bIns="45720" rtlCol="0">
-            <a:normAutofit/>
+            <a:normAutofit lnSpcReduction="10000"/>
           </a:bodyPr>
           <a:lstStyle>
             <a:lvl1pPr marL="0" indent="0" algn="ctr" defTabSz="914400" rtl="0" eaLnBrk="1" latinLnBrk="0" hangingPunct="1">
@@ -8587,15 +8715,31 @@
             <a:pPr algn="l"/>
             <a:r>
               <a:rPr lang="it-IT" dirty="0"/>
-              <a:t>Viene utilizzato per collegare correttamente diversi </a:t>
+              <a:t>Viene utilizzato per collegare correttamente tutti i </a:t>
             </a:r>
             <a:r>
               <a:rPr lang="it-IT" dirty="0" err="1"/>
-              <a:t>keypoint</a:t>
+              <a:t>keypoints</a:t>
             </a:r>
             <a:r>
               <a:rPr lang="it-IT" dirty="0"/>
-              <a:t> consecutivi.</a:t>
+              <a:t> consecutivi tra loro e </a:t>
+            </a:r>
+            <a:r>
+              <a:rPr lang="it-IT" u="sng" dirty="0"/>
+              <a:t>deve</a:t>
+            </a:r>
+            <a:r>
+              <a:rPr lang="it-IT" dirty="0"/>
+              <a:t> essere utilizzato in combinazione con il vettore unitario direzionale tra i </a:t>
+            </a:r>
+            <a:r>
+              <a:rPr lang="it-IT" dirty="0" err="1"/>
+              <a:t>keypoints</a:t>
+            </a:r>
+            <a:r>
+              <a:rPr lang="it-IT" dirty="0"/>
+              <a:t>.</a:t>
             </a:r>
           </a:p>
         </p:txBody>
@@ -8800,7 +8944,7 @@
                 <a:tabLst/>
                 <a:defRPr/>
               </a:pPr>
-              <a:t>16/11/2021</a:t>
+              <a:t>21/11/2021</a:t>
             </a:fld>
             <a:endParaRPr kumimoji="0" lang="en-US" sz="900" b="0" i="0" u="none" strike="noStrike" kern="1200" cap="none" spc="0" normalizeH="0" baseline="0" noProof="0">
               <a:ln>
@@ -9013,7 +9157,7 @@
         </p:blipFill>
         <p:spPr>
           <a:xfrm>
-            <a:off x="7448230" y="3448198"/>
+            <a:off x="7394792" y="3429000"/>
             <a:ext cx="4572000" cy="2571750"/>
           </a:xfrm>
           <a:prstGeom prst="rect">
@@ -9049,7 +9193,7 @@
         </p:blipFill>
         <p:spPr>
           <a:xfrm>
-            <a:off x="3657386" y="2679383"/>
+            <a:off x="3686569" y="2805842"/>
             <a:ext cx="4504567" cy="2533819"/>
           </a:xfrm>
           <a:prstGeom prst="rect">
@@ -9257,7 +9401,7 @@
                 <a:tabLst/>
                 <a:defRPr/>
               </a:pPr>
-              <a:t>16/11/2021</a:t>
+              <a:t>21/11/2021</a:t>
             </a:fld>
             <a:endParaRPr kumimoji="0" lang="en-US" sz="900" b="0" i="0" u="none" strike="noStrike" kern="1200" cap="none" spc="0" normalizeH="0" baseline="0" noProof="0">
               <a:ln>
@@ -9487,7 +9631,7 @@
         </p:blipFill>
         <p:spPr>
           <a:xfrm>
-            <a:off x="7292218" y="3057942"/>
+            <a:off x="7447369" y="3057942"/>
             <a:ext cx="4572001" cy="2571751"/>
           </a:xfrm>
           <a:prstGeom prst="rect">
@@ -9523,7 +9667,7 @@
         </p:blipFill>
         <p:spPr>
           <a:xfrm>
-            <a:off x="3400303" y="2413793"/>
+            <a:off x="3497580" y="2413793"/>
             <a:ext cx="4572001" cy="2571750"/>
           </a:xfrm>
           <a:prstGeom prst="rect">
@@ -9559,7 +9703,7 @@
         </p:blipFill>
         <p:spPr>
           <a:xfrm>
-            <a:off x="327781" y="1925050"/>
+            <a:off x="172630" y="1833356"/>
             <a:ext cx="4047066" cy="2624269"/>
           </a:xfrm>
           <a:prstGeom prst="rect">

--- a/Presentazione.pptx
+++ b/Presentazione.pptx
@@ -221,7 +221,7 @@
           <a:p>
             <a:fld id="{D62E0E92-620B-48BA-B70C-9AD2F1AE0B02}" type="datetimeFigureOut">
               <a:rPr lang="it-IT" smtClean="0"/>
-              <a:t>21/11/2021</a:t>
+              <a:t>25/11/2021</a:t>
             </a:fld>
             <a:endParaRPr lang="it-IT"/>
           </a:p>
@@ -637,7 +637,7 @@
           <a:p>
             <a:fld id="{99327CAC-D07F-4375-87D3-274161A65017}" type="datetime1">
               <a:rPr lang="it-IT" smtClean="0"/>
-              <a:t>21/11/2021</a:t>
+              <a:t>25/11/2021</a:t>
             </a:fld>
             <a:endParaRPr lang="en-US"/>
           </a:p>
@@ -849,7 +849,7 @@
           <a:p>
             <a:fld id="{51AC3528-80E1-40F5-8488-35F0BAB45D0E}" type="datetime1">
               <a:rPr lang="it-IT" smtClean="0"/>
-              <a:t>21/11/2021</a:t>
+              <a:t>25/11/2021</a:t>
             </a:fld>
             <a:endParaRPr lang="en-US"/>
           </a:p>
@@ -1060,7 +1060,7 @@
           <a:p>
             <a:fld id="{999C57C1-E281-4B39-A555-1C7F2E300E57}" type="datetime1">
               <a:rPr lang="it-IT" smtClean="0"/>
-              <a:t>21/11/2021</a:t>
+              <a:t>25/11/2021</a:t>
             </a:fld>
             <a:endParaRPr lang="en-US"/>
           </a:p>
@@ -1261,7 +1261,7 @@
           <a:p>
             <a:fld id="{96195510-5B22-4857-83F8-196A83FBB0FB}" type="datetime1">
               <a:rPr lang="it-IT" smtClean="0"/>
-              <a:t>21/11/2021</a:t>
+              <a:t>25/11/2021</a:t>
             </a:fld>
             <a:endParaRPr lang="en-US"/>
           </a:p>
@@ -1540,7 +1540,7 @@
           <a:p>
             <a:fld id="{78209844-9054-44E2-88A2-9A387D6F4287}" type="datetime1">
               <a:rPr lang="it-IT" smtClean="0"/>
-              <a:t>21/11/2021</a:t>
+              <a:t>25/11/2021</a:t>
             </a:fld>
             <a:endParaRPr lang="en-US"/>
           </a:p>
@@ -1815,7 +1815,7 @@
           <a:p>
             <a:fld id="{C5BF11B8-AC7D-4793-8EA8-2BED87C88F46}" type="datetime1">
               <a:rPr lang="it-IT" smtClean="0"/>
-              <a:t>21/11/2021</a:t>
+              <a:t>25/11/2021</a:t>
             </a:fld>
             <a:endParaRPr lang="en-US"/>
           </a:p>
@@ -2233,7 +2233,7 @@
           <a:p>
             <a:fld id="{0D8D95D6-2200-4E54-9E4C-6F5B3A84886A}" type="datetime1">
               <a:rPr lang="it-IT" smtClean="0"/>
-              <a:t>21/11/2021</a:t>
+              <a:t>25/11/2021</a:t>
             </a:fld>
             <a:endParaRPr lang="en-US"/>
           </a:p>
@@ -2383,7 +2383,7 @@
           <a:p>
             <a:fld id="{868694B6-E987-4B97-AD9A-D39CF7EFD086}" type="datetime1">
               <a:rPr lang="it-IT" smtClean="0"/>
-              <a:t>21/11/2021</a:t>
+              <a:t>25/11/2021</a:t>
             </a:fld>
             <a:endParaRPr lang="en-US"/>
           </a:p>
@@ -2499,7 +2499,7 @@
           <a:p>
             <a:fld id="{045A6181-2606-4AA7-989B-FE6B921ADE57}" type="datetime1">
               <a:rPr lang="it-IT" smtClean="0"/>
-              <a:t>21/11/2021</a:t>
+              <a:t>25/11/2021</a:t>
             </a:fld>
             <a:endParaRPr lang="en-US"/>
           </a:p>
@@ -2814,7 +2814,7 @@
           <a:p>
             <a:fld id="{159002DC-5226-43C0-B7F7-F36643C6C226}" type="datetime1">
               <a:rPr lang="it-IT" smtClean="0"/>
-              <a:t>21/11/2021</a:t>
+              <a:t>25/11/2021</a:t>
             </a:fld>
             <a:endParaRPr lang="en-US"/>
           </a:p>
@@ -3108,7 +3108,7 @@
           <a:p>
             <a:fld id="{536DD7B1-67C3-470E-AB26-E97772E8B11C}" type="datetime1">
               <a:rPr lang="it-IT" smtClean="0"/>
-              <a:t>21/11/2021</a:t>
+              <a:t>25/11/2021</a:t>
             </a:fld>
             <a:endParaRPr lang="en-US"/>
           </a:p>
@@ -3352,7 +3352,7 @@
           <a:p>
             <a:fld id="{A31D3A21-AE62-40E6-929E-02B5E55AC6C2}" type="datetime1">
               <a:rPr lang="it-IT" smtClean="0"/>
-              <a:t>21/11/2021</a:t>
+              <a:t>25/11/2021</a:t>
             </a:fld>
             <a:endParaRPr lang="en-US" dirty="0"/>
           </a:p>
@@ -3902,20 +3902,12 @@
           <a:p>
             <a:pPr algn="l"/>
             <a:r>
-              <a:rPr lang="it-IT">
-                <a:solidFill>
-                  <a:srgbClr val="FFFFFF"/>
-                </a:solidFill>
-              </a:rPr>
-              <a:t>Co-relatori</a:t>
-            </a:r>
-            <a:r>
               <a:rPr lang="it-IT" dirty="0">
                 <a:solidFill>
                   <a:srgbClr val="FFFFFF"/>
                 </a:solidFill>
               </a:rPr>
-              <a:t>: Alessio Mingozzi, Filippo Aleotti, Matteo Poggi</a:t>
+              <a:t>Co-relatori: Alessio Mingozzi, Filippo Aleotti, Matteo Poggi</a:t>
             </a:r>
           </a:p>
           <a:p>
@@ -3951,7 +3943,7 @@
           <a:p>
             <a:fld id="{008DE197-ECA9-4A18-B8F0-70B4B45B1EAE}" type="datetime1">
               <a:rPr lang="it-IT" smtClean="0"/>
-              <a:t>21/11/2021</a:t>
+              <a:t>25/11/2021</a:t>
             </a:fld>
             <a:endParaRPr lang="en-US"/>
           </a:p>
@@ -4156,15 +4148,7 @@
             </a:br>
             <a:r>
               <a:rPr lang="it-IT" dirty="0"/>
-              <a:t>La soluzione sta nel </a:t>
-            </a:r>
-            <a:r>
-              <a:rPr lang="it-IT" dirty="0" err="1"/>
-              <a:t>tweaking</a:t>
-            </a:r>
-            <a:r>
-              <a:rPr lang="it-IT" dirty="0"/>
-              <a:t> del </a:t>
+              <a:t>La soluzione sta nella modifica del </a:t>
             </a:r>
             <a:r>
               <a:rPr lang="it-IT" dirty="0" err="1"/>
@@ -4187,7 +4171,15 @@
             </a:br>
             <a:r>
               <a:rPr lang="it-IT" dirty="0"/>
-              <a:t>Trovare un middle ground tra falsi positivi e output corretto.</a:t>
+              <a:t>Trovare quindi una via </a:t>
+            </a:r>
+            <a:r>
+              <a:rPr lang="it-IT"/>
+              <a:t>di mezzo tra </a:t>
+            </a:r>
+            <a:r>
+              <a:rPr lang="it-IT" dirty="0"/>
+              <a:t>falsi positivi e output corretto.</a:t>
             </a:r>
           </a:p>
           <a:p>
@@ -4266,7 +4258,7 @@
                 <a:tabLst/>
                 <a:defRPr/>
               </a:pPr>
-              <a:t>21/11/2021</a:t>
+              <a:t>25/11/2021</a:t>
             </a:fld>
             <a:endParaRPr kumimoji="0" lang="en-US" sz="900" b="0" i="0" u="none" strike="noStrike" kern="1200" cap="none" spc="0" normalizeH="0" baseline="0" noProof="0">
               <a:ln>
@@ -4618,6 +4610,124 @@
           </a:p>
         </p:txBody>
       </p:sp>
+      <p:sp>
+        <p:nvSpPr>
+          <p:cNvPr id="13" name="Ovale 12">
+            <a:extLst>
+              <a:ext uri="{FF2B5EF4-FFF2-40B4-BE49-F238E27FC236}">
+                <a16:creationId xmlns:a16="http://schemas.microsoft.com/office/drawing/2014/main" id="{230E67D4-46ED-459A-A60B-C9528805A9ED}"/>
+              </a:ext>
+            </a:extLst>
+          </p:cNvPr>
+          <p:cNvSpPr/>
+          <p:nvPr/>
+        </p:nvSpPr>
+        <p:spPr>
+          <a:xfrm>
+            <a:off x="9788443" y="4267451"/>
+            <a:ext cx="365760" cy="365760"/>
+          </a:xfrm>
+          <a:prstGeom prst="ellipse">
+            <a:avLst/>
+          </a:prstGeom>
+          <a:solidFill>
+            <a:srgbClr val="E71224">
+              <a:alpha val="5000"/>
+            </a:srgbClr>
+          </a:solidFill>
+          <a:ln w="18000">
+            <a:solidFill>
+              <a:srgbClr val="E71224"/>
+            </a:solidFill>
+          </a:ln>
+        </p:spPr>
+        <p:style>
+          <a:lnRef idx="2">
+            <a:schemeClr val="accent1">
+              <a:shade val="50000"/>
+            </a:schemeClr>
+          </a:lnRef>
+          <a:fillRef idx="1">
+            <a:schemeClr val="accent1"/>
+          </a:fillRef>
+          <a:effectRef idx="0">
+            <a:schemeClr val="accent1"/>
+          </a:effectRef>
+          <a:fontRef idx="minor">
+            <a:schemeClr val="lt1"/>
+          </a:fontRef>
+        </p:style>
+        <p:txBody>
+          <a:bodyPr wrap="none" rtlCol="0" anchor="ctr" anchorCtr="1"/>
+          <a:lstStyle/>
+          <a:p>
+            <a:endParaRPr lang="de-DE">
+              <a:solidFill>
+                <a:srgbClr val="E71224"/>
+              </a:solidFill>
+            </a:endParaRPr>
+          </a:p>
+        </p:txBody>
+      </p:sp>
+      <p:sp>
+        <p:nvSpPr>
+          <p:cNvPr id="14" name="Ovale 13">
+            <a:extLst>
+              <a:ext uri="{FF2B5EF4-FFF2-40B4-BE49-F238E27FC236}">
+                <a16:creationId xmlns:a16="http://schemas.microsoft.com/office/drawing/2014/main" id="{D510073F-A2F4-4ADF-A1BA-CF7C638E139D}"/>
+              </a:ext>
+            </a:extLst>
+          </p:cNvPr>
+          <p:cNvSpPr/>
+          <p:nvPr/>
+        </p:nvSpPr>
+        <p:spPr>
+          <a:xfrm>
+            <a:off x="2686997" y="3123259"/>
+            <a:ext cx="365760" cy="365760"/>
+          </a:xfrm>
+          <a:prstGeom prst="ellipse">
+            <a:avLst/>
+          </a:prstGeom>
+          <a:solidFill>
+            <a:srgbClr val="E71224">
+              <a:alpha val="5000"/>
+            </a:srgbClr>
+          </a:solidFill>
+          <a:ln w="18000">
+            <a:solidFill>
+              <a:srgbClr val="E71224"/>
+            </a:solidFill>
+          </a:ln>
+        </p:spPr>
+        <p:style>
+          <a:lnRef idx="2">
+            <a:schemeClr val="accent1">
+              <a:shade val="50000"/>
+            </a:schemeClr>
+          </a:lnRef>
+          <a:fillRef idx="1">
+            <a:schemeClr val="accent1"/>
+          </a:fillRef>
+          <a:effectRef idx="0">
+            <a:schemeClr val="accent1"/>
+          </a:effectRef>
+          <a:fontRef idx="minor">
+            <a:schemeClr val="lt1"/>
+          </a:fontRef>
+        </p:style>
+        <p:txBody>
+          <a:bodyPr wrap="none" rtlCol="0" anchor="ctr" anchorCtr="1"/>
+          <a:lstStyle/>
+          <a:p>
+            <a:endParaRPr lang="de-DE">
+              <a:solidFill>
+                <a:srgbClr val="E71224"/>
+              </a:solidFill>
+            </a:endParaRPr>
+          </a:p>
+        </p:txBody>
+      </p:sp>
     </p:spTree>
     <p:extLst>
       <p:ext uri="{BB962C8B-B14F-4D97-AF65-F5344CB8AC3E}">
@@ -4628,6 +4738,131 @@
   <p:clrMapOvr>
     <a:masterClrMapping/>
   </p:clrMapOvr>
+  <p:timing>
+    <p:tnLst>
+      <p:par>
+        <p:cTn id="1" dur="indefinite" restart="never" nodeType="tmRoot">
+          <p:childTnLst>
+            <p:seq concurrent="1" nextAc="seek">
+              <p:cTn id="2" dur="indefinite" nodeType="mainSeq">
+                <p:childTnLst>
+                  <p:par>
+                    <p:cTn id="3" fill="hold">
+                      <p:stCondLst>
+                        <p:cond delay="indefinite"/>
+                        <p:cond evt="onBegin" delay="0">
+                          <p:tn val="2"/>
+                        </p:cond>
+                      </p:stCondLst>
+                      <p:childTnLst>
+                        <p:par>
+                          <p:cTn id="4" fill="hold">
+                            <p:stCondLst>
+                              <p:cond delay="0"/>
+                            </p:stCondLst>
+                            <p:childTnLst>
+                              <p:par>
+                                <p:cTn id="5" presetID="16" presetClass="entr" presetSubtype="21" fill="hold" grpId="0" nodeType="withEffect">
+                                  <p:stCondLst>
+                                    <p:cond delay="250"/>
+                                  </p:stCondLst>
+                                  <p:childTnLst>
+                                    <p:set>
+                                      <p:cBhvr>
+                                        <p:cTn id="6" dur="1" fill="hold">
+                                          <p:stCondLst>
+                                            <p:cond delay="0"/>
+                                          </p:stCondLst>
+                                        </p:cTn>
+                                        <p:tgtEl>
+                                          <p:spTgt spid="13"/>
+                                        </p:tgtEl>
+                                        <p:attrNameLst>
+                                          <p:attrName>style.visibility</p:attrName>
+                                        </p:attrNameLst>
+                                      </p:cBhvr>
+                                      <p:to>
+                                        <p:strVal val="visible"/>
+                                      </p:to>
+                                    </p:set>
+                                    <p:animEffect transition="in" filter="barn(inVertical)">
+                                      <p:cBhvr>
+                                        <p:cTn id="7" dur="500"/>
+                                        <p:tgtEl>
+                                          <p:spTgt spid="13"/>
+                                        </p:tgtEl>
+                                      </p:cBhvr>
+                                    </p:animEffect>
+                                  </p:childTnLst>
+                                </p:cTn>
+                              </p:par>
+                              <p:par>
+                                <p:cTn id="8" presetID="16" presetClass="entr" presetSubtype="21" fill="hold" grpId="0" nodeType="withEffect">
+                                  <p:stCondLst>
+                                    <p:cond delay="250"/>
+                                  </p:stCondLst>
+                                  <p:childTnLst>
+                                    <p:set>
+                                      <p:cBhvr>
+                                        <p:cTn id="9" dur="1" fill="hold">
+                                          <p:stCondLst>
+                                            <p:cond delay="0"/>
+                                          </p:stCondLst>
+                                        </p:cTn>
+                                        <p:tgtEl>
+                                          <p:spTgt spid="14"/>
+                                        </p:tgtEl>
+                                        <p:attrNameLst>
+                                          <p:attrName>style.visibility</p:attrName>
+                                        </p:attrNameLst>
+                                      </p:cBhvr>
+                                      <p:to>
+                                        <p:strVal val="visible"/>
+                                      </p:to>
+                                    </p:set>
+                                    <p:animEffect transition="in" filter="barn(inVertical)">
+                                      <p:cBhvr>
+                                        <p:cTn id="10" dur="500"/>
+                                        <p:tgtEl>
+                                          <p:spTgt spid="14"/>
+                                        </p:tgtEl>
+                                      </p:cBhvr>
+                                    </p:animEffect>
+                                  </p:childTnLst>
+                                </p:cTn>
+                              </p:par>
+                            </p:childTnLst>
+                          </p:cTn>
+                        </p:par>
+                      </p:childTnLst>
+                    </p:cTn>
+                  </p:par>
+                </p:childTnLst>
+              </p:cTn>
+              <p:prevCondLst>
+                <p:cond evt="onPrev" delay="0">
+                  <p:tgtEl>
+                    <p:sldTgt/>
+                  </p:tgtEl>
+                </p:cond>
+              </p:prevCondLst>
+              <p:nextCondLst>
+                <p:cond evt="onNext" delay="0">
+                  <p:tgtEl>
+                    <p:sldTgt/>
+                  </p:tgtEl>
+                </p:cond>
+              </p:nextCondLst>
+            </p:seq>
+          </p:childTnLst>
+        </p:cTn>
+      </p:par>
+    </p:tnLst>
+    <p:bldLst>
+      <p:bldP spid="13" grpId="0" animBg="1"/>
+      <p:bldP spid="14" grpId="0" animBg="1"/>
+    </p:bldLst>
+  </p:timing>
 </p:sld>
 </file>
 
@@ -4743,13 +4978,13 @@
         </p:nvSpPr>
         <p:spPr>
           <a:xfrm>
-            <a:off x="761998" y="1540573"/>
-            <a:ext cx="10667998" cy="1463884"/>
+            <a:off x="761996" y="1461582"/>
+            <a:ext cx="10667998" cy="1612326"/>
           </a:xfrm>
         </p:spPr>
         <p:txBody>
           <a:bodyPr>
-            <a:normAutofit lnSpcReduction="10000"/>
+            <a:normAutofit/>
           </a:bodyPr>
           <a:lstStyle/>
           <a:p>
@@ -4764,7 +4999,7 @@
             </a:r>
             <a:r>
               <a:rPr lang="it-IT" dirty="0"/>
-              <a:t> sull’output, questo ha preso il valore di 0,186737.</a:t>
+              <a:t> sull’output, questo è stato modificato a 0,186737 dall’originale 0,1.</a:t>
             </a:r>
           </a:p>
           <a:p>
@@ -4846,7 +5081,7 @@
                 <a:tabLst/>
                 <a:defRPr/>
               </a:pPr>
-              <a:t>21/11/2021</a:t>
+              <a:t>25/11/2021</a:t>
             </a:fld>
             <a:endParaRPr kumimoji="0" lang="en-US" sz="900" b="0" i="0" u="none" strike="noStrike" kern="1200" cap="none" spc="0" normalizeH="0" baseline="0" noProof="0">
               <a:ln>
@@ -5232,12 +5467,14 @@
         </p:nvSpPr>
         <p:spPr>
           <a:xfrm>
-            <a:off x="762000" y="2099532"/>
-            <a:ext cx="10667998" cy="3922841"/>
+            <a:off x="762000" y="1826399"/>
+            <a:ext cx="10667998" cy="4283456"/>
           </a:xfrm>
         </p:spPr>
         <p:txBody>
-          <a:bodyPr/>
+          <a:bodyPr>
+            <a:normAutofit/>
+          </a:bodyPr>
           <a:lstStyle/>
           <a:p>
             <a:pPr marL="342900" indent="-342900" algn="l">
@@ -5246,15 +5483,7 @@
             </a:pPr>
             <a:r>
               <a:rPr lang="it-IT" dirty="0"/>
-              <a:t>Possibile utilizzo su sistemi semi-mobili non in </a:t>
-            </a:r>
-            <a:r>
-              <a:rPr lang="it-IT" dirty="0" err="1"/>
-              <a:t>real</a:t>
-            </a:r>
-            <a:r>
-              <a:rPr lang="it-IT" dirty="0"/>
-              <a:t> time.</a:t>
+              <a:t>Possibile ampliamento dell’applicazione verso l’ambito medico (studio dei movimenti corporei dei pazienti per diagnosi e ricerca).</a:t>
             </a:r>
           </a:p>
           <a:p>
@@ -5264,7 +5493,7 @@
             </a:pPr>
             <a:r>
               <a:rPr lang="it-IT" dirty="0"/>
-              <a:t>Possibile utilizzo nel post processing dei video.</a:t>
+              <a:t>Possibili miglioramenti riguardanti le prestazioni aumentando la potenza di calcolo (sostituendo la GPU) o limitandosi alla rilevazione della posizione del volto, aprendo anche la possibilità di allenare una rete neurale apposita.</a:t>
             </a:r>
           </a:p>
           <a:p>
@@ -5274,23 +5503,16 @@
             </a:pPr>
             <a:r>
               <a:rPr lang="it-IT" dirty="0"/>
-              <a:t>Possibile ampliamento in ambito medico (studio dei movimenti corporei dei pazienti per diagnosi e ricerca).</a:t>
-            </a:r>
-          </a:p>
-          <a:p>
-            <a:pPr marL="342900" indent="-342900" algn="l">
-              <a:buFontTx/>
-              <a:buChar char="-"/>
-            </a:pPr>
+              <a:t>Aumentando la potenza computazionale, si può sostituire la rete neurale con conseguente maggior precisione ed un numero incrementato di </a:t>
+            </a:r>
+            <a:r>
+              <a:rPr lang="it-IT" dirty="0" err="1"/>
+              <a:t>keypoints</a:t>
+            </a:r>
             <a:r>
               <a:rPr lang="it-IT" dirty="0"/>
-              <a:t>Possibili possono migliorare le prestazioni o cambiando rete neurale o aumentando la potenza di calcolo (sostituendo la GPU) o limitandosi alla rilevazione della posizione del volto, aprendo la possibilità di allenare una rete </a:t>
-            </a:r>
-            <a:r>
-              <a:rPr lang="it-IT"/>
-              <a:t>neurale apposita.</a:t>
-            </a:r>
-            <a:endParaRPr lang="it-IT" dirty="0"/>
+              <a:t>.</a:t>
+            </a:r>
           </a:p>
         </p:txBody>
       </p:sp>
@@ -5364,7 +5586,7 @@
                 <a:tabLst/>
                 <a:defRPr/>
               </a:pPr>
-              <a:t>21/11/2021</a:t>
+              <a:t>25/11/2021</a:t>
             </a:fld>
             <a:endParaRPr kumimoji="0" lang="en-US" sz="900" b="0" i="0" u="none" strike="noStrike" kern="1200" cap="none" spc="0" normalizeH="0" baseline="0" noProof="0">
               <a:ln>
@@ -5729,7 +5951,7 @@
                 <a:tabLst/>
                 <a:defRPr/>
               </a:pPr>
-              <a:t>21/11/2021</a:t>
+              <a:t>25/11/2021</a:t>
             </a:fld>
             <a:endParaRPr kumimoji="0" lang="en-US" sz="900" b="0" i="0" u="none" strike="noStrike" kern="1200" cap="none" spc="0" normalizeH="0" baseline="0" noProof="0">
               <a:ln>
@@ -6020,7 +6242,7 @@
                   <a:srgbClr val="FFFFFF"/>
                 </a:solidFill>
               </a:rPr>
-              <a:t>OBBIETTIVO DELLA TESI</a:t>
+              <a:t>OBIETTIVO DELLA TESI</a:t>
             </a:r>
           </a:p>
         </p:txBody>
@@ -6056,14 +6278,22 @@
             <a:pPr algn="l"/>
             <a:r>
               <a:rPr lang="it-IT" dirty="0"/>
-              <a:t>Oggi giorno, navigatori e reti neurali studiate per la guida autonoma (es. Tesla o comma.ai) si avvalgono di grandi quantità di immagini stradali e luoghi pubblici.</a:t>
+              <a:t>Oggi giorno, navigatori (street </a:t>
+            </a:r>
+            <a:r>
+              <a:rPr lang="it-IT" dirty="0" err="1"/>
+              <a:t>view</a:t>
+            </a:r>
+            <a:r>
+              <a:rPr lang="it-IT" dirty="0"/>
+              <a:t>) e reti neurali per la guida autonoma (es. Tesla, comma.ai) hanno necessità di grandi quantità di immagini stradali e luoghi pubblici.</a:t>
             </a:r>
           </a:p>
           <a:p>
             <a:pPr algn="l"/>
             <a:r>
               <a:rPr lang="it-IT" dirty="0"/>
-              <a:t>La presenza di persone all’interno dei frame utilizzati da queste applicazioni può portare a sanzioni economiche e legali legate alla privacy dei soggetti.</a:t>
+              <a:t>La presenza di persone all’interno dei frame utilizzati da queste applicazioni, può portare a sanzioni economiche e legali legate alla privacy dei soggetti.</a:t>
             </a:r>
           </a:p>
           <a:p>
@@ -6074,7 +6304,7 @@
             <a:pPr algn="l"/>
             <a:r>
               <a:rPr lang="it-IT" dirty="0"/>
-              <a:t>Per questi motivi è stata creata questa applicazione, che, stimando la posa delle persone, senza identificarle, ne copre poi in volto.</a:t>
+              <a:t>Per i seguenti motivi è stata creata questa applicazione, che, stimando la posa delle persone, senza identificarle, ne copre in volto.</a:t>
             </a:r>
           </a:p>
         </p:txBody>
@@ -6102,7 +6332,7 @@
           <a:p>
             <a:fld id="{EACE4ECE-4589-4666-B199-0F3643ABD5A2}" type="datetime1">
               <a:rPr lang="it-IT" smtClean="0"/>
-              <a:t>21/11/2021</a:t>
+              <a:t>25/11/2021</a:t>
             </a:fld>
             <a:endParaRPr lang="en-US"/>
           </a:p>
@@ -6308,31 +6538,31 @@
           <a:p>
             <a:r>
               <a:rPr lang="it-IT" sz="2400" dirty="0"/>
-              <a:t>Cattura di un frame</a:t>
+              <a:t>Cattura di un frame;</a:t>
             </a:r>
           </a:p>
           <a:p>
             <a:r>
               <a:rPr lang="it-IT" sz="2400" dirty="0"/>
-              <a:t>Creazione di un blob, formato di input per la rete neurale, dal frame</a:t>
+              <a:t>Creazione di un blob, formato di input per la rete neurale, dal frame;</a:t>
             </a:r>
           </a:p>
           <a:p>
             <a:r>
               <a:rPr lang="it-IT" sz="2400" dirty="0"/>
-              <a:t>Analisi del blob dalla rete neurale</a:t>
+              <a:t>Analisi del blob dalla rete neurale;</a:t>
             </a:r>
           </a:p>
           <a:p>
             <a:r>
               <a:rPr lang="it-IT" sz="2400" dirty="0"/>
-              <a:t>Elaborazione dell’output ricevuto dalla rete neurale</a:t>
+              <a:t>Elaborazione dell’output ricevuto dalla rete neurale;</a:t>
             </a:r>
           </a:p>
           <a:p>
             <a:r>
               <a:rPr lang="it-IT" sz="2400" dirty="0"/>
-              <a:t>Processing dell’immagine</a:t>
+              <a:t>Processing dell’immagine.</a:t>
             </a:r>
           </a:p>
         </p:txBody>
@@ -6360,7 +6590,7 @@
           <a:p>
             <a:fld id="{5997E0D3-1F6C-4EF7-9F59-B91FC5FC725C}" type="datetime1">
               <a:rPr lang="it-IT" smtClean="0"/>
-              <a:t>21/11/2021</a:t>
+              <a:t>25/11/2021</a:t>
             </a:fld>
             <a:endParaRPr lang="en-US"/>
           </a:p>
@@ -6545,7 +6775,7 @@
         </p:nvSpPr>
         <p:spPr>
           <a:xfrm>
-            <a:off x="762000" y="2548129"/>
+            <a:off x="1326080" y="2399684"/>
             <a:ext cx="4663440" cy="2487167"/>
           </a:xfrm>
         </p:spPr>
@@ -6585,7 +6815,7 @@
         </p:nvSpPr>
         <p:spPr>
           <a:xfrm>
-            <a:off x="8022336" y="2548129"/>
+            <a:off x="8022336" y="2429374"/>
             <a:ext cx="3407664" cy="2316479"/>
           </a:xfrm>
           <a:prstGeom prst="rect">
@@ -6802,8 +7032,8 @@
         </p:blipFill>
         <p:spPr bwMode="auto">
           <a:xfrm>
-            <a:off x="7266432" y="3138902"/>
-            <a:ext cx="3185160" cy="3185160"/>
+            <a:off x="7248619" y="2982957"/>
+            <a:ext cx="3407664" cy="3407664"/>
           </a:xfrm>
           <a:prstGeom prst="rect">
             <a:avLst/>
@@ -6849,7 +7079,7 @@
         </p:blipFill>
         <p:spPr bwMode="auto">
           <a:xfrm>
-            <a:off x="1740408" y="3138902"/>
+            <a:off x="2304488" y="2990457"/>
             <a:ext cx="2432304" cy="3219226"/>
           </a:xfrm>
           <a:prstGeom prst="rect">
@@ -6890,7 +7120,7 @@
           <a:p>
             <a:fld id="{2A5B21BD-8DF6-414C-96B9-8D34CEEC0A3D}" type="datetime1">
               <a:rPr lang="it-IT" smtClean="0"/>
-              <a:t>21/11/2021</a:t>
+              <a:t>25/11/2021</a:t>
             </a:fld>
             <a:endParaRPr lang="en-US"/>
           </a:p>
@@ -7120,7 +7350,7 @@
           <a:p>
             <a:fld id="{E2B9554C-F726-43B4-AA11-83BC98311E77}" type="datetime1">
               <a:rPr lang="it-IT" smtClean="0"/>
-              <a:t>21/11/2021</a:t>
+              <a:t>25/11/2021</a:t>
             </a:fld>
             <a:endParaRPr lang="en-US"/>
           </a:p>
@@ -7689,7 +7919,7 @@
                 <a:tabLst/>
                 <a:defRPr/>
               </a:pPr>
-              <a:t>21/11/2021</a:t>
+              <a:t>25/11/2021</a:t>
             </a:fld>
             <a:endParaRPr kumimoji="0" lang="en-US" sz="900" b="0" i="0" u="none" strike="noStrike" kern="1200" cap="none" spc="0" normalizeH="0" baseline="0" noProof="0">
               <a:ln>
@@ -8130,7 +8360,7 @@
             </a:r>
             <a:r>
               <a:rPr lang="it-IT" dirty="0"/>
-              <a:t> sono diversi punti del copro identificati dalla rete neurale, come mostrato in precedenza, la cui localizzazione è resa possibile grazie diverse mappe di probabilità restituite in output dalla rete neurale.</a:t>
+              <a:t> sono diversi punti del copro identificati dalla rete neurale la cui localizzazione è resa possibile grazie diverse mappe di probabilità restituite in output dalla rete neurale.</a:t>
             </a:r>
           </a:p>
         </p:txBody>
@@ -8295,7 +8525,7 @@
                 <a:tabLst/>
                 <a:defRPr/>
               </a:pPr>
-              <a:t>21/11/2021</a:t>
+              <a:t>25/11/2021</a:t>
             </a:fld>
             <a:endParaRPr kumimoji="0" lang="en-US" sz="900" b="0" i="0" u="none" strike="noStrike" kern="1200" cap="none" spc="0" normalizeH="0" baseline="0" noProof="0" dirty="0">
               <a:ln>
@@ -8715,7 +8945,7 @@
             <a:pPr algn="l"/>
             <a:r>
               <a:rPr lang="it-IT" dirty="0"/>
-              <a:t>Viene utilizzato per collegare correttamente tutti i </a:t>
+              <a:t>Viene utilizzato per collegare correttamente i </a:t>
             </a:r>
             <a:r>
               <a:rPr lang="it-IT" dirty="0" err="1"/>
@@ -8944,7 +9174,7 @@
                 <a:tabLst/>
                 <a:defRPr/>
               </a:pPr>
-              <a:t>21/11/2021</a:t>
+              <a:t>25/11/2021</a:t>
             </a:fld>
             <a:endParaRPr kumimoji="0" lang="en-US" sz="900" b="0" i="0" u="none" strike="noStrike" kern="1200" cap="none" spc="0" normalizeH="0" baseline="0" noProof="0">
               <a:ln>
@@ -9401,7 +9631,7 @@
                 <a:tabLst/>
                 <a:defRPr/>
               </a:pPr>
-              <a:t>21/11/2021</a:t>
+              <a:t>25/11/2021</a:t>
             </a:fld>
             <a:endParaRPr kumimoji="0" lang="en-US" sz="900" b="0" i="0" u="none" strike="noStrike" kern="1200" cap="none" spc="0" normalizeH="0" baseline="0" noProof="0">
               <a:ln>
@@ -9711,6 +9941,124 @@
           </a:prstGeom>
         </p:spPr>
       </p:pic>
+      <p:sp>
+        <p:nvSpPr>
+          <p:cNvPr id="21" name="Ovale 20">
+            <a:extLst>
+              <a:ext uri="{FF2B5EF4-FFF2-40B4-BE49-F238E27FC236}">
+                <a16:creationId xmlns:a16="http://schemas.microsoft.com/office/drawing/2014/main" id="{EB5100B4-6451-4D68-8D2C-AE3476B51FCE}"/>
+              </a:ext>
+            </a:extLst>
+          </p:cNvPr>
+          <p:cNvSpPr/>
+          <p:nvPr/>
+        </p:nvSpPr>
+        <p:spPr>
+          <a:xfrm>
+            <a:off x="10797844" y="4020138"/>
+            <a:ext cx="365760" cy="365760"/>
+          </a:xfrm>
+          <a:prstGeom prst="ellipse">
+            <a:avLst/>
+          </a:prstGeom>
+          <a:solidFill>
+            <a:srgbClr val="E71224">
+              <a:alpha val="5000"/>
+            </a:srgbClr>
+          </a:solidFill>
+          <a:ln w="18000">
+            <a:solidFill>
+              <a:srgbClr val="E71224"/>
+            </a:solidFill>
+          </a:ln>
+        </p:spPr>
+        <p:style>
+          <a:lnRef idx="2">
+            <a:schemeClr val="accent1">
+              <a:shade val="50000"/>
+            </a:schemeClr>
+          </a:lnRef>
+          <a:fillRef idx="1">
+            <a:schemeClr val="accent1"/>
+          </a:fillRef>
+          <a:effectRef idx="0">
+            <a:schemeClr val="accent1"/>
+          </a:effectRef>
+          <a:fontRef idx="minor">
+            <a:schemeClr val="lt1"/>
+          </a:fontRef>
+        </p:style>
+        <p:txBody>
+          <a:bodyPr wrap="none" rtlCol="0" anchor="ctr" anchorCtr="1"/>
+          <a:lstStyle/>
+          <a:p>
+            <a:endParaRPr lang="de-DE">
+              <a:solidFill>
+                <a:srgbClr val="E71224"/>
+              </a:solidFill>
+            </a:endParaRPr>
+          </a:p>
+        </p:txBody>
+      </p:sp>
+      <p:sp>
+        <p:nvSpPr>
+          <p:cNvPr id="13" name="Ovale 12">
+            <a:extLst>
+              <a:ext uri="{FF2B5EF4-FFF2-40B4-BE49-F238E27FC236}">
+                <a16:creationId xmlns:a16="http://schemas.microsoft.com/office/drawing/2014/main" id="{0EE5DB11-FF04-475E-A754-3FECD46EBBCB}"/>
+              </a:ext>
+            </a:extLst>
+          </p:cNvPr>
+          <p:cNvSpPr/>
+          <p:nvPr/>
+        </p:nvSpPr>
+        <p:spPr>
+          <a:xfrm>
+            <a:off x="2500950" y="2480304"/>
+            <a:ext cx="365760" cy="365760"/>
+          </a:xfrm>
+          <a:prstGeom prst="ellipse">
+            <a:avLst/>
+          </a:prstGeom>
+          <a:solidFill>
+            <a:srgbClr val="E71224">
+              <a:alpha val="5000"/>
+            </a:srgbClr>
+          </a:solidFill>
+          <a:ln w="18000">
+            <a:solidFill>
+              <a:srgbClr val="E71224"/>
+            </a:solidFill>
+          </a:ln>
+        </p:spPr>
+        <p:style>
+          <a:lnRef idx="2">
+            <a:schemeClr val="accent1">
+              <a:shade val="50000"/>
+            </a:schemeClr>
+          </a:lnRef>
+          <a:fillRef idx="1">
+            <a:schemeClr val="accent1"/>
+          </a:fillRef>
+          <a:effectRef idx="0">
+            <a:schemeClr val="accent1"/>
+          </a:effectRef>
+          <a:fontRef idx="minor">
+            <a:schemeClr val="lt1"/>
+          </a:fontRef>
+        </p:style>
+        <p:txBody>
+          <a:bodyPr wrap="none" rtlCol="0" anchor="ctr" anchorCtr="1"/>
+          <a:lstStyle/>
+          <a:p>
+            <a:endParaRPr lang="de-DE">
+              <a:solidFill>
+                <a:srgbClr val="E71224"/>
+              </a:solidFill>
+            </a:endParaRPr>
+          </a:p>
+        </p:txBody>
+      </p:sp>
     </p:spTree>
     <p:extLst>
       <p:ext uri="{BB962C8B-B14F-4D97-AF65-F5344CB8AC3E}">
@@ -9721,6 +10069,128 @@
   <p:clrMapOvr>
     <a:masterClrMapping/>
   </p:clrMapOvr>
+  <p:timing>
+    <p:tnLst>
+      <p:par>
+        <p:cTn id="1" dur="indefinite" restart="never" nodeType="tmRoot">
+          <p:childTnLst>
+            <p:seq concurrent="1" nextAc="seek">
+              <p:cTn id="2" dur="indefinite" nodeType="mainSeq">
+                <p:childTnLst>
+                  <p:par>
+                    <p:cTn id="3" fill="hold">
+                      <p:stCondLst>
+                        <p:cond delay="indefinite"/>
+                      </p:stCondLst>
+                      <p:childTnLst>
+                        <p:par>
+                          <p:cTn id="4" fill="hold">
+                            <p:stCondLst>
+                              <p:cond delay="0"/>
+                            </p:stCondLst>
+                            <p:childTnLst>
+                              <p:par>
+                                <p:cTn id="5" presetID="16" presetClass="entr" presetSubtype="21" fill="hold" grpId="0" nodeType="clickEffect">
+                                  <p:stCondLst>
+                                    <p:cond delay="0"/>
+                                  </p:stCondLst>
+                                  <p:childTnLst>
+                                    <p:set>
+                                      <p:cBhvr>
+                                        <p:cTn id="6" dur="1" fill="hold">
+                                          <p:stCondLst>
+                                            <p:cond delay="0"/>
+                                          </p:stCondLst>
+                                        </p:cTn>
+                                        <p:tgtEl>
+                                          <p:spTgt spid="21"/>
+                                        </p:tgtEl>
+                                        <p:attrNameLst>
+                                          <p:attrName>style.visibility</p:attrName>
+                                        </p:attrNameLst>
+                                      </p:cBhvr>
+                                      <p:to>
+                                        <p:strVal val="visible"/>
+                                      </p:to>
+                                    </p:set>
+                                    <p:animEffect transition="in" filter="barn(inVertical)">
+                                      <p:cBhvr>
+                                        <p:cTn id="7" dur="500"/>
+                                        <p:tgtEl>
+                                          <p:spTgt spid="21"/>
+                                        </p:tgtEl>
+                                      </p:cBhvr>
+                                    </p:animEffect>
+                                  </p:childTnLst>
+                                </p:cTn>
+                              </p:par>
+                              <p:par>
+                                <p:cTn id="8" presetID="16" presetClass="entr" presetSubtype="21" fill="hold" grpId="0" nodeType="withEffect">
+                                  <p:stCondLst>
+                                    <p:cond delay="0"/>
+                                  </p:stCondLst>
+                                  <p:childTnLst>
+                                    <p:set>
+                                      <p:cBhvr>
+                                        <p:cTn id="9" dur="1" fill="hold">
+                                          <p:stCondLst>
+                                            <p:cond delay="0"/>
+                                          </p:stCondLst>
+                                        </p:cTn>
+                                        <p:tgtEl>
+                                          <p:spTgt spid="13"/>
+                                        </p:tgtEl>
+                                        <p:attrNameLst>
+                                          <p:attrName>style.visibility</p:attrName>
+                                        </p:attrNameLst>
+                                      </p:cBhvr>
+                                      <p:to>
+                                        <p:strVal val="visible"/>
+                                      </p:to>
+                                    </p:set>
+                                    <p:animEffect transition="in" filter="barn(inVertical)">
+                                      <p:cBhvr>
+                                        <p:cTn id="10" dur="500"/>
+                                        <p:tgtEl>
+                                          <p:spTgt spid="13"/>
+                                        </p:tgtEl>
+                                      </p:cBhvr>
+                                    </p:animEffect>
+                                  </p:childTnLst>
+                                </p:cTn>
+                              </p:par>
+                            </p:childTnLst>
+                          </p:cTn>
+                        </p:par>
+                      </p:childTnLst>
+                    </p:cTn>
+                  </p:par>
+                </p:childTnLst>
+              </p:cTn>
+              <p:prevCondLst>
+                <p:cond evt="onPrev" delay="0">
+                  <p:tgtEl>
+                    <p:sldTgt/>
+                  </p:tgtEl>
+                </p:cond>
+              </p:prevCondLst>
+              <p:nextCondLst>
+                <p:cond evt="onNext" delay="0">
+                  <p:tgtEl>
+                    <p:sldTgt/>
+                  </p:tgtEl>
+                </p:cond>
+              </p:nextCondLst>
+            </p:seq>
+          </p:childTnLst>
+        </p:cTn>
+      </p:par>
+    </p:tnLst>
+    <p:bldLst>
+      <p:bldP spid="21" grpId="0" animBg="1"/>
+      <p:bldP spid="13" grpId="0" animBg="1"/>
+    </p:bldLst>
+  </p:timing>
 </p:sld>
 </file>
 

--- a/Presentazione.pptx
+++ b/Presentazione.pptx
@@ -221,7 +221,7 @@
           <a:p>
             <a:fld id="{D62E0E92-620B-48BA-B70C-9AD2F1AE0B02}" type="datetimeFigureOut">
               <a:rPr lang="it-IT" smtClean="0"/>
-              <a:t>25/11/2021</a:t>
+              <a:t>26/11/2021</a:t>
             </a:fld>
             <a:endParaRPr lang="it-IT"/>
           </a:p>
@@ -637,7 +637,7 @@
           <a:p>
             <a:fld id="{99327CAC-D07F-4375-87D3-274161A65017}" type="datetime1">
               <a:rPr lang="it-IT" smtClean="0"/>
-              <a:t>25/11/2021</a:t>
+              <a:t>26/11/2021</a:t>
             </a:fld>
             <a:endParaRPr lang="en-US"/>
           </a:p>
@@ -849,7 +849,7 @@
           <a:p>
             <a:fld id="{51AC3528-80E1-40F5-8488-35F0BAB45D0E}" type="datetime1">
               <a:rPr lang="it-IT" smtClean="0"/>
-              <a:t>25/11/2021</a:t>
+              <a:t>26/11/2021</a:t>
             </a:fld>
             <a:endParaRPr lang="en-US"/>
           </a:p>
@@ -1060,7 +1060,7 @@
           <a:p>
             <a:fld id="{999C57C1-E281-4B39-A555-1C7F2E300E57}" type="datetime1">
               <a:rPr lang="it-IT" smtClean="0"/>
-              <a:t>25/11/2021</a:t>
+              <a:t>26/11/2021</a:t>
             </a:fld>
             <a:endParaRPr lang="en-US"/>
           </a:p>
@@ -1261,7 +1261,7 @@
           <a:p>
             <a:fld id="{96195510-5B22-4857-83F8-196A83FBB0FB}" type="datetime1">
               <a:rPr lang="it-IT" smtClean="0"/>
-              <a:t>25/11/2021</a:t>
+              <a:t>26/11/2021</a:t>
             </a:fld>
             <a:endParaRPr lang="en-US"/>
           </a:p>
@@ -1540,7 +1540,7 @@
           <a:p>
             <a:fld id="{78209844-9054-44E2-88A2-9A387D6F4287}" type="datetime1">
               <a:rPr lang="it-IT" smtClean="0"/>
-              <a:t>25/11/2021</a:t>
+              <a:t>26/11/2021</a:t>
             </a:fld>
             <a:endParaRPr lang="en-US"/>
           </a:p>
@@ -1815,7 +1815,7 @@
           <a:p>
             <a:fld id="{C5BF11B8-AC7D-4793-8EA8-2BED87C88F46}" type="datetime1">
               <a:rPr lang="it-IT" smtClean="0"/>
-              <a:t>25/11/2021</a:t>
+              <a:t>26/11/2021</a:t>
             </a:fld>
             <a:endParaRPr lang="en-US"/>
           </a:p>
@@ -2233,7 +2233,7 @@
           <a:p>
             <a:fld id="{0D8D95D6-2200-4E54-9E4C-6F5B3A84886A}" type="datetime1">
               <a:rPr lang="it-IT" smtClean="0"/>
-              <a:t>25/11/2021</a:t>
+              <a:t>26/11/2021</a:t>
             </a:fld>
             <a:endParaRPr lang="en-US"/>
           </a:p>
@@ -2383,7 +2383,7 @@
           <a:p>
             <a:fld id="{868694B6-E987-4B97-AD9A-D39CF7EFD086}" type="datetime1">
               <a:rPr lang="it-IT" smtClean="0"/>
-              <a:t>25/11/2021</a:t>
+              <a:t>26/11/2021</a:t>
             </a:fld>
             <a:endParaRPr lang="en-US"/>
           </a:p>
@@ -2499,7 +2499,7 @@
           <a:p>
             <a:fld id="{045A6181-2606-4AA7-989B-FE6B921ADE57}" type="datetime1">
               <a:rPr lang="it-IT" smtClean="0"/>
-              <a:t>25/11/2021</a:t>
+              <a:t>26/11/2021</a:t>
             </a:fld>
             <a:endParaRPr lang="en-US"/>
           </a:p>
@@ -2814,7 +2814,7 @@
           <a:p>
             <a:fld id="{159002DC-5226-43C0-B7F7-F36643C6C226}" type="datetime1">
               <a:rPr lang="it-IT" smtClean="0"/>
-              <a:t>25/11/2021</a:t>
+              <a:t>26/11/2021</a:t>
             </a:fld>
             <a:endParaRPr lang="en-US"/>
           </a:p>
@@ -3108,7 +3108,7 @@
           <a:p>
             <a:fld id="{536DD7B1-67C3-470E-AB26-E97772E8B11C}" type="datetime1">
               <a:rPr lang="it-IT" smtClean="0"/>
-              <a:t>25/11/2021</a:t>
+              <a:t>26/11/2021</a:t>
             </a:fld>
             <a:endParaRPr lang="en-US"/>
           </a:p>
@@ -3352,7 +3352,7 @@
           <a:p>
             <a:fld id="{A31D3A21-AE62-40E6-929E-02B5E55AC6C2}" type="datetime1">
               <a:rPr lang="it-IT" smtClean="0"/>
-              <a:t>25/11/2021</a:t>
+              <a:t>26/11/2021</a:t>
             </a:fld>
             <a:endParaRPr lang="en-US" dirty="0"/>
           </a:p>
@@ -3943,7 +3943,7 @@
           <a:p>
             <a:fld id="{008DE197-ECA9-4A18-B8F0-70B4B45B1EAE}" type="datetime1">
               <a:rPr lang="it-IT" smtClean="0"/>
-              <a:t>25/11/2021</a:t>
+              <a:t>26/11/2021</a:t>
             </a:fld>
             <a:endParaRPr lang="en-US"/>
           </a:p>
@@ -4258,7 +4258,7 @@
                 <a:tabLst/>
                 <a:defRPr/>
               </a:pPr>
-              <a:t>25/11/2021</a:t>
+              <a:t>26/11/2021</a:t>
             </a:fld>
             <a:endParaRPr kumimoji="0" lang="en-US" sz="900" b="0" i="0" u="none" strike="noStrike" kern="1200" cap="none" spc="0" normalizeH="0" baseline="0" noProof="0">
               <a:ln>
@@ -4488,7 +4488,7 @@
         </p:blipFill>
         <p:spPr>
           <a:xfrm>
-            <a:off x="6095997" y="3204179"/>
+            <a:off x="6404108" y="3204179"/>
             <a:ext cx="4995333" cy="2809875"/>
           </a:xfrm>
           <a:prstGeom prst="rect">
@@ -4524,7 +4524,7 @@
         </p:blipFill>
         <p:spPr>
           <a:xfrm>
-            <a:off x="466688" y="3204180"/>
+            <a:off x="774799" y="3204180"/>
             <a:ext cx="4995333" cy="2809875"/>
           </a:xfrm>
           <a:prstGeom prst="rect">
@@ -4546,7 +4546,7 @@
         </p:nvSpPr>
         <p:spPr>
           <a:xfrm>
-            <a:off x="6095997" y="6019850"/>
+            <a:off x="6404108" y="6019850"/>
             <a:ext cx="1911302" cy="276999"/>
           </a:xfrm>
           <a:prstGeom prst="rect">
@@ -4585,7 +4585,7 @@
         </p:nvSpPr>
         <p:spPr>
           <a:xfrm>
-            <a:off x="466688" y="6014054"/>
+            <a:off x="774799" y="6014054"/>
             <a:ext cx="1911302" cy="276999"/>
           </a:xfrm>
           <a:prstGeom prst="rect">
@@ -4624,7 +4624,7 @@
         </p:nvSpPr>
         <p:spPr>
           <a:xfrm>
-            <a:off x="9788443" y="4267451"/>
+            <a:off x="10096554" y="4267451"/>
             <a:ext cx="365760" cy="365760"/>
           </a:xfrm>
           <a:prstGeom prst="ellipse">
@@ -4683,7 +4683,7 @@
         </p:nvSpPr>
         <p:spPr>
           <a:xfrm>
-            <a:off x="2686997" y="3123259"/>
+            <a:off x="2995108" y="3123259"/>
             <a:ext cx="365760" cy="365760"/>
           </a:xfrm>
           <a:prstGeom prst="ellipse">
@@ -5081,7 +5081,7 @@
                 <a:tabLst/>
                 <a:defRPr/>
               </a:pPr>
-              <a:t>25/11/2021</a:t>
+              <a:t>26/11/2021</a:t>
             </a:fld>
             <a:endParaRPr kumimoji="0" lang="en-US" sz="900" b="0" i="0" u="none" strike="noStrike" kern="1200" cap="none" spc="0" normalizeH="0" baseline="0" noProof="0">
               <a:ln>
@@ -5311,8 +5311,8 @@
         </p:blipFill>
         <p:spPr>
           <a:xfrm>
-            <a:off x="6683797" y="3004457"/>
-            <a:ext cx="4597758" cy="2586239"/>
+            <a:off x="780209" y="3203236"/>
+            <a:ext cx="4995334" cy="2809875"/>
           </a:xfrm>
           <a:prstGeom prst="rect">
             <a:avLst/>
@@ -5347,8 +5347,8 @@
         </p:blipFill>
         <p:spPr>
           <a:xfrm>
-            <a:off x="762005" y="3004457"/>
-            <a:ext cx="4597758" cy="2586239"/>
+            <a:off x="6397490" y="3203235"/>
+            <a:ext cx="4995334" cy="2809875"/>
           </a:xfrm>
           <a:prstGeom prst="rect">
             <a:avLst/>
@@ -5586,7 +5586,7 @@
                 <a:tabLst/>
                 <a:defRPr/>
               </a:pPr>
-              <a:t>25/11/2021</a:t>
+              <a:t>26/11/2021</a:t>
             </a:fld>
             <a:endParaRPr kumimoji="0" lang="en-US" sz="900" b="0" i="0" u="none" strike="noStrike" kern="1200" cap="none" spc="0" normalizeH="0" baseline="0" noProof="0">
               <a:ln>
@@ -5951,7 +5951,7 @@
                 <a:tabLst/>
                 <a:defRPr/>
               </a:pPr>
-              <a:t>25/11/2021</a:t>
+              <a:t>26/11/2021</a:t>
             </a:fld>
             <a:endParaRPr kumimoji="0" lang="en-US" sz="900" b="0" i="0" u="none" strike="noStrike" kern="1200" cap="none" spc="0" normalizeH="0" baseline="0" noProof="0">
               <a:ln>
@@ -6332,7 +6332,7 @@
           <a:p>
             <a:fld id="{EACE4ECE-4589-4666-B199-0F3643ABD5A2}" type="datetime1">
               <a:rPr lang="it-IT" smtClean="0"/>
-              <a:t>25/11/2021</a:t>
+              <a:t>26/11/2021</a:t>
             </a:fld>
             <a:endParaRPr lang="en-US"/>
           </a:p>
@@ -6590,7 +6590,7 @@
           <a:p>
             <a:fld id="{5997E0D3-1F6C-4EF7-9F59-B91FC5FC725C}" type="datetime1">
               <a:rPr lang="it-IT" smtClean="0"/>
-              <a:t>25/11/2021</a:t>
+              <a:t>26/11/2021</a:t>
             </a:fld>
             <a:endParaRPr lang="en-US"/>
           </a:p>
@@ -7120,7 +7120,7 @@
           <a:p>
             <a:fld id="{2A5B21BD-8DF6-414C-96B9-8D34CEEC0A3D}" type="datetime1">
               <a:rPr lang="it-IT" smtClean="0"/>
-              <a:t>25/11/2021</a:t>
+              <a:t>26/11/2021</a:t>
             </a:fld>
             <a:endParaRPr lang="en-US"/>
           </a:p>
@@ -7350,7 +7350,7 @@
           <a:p>
             <a:fld id="{E2B9554C-F726-43B4-AA11-83BC98311E77}" type="datetime1">
               <a:rPr lang="it-IT" smtClean="0"/>
-              <a:t>25/11/2021</a:t>
+              <a:t>26/11/2021</a:t>
             </a:fld>
             <a:endParaRPr lang="en-US"/>
           </a:p>
@@ -7919,7 +7919,7 @@
                 <a:tabLst/>
                 <a:defRPr/>
               </a:pPr>
-              <a:t>25/11/2021</a:t>
+              <a:t>26/11/2021</a:t>
             </a:fld>
             <a:endParaRPr kumimoji="0" lang="en-US" sz="900" b="0" i="0" u="none" strike="noStrike" kern="1200" cap="none" spc="0" normalizeH="0" baseline="0" noProof="0">
               <a:ln>
@@ -8525,7 +8525,7 @@
                 <a:tabLst/>
                 <a:defRPr/>
               </a:pPr>
-              <a:t>25/11/2021</a:t>
+              <a:t>26/11/2021</a:t>
             </a:fld>
             <a:endParaRPr kumimoji="0" lang="en-US" sz="900" b="0" i="0" u="none" strike="noStrike" kern="1200" cap="none" spc="0" normalizeH="0" baseline="0" noProof="0" dirty="0">
               <a:ln>
@@ -9174,7 +9174,7 @@
                 <a:tabLst/>
                 <a:defRPr/>
               </a:pPr>
-              <a:t>25/11/2021</a:t>
+              <a:t>26/11/2021</a:t>
             </a:fld>
             <a:endParaRPr kumimoji="0" lang="en-US" sz="900" b="0" i="0" u="none" strike="noStrike" kern="1200" cap="none" spc="0" normalizeH="0" baseline="0" noProof="0">
               <a:ln>
@@ -9387,8 +9387,8 @@
         </p:blipFill>
         <p:spPr>
           <a:xfrm>
-            <a:off x="7394792" y="3429000"/>
-            <a:ext cx="4572000" cy="2571750"/>
+            <a:off x="7424609" y="3409122"/>
+            <a:ext cx="4504567" cy="2533819"/>
           </a:xfrm>
           <a:prstGeom prst="rect">
             <a:avLst/>
@@ -9459,7 +9459,7 @@
         </p:blipFill>
         <p:spPr>
           <a:xfrm>
-            <a:off x="332212" y="2200254"/>
+            <a:off x="332212" y="2143125"/>
             <a:ext cx="3966072" cy="2571750"/>
           </a:xfrm>
           <a:prstGeom prst="rect">
@@ -9631,7 +9631,7 @@
                 <a:tabLst/>
                 <a:defRPr/>
               </a:pPr>
-              <a:t>25/11/2021</a:t>
+              <a:t>26/11/2021</a:t>
             </a:fld>
             <a:endParaRPr kumimoji="0" lang="en-US" sz="900" b="0" i="0" u="none" strike="noStrike" kern="1200" cap="none" spc="0" normalizeH="0" baseline="0" noProof="0">
               <a:ln>
@@ -9833,12 +9833,76 @@
           </a:p>
         </p:txBody>
       </p:sp>
+      <p:sp>
+        <p:nvSpPr>
+          <p:cNvPr id="16" name="Titolo 1">
+            <a:extLst>
+              <a:ext uri="{FF2B5EF4-FFF2-40B4-BE49-F238E27FC236}">
+                <a16:creationId xmlns:a16="http://schemas.microsoft.com/office/drawing/2014/main" id="{D159D4E2-6B94-4FEB-B03A-1FB3A81A10B8}"/>
+              </a:ext>
+            </a:extLst>
+          </p:cNvPr>
+          <p:cNvSpPr txBox="1">
+            <a:spLocks/>
+          </p:cNvSpPr>
+          <p:nvPr/>
+        </p:nvSpPr>
+        <p:spPr>
+          <a:xfrm>
+            <a:off x="761998" y="29299"/>
+            <a:ext cx="10668000" cy="1985963"/>
+          </a:xfrm>
+          <a:prstGeom prst="rect">
+            <a:avLst/>
+          </a:prstGeom>
+        </p:spPr>
+        <p:txBody>
+          <a:bodyPr vert="horz" lIns="91440" tIns="45720" rIns="91440" bIns="45720" rtlCol="0" anchor="ctr" anchorCtr="0">
+            <a:normAutofit/>
+          </a:bodyPr>
+          <a:lstStyle>
+            <a:lvl1pPr algn="ctr" defTabSz="914400" rtl="0" eaLnBrk="1" latinLnBrk="0" hangingPunct="1">
+              <a:lnSpc>
+                <a:spcPct val="90000"/>
+              </a:lnSpc>
+              <a:spcBef>
+                <a:spcPct val="0"/>
+              </a:spcBef>
+              <a:buNone/>
+              <a:defRPr sz="6000" kern="1200">
+                <a:solidFill>
+                  <a:schemeClr val="tx1"/>
+                </a:solidFill>
+                <a:latin typeface="+mj-lt"/>
+                <a:ea typeface="+mj-ea"/>
+                <a:cs typeface="+mj-cs"/>
+              </a:defRPr>
+            </a:lvl1pPr>
+          </a:lstStyle>
+          <a:p>
+            <a:pPr algn="l"/>
+            <a:r>
+              <a:rPr lang="it-IT" sz="4800">
+                <a:solidFill>
+                  <a:srgbClr val="FFFFFF"/>
+                </a:solidFill>
+              </a:rPr>
+              <a:t>Primo approccio e primi output</a:t>
+            </a:r>
+            <a:endParaRPr lang="it-IT" sz="4800" dirty="0">
+              <a:solidFill>
+                <a:srgbClr val="FFFFFF"/>
+              </a:solidFill>
+            </a:endParaRPr>
+          </a:p>
+        </p:txBody>
+      </p:sp>
       <p:pic>
         <p:nvPicPr>
-          <p:cNvPr id="10" name="Immagine 9" descr="Immagine che contiene pavimento, interni, edificio, piastrellato&#10;&#10;Descrizione generata automaticamente">
-            <a:extLst>
-              <a:ext uri="{FF2B5EF4-FFF2-40B4-BE49-F238E27FC236}">
-                <a16:creationId xmlns:a16="http://schemas.microsoft.com/office/drawing/2014/main" id="{58B3E37D-26A1-469C-B0E8-CAACDB1EE89C}"/>
+          <p:cNvPr id="22" name="Immagine 21" descr="Immagine che contiene pavimento, interni, edificio, piastrellato&#10;&#10;Descrizione generata automaticamente">
+            <a:extLst>
+              <a:ext uri="{FF2B5EF4-FFF2-40B4-BE49-F238E27FC236}">
+                <a16:creationId xmlns:a16="http://schemas.microsoft.com/office/drawing/2014/main" id="{6338A5F4-28DB-42B5-9F99-023659392E0E}"/>
               </a:ext>
             </a:extLst>
           </p:cNvPr>
@@ -9861,8 +9925,8 @@
         </p:blipFill>
         <p:spPr>
           <a:xfrm>
-            <a:off x="7447369" y="3057942"/>
-            <a:ext cx="4572001" cy="2571751"/>
+            <a:off x="7424609" y="3409122"/>
+            <a:ext cx="4504567" cy="2533819"/>
           </a:xfrm>
           <a:prstGeom prst="rect">
             <a:avLst/>
@@ -9871,10 +9935,10 @@
       </p:pic>
       <p:pic>
         <p:nvPicPr>
-          <p:cNvPr id="11" name="Immagine 10" descr="Immagine che contiene pavimento, interni&#10;&#10;Descrizione generata automaticamente">
-            <a:extLst>
-              <a:ext uri="{FF2B5EF4-FFF2-40B4-BE49-F238E27FC236}">
-                <a16:creationId xmlns:a16="http://schemas.microsoft.com/office/drawing/2014/main" id="{E2140D2D-DEBA-4F41-AB9D-577CAB83314A}"/>
+          <p:cNvPr id="23" name="Immagine 22" descr="Immagine che contiene pavimento, interni, piastrellato&#10;&#10;Descrizione generata automaticamente">
+            <a:extLst>
+              <a:ext uri="{FF2B5EF4-FFF2-40B4-BE49-F238E27FC236}">
+                <a16:creationId xmlns:a16="http://schemas.microsoft.com/office/drawing/2014/main" id="{308B882F-0DD9-49D1-B878-2D990A7BAC29}"/>
               </a:ext>
             </a:extLst>
           </p:cNvPr>
@@ -9897,8 +9961,8 @@
         </p:blipFill>
         <p:spPr>
           <a:xfrm>
-            <a:off x="3497580" y="2413793"/>
-            <a:ext cx="4572001" cy="2571750"/>
+            <a:off x="3686569" y="2805842"/>
+            <a:ext cx="4504567" cy="2533819"/>
           </a:xfrm>
           <a:prstGeom prst="rect">
             <a:avLst/>
@@ -9907,10 +9971,10 @@
       </p:pic>
       <p:pic>
         <p:nvPicPr>
-          <p:cNvPr id="12" name="Immagine 11" descr="Immagine che contiene persona, colorato&#10;&#10;Descrizione generata automaticamente">
-            <a:extLst>
-              <a:ext uri="{FF2B5EF4-FFF2-40B4-BE49-F238E27FC236}">
-                <a16:creationId xmlns:a16="http://schemas.microsoft.com/office/drawing/2014/main" id="{016F30CC-A77D-4B45-B386-31C0F1A4472E}"/>
+          <p:cNvPr id="24" name="Immagine 23" descr="Immagine che contiene testo&#10;&#10;Descrizione generata automaticamente">
+            <a:extLst>
+              <a:ext uri="{FF2B5EF4-FFF2-40B4-BE49-F238E27FC236}">
+                <a16:creationId xmlns:a16="http://schemas.microsoft.com/office/drawing/2014/main" id="{BF66221F-1702-4632-9D16-5244CD2CABDE}"/>
               </a:ext>
             </a:extLst>
           </p:cNvPr>
@@ -9933,8 +9997,8 @@
         </p:blipFill>
         <p:spPr>
           <a:xfrm>
-            <a:off x="172630" y="1833356"/>
-            <a:ext cx="4047066" cy="2624269"/>
+            <a:off x="332212" y="2143125"/>
+            <a:ext cx="3966072" cy="2571750"/>
           </a:xfrm>
           <a:prstGeom prst="rect">
             <a:avLst/>
@@ -9943,10 +10007,10 @@
       </p:pic>
       <p:sp>
         <p:nvSpPr>
-          <p:cNvPr id="21" name="Ovale 20">
-            <a:extLst>
-              <a:ext uri="{FF2B5EF4-FFF2-40B4-BE49-F238E27FC236}">
-                <a16:creationId xmlns:a16="http://schemas.microsoft.com/office/drawing/2014/main" id="{EB5100B4-6451-4D68-8D2C-AE3476B51FCE}"/>
+          <p:cNvPr id="13" name="Ovale 12">
+            <a:extLst>
+              <a:ext uri="{FF2B5EF4-FFF2-40B4-BE49-F238E27FC236}">
+                <a16:creationId xmlns:a16="http://schemas.microsoft.com/office/drawing/2014/main" id="{0EE5DB11-FF04-475E-A754-3FECD46EBBCB}"/>
               </a:ext>
             </a:extLst>
           </p:cNvPr>
@@ -9955,7 +10019,7 @@
         </p:nvSpPr>
         <p:spPr>
           <a:xfrm>
-            <a:off x="10797844" y="4020138"/>
+            <a:off x="2620218" y="2805842"/>
             <a:ext cx="365760" cy="365760"/>
           </a:xfrm>
           <a:prstGeom prst="ellipse">
@@ -10002,10 +10066,10 @@
       </p:sp>
       <p:sp>
         <p:nvSpPr>
-          <p:cNvPr id="13" name="Ovale 12">
-            <a:extLst>
-              <a:ext uri="{FF2B5EF4-FFF2-40B4-BE49-F238E27FC236}">
-                <a16:creationId xmlns:a16="http://schemas.microsoft.com/office/drawing/2014/main" id="{0EE5DB11-FF04-475E-A754-3FECD46EBBCB}"/>
+          <p:cNvPr id="21" name="Ovale 20">
+            <a:extLst>
+              <a:ext uri="{FF2B5EF4-FFF2-40B4-BE49-F238E27FC236}">
+                <a16:creationId xmlns:a16="http://schemas.microsoft.com/office/drawing/2014/main" id="{EB5100B4-6451-4D68-8D2C-AE3476B51FCE}"/>
               </a:ext>
             </a:extLst>
           </p:cNvPr>
@@ -10014,7 +10078,7 @@
         </p:nvSpPr>
         <p:spPr>
           <a:xfrm>
-            <a:off x="2500950" y="2480304"/>
+            <a:off x="10708551" y="4260790"/>
             <a:ext cx="365760" cy="365760"/>
           </a:xfrm>
           <a:prstGeom prst="ellipse">
@@ -10187,8 +10251,8 @@
       </p:par>
     </p:tnLst>
     <p:bldLst>
+      <p:bldP spid="13" grpId="0" animBg="1"/>
       <p:bldP spid="21" grpId="0" animBg="1"/>
-      <p:bldP spid="13" grpId="0" animBg="1"/>
     </p:bldLst>
   </p:timing>
 </p:sld>

--- a/Presentazione.pptx
+++ b/Presentazione.pptx
@@ -5285,10 +5285,10 @@
       </p:sp>
       <p:pic>
         <p:nvPicPr>
-          <p:cNvPr id="13" name="Immagine 12" descr="Immagine che contiene pavimento, interni&#10;&#10;Descrizione generata automaticamente">
-            <a:extLst>
-              <a:ext uri="{FF2B5EF4-FFF2-40B4-BE49-F238E27FC236}">
-                <a16:creationId xmlns:a16="http://schemas.microsoft.com/office/drawing/2014/main" id="{0AC1C282-CE0D-4A94-B934-04F2ECA05013}"/>
+          <p:cNvPr id="18" name="Immagine 17" descr="Immagine che contiene pavimento, interni, edificio, piastrellato&#10;&#10;Descrizione generata automaticamente">
+            <a:extLst>
+              <a:ext uri="{FF2B5EF4-FFF2-40B4-BE49-F238E27FC236}">
+                <a16:creationId xmlns:a16="http://schemas.microsoft.com/office/drawing/2014/main" id="{45A77C20-6D14-44A6-8A1B-6829527FC279}"/>
               </a:ext>
             </a:extLst>
           </p:cNvPr>
@@ -5311,8 +5311,8 @@
         </p:blipFill>
         <p:spPr>
           <a:xfrm>
-            <a:off x="780209" y="3203236"/>
-            <a:ext cx="4995334" cy="2809875"/>
+            <a:off x="6404108" y="3204179"/>
+            <a:ext cx="4995333" cy="2809875"/>
           </a:xfrm>
           <a:prstGeom prst="rect">
             <a:avLst/>
@@ -5321,10 +5321,10 @@
       </p:pic>
       <p:pic>
         <p:nvPicPr>
-          <p:cNvPr id="11" name="Immagine 10" descr="Immagine che contiene pavimento, interni, edificio, piastrellato&#10;&#10;Descrizione generata automaticamente">
-            <a:extLst>
-              <a:ext uri="{FF2B5EF4-FFF2-40B4-BE49-F238E27FC236}">
-                <a16:creationId xmlns:a16="http://schemas.microsoft.com/office/drawing/2014/main" id="{48A9D838-F211-449A-B6E1-71370A55F99F}"/>
+          <p:cNvPr id="19" name="Immagine 18">
+            <a:extLst>
+              <a:ext uri="{FF2B5EF4-FFF2-40B4-BE49-F238E27FC236}">
+                <a16:creationId xmlns:a16="http://schemas.microsoft.com/office/drawing/2014/main" id="{98380100-A45C-4F76-BFB7-675E3E698189}"/>
               </a:ext>
             </a:extLst>
           </p:cNvPr>
@@ -5341,14 +5341,13 @@
               </a:ext>
             </a:extLst>
           </a:blip>
-          <a:stretch>
-            <a:fillRect/>
-          </a:stretch>
+          <a:srcRect/>
+          <a:stretch/>
         </p:blipFill>
         <p:spPr>
           <a:xfrm>
-            <a:off x="6397490" y="3203235"/>
-            <a:ext cx="4995334" cy="2809875"/>
+            <a:off x="774799" y="3204180"/>
+            <a:ext cx="4995333" cy="2809874"/>
           </a:xfrm>
           <a:prstGeom prst="rect">
             <a:avLst/>
@@ -9899,7 +9898,7 @@
       </p:sp>
       <p:pic>
         <p:nvPicPr>
-          <p:cNvPr id="22" name="Immagine 21" descr="Immagine che contiene pavimento, interni, edificio, piastrellato&#10;&#10;Descrizione generata automaticamente">
+          <p:cNvPr id="22" name="Immagine 21">
             <a:extLst>
               <a:ext uri="{FF2B5EF4-FFF2-40B4-BE49-F238E27FC236}">
                 <a16:creationId xmlns:a16="http://schemas.microsoft.com/office/drawing/2014/main" id="{6338A5F4-28DB-42B5-9F99-023659392E0E}"/>
@@ -9919,14 +9918,13 @@
               </a:ext>
             </a:extLst>
           </a:blip>
-          <a:stretch>
-            <a:fillRect/>
-          </a:stretch>
+          <a:srcRect/>
+          <a:stretch/>
         </p:blipFill>
         <p:spPr>
           <a:xfrm>
             <a:off x="7424609" y="3409122"/>
-            <a:ext cx="4504567" cy="2533819"/>
+            <a:ext cx="4504567" cy="2533818"/>
           </a:xfrm>
           <a:prstGeom prst="rect">
             <a:avLst/>
@@ -9935,7 +9933,7 @@
       </p:pic>
       <p:pic>
         <p:nvPicPr>
-          <p:cNvPr id="23" name="Immagine 22" descr="Immagine che contiene pavimento, interni, piastrellato&#10;&#10;Descrizione generata automaticamente">
+          <p:cNvPr id="23" name="Immagine 22">
             <a:extLst>
               <a:ext uri="{FF2B5EF4-FFF2-40B4-BE49-F238E27FC236}">
                 <a16:creationId xmlns:a16="http://schemas.microsoft.com/office/drawing/2014/main" id="{308B882F-0DD9-49D1-B878-2D990A7BAC29}"/>
@@ -9955,14 +9953,13 @@
               </a:ext>
             </a:extLst>
           </a:blip>
-          <a:stretch>
-            <a:fillRect/>
-          </a:stretch>
+          <a:srcRect/>
+          <a:stretch/>
         </p:blipFill>
         <p:spPr>
           <a:xfrm>
             <a:off x="3686569" y="2805842"/>
-            <a:ext cx="4504567" cy="2533819"/>
+            <a:ext cx="4504567" cy="2533818"/>
           </a:xfrm>
           <a:prstGeom prst="rect">
             <a:avLst/>
@@ -9971,7 +9968,7 @@
       </p:pic>
       <p:pic>
         <p:nvPicPr>
-          <p:cNvPr id="24" name="Immagine 23" descr="Immagine che contiene testo&#10;&#10;Descrizione generata automaticamente">
+          <p:cNvPr id="24" name="Immagine 23">
             <a:extLst>
               <a:ext uri="{FF2B5EF4-FFF2-40B4-BE49-F238E27FC236}">
                 <a16:creationId xmlns:a16="http://schemas.microsoft.com/office/drawing/2014/main" id="{BF66221F-1702-4632-9D16-5244CD2CABDE}"/>
@@ -9991,14 +9988,13 @@
               </a:ext>
             </a:extLst>
           </a:blip>
-          <a:stretch>
-            <a:fillRect/>
-          </a:stretch>
+          <a:srcRect/>
+          <a:stretch/>
         </p:blipFill>
         <p:spPr>
           <a:xfrm>
             <a:off x="332212" y="2143125"/>
-            <a:ext cx="3966072" cy="2571750"/>
+            <a:ext cx="3966072" cy="2571749"/>
           </a:xfrm>
           <a:prstGeom prst="rect">
             <a:avLst/>

--- a/Presentazione.pptx
+++ b/Presentazione.pptx
@@ -5502,7 +5502,7 @@
             </a:pPr>
             <a:r>
               <a:rPr lang="it-IT" dirty="0"/>
-              <a:t>Aumentando la potenza computazionale, si può sostituire la rete neurale con conseguente maggior precisione ed un numero incrementato di </a:t>
+              <a:t>Aumentando la potenza computazionale, si può sostituire la rete neurale con una migliore che possiede maggior precisione di identificazione e un numero incrementato di </a:t>
             </a:r>
             <a:r>
               <a:rPr lang="it-IT" dirty="0" err="1"/>

--- a/Presentazione.pptx
+++ b/Presentazione.pptx
@@ -221,7 +221,7 @@
           <a:p>
             <a:fld id="{D62E0E92-620B-48BA-B70C-9AD2F1AE0B02}" type="datetimeFigureOut">
               <a:rPr lang="it-IT" smtClean="0"/>
-              <a:t>26/11/2021</a:t>
+              <a:t>27/11/2021</a:t>
             </a:fld>
             <a:endParaRPr lang="it-IT"/>
           </a:p>
@@ -637,7 +637,7 @@
           <a:p>
             <a:fld id="{99327CAC-D07F-4375-87D3-274161A65017}" type="datetime1">
               <a:rPr lang="it-IT" smtClean="0"/>
-              <a:t>26/11/2021</a:t>
+              <a:t>27/11/2021</a:t>
             </a:fld>
             <a:endParaRPr lang="en-US"/>
           </a:p>
@@ -849,7 +849,7 @@
           <a:p>
             <a:fld id="{51AC3528-80E1-40F5-8488-35F0BAB45D0E}" type="datetime1">
               <a:rPr lang="it-IT" smtClean="0"/>
-              <a:t>26/11/2021</a:t>
+              <a:t>27/11/2021</a:t>
             </a:fld>
             <a:endParaRPr lang="en-US"/>
           </a:p>
@@ -1060,7 +1060,7 @@
           <a:p>
             <a:fld id="{999C57C1-E281-4B39-A555-1C7F2E300E57}" type="datetime1">
               <a:rPr lang="it-IT" smtClean="0"/>
-              <a:t>26/11/2021</a:t>
+              <a:t>27/11/2021</a:t>
             </a:fld>
             <a:endParaRPr lang="en-US"/>
           </a:p>
@@ -1261,7 +1261,7 @@
           <a:p>
             <a:fld id="{96195510-5B22-4857-83F8-196A83FBB0FB}" type="datetime1">
               <a:rPr lang="it-IT" smtClean="0"/>
-              <a:t>26/11/2021</a:t>
+              <a:t>27/11/2021</a:t>
             </a:fld>
             <a:endParaRPr lang="en-US"/>
           </a:p>
@@ -1540,7 +1540,7 @@
           <a:p>
             <a:fld id="{78209844-9054-44E2-88A2-9A387D6F4287}" type="datetime1">
               <a:rPr lang="it-IT" smtClean="0"/>
-              <a:t>26/11/2021</a:t>
+              <a:t>27/11/2021</a:t>
             </a:fld>
             <a:endParaRPr lang="en-US"/>
           </a:p>
@@ -1815,7 +1815,7 @@
           <a:p>
             <a:fld id="{C5BF11B8-AC7D-4793-8EA8-2BED87C88F46}" type="datetime1">
               <a:rPr lang="it-IT" smtClean="0"/>
-              <a:t>26/11/2021</a:t>
+              <a:t>27/11/2021</a:t>
             </a:fld>
             <a:endParaRPr lang="en-US"/>
           </a:p>
@@ -2233,7 +2233,7 @@
           <a:p>
             <a:fld id="{0D8D95D6-2200-4E54-9E4C-6F5B3A84886A}" type="datetime1">
               <a:rPr lang="it-IT" smtClean="0"/>
-              <a:t>26/11/2021</a:t>
+              <a:t>27/11/2021</a:t>
             </a:fld>
             <a:endParaRPr lang="en-US"/>
           </a:p>
@@ -2383,7 +2383,7 @@
           <a:p>
             <a:fld id="{868694B6-E987-4B97-AD9A-D39CF7EFD086}" type="datetime1">
               <a:rPr lang="it-IT" smtClean="0"/>
-              <a:t>26/11/2021</a:t>
+              <a:t>27/11/2021</a:t>
             </a:fld>
             <a:endParaRPr lang="en-US"/>
           </a:p>
@@ -2499,7 +2499,7 @@
           <a:p>
             <a:fld id="{045A6181-2606-4AA7-989B-FE6B921ADE57}" type="datetime1">
               <a:rPr lang="it-IT" smtClean="0"/>
-              <a:t>26/11/2021</a:t>
+              <a:t>27/11/2021</a:t>
             </a:fld>
             <a:endParaRPr lang="en-US"/>
           </a:p>
@@ -2814,7 +2814,7 @@
           <a:p>
             <a:fld id="{159002DC-5226-43C0-B7F7-F36643C6C226}" type="datetime1">
               <a:rPr lang="it-IT" smtClean="0"/>
-              <a:t>26/11/2021</a:t>
+              <a:t>27/11/2021</a:t>
             </a:fld>
             <a:endParaRPr lang="en-US"/>
           </a:p>
@@ -3108,7 +3108,7 @@
           <a:p>
             <a:fld id="{536DD7B1-67C3-470E-AB26-E97772E8B11C}" type="datetime1">
               <a:rPr lang="it-IT" smtClean="0"/>
-              <a:t>26/11/2021</a:t>
+              <a:t>27/11/2021</a:t>
             </a:fld>
             <a:endParaRPr lang="en-US"/>
           </a:p>
@@ -3352,7 +3352,7 @@
           <a:p>
             <a:fld id="{A31D3A21-AE62-40E6-929E-02B5E55AC6C2}" type="datetime1">
               <a:rPr lang="it-IT" smtClean="0"/>
-              <a:t>26/11/2021</a:t>
+              <a:t>27/11/2021</a:t>
             </a:fld>
             <a:endParaRPr lang="en-US" dirty="0"/>
           </a:p>
@@ -3943,7 +3943,7 @@
           <a:p>
             <a:fld id="{008DE197-ECA9-4A18-B8F0-70B4B45B1EAE}" type="datetime1">
               <a:rPr lang="it-IT" smtClean="0"/>
-              <a:t>26/11/2021</a:t>
+              <a:t>27/11/2021</a:t>
             </a:fld>
             <a:endParaRPr lang="en-US"/>
           </a:p>
@@ -4088,7 +4088,7 @@
         </p:nvSpPr>
         <p:spPr>
           <a:xfrm>
-            <a:off x="761998" y="69056"/>
+            <a:off x="761998" y="98873"/>
             <a:ext cx="10668000" cy="1985963"/>
           </a:xfrm>
         </p:spPr>
@@ -4128,7 +4128,7 @@
         </p:nvSpPr>
         <p:spPr>
           <a:xfrm>
-            <a:off x="761998" y="1540572"/>
+            <a:off x="761998" y="1560450"/>
             <a:ext cx="10667998" cy="1499511"/>
           </a:xfrm>
         </p:spPr>
@@ -4171,15 +4171,7 @@
             </a:br>
             <a:r>
               <a:rPr lang="it-IT" dirty="0"/>
-              <a:t>Trovare quindi una via </a:t>
-            </a:r>
-            <a:r>
-              <a:rPr lang="it-IT"/>
-              <a:t>di mezzo tra </a:t>
-            </a:r>
-            <a:r>
-              <a:rPr lang="it-IT" dirty="0"/>
-              <a:t>falsi positivi e output corretto.</a:t>
+              <a:t>Trovare quindi una via di mezzo tra falsi positivi e output corretto.</a:t>
             </a:r>
           </a:p>
           <a:p>
@@ -4258,7 +4250,7 @@
                 <a:tabLst/>
                 <a:defRPr/>
               </a:pPr>
-              <a:t>26/11/2021</a:t>
+              <a:t>27/11/2021</a:t>
             </a:fld>
             <a:endParaRPr kumimoji="0" lang="en-US" sz="900" b="0" i="0" u="none" strike="noStrike" kern="1200" cap="none" spc="0" normalizeH="0" baseline="0" noProof="0">
               <a:ln>
@@ -5081,7 +5073,7 @@
                 <a:tabLst/>
                 <a:defRPr/>
               </a:pPr>
-              <a:t>26/11/2021</a:t>
+              <a:t>27/11/2021</a:t>
             </a:fld>
             <a:endParaRPr kumimoji="0" lang="en-US" sz="900" b="0" i="0" u="none" strike="noStrike" kern="1200" cap="none" spc="0" normalizeH="0" baseline="0" noProof="0">
               <a:ln>
@@ -5585,7 +5577,7 @@
                 <a:tabLst/>
                 <a:defRPr/>
               </a:pPr>
-              <a:t>26/11/2021</a:t>
+              <a:t>27/11/2021</a:t>
             </a:fld>
             <a:endParaRPr kumimoji="0" lang="en-US" sz="900" b="0" i="0" u="none" strike="noStrike" kern="1200" cap="none" spc="0" normalizeH="0" baseline="0" noProof="0">
               <a:ln>
@@ -5950,7 +5942,7 @@
                 <a:tabLst/>
                 <a:defRPr/>
               </a:pPr>
-              <a:t>26/11/2021</a:t>
+              <a:t>27/11/2021</a:t>
             </a:fld>
             <a:endParaRPr kumimoji="0" lang="en-US" sz="900" b="0" i="0" u="none" strike="noStrike" kern="1200" cap="none" spc="0" normalizeH="0" baseline="0" noProof="0">
               <a:ln>
@@ -6331,7 +6323,7 @@
           <a:p>
             <a:fld id="{EACE4ECE-4589-4666-B199-0F3643ABD5A2}" type="datetime1">
               <a:rPr lang="it-IT" smtClean="0"/>
-              <a:t>26/11/2021</a:t>
+              <a:t>27/11/2021</a:t>
             </a:fld>
             <a:endParaRPr lang="en-US"/>
           </a:p>
@@ -6589,7 +6581,7 @@
           <a:p>
             <a:fld id="{5997E0D3-1F6C-4EF7-9F59-B91FC5FC725C}" type="datetime1">
               <a:rPr lang="it-IT" smtClean="0"/>
-              <a:t>26/11/2021</a:t>
+              <a:t>27/11/2021</a:t>
             </a:fld>
             <a:endParaRPr lang="en-US"/>
           </a:p>
@@ -7119,7 +7111,7 @@
           <a:p>
             <a:fld id="{2A5B21BD-8DF6-414C-96B9-8D34CEEC0A3D}" type="datetime1">
               <a:rPr lang="it-IT" smtClean="0"/>
-              <a:t>26/11/2021</a:t>
+              <a:t>27/11/2021</a:t>
             </a:fld>
             <a:endParaRPr lang="en-US"/>
           </a:p>
@@ -7349,7 +7341,7 @@
           <a:p>
             <a:fld id="{E2B9554C-F726-43B4-AA11-83BC98311E77}" type="datetime1">
               <a:rPr lang="it-IT" smtClean="0"/>
-              <a:t>26/11/2021</a:t>
+              <a:t>27/11/2021</a:t>
             </a:fld>
             <a:endParaRPr lang="en-US"/>
           </a:p>
@@ -7373,7 +7365,7 @@
         </p:nvSpPr>
         <p:spPr>
           <a:xfrm>
-            <a:off x="6834248" y="6273843"/>
+            <a:off x="6854126" y="6273843"/>
             <a:ext cx="4572000" cy="365125"/>
           </a:xfrm>
         </p:spPr>
@@ -7918,7 +7910,7 @@
                 <a:tabLst/>
                 <a:defRPr/>
               </a:pPr>
-              <a:t>26/11/2021</a:t>
+              <a:t>27/11/2021</a:t>
             </a:fld>
             <a:endParaRPr kumimoji="0" lang="en-US" sz="900" b="0" i="0" u="none" strike="noStrike" kern="1200" cap="none" spc="0" normalizeH="0" baseline="0" noProof="0">
               <a:ln>
@@ -7955,7 +7947,7 @@
         </p:nvSpPr>
         <p:spPr>
           <a:xfrm>
-            <a:off x="6834248" y="6273843"/>
+            <a:off x="6854126" y="6273843"/>
             <a:ext cx="4572000" cy="365125"/>
           </a:xfrm>
         </p:spPr>
@@ -8524,7 +8516,7 @@
                 <a:tabLst/>
                 <a:defRPr/>
               </a:pPr>
-              <a:t>26/11/2021</a:t>
+              <a:t>27/11/2021</a:t>
             </a:fld>
             <a:endParaRPr kumimoji="0" lang="en-US" sz="900" b="0" i="0" u="none" strike="noStrike" kern="1200" cap="none" spc="0" normalizeH="0" baseline="0" noProof="0" dirty="0">
               <a:ln>
@@ -8561,7 +8553,7 @@
         </p:nvSpPr>
         <p:spPr>
           <a:xfrm>
-            <a:off x="6834248" y="6273843"/>
+            <a:off x="6854126" y="6273843"/>
             <a:ext cx="4572000" cy="365125"/>
           </a:xfrm>
         </p:spPr>
@@ -9173,7 +9165,7 @@
                 <a:tabLst/>
                 <a:defRPr/>
               </a:pPr>
-              <a:t>26/11/2021</a:t>
+              <a:t>27/11/2021</a:t>
             </a:fld>
             <a:endParaRPr kumimoji="0" lang="en-US" sz="900" b="0" i="0" u="none" strike="noStrike" kern="1200" cap="none" spc="0" normalizeH="0" baseline="0" noProof="0">
               <a:ln>
@@ -9538,7 +9530,7 @@
         </p:nvSpPr>
         <p:spPr>
           <a:xfrm>
-            <a:off x="761998" y="69056"/>
+            <a:off x="762000" y="99390"/>
             <a:ext cx="10668000" cy="1985963"/>
           </a:xfrm>
         </p:spPr>
@@ -9576,7 +9568,12 @@
             <p:ph type="dt" sz="half" idx="10"/>
           </p:nvPr>
         </p:nvSpPr>
-        <p:spPr/>
+        <p:spPr>
+          <a:xfrm>
+            <a:off x="762000" y="401593"/>
+            <a:ext cx="3048000" cy="365125"/>
+          </a:xfrm>
+        </p:spPr>
         <p:txBody>
           <a:bodyPr/>
           <a:lstStyle/>
@@ -9630,9 +9627,9 @@
                 <a:tabLst/>
                 <a:defRPr/>
               </a:pPr>
-              <a:t>26/11/2021</a:t>
+              <a:t>27/11/2021</a:t>
             </a:fld>
-            <a:endParaRPr kumimoji="0" lang="en-US" sz="900" b="0" i="0" u="none" strike="noStrike" kern="1200" cap="none" spc="0" normalizeH="0" baseline="0" noProof="0">
+            <a:endParaRPr kumimoji="0" lang="en-US" sz="900" b="0" i="0" u="none" strike="noStrike" kern="1200" cap="none" spc="0" normalizeH="0" baseline="0" noProof="0" dirty="0">
               <a:ln>
                 <a:noFill/>
               </a:ln>
@@ -9828,70 +9825,6 @@
               <a:latin typeface="Verdana Pro Cond SemiBold"/>
               <a:ea typeface="+mn-ea"/>
               <a:cs typeface="+mn-cs"/>
-            </a:endParaRPr>
-          </a:p>
-        </p:txBody>
-      </p:sp>
-      <p:sp>
-        <p:nvSpPr>
-          <p:cNvPr id="16" name="Titolo 1">
-            <a:extLst>
-              <a:ext uri="{FF2B5EF4-FFF2-40B4-BE49-F238E27FC236}">
-                <a16:creationId xmlns:a16="http://schemas.microsoft.com/office/drawing/2014/main" id="{D159D4E2-6B94-4FEB-B03A-1FB3A81A10B8}"/>
-              </a:ext>
-            </a:extLst>
-          </p:cNvPr>
-          <p:cNvSpPr txBox="1">
-            <a:spLocks/>
-          </p:cNvSpPr>
-          <p:nvPr/>
-        </p:nvSpPr>
-        <p:spPr>
-          <a:xfrm>
-            <a:off x="761998" y="29299"/>
-            <a:ext cx="10668000" cy="1985963"/>
-          </a:xfrm>
-          <a:prstGeom prst="rect">
-            <a:avLst/>
-          </a:prstGeom>
-        </p:spPr>
-        <p:txBody>
-          <a:bodyPr vert="horz" lIns="91440" tIns="45720" rIns="91440" bIns="45720" rtlCol="0" anchor="ctr" anchorCtr="0">
-            <a:normAutofit/>
-          </a:bodyPr>
-          <a:lstStyle>
-            <a:lvl1pPr algn="ctr" defTabSz="914400" rtl="0" eaLnBrk="1" latinLnBrk="0" hangingPunct="1">
-              <a:lnSpc>
-                <a:spcPct val="90000"/>
-              </a:lnSpc>
-              <a:spcBef>
-                <a:spcPct val="0"/>
-              </a:spcBef>
-              <a:buNone/>
-              <a:defRPr sz="6000" kern="1200">
-                <a:solidFill>
-                  <a:schemeClr val="tx1"/>
-                </a:solidFill>
-                <a:latin typeface="+mj-lt"/>
-                <a:ea typeface="+mj-ea"/>
-                <a:cs typeface="+mj-cs"/>
-              </a:defRPr>
-            </a:lvl1pPr>
-          </a:lstStyle>
-          <a:p>
-            <a:pPr algn="l"/>
-            <a:r>
-              <a:rPr lang="it-IT" sz="4800">
-                <a:solidFill>
-                  <a:srgbClr val="FFFFFF"/>
-                </a:solidFill>
-              </a:rPr>
-              <a:t>Primo approccio e primi output</a:t>
-            </a:r>
-            <a:endParaRPr lang="it-IT" sz="4800" dirty="0">
-              <a:solidFill>
-                <a:srgbClr val="FFFFFF"/>
-              </a:solidFill>
             </a:endParaRPr>
           </a:p>
         </p:txBody>

--- a/Presentazione.pptx
+++ b/Presentazione.pptx
@@ -4105,7 +4105,7 @@
                   <a:srgbClr val="FFFFFF"/>
                 </a:solidFill>
               </a:rPr>
-              <a:t>Problemi e possibili risoluzioni</a:t>
+              <a:t>Problemi e possibile soluzione</a:t>
             </a:r>
           </a:p>
         </p:txBody>
@@ -4129,7 +4129,7 @@
         <p:spPr>
           <a:xfrm>
             <a:off x="761998" y="1560450"/>
-            <a:ext cx="10667998" cy="1499511"/>
+            <a:ext cx="10667998" cy="1587658"/>
           </a:xfrm>
         </p:spPr>
         <p:txBody>
@@ -4558,7 +4558,7 @@
             </a:r>
             <a:r>
               <a:rPr lang="it-IT" sz="1200" dirty="0"/>
-              <a:t>=0.1</a:t>
+              <a:t>=0,1</a:t>
             </a:r>
           </a:p>
         </p:txBody>
@@ -4597,7 +4597,7 @@
             </a:r>
             <a:r>
               <a:rPr lang="it-IT" sz="1200" dirty="0"/>
-              <a:t>=0.3</a:t>
+              <a:t>=0,3</a:t>
             </a:r>
           </a:p>
         </p:txBody>

--- a/Presentazione.pptx
+++ b/Presentazione.pptx
@@ -10007,7 +10007,7 @@
         </p:nvSpPr>
         <p:spPr>
           <a:xfrm>
-            <a:off x="10708551" y="4260790"/>
+            <a:off x="10728429" y="4330881"/>
             <a:ext cx="365760" cy="365760"/>
           </a:xfrm>
           <a:prstGeom prst="ellipse">

--- a/Presentazione.pptx
+++ b/Presentazione.pptx
@@ -9074,7 +9074,7 @@
         <p:spPr>
           <a:xfrm>
             <a:off x="762000" y="401594"/>
-            <a:ext cx="10668000" cy="1985963"/>
+            <a:ext cx="8870284" cy="1985963"/>
           </a:xfrm>
         </p:spPr>
         <p:txBody>
@@ -9090,7 +9090,7 @@
                   <a:srgbClr val="FFFFFF"/>
                 </a:solidFill>
               </a:rPr>
-              <a:t>Immagini utilizzate come input dell’applicazione</a:t>
+              <a:t>Immagini utilizzate come input per l’applicazione</a:t>
             </a:r>
           </a:p>
         </p:txBody>

--- a/Presentazione.pptx
+++ b/Presentazione.pptx
@@ -11381,7 +11381,7 @@
             </a:pPr>
             <a:r>
               <a:rPr lang="it" sz="1700"/>
-              <a:t>Possibili miglioramenti riguardanti le prestazioni aumentando la potenza di calcolo (sostituendo la GPU) o limitandosi alla rilevazione della posizione del volto, aprendo anche la possibilità di allenare una rete neurale apposita.</a:t>
+              <a:t>Possibili miglioramenti riguardanti le prestazioni aumentando la potenza di calcolo (sostituendo la GPU) o limitandosi alla rilevazione della posizione del volto, aprendo alla possibilità di allenare una rete neurale apposita.</a:t>
             </a:r>
             <a:endParaRPr sz="1700"/>
           </a:p>
@@ -11693,7 +11693,7 @@
             </a:pPr>
             <a:r>
               <a:rPr lang="it" sz="2116"/>
-              <a:t>Oggi giorno, navigatori (street view) e reti neurali per la guida autonoma (es. Tesla, comma.ai) hanno necessità di grandi quantità di immagini stradali e luoghi pubblici.</a:t>
+              <a:t>Oggi giorno, navigatori (street view) e reti neurali per la guida autonoma (es. Tesla, comma.ai) hanno necessità di grandi quantità di immagini stradali e di luoghi pubblici.</a:t>
             </a:r>
             <a:endParaRPr sz="2116"/>
           </a:p>
@@ -11717,7 +11717,7 @@
             </a:pPr>
             <a:r>
               <a:rPr lang="it" sz="2116"/>
-              <a:t>La presenza di persone all’interno dei frame utilizzati da queste applicazioni, può portare a sanzioni economiche e legali legate alla privacy dei soggetti.</a:t>
+              <a:t>La presenza di persone all’interno dei frame utilizzati da queste applicazioni può portare a sanzioni economiche e legali legate alla privacy dei soggetti.</a:t>
             </a:r>
             <a:endParaRPr sz="2116"/>
           </a:p>
@@ -11764,7 +11764,7 @@
             </a:pPr>
             <a:r>
               <a:rPr lang="it" sz="2116"/>
-              <a:t>Per i seguenti motivi è stata creata questa applicazione, che, stimando la posa delle persone, senza identificarle, ne copre in volto.</a:t>
+              <a:t>Per i seguenti motivi è stata creata questa applicazione, che, stimando la posa delle persone, senza identificarle, ne copre il volto.</a:t>
             </a:r>
             <a:endParaRPr sz="2116"/>
           </a:p>

--- a/Presentazione.pptx
+++ b/Presentazione.pptx
@@ -10428,7 +10428,7 @@
                   <a:srgbClr val="FFFFFF"/>
                 </a:solidFill>
               </a:rPr>
-              <a:t>Problemi e possibile soluzione</a:t>
+              <a:t>Problemi e la possibile soluzione</a:t>
             </a:r>
             <a:endParaRPr/>
           </a:p>
@@ -14110,6 +14110,285 @@
 </file>
 
 <file path=ppt/theme/theme1.xml><?xml version="1.0" encoding="utf-8"?>
+<a:theme xmlns:a="http://schemas.openxmlformats.org/drawingml/2006/main" xmlns:r="http://schemas.openxmlformats.org/officeDocument/2006/relationships">
+  <a:themeElements>
+    <a:clrScheme name="Default">
+      <a:dk1>
+        <a:srgbClr val="000000"/>
+      </a:dk1>
+      <a:lt1>
+        <a:srgbClr val="FFFFFF"/>
+      </a:lt1>
+      <a:dk2>
+        <a:srgbClr val="158158"/>
+      </a:dk2>
+      <a:lt2>
+        <a:srgbClr val="F3F3F3"/>
+      </a:lt2>
+      <a:accent1>
+        <a:srgbClr val="058DC7"/>
+      </a:accent1>
+      <a:accent2>
+        <a:srgbClr val="50B432"/>
+      </a:accent2>
+      <a:accent3>
+        <a:srgbClr val="ED561B"/>
+      </a:accent3>
+      <a:accent4>
+        <a:srgbClr val="EDEF00"/>
+      </a:accent4>
+      <a:accent5>
+        <a:srgbClr val="24CBE5"/>
+      </a:accent5>
+      <a:accent6>
+        <a:srgbClr val="64E572"/>
+      </a:accent6>
+      <a:hlink>
+        <a:srgbClr val="2200CC"/>
+      </a:hlink>
+      <a:folHlink>
+        <a:srgbClr val="551A8B"/>
+      </a:folHlink>
+    </a:clrScheme>
+    <a:fontScheme name="Office">
+      <a:majorFont>
+        <a:latin typeface="Arial"/>
+        <a:ea typeface=""/>
+        <a:cs typeface=""/>
+        <a:font script="Jpan" typeface="ＭＳ Ｐゴシック"/>
+        <a:font script="Hang" typeface="맑은 고딕"/>
+        <a:font script="Hans" typeface="宋体"/>
+        <a:font script="Hant" typeface="新細明體"/>
+        <a:font script="Arab" typeface="Times New Roman"/>
+        <a:font script="Hebr" typeface="Times New Roman"/>
+        <a:font script="Thai" typeface="Angsana New"/>
+        <a:font script="Ethi" typeface="Nyala"/>
+        <a:font script="Beng" typeface="Vrinda"/>
+        <a:font script="Gujr" typeface="Shruti"/>
+        <a:font script="Khmr" typeface="MoolBoran"/>
+        <a:font script="Knda" typeface="Tunga"/>
+        <a:font script="Guru" typeface="Raavi"/>
+        <a:font script="Cans" typeface="Euphemia"/>
+        <a:font script="Cher" typeface="Plantagenet Cherokee"/>
+        <a:font script="Yiii" typeface="Microsoft Yi Baiti"/>
+        <a:font script="Tibt" typeface="Microsoft Himalaya"/>
+        <a:font script="Thaa" typeface="MV Boli"/>
+        <a:font script="Deva" typeface="Mangal"/>
+        <a:font script="Telu" typeface="Gautami"/>
+        <a:font script="Taml" typeface="Latha"/>
+        <a:font script="Syrc" typeface="Estrangelo Edessa"/>
+        <a:font script="Orya" typeface="Kalinga"/>
+        <a:font script="Mlym" typeface="Kartika"/>
+        <a:font script="Laoo" typeface="DokChampa"/>
+        <a:font script="Sinh" typeface="Iskoola Pota"/>
+        <a:font script="Mong" typeface="Mongolian Baiti"/>
+        <a:font script="Viet" typeface="Times New Roman"/>
+        <a:font script="Uigh" typeface="Microsoft Uighur"/>
+        <a:font script="Geor" typeface="Sylfaen"/>
+      </a:majorFont>
+      <a:minorFont>
+        <a:latin typeface="Arial"/>
+        <a:ea typeface=""/>
+        <a:cs typeface=""/>
+        <a:font script="Jpan" typeface="ＭＳ Ｐゴシック"/>
+        <a:font script="Hang" typeface="맑은 고딕"/>
+        <a:font script="Hans" typeface="宋体"/>
+        <a:font script="Hant" typeface="新細明體"/>
+        <a:font script="Arab" typeface="Arial"/>
+        <a:font script="Hebr" typeface="Arial"/>
+        <a:font script="Thai" typeface="Cordia New"/>
+        <a:font script="Ethi" typeface="Nyala"/>
+        <a:font script="Beng" typeface="Vrinda"/>
+        <a:font script="Gujr" typeface="Shruti"/>
+        <a:font script="Khmr" typeface="DaunPenh"/>
+        <a:font script="Knda" typeface="Tunga"/>
+        <a:font script="Guru" typeface="Raavi"/>
+        <a:font script="Cans" typeface="Euphemia"/>
+        <a:font script="Cher" typeface="Plantagenet Cherokee"/>
+        <a:font script="Yiii" typeface="Microsoft Yi Baiti"/>
+        <a:font script="Tibt" typeface="Microsoft Himalaya"/>
+        <a:font script="Thaa" typeface="MV Boli"/>
+        <a:font script="Deva" typeface="Mangal"/>
+        <a:font script="Telu" typeface="Gautami"/>
+        <a:font script="Taml" typeface="Latha"/>
+        <a:font script="Syrc" typeface="Estrangelo Edessa"/>
+        <a:font script="Orya" typeface="Kalinga"/>
+        <a:font script="Mlym" typeface="Kartika"/>
+        <a:font script="Laoo" typeface="DokChampa"/>
+        <a:font script="Sinh" typeface="Iskoola Pota"/>
+        <a:font script="Mong" typeface="Mongolian Baiti"/>
+        <a:font script="Viet" typeface="Arial"/>
+        <a:font script="Uigh" typeface="Microsoft Uighur"/>
+        <a:font script="Geor" typeface="Sylfaen"/>
+      </a:minorFont>
+    </a:fontScheme>
+    <a:fmtScheme name="Office">
+      <a:fillStyleLst>
+        <a:solidFill>
+          <a:schemeClr val="phClr"/>
+        </a:solidFill>
+        <a:gradFill rotWithShape="1">
+          <a:gsLst>
+            <a:gs pos="0">
+              <a:schemeClr val="phClr">
+                <a:tint val="50000"/>
+                <a:satMod val="300000"/>
+              </a:schemeClr>
+            </a:gs>
+            <a:gs pos="35000">
+              <a:schemeClr val="phClr">
+                <a:tint val="37000"/>
+                <a:satMod val="300000"/>
+              </a:schemeClr>
+            </a:gs>
+            <a:gs pos="100000">
+              <a:schemeClr val="phClr">
+                <a:tint val="15000"/>
+                <a:satMod val="350000"/>
+              </a:schemeClr>
+            </a:gs>
+          </a:gsLst>
+          <a:lin ang="16200000" scaled="1"/>
+        </a:gradFill>
+        <a:gradFill rotWithShape="1">
+          <a:gsLst>
+            <a:gs pos="0">
+              <a:schemeClr val="phClr">
+                <a:tint val="100000"/>
+                <a:shade val="100000"/>
+                <a:satMod val="130000"/>
+              </a:schemeClr>
+            </a:gs>
+            <a:gs pos="100000">
+              <a:schemeClr val="phClr">
+                <a:tint val="50000"/>
+                <a:shade val="100000"/>
+                <a:satMod val="350000"/>
+              </a:schemeClr>
+            </a:gs>
+          </a:gsLst>
+          <a:lin ang="16200000" scaled="0"/>
+        </a:gradFill>
+      </a:fillStyleLst>
+      <a:lnStyleLst>
+        <a:ln w="9525" cap="flat" cmpd="sng" algn="ctr">
+          <a:solidFill>
+            <a:schemeClr val="phClr">
+              <a:shade val="95000"/>
+              <a:satMod val="105000"/>
+            </a:schemeClr>
+          </a:solidFill>
+          <a:prstDash val="solid"/>
+        </a:ln>
+        <a:ln w="25400" cap="flat" cmpd="sng" algn="ctr">
+          <a:solidFill>
+            <a:schemeClr val="phClr"/>
+          </a:solidFill>
+          <a:prstDash val="solid"/>
+        </a:ln>
+        <a:ln w="38100" cap="flat" cmpd="sng" algn="ctr">
+          <a:solidFill>
+            <a:schemeClr val="phClr"/>
+          </a:solidFill>
+          <a:prstDash val="solid"/>
+        </a:ln>
+      </a:lnStyleLst>
+      <a:effectStyleLst>
+        <a:effectStyle>
+          <a:effectLst>
+            <a:outerShdw blurRad="40000" dist="20000" dir="5400000" rotWithShape="0">
+              <a:srgbClr val="000000">
+                <a:alpha val="38000"/>
+              </a:srgbClr>
+            </a:outerShdw>
+          </a:effectLst>
+        </a:effectStyle>
+        <a:effectStyle>
+          <a:effectLst>
+            <a:outerShdw blurRad="40000" dist="23000" dir="5400000" rotWithShape="0">
+              <a:srgbClr val="000000">
+                <a:alpha val="35000"/>
+              </a:srgbClr>
+            </a:outerShdw>
+          </a:effectLst>
+        </a:effectStyle>
+        <a:effectStyle>
+          <a:effectLst>
+            <a:outerShdw blurRad="40000" dist="23000" dir="5400000" rotWithShape="0">
+              <a:srgbClr val="000000">
+                <a:alpha val="35000"/>
+              </a:srgbClr>
+            </a:outerShdw>
+          </a:effectLst>
+          <a:scene3d>
+            <a:camera prst="orthographicFront">
+              <a:rot lat="0" lon="0" rev="0"/>
+            </a:camera>
+            <a:lightRig rig="threePt" dir="t">
+              <a:rot lat="0" lon="0" rev="1200000"/>
+            </a:lightRig>
+          </a:scene3d>
+          <a:sp3d>
+            <a:bevelT w="63500" h="25400"/>
+          </a:sp3d>
+        </a:effectStyle>
+      </a:effectStyleLst>
+      <a:bgFillStyleLst>
+        <a:solidFill>
+          <a:schemeClr val="phClr"/>
+        </a:solidFill>
+        <a:gradFill rotWithShape="1">
+          <a:gsLst>
+            <a:gs pos="0">
+              <a:schemeClr val="phClr">
+                <a:tint val="40000"/>
+                <a:satMod val="350000"/>
+              </a:schemeClr>
+            </a:gs>
+            <a:gs pos="40000">
+              <a:schemeClr val="phClr">
+                <a:tint val="45000"/>
+                <a:shade val="99000"/>
+                <a:satMod val="350000"/>
+              </a:schemeClr>
+            </a:gs>
+            <a:gs pos="100000">
+              <a:schemeClr val="phClr">
+                <a:shade val="20000"/>
+                <a:satMod val="255000"/>
+              </a:schemeClr>
+            </a:gs>
+          </a:gsLst>
+          <a:path path="circle">
+            <a:fillToRect l="50000" t="-80000" r="50000" b="180000"/>
+          </a:path>
+        </a:gradFill>
+        <a:gradFill rotWithShape="1">
+          <a:gsLst>
+            <a:gs pos="0">
+              <a:schemeClr val="phClr">
+                <a:tint val="80000"/>
+                <a:satMod val="300000"/>
+              </a:schemeClr>
+            </a:gs>
+            <a:gs pos="100000">
+              <a:schemeClr val="phClr">
+                <a:shade val="30000"/>
+                <a:satMod val="200000"/>
+              </a:schemeClr>
+            </a:gs>
+          </a:gsLst>
+          <a:path path="circle">
+            <a:fillToRect l="50000" t="50000" r="50000" b="50000"/>
+          </a:path>
+        </a:gradFill>
+      </a:bgFillStyleLst>
+    </a:fmtScheme>
+  </a:themeElements>
+</a:theme>
+</file>
+
+<file path=ppt/theme/theme2.xml><?xml version="1.0" encoding="utf-8"?>
 <a:theme xmlns:a="http://schemas.openxmlformats.org/drawingml/2006/main" xmlns:r="http://schemas.openxmlformats.org/officeDocument/2006/relationships" name="Focus">
   <a:themeElements>
     <a:clrScheme name="Focus">
@@ -14386,283 +14665,4 @@
     </a:fmtScheme>
   </a:themeElements>
 </a:theme>
-</file>
-
-<file path=ppt/theme/theme2.xml><?xml version="1.0" encoding="utf-8"?>
-<a:theme xmlns:a="http://schemas.openxmlformats.org/drawingml/2006/main" xmlns:r="http://schemas.openxmlformats.org/officeDocument/2006/relationships">
-  <a:themeElements>
-    <a:clrScheme name="Default">
-      <a:dk1>
-        <a:srgbClr val="000000"/>
-      </a:dk1>
-      <a:lt1>
-        <a:srgbClr val="FFFFFF"/>
-      </a:lt1>
-      <a:dk2>
-        <a:srgbClr val="158158"/>
-      </a:dk2>
-      <a:lt2>
-        <a:srgbClr val="F3F3F3"/>
-      </a:lt2>
-      <a:accent1>
-        <a:srgbClr val="058DC7"/>
-      </a:accent1>
-      <a:accent2>
-        <a:srgbClr val="50B432"/>
-      </a:accent2>
-      <a:accent3>
-        <a:srgbClr val="ED561B"/>
-      </a:accent3>
-      <a:accent4>
-        <a:srgbClr val="EDEF00"/>
-      </a:accent4>
-      <a:accent5>
-        <a:srgbClr val="24CBE5"/>
-      </a:accent5>
-      <a:accent6>
-        <a:srgbClr val="64E572"/>
-      </a:accent6>
-      <a:hlink>
-        <a:srgbClr val="2200CC"/>
-      </a:hlink>
-      <a:folHlink>
-        <a:srgbClr val="551A8B"/>
-      </a:folHlink>
-    </a:clrScheme>
-    <a:fontScheme name="Office">
-      <a:majorFont>
-        <a:latin typeface="Arial"/>
-        <a:ea typeface=""/>
-        <a:cs typeface=""/>
-        <a:font script="Jpan" typeface="ＭＳ Ｐゴシック"/>
-        <a:font script="Hang" typeface="맑은 고딕"/>
-        <a:font script="Hans" typeface="宋体"/>
-        <a:font script="Hant" typeface="新細明體"/>
-        <a:font script="Arab" typeface="Times New Roman"/>
-        <a:font script="Hebr" typeface="Times New Roman"/>
-        <a:font script="Thai" typeface="Angsana New"/>
-        <a:font script="Ethi" typeface="Nyala"/>
-        <a:font script="Beng" typeface="Vrinda"/>
-        <a:font script="Gujr" typeface="Shruti"/>
-        <a:font script="Khmr" typeface="MoolBoran"/>
-        <a:font script="Knda" typeface="Tunga"/>
-        <a:font script="Guru" typeface="Raavi"/>
-        <a:font script="Cans" typeface="Euphemia"/>
-        <a:font script="Cher" typeface="Plantagenet Cherokee"/>
-        <a:font script="Yiii" typeface="Microsoft Yi Baiti"/>
-        <a:font script="Tibt" typeface="Microsoft Himalaya"/>
-        <a:font script="Thaa" typeface="MV Boli"/>
-        <a:font script="Deva" typeface="Mangal"/>
-        <a:font script="Telu" typeface="Gautami"/>
-        <a:font script="Taml" typeface="Latha"/>
-        <a:font script="Syrc" typeface="Estrangelo Edessa"/>
-        <a:font script="Orya" typeface="Kalinga"/>
-        <a:font script="Mlym" typeface="Kartika"/>
-        <a:font script="Laoo" typeface="DokChampa"/>
-        <a:font script="Sinh" typeface="Iskoola Pota"/>
-        <a:font script="Mong" typeface="Mongolian Baiti"/>
-        <a:font script="Viet" typeface="Times New Roman"/>
-        <a:font script="Uigh" typeface="Microsoft Uighur"/>
-        <a:font script="Geor" typeface="Sylfaen"/>
-      </a:majorFont>
-      <a:minorFont>
-        <a:latin typeface="Arial"/>
-        <a:ea typeface=""/>
-        <a:cs typeface=""/>
-        <a:font script="Jpan" typeface="ＭＳ Ｐゴシック"/>
-        <a:font script="Hang" typeface="맑은 고딕"/>
-        <a:font script="Hans" typeface="宋体"/>
-        <a:font script="Hant" typeface="新細明體"/>
-        <a:font script="Arab" typeface="Arial"/>
-        <a:font script="Hebr" typeface="Arial"/>
-        <a:font script="Thai" typeface="Cordia New"/>
-        <a:font script="Ethi" typeface="Nyala"/>
-        <a:font script="Beng" typeface="Vrinda"/>
-        <a:font script="Gujr" typeface="Shruti"/>
-        <a:font script="Khmr" typeface="DaunPenh"/>
-        <a:font script="Knda" typeface="Tunga"/>
-        <a:font script="Guru" typeface="Raavi"/>
-        <a:font script="Cans" typeface="Euphemia"/>
-        <a:font script="Cher" typeface="Plantagenet Cherokee"/>
-        <a:font script="Yiii" typeface="Microsoft Yi Baiti"/>
-        <a:font script="Tibt" typeface="Microsoft Himalaya"/>
-        <a:font script="Thaa" typeface="MV Boli"/>
-        <a:font script="Deva" typeface="Mangal"/>
-        <a:font script="Telu" typeface="Gautami"/>
-        <a:font script="Taml" typeface="Latha"/>
-        <a:font script="Syrc" typeface="Estrangelo Edessa"/>
-        <a:font script="Orya" typeface="Kalinga"/>
-        <a:font script="Mlym" typeface="Kartika"/>
-        <a:font script="Laoo" typeface="DokChampa"/>
-        <a:font script="Sinh" typeface="Iskoola Pota"/>
-        <a:font script="Mong" typeface="Mongolian Baiti"/>
-        <a:font script="Viet" typeface="Arial"/>
-        <a:font script="Uigh" typeface="Microsoft Uighur"/>
-        <a:font script="Geor" typeface="Sylfaen"/>
-      </a:minorFont>
-    </a:fontScheme>
-    <a:fmtScheme name="Office">
-      <a:fillStyleLst>
-        <a:solidFill>
-          <a:schemeClr val="phClr"/>
-        </a:solidFill>
-        <a:gradFill rotWithShape="1">
-          <a:gsLst>
-            <a:gs pos="0">
-              <a:schemeClr val="phClr">
-                <a:tint val="50000"/>
-                <a:satMod val="300000"/>
-              </a:schemeClr>
-            </a:gs>
-            <a:gs pos="35000">
-              <a:schemeClr val="phClr">
-                <a:tint val="37000"/>
-                <a:satMod val="300000"/>
-              </a:schemeClr>
-            </a:gs>
-            <a:gs pos="100000">
-              <a:schemeClr val="phClr">
-                <a:tint val="15000"/>
-                <a:satMod val="350000"/>
-              </a:schemeClr>
-            </a:gs>
-          </a:gsLst>
-          <a:lin ang="16200000" scaled="1"/>
-        </a:gradFill>
-        <a:gradFill rotWithShape="1">
-          <a:gsLst>
-            <a:gs pos="0">
-              <a:schemeClr val="phClr">
-                <a:tint val="100000"/>
-                <a:shade val="100000"/>
-                <a:satMod val="130000"/>
-              </a:schemeClr>
-            </a:gs>
-            <a:gs pos="100000">
-              <a:schemeClr val="phClr">
-                <a:tint val="50000"/>
-                <a:shade val="100000"/>
-                <a:satMod val="350000"/>
-              </a:schemeClr>
-            </a:gs>
-          </a:gsLst>
-          <a:lin ang="16200000" scaled="0"/>
-        </a:gradFill>
-      </a:fillStyleLst>
-      <a:lnStyleLst>
-        <a:ln w="9525" cap="flat" cmpd="sng" algn="ctr">
-          <a:solidFill>
-            <a:schemeClr val="phClr">
-              <a:shade val="95000"/>
-              <a:satMod val="105000"/>
-            </a:schemeClr>
-          </a:solidFill>
-          <a:prstDash val="solid"/>
-        </a:ln>
-        <a:ln w="25400" cap="flat" cmpd="sng" algn="ctr">
-          <a:solidFill>
-            <a:schemeClr val="phClr"/>
-          </a:solidFill>
-          <a:prstDash val="solid"/>
-        </a:ln>
-        <a:ln w="38100" cap="flat" cmpd="sng" algn="ctr">
-          <a:solidFill>
-            <a:schemeClr val="phClr"/>
-          </a:solidFill>
-          <a:prstDash val="solid"/>
-        </a:ln>
-      </a:lnStyleLst>
-      <a:effectStyleLst>
-        <a:effectStyle>
-          <a:effectLst>
-            <a:outerShdw blurRad="40000" dist="20000" dir="5400000" rotWithShape="0">
-              <a:srgbClr val="000000">
-                <a:alpha val="38000"/>
-              </a:srgbClr>
-            </a:outerShdw>
-          </a:effectLst>
-        </a:effectStyle>
-        <a:effectStyle>
-          <a:effectLst>
-            <a:outerShdw blurRad="40000" dist="23000" dir="5400000" rotWithShape="0">
-              <a:srgbClr val="000000">
-                <a:alpha val="35000"/>
-              </a:srgbClr>
-            </a:outerShdw>
-          </a:effectLst>
-        </a:effectStyle>
-        <a:effectStyle>
-          <a:effectLst>
-            <a:outerShdw blurRad="40000" dist="23000" dir="5400000" rotWithShape="0">
-              <a:srgbClr val="000000">
-                <a:alpha val="35000"/>
-              </a:srgbClr>
-            </a:outerShdw>
-          </a:effectLst>
-          <a:scene3d>
-            <a:camera prst="orthographicFront">
-              <a:rot lat="0" lon="0" rev="0"/>
-            </a:camera>
-            <a:lightRig rig="threePt" dir="t">
-              <a:rot lat="0" lon="0" rev="1200000"/>
-            </a:lightRig>
-          </a:scene3d>
-          <a:sp3d>
-            <a:bevelT w="63500" h="25400"/>
-          </a:sp3d>
-        </a:effectStyle>
-      </a:effectStyleLst>
-      <a:bgFillStyleLst>
-        <a:solidFill>
-          <a:schemeClr val="phClr"/>
-        </a:solidFill>
-        <a:gradFill rotWithShape="1">
-          <a:gsLst>
-            <a:gs pos="0">
-              <a:schemeClr val="phClr">
-                <a:tint val="40000"/>
-                <a:satMod val="350000"/>
-              </a:schemeClr>
-            </a:gs>
-            <a:gs pos="40000">
-              <a:schemeClr val="phClr">
-                <a:tint val="45000"/>
-                <a:shade val="99000"/>
-                <a:satMod val="350000"/>
-              </a:schemeClr>
-            </a:gs>
-            <a:gs pos="100000">
-              <a:schemeClr val="phClr">
-                <a:shade val="20000"/>
-                <a:satMod val="255000"/>
-              </a:schemeClr>
-            </a:gs>
-          </a:gsLst>
-          <a:path path="circle">
-            <a:fillToRect l="50000" t="-80000" r="50000" b="180000"/>
-          </a:path>
-        </a:gradFill>
-        <a:gradFill rotWithShape="1">
-          <a:gsLst>
-            <a:gs pos="0">
-              <a:schemeClr val="phClr">
-                <a:tint val="80000"/>
-                <a:satMod val="300000"/>
-              </a:schemeClr>
-            </a:gs>
-            <a:gs pos="100000">
-              <a:schemeClr val="phClr">
-                <a:shade val="30000"/>
-                <a:satMod val="200000"/>
-              </a:schemeClr>
-            </a:gs>
-          </a:gsLst>
-          <a:path path="circle">
-            <a:fillToRect l="50000" t="50000" r="50000" b="50000"/>
-          </a:path>
-        </a:gradFill>
-      </a:bgFillStyleLst>
-    </a:fmtScheme>
-  </a:themeElements>
-</a:theme>
 </file>
--- a/Presentazione.pptx
+++ b/Presentazione.pptx
@@ -10283,8 +10283,8 @@
         </p:nvSpPr>
         <p:spPr>
           <a:xfrm>
-            <a:off x="4997150" y="3728250"/>
-            <a:ext cx="3557700" cy="758700"/>
+            <a:off x="4738400" y="3449450"/>
+            <a:ext cx="4210800" cy="1117200"/>
           </a:xfrm>
           <a:prstGeom prst="rect">
             <a:avLst/>
@@ -10295,6 +10295,65 @@
             <a:noAutofit/>
           </a:bodyPr>
           <a:lstStyle/>
+          <a:p>
+            <a:pPr indent="0" lvl="0" marL="0" rtl="0" algn="l">
+              <a:lnSpc>
+                <a:spcPct val="70000"/>
+              </a:lnSpc>
+              <a:spcBef>
+                <a:spcPts val="0"/>
+              </a:spcBef>
+              <a:spcAft>
+                <a:spcPts val="0"/>
+              </a:spcAft>
+              <a:buClr>
+                <a:srgbClr val="FFFFFF"/>
+              </a:buClr>
+              <a:buSzPts val="2400"/>
+              <a:buFont typeface="Arial"/>
+              <a:buNone/>
+            </a:pPr>
+            <a:r>
+              <a:rPr lang="it" sz="1600">
+                <a:solidFill>
+                  <a:srgbClr val="FFFFFF"/>
+                </a:solidFill>
+              </a:rPr>
+              <a:t>Candidato: Francesco Luzzi</a:t>
+            </a:r>
+            <a:endParaRPr sz="1600">
+              <a:solidFill>
+                <a:srgbClr val="FFFFFF"/>
+              </a:solidFill>
+            </a:endParaRPr>
+          </a:p>
+          <a:p>
+            <a:pPr indent="0" lvl="0" marL="0" rtl="0" algn="l">
+              <a:lnSpc>
+                <a:spcPct val="70000"/>
+              </a:lnSpc>
+              <a:spcBef>
+                <a:spcPts val="0"/>
+              </a:spcBef>
+              <a:spcAft>
+                <a:spcPts val="0"/>
+              </a:spcAft>
+              <a:buClr>
+                <a:srgbClr val="FFFFFF"/>
+              </a:buClr>
+              <a:buSzPts val="2400"/>
+              <a:buFont typeface="Arial"/>
+              <a:buNone/>
+            </a:pPr>
+            <a:r>
+              <a:t/>
+            </a:r>
+            <a:endParaRPr sz="1600">
+              <a:solidFill>
+                <a:srgbClr val="FFFFFF"/>
+              </a:solidFill>
+            </a:endParaRPr>
+          </a:p>
           <a:p>
             <a:pPr indent="0" lvl="0" marL="0" rtl="0" algn="l">
               <a:lnSpc>
@@ -10333,7 +10392,34 @@
                 <a:spcPct val="70000"/>
               </a:lnSpc>
               <a:spcBef>
-                <a:spcPts val="1000"/>
+                <a:spcPts val="0"/>
+              </a:spcBef>
+              <a:spcAft>
+                <a:spcPts val="0"/>
+              </a:spcAft>
+              <a:buClr>
+                <a:srgbClr val="FFFFFF"/>
+              </a:buClr>
+              <a:buSzPts val="2400"/>
+              <a:buFont typeface="Arial"/>
+              <a:buNone/>
+            </a:pPr>
+            <a:r>
+              <a:t/>
+            </a:r>
+            <a:endParaRPr sz="1600">
+              <a:solidFill>
+                <a:srgbClr val="FFFFFF"/>
+              </a:solidFill>
+            </a:endParaRPr>
+          </a:p>
+          <a:p>
+            <a:pPr indent="0" lvl="0" marL="0" rtl="0" algn="l">
+              <a:lnSpc>
+                <a:spcPct val="70000"/>
+              </a:lnSpc>
+              <a:spcBef>
+                <a:spcPts val="0"/>
               </a:spcBef>
               <a:spcAft>
                 <a:spcPts val="0"/>
@@ -10505,7 +10591,15 @@
             </a:br>
             <a:r>
               <a:rPr lang="it" sz="1400"/>
-              <a:t>Trovare quindi una via di mezzo tra falsi positivi e output corretto.</a:t>
+              <a:t>E’ quindi</a:t>
+            </a:r>
+            <a:r>
+              <a:rPr lang="it" sz="1400"/>
+              <a:t>  necessario</a:t>
+            </a:r>
+            <a:r>
+              <a:rPr lang="it" sz="1400"/>
+              <a:t> trovare una via di mezzo tra falsi positivi e output corretto.</a:t>
             </a:r>
             <a:endParaRPr sz="1400"/>
           </a:p>
@@ -11764,7 +11858,7 @@
             </a:pPr>
             <a:r>
               <a:rPr lang="it" sz="2116"/>
-              <a:t>Per i seguenti motivi è stata creata questa applicazione, che, stimando la posa delle persone, senza identificarle, ne copre il volto.</a:t>
+              <a:t>Per questo motivo, è stata creata la seguente applicazione, che, stimando la posa delle persone e senza identificarle, ne copre il volto.</a:t>
             </a:r>
             <a:endParaRPr sz="2116"/>
           </a:p>
@@ -12942,7 +13036,7 @@
         </p:nvSpPr>
         <p:spPr>
           <a:xfrm>
-            <a:off x="786575" y="1999394"/>
+            <a:off x="786575" y="1999400"/>
             <a:ext cx="3948900" cy="1257000"/>
           </a:xfrm>
           <a:prstGeom prst="rect">
@@ -14110,6 +14204,285 @@
 </file>
 
 <file path=ppt/theme/theme1.xml><?xml version="1.0" encoding="utf-8"?>
+<a:theme xmlns:a="http://schemas.openxmlformats.org/drawingml/2006/main" xmlns:r="http://schemas.openxmlformats.org/officeDocument/2006/relationships" name="Focus">
+  <a:themeElements>
+    <a:clrScheme name="Focus">
+      <a:dk1>
+        <a:srgbClr val="1B212C"/>
+      </a:dk1>
+      <a:lt1>
+        <a:srgbClr val="FFFFFF"/>
+      </a:lt1>
+      <a:dk2>
+        <a:srgbClr val="D9D9D9"/>
+      </a:dk2>
+      <a:lt2>
+        <a:srgbClr val="82C7A5"/>
+      </a:lt2>
+      <a:accent1>
+        <a:srgbClr val="0145AC"/>
+      </a:accent1>
+      <a:accent2>
+        <a:srgbClr val="EECE1A"/>
+      </a:accent2>
+      <a:accent3>
+        <a:srgbClr val="4E5567"/>
+      </a:accent3>
+      <a:accent4>
+        <a:srgbClr val="F4D6AD"/>
+      </a:accent4>
+      <a:accent5>
+        <a:srgbClr val="7890CD"/>
+      </a:accent5>
+      <a:accent6>
+        <a:srgbClr val="F15E22"/>
+      </a:accent6>
+      <a:hlink>
+        <a:srgbClr val="7890CD"/>
+      </a:hlink>
+      <a:folHlink>
+        <a:srgbClr val="7890CD"/>
+      </a:folHlink>
+    </a:clrScheme>
+    <a:fontScheme name="Office">
+      <a:majorFont>
+        <a:latin typeface="Arial"/>
+        <a:ea typeface=""/>
+        <a:cs typeface=""/>
+        <a:font script="Jpan" typeface="ＭＳ Ｐゴシック"/>
+        <a:font script="Hang" typeface="맑은 고딕"/>
+        <a:font script="Hans" typeface="宋体"/>
+        <a:font script="Hant" typeface="新細明體"/>
+        <a:font script="Arab" typeface="Times New Roman"/>
+        <a:font script="Hebr" typeface="Times New Roman"/>
+        <a:font script="Thai" typeface="Angsana New"/>
+        <a:font script="Ethi" typeface="Nyala"/>
+        <a:font script="Beng" typeface="Vrinda"/>
+        <a:font script="Gujr" typeface="Shruti"/>
+        <a:font script="Khmr" typeface="MoolBoran"/>
+        <a:font script="Knda" typeface="Tunga"/>
+        <a:font script="Guru" typeface="Raavi"/>
+        <a:font script="Cans" typeface="Euphemia"/>
+        <a:font script="Cher" typeface="Plantagenet Cherokee"/>
+        <a:font script="Yiii" typeface="Microsoft Yi Baiti"/>
+        <a:font script="Tibt" typeface="Microsoft Himalaya"/>
+        <a:font script="Thaa" typeface="MV Boli"/>
+        <a:font script="Deva" typeface="Mangal"/>
+        <a:font script="Telu" typeface="Gautami"/>
+        <a:font script="Taml" typeface="Latha"/>
+        <a:font script="Syrc" typeface="Estrangelo Edessa"/>
+        <a:font script="Orya" typeface="Kalinga"/>
+        <a:font script="Mlym" typeface="Kartika"/>
+        <a:font script="Laoo" typeface="DokChampa"/>
+        <a:font script="Sinh" typeface="Iskoola Pota"/>
+        <a:font script="Mong" typeface="Mongolian Baiti"/>
+        <a:font script="Viet" typeface="Times New Roman"/>
+        <a:font script="Uigh" typeface="Microsoft Uighur"/>
+        <a:font script="Geor" typeface="Sylfaen"/>
+      </a:majorFont>
+      <a:minorFont>
+        <a:latin typeface="Arial"/>
+        <a:ea typeface=""/>
+        <a:cs typeface=""/>
+        <a:font script="Jpan" typeface="ＭＳ Ｐゴシック"/>
+        <a:font script="Hang" typeface="맑은 고딕"/>
+        <a:font script="Hans" typeface="宋体"/>
+        <a:font script="Hant" typeface="新細明體"/>
+        <a:font script="Arab" typeface="Arial"/>
+        <a:font script="Hebr" typeface="Arial"/>
+        <a:font script="Thai" typeface="Cordia New"/>
+        <a:font script="Ethi" typeface="Nyala"/>
+        <a:font script="Beng" typeface="Vrinda"/>
+        <a:font script="Gujr" typeface="Shruti"/>
+        <a:font script="Khmr" typeface="DaunPenh"/>
+        <a:font script="Knda" typeface="Tunga"/>
+        <a:font script="Guru" typeface="Raavi"/>
+        <a:font script="Cans" typeface="Euphemia"/>
+        <a:font script="Cher" typeface="Plantagenet Cherokee"/>
+        <a:font script="Yiii" typeface="Microsoft Yi Baiti"/>
+        <a:font script="Tibt" typeface="Microsoft Himalaya"/>
+        <a:font script="Thaa" typeface="MV Boli"/>
+        <a:font script="Deva" typeface="Mangal"/>
+        <a:font script="Telu" typeface="Gautami"/>
+        <a:font script="Taml" typeface="Latha"/>
+        <a:font script="Syrc" typeface="Estrangelo Edessa"/>
+        <a:font script="Orya" typeface="Kalinga"/>
+        <a:font script="Mlym" typeface="Kartika"/>
+        <a:font script="Laoo" typeface="DokChampa"/>
+        <a:font script="Sinh" typeface="Iskoola Pota"/>
+        <a:font script="Mong" typeface="Mongolian Baiti"/>
+        <a:font script="Viet" typeface="Arial"/>
+        <a:font script="Uigh" typeface="Microsoft Uighur"/>
+        <a:font script="Geor" typeface="Sylfaen"/>
+      </a:minorFont>
+    </a:fontScheme>
+    <a:fmtScheme name="Office">
+      <a:fillStyleLst>
+        <a:solidFill>
+          <a:schemeClr val="phClr"/>
+        </a:solidFill>
+        <a:gradFill rotWithShape="1">
+          <a:gsLst>
+            <a:gs pos="0">
+              <a:schemeClr val="phClr">
+                <a:tint val="50000"/>
+                <a:satMod val="300000"/>
+              </a:schemeClr>
+            </a:gs>
+            <a:gs pos="35000">
+              <a:schemeClr val="phClr">
+                <a:tint val="37000"/>
+                <a:satMod val="300000"/>
+              </a:schemeClr>
+            </a:gs>
+            <a:gs pos="100000">
+              <a:schemeClr val="phClr">
+                <a:tint val="15000"/>
+                <a:satMod val="350000"/>
+              </a:schemeClr>
+            </a:gs>
+          </a:gsLst>
+          <a:lin ang="16200000" scaled="1"/>
+        </a:gradFill>
+        <a:gradFill rotWithShape="1">
+          <a:gsLst>
+            <a:gs pos="0">
+              <a:schemeClr val="phClr">
+                <a:tint val="100000"/>
+                <a:shade val="100000"/>
+                <a:satMod val="130000"/>
+              </a:schemeClr>
+            </a:gs>
+            <a:gs pos="100000">
+              <a:schemeClr val="phClr">
+                <a:tint val="50000"/>
+                <a:shade val="100000"/>
+                <a:satMod val="350000"/>
+              </a:schemeClr>
+            </a:gs>
+          </a:gsLst>
+          <a:lin ang="16200000" scaled="0"/>
+        </a:gradFill>
+      </a:fillStyleLst>
+      <a:lnStyleLst>
+        <a:ln w="9525" cap="flat" cmpd="sng" algn="ctr">
+          <a:solidFill>
+            <a:schemeClr val="phClr">
+              <a:shade val="95000"/>
+              <a:satMod val="105000"/>
+            </a:schemeClr>
+          </a:solidFill>
+          <a:prstDash val="solid"/>
+        </a:ln>
+        <a:ln w="25400" cap="flat" cmpd="sng" algn="ctr">
+          <a:solidFill>
+            <a:schemeClr val="phClr"/>
+          </a:solidFill>
+          <a:prstDash val="solid"/>
+        </a:ln>
+        <a:ln w="38100" cap="flat" cmpd="sng" algn="ctr">
+          <a:solidFill>
+            <a:schemeClr val="phClr"/>
+          </a:solidFill>
+          <a:prstDash val="solid"/>
+        </a:ln>
+      </a:lnStyleLst>
+      <a:effectStyleLst>
+        <a:effectStyle>
+          <a:effectLst>
+            <a:outerShdw blurRad="40000" dist="20000" dir="5400000" rotWithShape="0">
+              <a:srgbClr val="000000">
+                <a:alpha val="38000"/>
+              </a:srgbClr>
+            </a:outerShdw>
+          </a:effectLst>
+        </a:effectStyle>
+        <a:effectStyle>
+          <a:effectLst>
+            <a:outerShdw blurRad="40000" dist="23000" dir="5400000" rotWithShape="0">
+              <a:srgbClr val="000000">
+                <a:alpha val="35000"/>
+              </a:srgbClr>
+            </a:outerShdw>
+          </a:effectLst>
+        </a:effectStyle>
+        <a:effectStyle>
+          <a:effectLst>
+            <a:outerShdw blurRad="40000" dist="23000" dir="5400000" rotWithShape="0">
+              <a:srgbClr val="000000">
+                <a:alpha val="35000"/>
+              </a:srgbClr>
+            </a:outerShdw>
+          </a:effectLst>
+          <a:scene3d>
+            <a:camera prst="orthographicFront">
+              <a:rot lat="0" lon="0" rev="0"/>
+            </a:camera>
+            <a:lightRig rig="threePt" dir="t">
+              <a:rot lat="0" lon="0" rev="1200000"/>
+            </a:lightRig>
+          </a:scene3d>
+          <a:sp3d>
+            <a:bevelT w="63500" h="25400"/>
+          </a:sp3d>
+        </a:effectStyle>
+      </a:effectStyleLst>
+      <a:bgFillStyleLst>
+        <a:solidFill>
+          <a:schemeClr val="phClr"/>
+        </a:solidFill>
+        <a:gradFill rotWithShape="1">
+          <a:gsLst>
+            <a:gs pos="0">
+              <a:schemeClr val="phClr">
+                <a:tint val="40000"/>
+                <a:satMod val="350000"/>
+              </a:schemeClr>
+            </a:gs>
+            <a:gs pos="40000">
+              <a:schemeClr val="phClr">
+                <a:tint val="45000"/>
+                <a:shade val="99000"/>
+                <a:satMod val="350000"/>
+              </a:schemeClr>
+            </a:gs>
+            <a:gs pos="100000">
+              <a:schemeClr val="phClr">
+                <a:shade val="20000"/>
+                <a:satMod val="255000"/>
+              </a:schemeClr>
+            </a:gs>
+          </a:gsLst>
+          <a:path path="circle">
+            <a:fillToRect l="50000" t="-80000" r="50000" b="180000"/>
+          </a:path>
+        </a:gradFill>
+        <a:gradFill rotWithShape="1">
+          <a:gsLst>
+            <a:gs pos="0">
+              <a:schemeClr val="phClr">
+                <a:tint val="80000"/>
+                <a:satMod val="300000"/>
+              </a:schemeClr>
+            </a:gs>
+            <a:gs pos="100000">
+              <a:schemeClr val="phClr">
+                <a:shade val="30000"/>
+                <a:satMod val="200000"/>
+              </a:schemeClr>
+            </a:gs>
+          </a:gsLst>
+          <a:path path="circle">
+            <a:fillToRect l="50000" t="50000" r="50000" b="50000"/>
+          </a:path>
+        </a:gradFill>
+      </a:bgFillStyleLst>
+    </a:fmtScheme>
+  </a:themeElements>
+</a:theme>
+</file>
+
+<file path=ppt/theme/theme2.xml><?xml version="1.0" encoding="utf-8"?>
 <a:theme xmlns:a="http://schemas.openxmlformats.org/drawingml/2006/main" xmlns:r="http://schemas.openxmlformats.org/officeDocument/2006/relationships">
   <a:themeElements>
     <a:clrScheme name="Default">
@@ -14386,283 +14759,4 @@
     </a:fmtScheme>
   </a:themeElements>
 </a:theme>
-</file>
-
-<file path=ppt/theme/theme2.xml><?xml version="1.0" encoding="utf-8"?>
-<a:theme xmlns:a="http://schemas.openxmlformats.org/drawingml/2006/main" xmlns:r="http://schemas.openxmlformats.org/officeDocument/2006/relationships" name="Focus">
-  <a:themeElements>
-    <a:clrScheme name="Focus">
-      <a:dk1>
-        <a:srgbClr val="1B212C"/>
-      </a:dk1>
-      <a:lt1>
-        <a:srgbClr val="FFFFFF"/>
-      </a:lt1>
-      <a:dk2>
-        <a:srgbClr val="D9D9D9"/>
-      </a:dk2>
-      <a:lt2>
-        <a:srgbClr val="82C7A5"/>
-      </a:lt2>
-      <a:accent1>
-        <a:srgbClr val="0145AC"/>
-      </a:accent1>
-      <a:accent2>
-        <a:srgbClr val="EECE1A"/>
-      </a:accent2>
-      <a:accent3>
-        <a:srgbClr val="4E5567"/>
-      </a:accent3>
-      <a:accent4>
-        <a:srgbClr val="F4D6AD"/>
-      </a:accent4>
-      <a:accent5>
-        <a:srgbClr val="7890CD"/>
-      </a:accent5>
-      <a:accent6>
-        <a:srgbClr val="F15E22"/>
-      </a:accent6>
-      <a:hlink>
-        <a:srgbClr val="7890CD"/>
-      </a:hlink>
-      <a:folHlink>
-        <a:srgbClr val="7890CD"/>
-      </a:folHlink>
-    </a:clrScheme>
-    <a:fontScheme name="Office">
-      <a:majorFont>
-        <a:latin typeface="Arial"/>
-        <a:ea typeface=""/>
-        <a:cs typeface=""/>
-        <a:font script="Jpan" typeface="ＭＳ Ｐゴシック"/>
-        <a:font script="Hang" typeface="맑은 고딕"/>
-        <a:font script="Hans" typeface="宋体"/>
-        <a:font script="Hant" typeface="新細明體"/>
-        <a:font script="Arab" typeface="Times New Roman"/>
-        <a:font script="Hebr" typeface="Times New Roman"/>
-        <a:font script="Thai" typeface="Angsana New"/>
-        <a:font script="Ethi" typeface="Nyala"/>
-        <a:font script="Beng" typeface="Vrinda"/>
-        <a:font script="Gujr" typeface="Shruti"/>
-        <a:font script="Khmr" typeface="MoolBoran"/>
-        <a:font script="Knda" typeface="Tunga"/>
-        <a:font script="Guru" typeface="Raavi"/>
-        <a:font script="Cans" typeface="Euphemia"/>
-        <a:font script="Cher" typeface="Plantagenet Cherokee"/>
-        <a:font script="Yiii" typeface="Microsoft Yi Baiti"/>
-        <a:font script="Tibt" typeface="Microsoft Himalaya"/>
-        <a:font script="Thaa" typeface="MV Boli"/>
-        <a:font script="Deva" typeface="Mangal"/>
-        <a:font script="Telu" typeface="Gautami"/>
-        <a:font script="Taml" typeface="Latha"/>
-        <a:font script="Syrc" typeface="Estrangelo Edessa"/>
-        <a:font script="Orya" typeface="Kalinga"/>
-        <a:font script="Mlym" typeface="Kartika"/>
-        <a:font script="Laoo" typeface="DokChampa"/>
-        <a:font script="Sinh" typeface="Iskoola Pota"/>
-        <a:font script="Mong" typeface="Mongolian Baiti"/>
-        <a:font script="Viet" typeface="Times New Roman"/>
-        <a:font script="Uigh" typeface="Microsoft Uighur"/>
-        <a:font script="Geor" typeface="Sylfaen"/>
-      </a:majorFont>
-      <a:minorFont>
-        <a:latin typeface="Arial"/>
-        <a:ea typeface=""/>
-        <a:cs typeface=""/>
-        <a:font script="Jpan" typeface="ＭＳ Ｐゴシック"/>
-        <a:font script="Hang" typeface="맑은 고딕"/>
-        <a:font script="Hans" typeface="宋体"/>
-        <a:font script="Hant" typeface="新細明體"/>
-        <a:font script="Arab" typeface="Arial"/>
-        <a:font script="Hebr" typeface="Arial"/>
-        <a:font script="Thai" typeface="Cordia New"/>
-        <a:font script="Ethi" typeface="Nyala"/>
-        <a:font script="Beng" typeface="Vrinda"/>
-        <a:font script="Gujr" typeface="Shruti"/>
-        <a:font script="Khmr" typeface="DaunPenh"/>
-        <a:font script="Knda" typeface="Tunga"/>
-        <a:font script="Guru" typeface="Raavi"/>
-        <a:font script="Cans" typeface="Euphemia"/>
-        <a:font script="Cher" typeface="Plantagenet Cherokee"/>
-        <a:font script="Yiii" typeface="Microsoft Yi Baiti"/>
-        <a:font script="Tibt" typeface="Microsoft Himalaya"/>
-        <a:font script="Thaa" typeface="MV Boli"/>
-        <a:font script="Deva" typeface="Mangal"/>
-        <a:font script="Telu" typeface="Gautami"/>
-        <a:font script="Taml" typeface="Latha"/>
-        <a:font script="Syrc" typeface="Estrangelo Edessa"/>
-        <a:font script="Orya" typeface="Kalinga"/>
-        <a:font script="Mlym" typeface="Kartika"/>
-        <a:font script="Laoo" typeface="DokChampa"/>
-        <a:font script="Sinh" typeface="Iskoola Pota"/>
-        <a:font script="Mong" typeface="Mongolian Baiti"/>
-        <a:font script="Viet" typeface="Arial"/>
-        <a:font script="Uigh" typeface="Microsoft Uighur"/>
-        <a:font script="Geor" typeface="Sylfaen"/>
-      </a:minorFont>
-    </a:fontScheme>
-    <a:fmtScheme name="Office">
-      <a:fillStyleLst>
-        <a:solidFill>
-          <a:schemeClr val="phClr"/>
-        </a:solidFill>
-        <a:gradFill rotWithShape="1">
-          <a:gsLst>
-            <a:gs pos="0">
-              <a:schemeClr val="phClr">
-                <a:tint val="50000"/>
-                <a:satMod val="300000"/>
-              </a:schemeClr>
-            </a:gs>
-            <a:gs pos="35000">
-              <a:schemeClr val="phClr">
-                <a:tint val="37000"/>
-                <a:satMod val="300000"/>
-              </a:schemeClr>
-            </a:gs>
-            <a:gs pos="100000">
-              <a:schemeClr val="phClr">
-                <a:tint val="15000"/>
-                <a:satMod val="350000"/>
-              </a:schemeClr>
-            </a:gs>
-          </a:gsLst>
-          <a:lin ang="16200000" scaled="1"/>
-        </a:gradFill>
-        <a:gradFill rotWithShape="1">
-          <a:gsLst>
-            <a:gs pos="0">
-              <a:schemeClr val="phClr">
-                <a:tint val="100000"/>
-                <a:shade val="100000"/>
-                <a:satMod val="130000"/>
-              </a:schemeClr>
-            </a:gs>
-            <a:gs pos="100000">
-              <a:schemeClr val="phClr">
-                <a:tint val="50000"/>
-                <a:shade val="100000"/>
-                <a:satMod val="350000"/>
-              </a:schemeClr>
-            </a:gs>
-          </a:gsLst>
-          <a:lin ang="16200000" scaled="0"/>
-        </a:gradFill>
-      </a:fillStyleLst>
-      <a:lnStyleLst>
-        <a:ln w="9525" cap="flat" cmpd="sng" algn="ctr">
-          <a:solidFill>
-            <a:schemeClr val="phClr">
-              <a:shade val="95000"/>
-              <a:satMod val="105000"/>
-            </a:schemeClr>
-          </a:solidFill>
-          <a:prstDash val="solid"/>
-        </a:ln>
-        <a:ln w="25400" cap="flat" cmpd="sng" algn="ctr">
-          <a:solidFill>
-            <a:schemeClr val="phClr"/>
-          </a:solidFill>
-          <a:prstDash val="solid"/>
-        </a:ln>
-        <a:ln w="38100" cap="flat" cmpd="sng" algn="ctr">
-          <a:solidFill>
-            <a:schemeClr val="phClr"/>
-          </a:solidFill>
-          <a:prstDash val="solid"/>
-        </a:ln>
-      </a:lnStyleLst>
-      <a:effectStyleLst>
-        <a:effectStyle>
-          <a:effectLst>
-            <a:outerShdw blurRad="40000" dist="20000" dir="5400000" rotWithShape="0">
-              <a:srgbClr val="000000">
-                <a:alpha val="38000"/>
-              </a:srgbClr>
-            </a:outerShdw>
-          </a:effectLst>
-        </a:effectStyle>
-        <a:effectStyle>
-          <a:effectLst>
-            <a:outerShdw blurRad="40000" dist="23000" dir="5400000" rotWithShape="0">
-              <a:srgbClr val="000000">
-                <a:alpha val="35000"/>
-              </a:srgbClr>
-            </a:outerShdw>
-          </a:effectLst>
-        </a:effectStyle>
-        <a:effectStyle>
-          <a:effectLst>
-            <a:outerShdw blurRad="40000" dist="23000" dir="5400000" rotWithShape="0">
-              <a:srgbClr val="000000">
-                <a:alpha val="35000"/>
-              </a:srgbClr>
-            </a:outerShdw>
-          </a:effectLst>
-          <a:scene3d>
-            <a:camera prst="orthographicFront">
-              <a:rot lat="0" lon="0" rev="0"/>
-            </a:camera>
-            <a:lightRig rig="threePt" dir="t">
-              <a:rot lat="0" lon="0" rev="1200000"/>
-            </a:lightRig>
-          </a:scene3d>
-          <a:sp3d>
-            <a:bevelT w="63500" h="25400"/>
-          </a:sp3d>
-        </a:effectStyle>
-      </a:effectStyleLst>
-      <a:bgFillStyleLst>
-        <a:solidFill>
-          <a:schemeClr val="phClr"/>
-        </a:solidFill>
-        <a:gradFill rotWithShape="1">
-          <a:gsLst>
-            <a:gs pos="0">
-              <a:schemeClr val="phClr">
-                <a:tint val="40000"/>
-                <a:satMod val="350000"/>
-              </a:schemeClr>
-            </a:gs>
-            <a:gs pos="40000">
-              <a:schemeClr val="phClr">
-                <a:tint val="45000"/>
-                <a:shade val="99000"/>
-                <a:satMod val="350000"/>
-              </a:schemeClr>
-            </a:gs>
-            <a:gs pos="100000">
-              <a:schemeClr val="phClr">
-                <a:shade val="20000"/>
-                <a:satMod val="255000"/>
-              </a:schemeClr>
-            </a:gs>
-          </a:gsLst>
-          <a:path path="circle">
-            <a:fillToRect l="50000" t="-80000" r="50000" b="180000"/>
-          </a:path>
-        </a:gradFill>
-        <a:gradFill rotWithShape="1">
-          <a:gsLst>
-            <a:gs pos="0">
-              <a:schemeClr val="phClr">
-                <a:tint val="80000"/>
-                <a:satMod val="300000"/>
-              </a:schemeClr>
-            </a:gs>
-            <a:gs pos="100000">
-              <a:schemeClr val="phClr">
-                <a:shade val="30000"/>
-                <a:satMod val="200000"/>
-              </a:schemeClr>
-            </a:gs>
-          </a:gsLst>
-          <a:path path="circle">
-            <a:fillToRect l="50000" t="50000" r="50000" b="50000"/>
-          </a:path>
-        </a:gradFill>
-      </a:bgFillStyleLst>
-    </a:fmtScheme>
-  </a:themeElements>
-</a:theme>
 </file>